--- a/Pres/Диплом преза.pptx
+++ b/Pres/Диплом преза.pptx
@@ -5,30 +5,32 @@
     <p:sldMasterId id="2147483648" r:id="rId1"/>
   </p:sldMasterIdLst>
   <p:notesMasterIdLst>
-    <p:notesMasterId r:id="rId23"/>
+    <p:notesMasterId r:id="rId25"/>
   </p:notesMasterIdLst>
   <p:sldIdLst>
     <p:sldId id="256" r:id="rId2"/>
     <p:sldId id="257" r:id="rId3"/>
     <p:sldId id="274" r:id="rId4"/>
     <p:sldId id="275" r:id="rId5"/>
-    <p:sldId id="258" r:id="rId6"/>
-    <p:sldId id="267" r:id="rId7"/>
-    <p:sldId id="278" r:id="rId8"/>
-    <p:sldId id="259" r:id="rId9"/>
-    <p:sldId id="260" r:id="rId10"/>
-    <p:sldId id="262" r:id="rId11"/>
-    <p:sldId id="261" r:id="rId12"/>
-    <p:sldId id="263" r:id="rId13"/>
-    <p:sldId id="264" r:id="rId14"/>
-    <p:sldId id="279" r:id="rId15"/>
-    <p:sldId id="268" r:id="rId16"/>
-    <p:sldId id="269" r:id="rId17"/>
-    <p:sldId id="270" r:id="rId18"/>
-    <p:sldId id="272" r:id="rId19"/>
-    <p:sldId id="273" r:id="rId20"/>
-    <p:sldId id="277" r:id="rId21"/>
-    <p:sldId id="271" r:id="rId22"/>
+    <p:sldId id="281" r:id="rId6"/>
+    <p:sldId id="282" r:id="rId7"/>
+    <p:sldId id="280" r:id="rId8"/>
+    <p:sldId id="267" r:id="rId9"/>
+    <p:sldId id="278" r:id="rId10"/>
+    <p:sldId id="259" r:id="rId11"/>
+    <p:sldId id="260" r:id="rId12"/>
+    <p:sldId id="262" r:id="rId13"/>
+    <p:sldId id="261" r:id="rId14"/>
+    <p:sldId id="263" r:id="rId15"/>
+    <p:sldId id="264" r:id="rId16"/>
+    <p:sldId id="279" r:id="rId17"/>
+    <p:sldId id="268" r:id="rId18"/>
+    <p:sldId id="269" r:id="rId19"/>
+    <p:sldId id="270" r:id="rId20"/>
+    <p:sldId id="272" r:id="rId21"/>
+    <p:sldId id="273" r:id="rId22"/>
+    <p:sldId id="277" r:id="rId23"/>
+    <p:sldId id="271" r:id="rId24"/>
   </p:sldIdLst>
   <p:sldSz cx="12192000" cy="6858000"/>
   <p:notesSz cx="6858000" cy="9144000"/>
@@ -217,7 +219,7 @@
           <a:p>
             <a:fld id="{D263CB15-747A-4D97-85C0-24CCF4A04F9B}" type="datetimeFigureOut">
               <a:rPr lang="ru-RU" smtClean="0"/>
-              <a:t>05.06.2021</a:t>
+              <a:t>13.06.2021</a:t>
             </a:fld>
             <a:endParaRPr lang="ru-RU"/>
           </a:p>
@@ -653,7 +655,7 @@
           <a:p>
             <a:fld id="{3D489136-C38E-486A-BBBF-AA0AA56810BF}" type="datetime1">
               <a:rPr lang="en-US" smtClean="0"/>
-              <a:t>6/5/2021</a:t>
+              <a:t>6/13/2021</a:t>
             </a:fld>
             <a:endParaRPr lang="en-US" dirty="0"/>
           </a:p>
@@ -979,7 +981,7 @@
           <a:p>
             <a:fld id="{35B3844E-4E0A-4F90-8CEE-BA3EB56E8380}" type="datetime1">
               <a:rPr lang="en-US" smtClean="0"/>
-              <a:t>6/5/2021</a:t>
+              <a:t>6/13/2021</a:t>
             </a:fld>
             <a:endParaRPr lang="en-US" dirty="0"/>
           </a:p>
@@ -1154,7 +1156,7 @@
           <a:p>
             <a:fld id="{AA77E8EF-D946-43D4-BEA5-58109BF33FB9}" type="datetime1">
               <a:rPr lang="en-US" smtClean="0"/>
-              <a:t>6/5/2021</a:t>
+              <a:t>6/13/2021</a:t>
             </a:fld>
             <a:endParaRPr lang="en-US" dirty="0"/>
           </a:p>
@@ -1319,7 +1321,7 @@
           <a:p>
             <a:fld id="{E69AC3C7-6072-4E8A-84C3-7CFCA9A538CC}" type="datetime1">
               <a:rPr lang="en-US" smtClean="0"/>
-              <a:t>6/5/2021</a:t>
+              <a:t>6/13/2021</a:t>
             </a:fld>
             <a:endParaRPr lang="en-US" dirty="0"/>
           </a:p>
@@ -1591,7 +1593,7 @@
           <a:p>
             <a:fld id="{FF927207-F485-44C7-ABC4-6F062EB9A313}" type="datetime1">
               <a:rPr lang="en-US" smtClean="0"/>
-              <a:t>6/5/2021</a:t>
+              <a:t>6/13/2021</a:t>
             </a:fld>
             <a:endParaRPr lang="en-US" dirty="0"/>
           </a:p>
@@ -1981,7 +1983,7 @@
           <a:p>
             <a:fld id="{45977EA2-6485-475C-93E9-C8796BC67A4D}" type="datetime1">
               <a:rPr lang="en-US" smtClean="0"/>
-              <a:t>6/5/2021</a:t>
+              <a:t>6/13/2021</a:t>
             </a:fld>
             <a:endParaRPr lang="en-US" dirty="0"/>
           </a:p>
@@ -2453,7 +2455,7 @@
           <a:p>
             <a:fld id="{69EFA4FB-446C-4008-A706-F04862265C86}" type="datetime1">
               <a:rPr lang="en-US" smtClean="0"/>
-              <a:t>6/5/2021</a:t>
+              <a:t>6/13/2021</a:t>
             </a:fld>
             <a:endParaRPr lang="en-US" dirty="0"/>
           </a:p>
@@ -2566,7 +2568,7 @@
           <a:p>
             <a:fld id="{9FD2B407-3546-4B02-A07F-450F574ABEE3}" type="datetime1">
               <a:rPr lang="en-US" smtClean="0"/>
-              <a:t>6/5/2021</a:t>
+              <a:t>6/13/2021</a:t>
             </a:fld>
             <a:endParaRPr lang="en-US" dirty="0"/>
           </a:p>
@@ -2656,7 +2658,7 @@
           <a:p>
             <a:fld id="{B2074BBA-BA56-436F-836E-BD0889859D5C}" type="datetime1">
               <a:rPr lang="en-US" smtClean="0"/>
-              <a:t>6/5/2021</a:t>
+              <a:t>6/13/2021</a:t>
             </a:fld>
             <a:endParaRPr lang="en-US" dirty="0"/>
           </a:p>
@@ -2997,7 +2999,7 @@
           <a:p>
             <a:fld id="{BFC19435-F282-44C2-A65A-96BED43E98DA}" type="datetime1">
               <a:rPr lang="en-US" smtClean="0"/>
-              <a:t>6/5/2021</a:t>
+              <a:t>6/13/2021</a:t>
             </a:fld>
             <a:endParaRPr lang="en-US" dirty="0"/>
           </a:p>
@@ -3381,7 +3383,7 @@
           <a:p>
             <a:fld id="{3DFD870D-89DE-452B-B436-F1366963F325}" type="datetime1">
               <a:rPr lang="en-US" smtClean="0"/>
-              <a:t>6/5/2021</a:t>
+              <a:t>6/13/2021</a:t>
             </a:fld>
             <a:endParaRPr lang="en-US" dirty="0"/>
           </a:p>
@@ -3655,7 +3657,7 @@
           <a:p>
             <a:fld id="{C63D728C-5BE4-48CD-B3EB-B3F124074489}" type="datetime1">
               <a:rPr lang="en-US" smtClean="0"/>
-              <a:t>6/5/2021</a:t>
+              <a:t>6/13/2021</a:t>
             </a:fld>
             <a:endParaRPr lang="en-US" dirty="0"/>
           </a:p>
@@ -4450,6 +4452,460 @@
         <p:spPr>
           <a:xfrm>
             <a:off x="1371600" y="685800"/>
+            <a:ext cx="2770632" cy="704088"/>
+          </a:xfrm>
+        </p:spPr>
+        <p:txBody>
+          <a:bodyPr>
+            <a:normAutofit/>
+          </a:bodyPr>
+          <a:lstStyle/>
+          <a:p>
+            <a:r>
+              <a:rPr lang="en-US" dirty="0"/>
+              <a:t>Brute spot</a:t>
+            </a:r>
+            <a:endParaRPr lang="ru-RU" dirty="0"/>
+          </a:p>
+        </p:txBody>
+      </p:sp>
+      <p:grpSp>
+        <p:nvGrpSpPr>
+          <p:cNvPr id="5" name="Группа 4">
+            <a:extLst>
+              <a:ext uri="{FF2B5EF4-FFF2-40B4-BE49-F238E27FC236}">
+                <a16:creationId xmlns:a16="http://schemas.microsoft.com/office/drawing/2014/main" id="{B0A74A71-746F-4B5F-A45B-39C90E114570}"/>
+              </a:ext>
+            </a:extLst>
+          </p:cNvPr>
+          <p:cNvGrpSpPr/>
+          <p:nvPr/>
+        </p:nvGrpSpPr>
+        <p:grpSpPr>
+          <a:xfrm>
+            <a:off x="3316926" y="1926200"/>
+            <a:ext cx="5558148" cy="4246000"/>
+            <a:chOff x="0" y="222870"/>
+            <a:chExt cx="4218305" cy="3222948"/>
+          </a:xfrm>
+        </p:grpSpPr>
+        <p:pic>
+          <p:nvPicPr>
+            <p:cNvPr id="6" name="Рисунок 5">
+              <a:extLst>
+                <a:ext uri="{FF2B5EF4-FFF2-40B4-BE49-F238E27FC236}">
+                  <a16:creationId xmlns:a16="http://schemas.microsoft.com/office/drawing/2014/main" id="{56BA52BF-DA99-4ADA-8A2D-8A9027E5C8C0}"/>
+                </a:ext>
+              </a:extLst>
+            </p:cNvPr>
+            <p:cNvPicPr>
+              <a:picLocks noChangeAspect="1"/>
+            </p:cNvPicPr>
+            <p:nvPr/>
+          </p:nvPicPr>
+          <p:blipFill>
+            <a:blip r:embed="rId2">
+              <a:extLst>
+                <a:ext uri="{28A0092B-C50C-407E-A947-70E740481C1C}">
+                  <a14:useLocalDpi xmlns:a14="http://schemas.microsoft.com/office/drawing/2010/main" val="0"/>
+                </a:ext>
+              </a:extLst>
+            </a:blip>
+            <a:stretch>
+              <a:fillRect/>
+            </a:stretch>
+          </p:blipFill>
+          <p:spPr>
+            <a:xfrm>
+              <a:off x="238880" y="222870"/>
+              <a:ext cx="3727730" cy="2744031"/>
+            </a:xfrm>
+            <a:prstGeom prst="rect">
+              <a:avLst/>
+            </a:prstGeom>
+          </p:spPr>
+        </p:pic>
+        <p:sp>
+          <p:nvSpPr>
+            <p:cNvPr id="7" name="Надпись 150">
+              <a:extLst>
+                <a:ext uri="{FF2B5EF4-FFF2-40B4-BE49-F238E27FC236}">
+                  <a16:creationId xmlns:a16="http://schemas.microsoft.com/office/drawing/2014/main" id="{4B39570A-2234-4DC0-B02A-688E1838DC8B}"/>
+                </a:ext>
+              </a:extLst>
+            </p:cNvPr>
+            <p:cNvSpPr txBox="1"/>
+            <p:nvPr/>
+          </p:nvSpPr>
+          <p:spPr>
+            <a:xfrm>
+              <a:off x="0" y="3165475"/>
+              <a:ext cx="4218305" cy="280343"/>
+            </a:xfrm>
+            <a:prstGeom prst="rect">
+              <a:avLst/>
+            </a:prstGeom>
+            <a:noFill/>
+            <a:ln>
+              <a:noFill/>
+            </a:ln>
+          </p:spPr>
+          <p:txBody>
+            <a:bodyPr rot="0" spcFirstLastPara="0" vert="horz" wrap="square" lIns="0" tIns="0" rIns="0" bIns="0" numCol="1" spcCol="0" rtlCol="0" fromWordArt="0" anchor="t" anchorCtr="0" forceAA="0" compatLnSpc="1">
+              <a:prstTxWarp prst="textNoShape">
+                <a:avLst/>
+              </a:prstTxWarp>
+              <a:spAutoFit/>
+            </a:bodyPr>
+            <a:lstStyle/>
+            <a:p>
+              <a:pPr algn="ctr">
+                <a:spcAft>
+                  <a:spcPts val="0"/>
+                </a:spcAft>
+              </a:pPr>
+              <a:r>
+                <a:rPr lang="ru-RU" sz="1200" b="1" dirty="0">
+                  <a:solidFill>
+                    <a:srgbClr val="000000"/>
+                  </a:solidFill>
+                  <a:latin typeface="Times New Roman" panose="02020603050405020304" pitchFamily="18" charset="0"/>
+                  <a:ea typeface="Calibri" panose="020F0502020204030204" pitchFamily="34" charset="0"/>
+                </a:rPr>
+                <a:t>Жёлтый цвет – световое пятно, красный цвет – обработанные пиксели, </a:t>
+              </a:r>
+              <a:br>
+                <a:rPr lang="ru-RU" sz="1200" b="1" dirty="0">
+                  <a:solidFill>
+                    <a:srgbClr val="000000"/>
+                  </a:solidFill>
+                  <a:latin typeface="Times New Roman" panose="02020603050405020304" pitchFamily="18" charset="0"/>
+                  <a:ea typeface="Calibri" panose="020F0502020204030204" pitchFamily="34" charset="0"/>
+                </a:rPr>
+              </a:br>
+              <a:r>
+                <a:rPr lang="ru-RU" sz="1200" b="1" dirty="0">
+                  <a:solidFill>
+                    <a:srgbClr val="000000"/>
+                  </a:solidFill>
+                  <a:latin typeface="Times New Roman" panose="02020603050405020304" pitchFamily="18" charset="0"/>
+                  <a:ea typeface="Calibri" panose="020F0502020204030204" pitchFamily="34" charset="0"/>
+                </a:rPr>
+                <a:t>синий – первый обнаруженный пиксель пятна. </a:t>
+              </a:r>
+              <a:endParaRPr lang="ru-RU" sz="1200" b="1" dirty="0">
+                <a:solidFill>
+                  <a:srgbClr val="000000"/>
+                </a:solidFill>
+                <a:effectLst/>
+                <a:latin typeface="Times New Roman" panose="02020603050405020304" pitchFamily="18" charset="0"/>
+                <a:ea typeface="Calibri" panose="020F0502020204030204" pitchFamily="34" charset="0"/>
+              </a:endParaRPr>
+            </a:p>
+          </p:txBody>
+        </p:sp>
+      </p:grpSp>
+      <p:sp>
+        <p:nvSpPr>
+          <p:cNvPr id="4" name="Номер слайда 3">
+            <a:extLst>
+              <a:ext uri="{FF2B5EF4-FFF2-40B4-BE49-F238E27FC236}">
+                <a16:creationId xmlns:a16="http://schemas.microsoft.com/office/drawing/2014/main" id="{9705DD08-B1A0-4FCA-8290-EF7041DC01F2}"/>
+              </a:ext>
+            </a:extLst>
+          </p:cNvPr>
+          <p:cNvSpPr>
+            <a:spLocks noGrp="1"/>
+          </p:cNvSpPr>
+          <p:nvPr>
+            <p:ph type="sldNum" sz="quarter" idx="12"/>
+          </p:nvPr>
+        </p:nvSpPr>
+        <p:spPr/>
+        <p:txBody>
+          <a:bodyPr/>
+          <a:lstStyle/>
+          <a:p>
+            <a:fld id="{69E57DC2-970A-4B3E-BB1C-7A09969E49DF}" type="slidenum">
+              <a:rPr lang="en-US" sz="1800" smtClean="0"/>
+              <a:t>10</a:t>
+            </a:fld>
+            <a:endParaRPr lang="en-US" sz="1800" dirty="0"/>
+          </a:p>
+        </p:txBody>
+      </p:sp>
+    </p:spTree>
+    <p:extLst>
+      <p:ext uri="{BB962C8B-B14F-4D97-AF65-F5344CB8AC3E}">
+        <p14:creationId xmlns:p14="http://schemas.microsoft.com/office/powerpoint/2010/main" val="2894849705"/>
+      </p:ext>
+    </p:extLst>
+  </p:cSld>
+  <p:clrMapOvr>
+    <a:masterClrMapping/>
+  </p:clrMapOvr>
+</p:sld>
+</file>
+
+<file path=ppt/slides/slide11.xml><?xml version="1.0" encoding="utf-8"?>
+<p:sld xmlns:a="http://schemas.openxmlformats.org/drawingml/2006/main" xmlns:r="http://schemas.openxmlformats.org/officeDocument/2006/relationships" xmlns:p="http://schemas.openxmlformats.org/presentationml/2006/main">
+  <p:cSld>
+    <p:spTree>
+      <p:nvGrpSpPr>
+        <p:cNvPr id="1" name=""/>
+        <p:cNvGrpSpPr/>
+        <p:nvPr/>
+      </p:nvGrpSpPr>
+      <p:grpSpPr>
+        <a:xfrm>
+          <a:off x="0" y="0"/>
+          <a:ext cx="0" cy="0"/>
+          <a:chOff x="0" y="0"/>
+          <a:chExt cx="0" cy="0"/>
+        </a:xfrm>
+      </p:grpSpPr>
+      <p:sp>
+        <p:nvSpPr>
+          <p:cNvPr id="2" name="Заголовок 1">
+            <a:extLst>
+              <a:ext uri="{FF2B5EF4-FFF2-40B4-BE49-F238E27FC236}">
+                <a16:creationId xmlns:a16="http://schemas.microsoft.com/office/drawing/2014/main" id="{6805E75B-EB9E-4DCE-B440-FF0E224C79C8}"/>
+              </a:ext>
+            </a:extLst>
+          </p:cNvPr>
+          <p:cNvSpPr>
+            <a:spLocks noGrp="1"/>
+          </p:cNvSpPr>
+          <p:nvPr>
+            <p:ph type="title"/>
+          </p:nvPr>
+        </p:nvSpPr>
+        <p:spPr>
+          <a:xfrm>
+            <a:off x="1371600" y="685800"/>
+            <a:ext cx="2770632" cy="704088"/>
+          </a:xfrm>
+        </p:spPr>
+        <p:txBody>
+          <a:bodyPr/>
+          <a:lstStyle/>
+          <a:p>
+            <a:r>
+              <a:rPr lang="en-US" dirty="0"/>
+              <a:t>Rand spot</a:t>
+            </a:r>
+            <a:endParaRPr lang="ru-RU" dirty="0"/>
+          </a:p>
+        </p:txBody>
+      </p:sp>
+      <p:grpSp>
+        <p:nvGrpSpPr>
+          <p:cNvPr id="14" name="Группа 13">
+            <a:extLst>
+              <a:ext uri="{FF2B5EF4-FFF2-40B4-BE49-F238E27FC236}">
+                <a16:creationId xmlns:a16="http://schemas.microsoft.com/office/drawing/2014/main" id="{BC93A4D5-52FF-4092-8C43-47CE12A49624}"/>
+              </a:ext>
+            </a:extLst>
+          </p:cNvPr>
+          <p:cNvGrpSpPr/>
+          <p:nvPr/>
+        </p:nvGrpSpPr>
+        <p:grpSpPr>
+          <a:xfrm>
+            <a:off x="2661597" y="1389888"/>
+            <a:ext cx="6868806" cy="5063498"/>
+            <a:chOff x="1353312" y="1741385"/>
+            <a:chExt cx="5558148" cy="3728525"/>
+          </a:xfrm>
+        </p:grpSpPr>
+        <p:sp>
+          <p:nvSpPr>
+            <p:cNvPr id="7" name="Надпись 150">
+              <a:extLst>
+                <a:ext uri="{FF2B5EF4-FFF2-40B4-BE49-F238E27FC236}">
+                  <a16:creationId xmlns:a16="http://schemas.microsoft.com/office/drawing/2014/main" id="{4B39570A-2234-4DC0-B02A-688E1838DC8B}"/>
+                </a:ext>
+              </a:extLst>
+            </p:cNvPr>
+            <p:cNvSpPr txBox="1"/>
+            <p:nvPr/>
+          </p:nvSpPr>
+          <p:spPr>
+            <a:xfrm>
+              <a:off x="1353312" y="5100578"/>
+              <a:ext cx="5558148" cy="369332"/>
+            </a:xfrm>
+            <a:prstGeom prst="rect">
+              <a:avLst/>
+            </a:prstGeom>
+            <a:noFill/>
+            <a:ln>
+              <a:noFill/>
+            </a:ln>
+          </p:spPr>
+          <p:txBody>
+            <a:bodyPr rot="0" spcFirstLastPara="0" vert="horz" wrap="square" lIns="0" tIns="0" rIns="0" bIns="0" numCol="1" spcCol="0" rtlCol="0" fromWordArt="0" anchor="t" anchorCtr="0" forceAA="0" compatLnSpc="1">
+              <a:prstTxWarp prst="textNoShape">
+                <a:avLst/>
+              </a:prstTxWarp>
+              <a:spAutoFit/>
+            </a:bodyPr>
+            <a:lstStyle/>
+            <a:p>
+              <a:pPr algn="ctr">
+                <a:spcAft>
+                  <a:spcPts val="0"/>
+                </a:spcAft>
+              </a:pPr>
+              <a:r>
+                <a:rPr lang="ru-RU" sz="1200" b="1" dirty="0">
+                  <a:solidFill>
+                    <a:srgbClr val="000000"/>
+                  </a:solidFill>
+                  <a:latin typeface="Times New Roman" panose="02020603050405020304" pitchFamily="18" charset="0"/>
+                  <a:ea typeface="Calibri" panose="020F0502020204030204" pitchFamily="34" charset="0"/>
+                </a:rPr>
+                <a:t>Жёлтый цвет – световое пятно, красный цвет – обработанные пиксели, </a:t>
+              </a:r>
+              <a:br>
+                <a:rPr lang="ru-RU" sz="1200" b="1" dirty="0">
+                  <a:solidFill>
+                    <a:srgbClr val="000000"/>
+                  </a:solidFill>
+                  <a:latin typeface="Times New Roman" panose="02020603050405020304" pitchFamily="18" charset="0"/>
+                  <a:ea typeface="Calibri" panose="020F0502020204030204" pitchFamily="34" charset="0"/>
+                </a:rPr>
+              </a:br>
+              <a:r>
+                <a:rPr lang="ru-RU" sz="1200" b="1" dirty="0">
+                  <a:solidFill>
+                    <a:srgbClr val="000000"/>
+                  </a:solidFill>
+                  <a:latin typeface="Times New Roman" panose="02020603050405020304" pitchFamily="18" charset="0"/>
+                  <a:ea typeface="Calibri" panose="020F0502020204030204" pitchFamily="34" charset="0"/>
+                </a:rPr>
+                <a:t>красный пиксель внутри пятна – первый обнаруженный пиксель пятна. </a:t>
+              </a:r>
+              <a:endParaRPr lang="ru-RU" sz="1200" b="1" dirty="0">
+                <a:solidFill>
+                  <a:srgbClr val="000000"/>
+                </a:solidFill>
+                <a:effectLst/>
+                <a:latin typeface="Times New Roman" panose="02020603050405020304" pitchFamily="18" charset="0"/>
+                <a:ea typeface="Calibri" panose="020F0502020204030204" pitchFamily="34" charset="0"/>
+              </a:endParaRPr>
+            </a:p>
+          </p:txBody>
+        </p:sp>
+        <p:pic>
+          <p:nvPicPr>
+            <p:cNvPr id="13" name="Рисунок 12">
+              <a:extLst>
+                <a:ext uri="{FF2B5EF4-FFF2-40B4-BE49-F238E27FC236}">
+                  <a16:creationId xmlns:a16="http://schemas.microsoft.com/office/drawing/2014/main" id="{C885EFFD-A186-4894-80E3-48E2BF75E022}"/>
+                </a:ext>
+              </a:extLst>
+            </p:cNvPr>
+            <p:cNvPicPr>
+              <a:picLocks noChangeAspect="1"/>
+            </p:cNvPicPr>
+            <p:nvPr/>
+          </p:nvPicPr>
+          <p:blipFill>
+            <a:blip r:embed="rId2"/>
+            <a:stretch>
+              <a:fillRect/>
+            </a:stretch>
+          </p:blipFill>
+          <p:spPr>
+            <a:xfrm>
+              <a:off x="2165248" y="1741385"/>
+              <a:ext cx="3866192" cy="3218417"/>
+            </a:xfrm>
+            <a:prstGeom prst="rect">
+              <a:avLst/>
+            </a:prstGeom>
+          </p:spPr>
+        </p:pic>
+      </p:grpSp>
+      <p:sp>
+        <p:nvSpPr>
+          <p:cNvPr id="4" name="Номер слайда 3">
+            <a:extLst>
+              <a:ext uri="{FF2B5EF4-FFF2-40B4-BE49-F238E27FC236}">
+                <a16:creationId xmlns:a16="http://schemas.microsoft.com/office/drawing/2014/main" id="{819532D9-E951-453F-A5D6-C073ADB31CA5}"/>
+              </a:ext>
+            </a:extLst>
+          </p:cNvPr>
+          <p:cNvSpPr>
+            <a:spLocks noGrp="1"/>
+          </p:cNvSpPr>
+          <p:nvPr>
+            <p:ph type="sldNum" sz="quarter" idx="12"/>
+          </p:nvPr>
+        </p:nvSpPr>
+        <p:spPr/>
+        <p:txBody>
+          <a:bodyPr/>
+          <a:lstStyle/>
+          <a:p>
+            <a:fld id="{69E57DC2-970A-4B3E-BB1C-7A09969E49DF}" type="slidenum">
+              <a:rPr lang="en-US" sz="1800" smtClean="0"/>
+              <a:t>11</a:t>
+            </a:fld>
+            <a:endParaRPr lang="en-US" sz="1800" dirty="0"/>
+          </a:p>
+        </p:txBody>
+      </p:sp>
+    </p:spTree>
+    <p:extLst>
+      <p:ext uri="{BB962C8B-B14F-4D97-AF65-F5344CB8AC3E}">
+        <p14:creationId xmlns:p14="http://schemas.microsoft.com/office/powerpoint/2010/main" val="3594323932"/>
+      </p:ext>
+    </p:extLst>
+  </p:cSld>
+  <p:clrMapOvr>
+    <a:masterClrMapping/>
+  </p:clrMapOvr>
+</p:sld>
+</file>
+
+<file path=ppt/slides/slide12.xml><?xml version="1.0" encoding="utf-8"?>
+<p:sld xmlns:a="http://schemas.openxmlformats.org/drawingml/2006/main" xmlns:r="http://schemas.openxmlformats.org/officeDocument/2006/relationships" xmlns:p="http://schemas.openxmlformats.org/presentationml/2006/main">
+  <p:cSld>
+    <p:spTree>
+      <p:nvGrpSpPr>
+        <p:cNvPr id="1" name=""/>
+        <p:cNvGrpSpPr/>
+        <p:nvPr/>
+      </p:nvGrpSpPr>
+      <p:grpSpPr>
+        <a:xfrm>
+          <a:off x="0" y="0"/>
+          <a:ext cx="0" cy="0"/>
+          <a:chOff x="0" y="0"/>
+          <a:chExt cx="0" cy="0"/>
+        </a:xfrm>
+      </p:grpSpPr>
+      <p:sp>
+        <p:nvSpPr>
+          <p:cNvPr id="2" name="Заголовок 1">
+            <a:extLst>
+              <a:ext uri="{FF2B5EF4-FFF2-40B4-BE49-F238E27FC236}">
+                <a16:creationId xmlns:a16="http://schemas.microsoft.com/office/drawing/2014/main" id="{6805E75B-EB9E-4DCE-B440-FF0E224C79C8}"/>
+              </a:ext>
+            </a:extLst>
+          </p:cNvPr>
+          <p:cNvSpPr>
+            <a:spLocks noGrp="1"/>
+          </p:cNvSpPr>
+          <p:nvPr>
+            <p:ph type="title"/>
+          </p:nvPr>
+        </p:nvSpPr>
+        <p:spPr>
+          <a:xfrm>
+            <a:off x="1371600" y="685800"/>
             <a:ext cx="3090672" cy="704088"/>
           </a:xfrm>
         </p:spPr>
@@ -4481,8 +4937,8 @@
         </p:nvGrpSpPr>
         <p:grpSpPr>
           <a:xfrm>
-            <a:off x="3316926" y="1829967"/>
-            <a:ext cx="5558148" cy="4342233"/>
+            <a:off x="3116931" y="1389888"/>
+            <a:ext cx="5958138" cy="5063497"/>
             <a:chOff x="1353312" y="1787231"/>
             <a:chExt cx="5558148" cy="4342233"/>
           </a:xfrm>
@@ -4632,7 +5088,7 @@
           <a:p>
             <a:fld id="{69E57DC2-970A-4B3E-BB1C-7A09969E49DF}" type="slidenum">
               <a:rPr lang="en-US" sz="1800" smtClean="0"/>
-              <a:t>10</a:t>
+              <a:t>12</a:t>
             </a:fld>
             <a:endParaRPr lang="en-US" sz="1800" dirty="0"/>
           </a:p>
@@ -4651,7 +5107,7 @@
 </p:sld>
 </file>
 
-<file path=ppt/slides/slide11.xml><?xml version="1.0" encoding="utf-8"?>
+<file path=ppt/slides/slide13.xml><?xml version="1.0" encoding="utf-8"?>
 <p:sld xmlns:a="http://schemas.openxmlformats.org/drawingml/2006/main" xmlns:r="http://schemas.openxmlformats.org/officeDocument/2006/relationships" xmlns:p="http://schemas.openxmlformats.org/presentationml/2006/main">
   <p:cSld>
     <p:spTree>
@@ -4718,8 +5174,8 @@
         </p:nvGrpSpPr>
         <p:grpSpPr>
           <a:xfrm>
-            <a:off x="3202037" y="1551963"/>
-            <a:ext cx="5787925" cy="4620237"/>
+            <a:off x="2840031" y="1389888"/>
+            <a:ext cx="6511938" cy="5063498"/>
             <a:chOff x="1353312" y="1658048"/>
             <a:chExt cx="5558148" cy="4471416"/>
           </a:xfrm>
@@ -4869,7 +5325,7 @@
           <a:p>
             <a:fld id="{69E57DC2-970A-4B3E-BB1C-7A09969E49DF}" type="slidenum">
               <a:rPr lang="en-US" sz="1800" smtClean="0"/>
-              <a:t>11</a:t>
+              <a:t>13</a:t>
             </a:fld>
             <a:endParaRPr lang="en-US" sz="1800" dirty="0"/>
           </a:p>
@@ -4888,7 +5344,7 @@
 </p:sld>
 </file>
 
-<file path=ppt/slides/slide12.xml><?xml version="1.0" encoding="utf-8"?>
+<file path=ppt/slides/slide14.xml><?xml version="1.0" encoding="utf-8"?>
 <p:sld xmlns:a="http://schemas.openxmlformats.org/drawingml/2006/main" xmlns:r="http://schemas.openxmlformats.org/officeDocument/2006/relationships" xmlns:p="http://schemas.openxmlformats.org/presentationml/2006/main">
   <p:cSld>
     <p:spTree>
@@ -5101,7 +5557,7 @@
           <a:p>
             <a:fld id="{69E57DC2-970A-4B3E-BB1C-7A09969E49DF}" type="slidenum">
               <a:rPr lang="en-US" sz="1800" smtClean="0"/>
-              <a:t>12</a:t>
+              <a:t>14</a:t>
             </a:fld>
             <a:endParaRPr lang="en-US" sz="1800" dirty="0"/>
           </a:p>
@@ -5120,7 +5576,7 @@
 </p:sld>
 </file>
 
-<file path=ppt/slides/slide13.xml><?xml version="1.0" encoding="utf-8"?>
+<file path=ppt/slides/slide15.xml><?xml version="1.0" encoding="utf-8"?>
 <p:sld xmlns:a="http://schemas.openxmlformats.org/drawingml/2006/main" xmlns:r="http://schemas.openxmlformats.org/officeDocument/2006/relationships" xmlns:p="http://schemas.openxmlformats.org/presentationml/2006/main">
   <p:cSld>
     <p:spTree>
@@ -5333,7 +5789,7 @@
           <a:p>
             <a:fld id="{69E57DC2-970A-4B3E-BB1C-7A09969E49DF}" type="slidenum">
               <a:rPr lang="en-US" sz="1800" smtClean="0"/>
-              <a:t>13</a:t>
+              <a:t>15</a:t>
             </a:fld>
             <a:endParaRPr lang="en-US" sz="1800" dirty="0"/>
           </a:p>
@@ -5352,7 +5808,7 @@
 </p:sld>
 </file>
 
-<file path=ppt/slides/slide14.xml><?xml version="1.0" encoding="utf-8"?>
+<file path=ppt/slides/slide16.xml><?xml version="1.0" encoding="utf-8"?>
 <p:sld xmlns:a="http://schemas.openxmlformats.org/drawingml/2006/main" xmlns:r="http://schemas.openxmlformats.org/officeDocument/2006/relationships" xmlns:p="http://schemas.openxmlformats.org/presentationml/2006/main">
   <p:cSld>
     <p:spTree>
@@ -5463,7 +5919,7 @@
           <a:p>
             <a:fld id="{69E57DC2-970A-4B3E-BB1C-7A09969E49DF}" type="slidenum">
               <a:rPr lang="en-US" smtClean="0"/>
-              <a:t>14</a:t>
+              <a:t>16</a:t>
             </a:fld>
             <a:endParaRPr lang="en-US" dirty="0"/>
           </a:p>
@@ -5482,7 +5938,7 @@
 </p:sld>
 </file>
 
-<file path=ppt/slides/slide15.xml><?xml version="1.0" encoding="utf-8"?>
+<file path=ppt/slides/slide17.xml><?xml version="1.0" encoding="utf-8"?>
 <p:sld xmlns:a="http://schemas.openxmlformats.org/drawingml/2006/main" xmlns:r="http://schemas.openxmlformats.org/officeDocument/2006/relationships" xmlns:p="http://schemas.openxmlformats.org/presentationml/2006/main">
   <p:cSld>
     <p:spTree>
@@ -5676,7 +6132,7 @@
           <a:p>
             <a:fld id="{69E57DC2-970A-4B3E-BB1C-7A09969E49DF}" type="slidenum">
               <a:rPr lang="en-US" sz="1800" smtClean="0"/>
-              <a:t>15</a:t>
+              <a:t>17</a:t>
             </a:fld>
             <a:endParaRPr lang="en-US" sz="1800" dirty="0"/>
           </a:p>
@@ -5695,7 +6151,7 @@
 </p:sld>
 </file>
 
-<file path=ppt/slides/slide16.xml><?xml version="1.0" encoding="utf-8"?>
+<file path=ppt/slides/slide18.xml><?xml version="1.0" encoding="utf-8"?>
 <p:sld xmlns:a="http://schemas.openxmlformats.org/drawingml/2006/main" xmlns:r="http://schemas.openxmlformats.org/officeDocument/2006/relationships" xmlns:p="http://schemas.openxmlformats.org/presentationml/2006/main">
   <p:cSld>
     <p:spTree>
@@ -6023,7 +6479,7 @@
           <a:p>
             <a:fld id="{69E57DC2-970A-4B3E-BB1C-7A09969E49DF}" type="slidenum">
               <a:rPr lang="en-US" sz="1800" smtClean="0"/>
-              <a:t>16</a:t>
+              <a:t>18</a:t>
             </a:fld>
             <a:endParaRPr lang="en-US" sz="1800" dirty="0"/>
           </a:p>
@@ -6042,7 +6498,7 @@
 </p:sld>
 </file>
 
-<file path=ppt/slides/slide17.xml><?xml version="1.0" encoding="utf-8"?>
+<file path=ppt/slides/slide19.xml><?xml version="1.0" encoding="utf-8"?>
 <p:sld xmlns:a="http://schemas.openxmlformats.org/drawingml/2006/main" xmlns:r="http://schemas.openxmlformats.org/officeDocument/2006/relationships" xmlns:p="http://schemas.openxmlformats.org/presentationml/2006/main">
   <p:cSld>
     <p:spTree>
@@ -7166,7 +7622,7 @@
           <a:p>
             <a:fld id="{69E57DC2-970A-4B3E-BB1C-7A09969E49DF}" type="slidenum">
               <a:rPr lang="en-US" sz="1800" smtClean="0"/>
-              <a:t>17</a:t>
+              <a:t>19</a:t>
             </a:fld>
             <a:endParaRPr lang="en-US" sz="1800" dirty="0"/>
           </a:p>
@@ -7185,7 +7641,646 @@
 </p:sld>
 </file>
 
-<file path=ppt/slides/slide18.xml><?xml version="1.0" encoding="utf-8"?>
+<file path=ppt/slides/slide2.xml><?xml version="1.0" encoding="utf-8"?>
+<p:sld xmlns:a="http://schemas.openxmlformats.org/drawingml/2006/main" xmlns:r="http://schemas.openxmlformats.org/officeDocument/2006/relationships" xmlns:p="http://schemas.openxmlformats.org/presentationml/2006/main">
+  <p:cSld>
+    <p:spTree>
+      <p:nvGrpSpPr>
+        <p:cNvPr id="1" name=""/>
+        <p:cNvGrpSpPr/>
+        <p:nvPr/>
+      </p:nvGrpSpPr>
+      <p:grpSpPr>
+        <a:xfrm>
+          <a:off x="0" y="0"/>
+          <a:ext cx="0" cy="0"/>
+          <a:chOff x="0" y="0"/>
+          <a:chExt cx="0" cy="0"/>
+        </a:xfrm>
+      </p:grpSpPr>
+      <p:sp>
+        <p:nvSpPr>
+          <p:cNvPr id="4" name="Заголовок 1">
+            <a:extLst>
+              <a:ext uri="{FF2B5EF4-FFF2-40B4-BE49-F238E27FC236}">
+                <a16:creationId xmlns:a16="http://schemas.microsoft.com/office/drawing/2014/main" id="{4AE2A3CB-EE9F-40A5-9437-D5F553C55FFB}"/>
+              </a:ext>
+            </a:extLst>
+          </p:cNvPr>
+          <p:cNvSpPr txBox="1">
+            <a:spLocks/>
+          </p:cNvSpPr>
+          <p:nvPr/>
+        </p:nvSpPr>
+        <p:spPr>
+          <a:xfrm>
+            <a:off x="1371600" y="685800"/>
+            <a:ext cx="4370832" cy="445996"/>
+          </a:xfrm>
+          <a:prstGeom prst="rect">
+            <a:avLst/>
+          </a:prstGeom>
+        </p:spPr>
+        <p:txBody>
+          <a:bodyPr vert="horz" lIns="91440" tIns="45720" rIns="91440" bIns="45720" rtlCol="0" anchor="t">
+            <a:normAutofit/>
+          </a:bodyPr>
+          <a:lstStyle>
+            <a:lvl1pPr algn="l" defTabSz="914400" rtl="0" eaLnBrk="1" latinLnBrk="0" hangingPunct="1">
+              <a:lnSpc>
+                <a:spcPct val="89000"/>
+              </a:lnSpc>
+              <a:spcBef>
+                <a:spcPct val="0"/>
+              </a:spcBef>
+              <a:buNone/>
+              <a:defRPr sz="4400" kern="1200" baseline="0">
+                <a:solidFill>
+                  <a:schemeClr val="tx2"/>
+                </a:solidFill>
+                <a:latin typeface="+mj-lt"/>
+                <a:ea typeface="+mj-ea"/>
+                <a:cs typeface="+mj-cs"/>
+              </a:defRPr>
+            </a:lvl1pPr>
+          </a:lstStyle>
+          <a:p>
+            <a:r>
+              <a:rPr lang="ru-RU" sz="2400" dirty="0"/>
+              <a:t>Цель работы:</a:t>
+            </a:r>
+          </a:p>
+        </p:txBody>
+      </p:sp>
+      <p:sp>
+        <p:nvSpPr>
+          <p:cNvPr id="5" name="Объект 2">
+            <a:extLst>
+              <a:ext uri="{FF2B5EF4-FFF2-40B4-BE49-F238E27FC236}">
+                <a16:creationId xmlns:a16="http://schemas.microsoft.com/office/drawing/2014/main" id="{1856C095-D760-4F5F-B0AB-C70A26102260}"/>
+              </a:ext>
+            </a:extLst>
+          </p:cNvPr>
+          <p:cNvSpPr txBox="1">
+            <a:spLocks/>
+          </p:cNvSpPr>
+          <p:nvPr/>
+        </p:nvSpPr>
+        <p:spPr>
+          <a:xfrm>
+            <a:off x="1371600" y="1290918"/>
+            <a:ext cx="4892040" cy="3281082"/>
+          </a:xfrm>
+          <a:prstGeom prst="rect">
+            <a:avLst/>
+          </a:prstGeom>
+        </p:spPr>
+        <p:txBody>
+          <a:bodyPr vert="horz" lIns="91440" tIns="45720" rIns="91440" bIns="45720" rtlCol="0" anchor="t">
+            <a:normAutofit/>
+          </a:bodyPr>
+          <a:lstStyle>
+            <a:lvl1pPr marL="384048" indent="-384048" algn="l" defTabSz="914400" rtl="0" eaLnBrk="1" latinLnBrk="0" hangingPunct="1">
+              <a:lnSpc>
+                <a:spcPct val="94000"/>
+              </a:lnSpc>
+              <a:spcBef>
+                <a:spcPts val="1000"/>
+              </a:spcBef>
+              <a:spcAft>
+                <a:spcPts val="200"/>
+              </a:spcAft>
+              <a:buFont typeface="Franklin Gothic Book" panose="020B0503020102020204" pitchFamily="34" charset="0"/>
+              <a:buChar char="■"/>
+              <a:defRPr sz="2000" kern="1200" baseline="0">
+                <a:solidFill>
+                  <a:schemeClr val="tx2"/>
+                </a:solidFill>
+                <a:latin typeface="+mn-lt"/>
+                <a:ea typeface="+mn-ea"/>
+                <a:cs typeface="+mn-cs"/>
+              </a:defRPr>
+            </a:lvl1pPr>
+            <a:lvl2pPr marL="914400" indent="-384048" algn="l" defTabSz="914400" rtl="0" eaLnBrk="1" latinLnBrk="0" hangingPunct="1">
+              <a:lnSpc>
+                <a:spcPct val="94000"/>
+              </a:lnSpc>
+              <a:spcBef>
+                <a:spcPts val="500"/>
+              </a:spcBef>
+              <a:spcAft>
+                <a:spcPts val="200"/>
+              </a:spcAft>
+              <a:buFont typeface="Franklin Gothic Book" panose="020B0503020102020204" pitchFamily="34" charset="0"/>
+              <a:buChar char="–"/>
+              <a:defRPr sz="2000" i="1" kern="1200" baseline="0">
+                <a:solidFill>
+                  <a:schemeClr val="tx2"/>
+                </a:solidFill>
+                <a:latin typeface="+mn-lt"/>
+                <a:ea typeface="+mn-ea"/>
+                <a:cs typeface="+mn-cs"/>
+              </a:defRPr>
+            </a:lvl2pPr>
+            <a:lvl3pPr marL="1371600" indent="-384048" algn="l" defTabSz="914400" rtl="0" eaLnBrk="1" latinLnBrk="0" hangingPunct="1">
+              <a:lnSpc>
+                <a:spcPct val="94000"/>
+              </a:lnSpc>
+              <a:spcBef>
+                <a:spcPts val="500"/>
+              </a:spcBef>
+              <a:spcAft>
+                <a:spcPts val="200"/>
+              </a:spcAft>
+              <a:buFont typeface="Franklin Gothic Book" panose="020B0503020102020204" pitchFamily="34" charset="0"/>
+              <a:buChar char="■"/>
+              <a:defRPr sz="1800" kern="1200" baseline="0">
+                <a:solidFill>
+                  <a:schemeClr val="tx2"/>
+                </a:solidFill>
+                <a:latin typeface="+mn-lt"/>
+                <a:ea typeface="+mn-ea"/>
+                <a:cs typeface="+mn-cs"/>
+              </a:defRPr>
+            </a:lvl3pPr>
+            <a:lvl4pPr marL="1828800" indent="-384048" algn="l" defTabSz="914400" rtl="0" eaLnBrk="1" latinLnBrk="0" hangingPunct="1">
+              <a:lnSpc>
+                <a:spcPct val="94000"/>
+              </a:lnSpc>
+              <a:spcBef>
+                <a:spcPts val="500"/>
+              </a:spcBef>
+              <a:spcAft>
+                <a:spcPts val="200"/>
+              </a:spcAft>
+              <a:buFont typeface="Franklin Gothic Book" panose="020B0503020102020204" pitchFamily="34" charset="0"/>
+              <a:buChar char="–"/>
+              <a:defRPr sz="1800" i="1" kern="1200" baseline="0">
+                <a:solidFill>
+                  <a:schemeClr val="tx2"/>
+                </a:solidFill>
+                <a:latin typeface="+mn-lt"/>
+                <a:ea typeface="+mn-ea"/>
+                <a:cs typeface="+mn-cs"/>
+              </a:defRPr>
+            </a:lvl4pPr>
+            <a:lvl5pPr marL="2286000" indent="-384048" algn="l" defTabSz="914400" rtl="0" eaLnBrk="1" latinLnBrk="0" hangingPunct="1">
+              <a:lnSpc>
+                <a:spcPct val="94000"/>
+              </a:lnSpc>
+              <a:spcBef>
+                <a:spcPts val="500"/>
+              </a:spcBef>
+              <a:spcAft>
+                <a:spcPts val="200"/>
+              </a:spcAft>
+              <a:buFont typeface="Franklin Gothic Book" panose="020B0503020102020204" pitchFamily="34" charset="0"/>
+              <a:buChar char="■"/>
+              <a:defRPr sz="1600" kern="1200" baseline="0">
+                <a:solidFill>
+                  <a:schemeClr val="tx2"/>
+                </a:solidFill>
+                <a:latin typeface="+mn-lt"/>
+                <a:ea typeface="+mn-ea"/>
+                <a:cs typeface="+mn-cs"/>
+              </a:defRPr>
+            </a:lvl5pPr>
+            <a:lvl6pPr marL="2743200" indent="-384048" algn="l" defTabSz="914400" rtl="0" eaLnBrk="1" latinLnBrk="0" hangingPunct="1">
+              <a:lnSpc>
+                <a:spcPct val="94000"/>
+              </a:lnSpc>
+              <a:spcBef>
+                <a:spcPts val="500"/>
+              </a:spcBef>
+              <a:spcAft>
+                <a:spcPts val="200"/>
+              </a:spcAft>
+              <a:buFont typeface="Franklin Gothic Book" panose="020B0503020102020204" pitchFamily="34" charset="0"/>
+              <a:buChar char="–"/>
+              <a:defRPr sz="1600" i="1" kern="1200" baseline="0">
+                <a:solidFill>
+                  <a:schemeClr val="tx2"/>
+                </a:solidFill>
+                <a:latin typeface="+mn-lt"/>
+                <a:ea typeface="+mn-ea"/>
+                <a:cs typeface="+mn-cs"/>
+              </a:defRPr>
+            </a:lvl6pPr>
+            <a:lvl7pPr marL="3200400" indent="-384048" algn="l" defTabSz="914400" rtl="0" eaLnBrk="1" latinLnBrk="0" hangingPunct="1">
+              <a:lnSpc>
+                <a:spcPct val="94000"/>
+              </a:lnSpc>
+              <a:spcBef>
+                <a:spcPts val="500"/>
+              </a:spcBef>
+              <a:spcAft>
+                <a:spcPts val="200"/>
+              </a:spcAft>
+              <a:buFont typeface="Franklin Gothic Book" panose="020B0503020102020204" pitchFamily="34" charset="0"/>
+              <a:buChar char="■"/>
+              <a:defRPr sz="1400" kern="1200" baseline="0">
+                <a:solidFill>
+                  <a:schemeClr val="tx2"/>
+                </a:solidFill>
+                <a:latin typeface="+mn-lt"/>
+                <a:ea typeface="+mn-ea"/>
+                <a:cs typeface="+mn-cs"/>
+              </a:defRPr>
+            </a:lvl7pPr>
+            <a:lvl8pPr marL="3657600" indent="-384048" algn="l" defTabSz="914400" rtl="0" eaLnBrk="1" latinLnBrk="0" hangingPunct="1">
+              <a:lnSpc>
+                <a:spcPct val="94000"/>
+              </a:lnSpc>
+              <a:spcBef>
+                <a:spcPts val="500"/>
+              </a:spcBef>
+              <a:spcAft>
+                <a:spcPts val="200"/>
+              </a:spcAft>
+              <a:buFont typeface="Franklin Gothic Book" panose="020B0503020102020204" pitchFamily="34" charset="0"/>
+              <a:buChar char="–"/>
+              <a:defRPr sz="1400" i="1" kern="1200" baseline="0">
+                <a:solidFill>
+                  <a:schemeClr val="tx2"/>
+                </a:solidFill>
+                <a:latin typeface="+mn-lt"/>
+                <a:ea typeface="+mn-ea"/>
+                <a:cs typeface="+mn-cs"/>
+              </a:defRPr>
+            </a:lvl8pPr>
+            <a:lvl9pPr marL="4114800" indent="-384048" algn="l" defTabSz="914400" rtl="0" eaLnBrk="1" latinLnBrk="0" hangingPunct="1">
+              <a:lnSpc>
+                <a:spcPct val="94000"/>
+              </a:lnSpc>
+              <a:spcBef>
+                <a:spcPts val="500"/>
+              </a:spcBef>
+              <a:spcAft>
+                <a:spcPts val="200"/>
+              </a:spcAft>
+              <a:buFont typeface="Franklin Gothic Book" panose="020B0503020102020204" pitchFamily="34" charset="0"/>
+              <a:buChar char="■"/>
+              <a:defRPr sz="1400" kern="1200" baseline="0">
+                <a:solidFill>
+                  <a:schemeClr val="tx2"/>
+                </a:solidFill>
+                <a:latin typeface="+mn-lt"/>
+                <a:ea typeface="+mn-ea"/>
+                <a:cs typeface="+mn-cs"/>
+              </a:defRPr>
+            </a:lvl9pPr>
+          </a:lstStyle>
+          <a:p>
+            <a:pPr marL="383540" indent="-383540"/>
+            <a:r>
+              <a:rPr lang="ru-RU" dirty="0"/>
+              <a:t>Разработка и сравнение алгоритмов работы датчика направления на солнце на основе КМОП-матрицы</a:t>
+            </a:r>
+          </a:p>
+        </p:txBody>
+      </p:sp>
+      <p:sp>
+        <p:nvSpPr>
+          <p:cNvPr id="6" name="Заголовок 1">
+            <a:extLst>
+              <a:ext uri="{FF2B5EF4-FFF2-40B4-BE49-F238E27FC236}">
+                <a16:creationId xmlns:a16="http://schemas.microsoft.com/office/drawing/2014/main" id="{BEBF8CF6-9EC9-45F7-A43A-3A3644E6EE2F}"/>
+              </a:ext>
+            </a:extLst>
+          </p:cNvPr>
+          <p:cNvSpPr txBox="1">
+            <a:spLocks/>
+          </p:cNvSpPr>
+          <p:nvPr/>
+        </p:nvSpPr>
+        <p:spPr>
+          <a:xfrm>
+            <a:off x="6263640" y="685800"/>
+            <a:ext cx="5349240" cy="445996"/>
+          </a:xfrm>
+          <a:prstGeom prst="rect">
+            <a:avLst/>
+          </a:prstGeom>
+        </p:spPr>
+        <p:txBody>
+          <a:bodyPr vert="horz" lIns="91440" tIns="45720" rIns="91440" bIns="45720" rtlCol="0" anchor="t">
+            <a:normAutofit/>
+          </a:bodyPr>
+          <a:lstStyle>
+            <a:lvl1pPr algn="l" defTabSz="914400" rtl="0" eaLnBrk="1" latinLnBrk="0" hangingPunct="1">
+              <a:lnSpc>
+                <a:spcPct val="89000"/>
+              </a:lnSpc>
+              <a:spcBef>
+                <a:spcPct val="0"/>
+              </a:spcBef>
+              <a:buNone/>
+              <a:defRPr sz="4400" kern="1200" baseline="0">
+                <a:solidFill>
+                  <a:schemeClr val="tx2"/>
+                </a:solidFill>
+                <a:latin typeface="+mj-lt"/>
+                <a:ea typeface="+mj-ea"/>
+                <a:cs typeface="+mj-cs"/>
+              </a:defRPr>
+            </a:lvl1pPr>
+          </a:lstStyle>
+          <a:p>
+            <a:r>
+              <a:rPr lang="ru-RU" sz="2400" dirty="0"/>
+              <a:t>Задачи:</a:t>
+            </a:r>
+          </a:p>
+        </p:txBody>
+      </p:sp>
+      <p:sp>
+        <p:nvSpPr>
+          <p:cNvPr id="7" name="Объект 2">
+            <a:extLst>
+              <a:ext uri="{FF2B5EF4-FFF2-40B4-BE49-F238E27FC236}">
+                <a16:creationId xmlns:a16="http://schemas.microsoft.com/office/drawing/2014/main" id="{092BA0C9-7F68-4242-9FC1-61071E53FFB2}"/>
+              </a:ext>
+            </a:extLst>
+          </p:cNvPr>
+          <p:cNvSpPr txBox="1">
+            <a:spLocks/>
+          </p:cNvSpPr>
+          <p:nvPr/>
+        </p:nvSpPr>
+        <p:spPr>
+          <a:xfrm>
+            <a:off x="6263640" y="1290919"/>
+            <a:ext cx="5569334" cy="3440203"/>
+          </a:xfrm>
+          <a:prstGeom prst="rect">
+            <a:avLst/>
+          </a:prstGeom>
+        </p:spPr>
+        <p:txBody>
+          <a:bodyPr vert="horz" lIns="91440" tIns="45720" rIns="91440" bIns="45720" rtlCol="0" anchor="t">
+            <a:normAutofit/>
+          </a:bodyPr>
+          <a:lstStyle>
+            <a:lvl1pPr marL="384048" indent="-384048" algn="l" defTabSz="914400" rtl="0" eaLnBrk="1" latinLnBrk="0" hangingPunct="1">
+              <a:lnSpc>
+                <a:spcPct val="94000"/>
+              </a:lnSpc>
+              <a:spcBef>
+                <a:spcPts val="1000"/>
+              </a:spcBef>
+              <a:spcAft>
+                <a:spcPts val="200"/>
+              </a:spcAft>
+              <a:buFont typeface="Franklin Gothic Book" panose="020B0503020102020204" pitchFamily="34" charset="0"/>
+              <a:buChar char="■"/>
+              <a:defRPr sz="2000" kern="1200" baseline="0">
+                <a:solidFill>
+                  <a:schemeClr val="tx2"/>
+                </a:solidFill>
+                <a:latin typeface="+mn-lt"/>
+                <a:ea typeface="+mn-ea"/>
+                <a:cs typeface="+mn-cs"/>
+              </a:defRPr>
+            </a:lvl1pPr>
+            <a:lvl2pPr marL="914400" indent="-384048" algn="l" defTabSz="914400" rtl="0" eaLnBrk="1" latinLnBrk="0" hangingPunct="1">
+              <a:lnSpc>
+                <a:spcPct val="94000"/>
+              </a:lnSpc>
+              <a:spcBef>
+                <a:spcPts val="500"/>
+              </a:spcBef>
+              <a:spcAft>
+                <a:spcPts val="200"/>
+              </a:spcAft>
+              <a:buFont typeface="Franklin Gothic Book" panose="020B0503020102020204" pitchFamily="34" charset="0"/>
+              <a:buChar char="–"/>
+              <a:defRPr sz="2000" i="1" kern="1200" baseline="0">
+                <a:solidFill>
+                  <a:schemeClr val="tx2"/>
+                </a:solidFill>
+                <a:latin typeface="+mn-lt"/>
+                <a:ea typeface="+mn-ea"/>
+                <a:cs typeface="+mn-cs"/>
+              </a:defRPr>
+            </a:lvl2pPr>
+            <a:lvl3pPr marL="1371600" indent="-384048" algn="l" defTabSz="914400" rtl="0" eaLnBrk="1" latinLnBrk="0" hangingPunct="1">
+              <a:lnSpc>
+                <a:spcPct val="94000"/>
+              </a:lnSpc>
+              <a:spcBef>
+                <a:spcPts val="500"/>
+              </a:spcBef>
+              <a:spcAft>
+                <a:spcPts val="200"/>
+              </a:spcAft>
+              <a:buFont typeface="Franklin Gothic Book" panose="020B0503020102020204" pitchFamily="34" charset="0"/>
+              <a:buChar char="■"/>
+              <a:defRPr sz="1800" kern="1200" baseline="0">
+                <a:solidFill>
+                  <a:schemeClr val="tx2"/>
+                </a:solidFill>
+                <a:latin typeface="+mn-lt"/>
+                <a:ea typeface="+mn-ea"/>
+                <a:cs typeface="+mn-cs"/>
+              </a:defRPr>
+            </a:lvl3pPr>
+            <a:lvl4pPr marL="1828800" indent="-384048" algn="l" defTabSz="914400" rtl="0" eaLnBrk="1" latinLnBrk="0" hangingPunct="1">
+              <a:lnSpc>
+                <a:spcPct val="94000"/>
+              </a:lnSpc>
+              <a:spcBef>
+                <a:spcPts val="500"/>
+              </a:spcBef>
+              <a:spcAft>
+                <a:spcPts val="200"/>
+              </a:spcAft>
+              <a:buFont typeface="Franklin Gothic Book" panose="020B0503020102020204" pitchFamily="34" charset="0"/>
+              <a:buChar char="–"/>
+              <a:defRPr sz="1800" i="1" kern="1200" baseline="0">
+                <a:solidFill>
+                  <a:schemeClr val="tx2"/>
+                </a:solidFill>
+                <a:latin typeface="+mn-lt"/>
+                <a:ea typeface="+mn-ea"/>
+                <a:cs typeface="+mn-cs"/>
+              </a:defRPr>
+            </a:lvl4pPr>
+            <a:lvl5pPr marL="2286000" indent="-384048" algn="l" defTabSz="914400" rtl="0" eaLnBrk="1" latinLnBrk="0" hangingPunct="1">
+              <a:lnSpc>
+                <a:spcPct val="94000"/>
+              </a:lnSpc>
+              <a:spcBef>
+                <a:spcPts val="500"/>
+              </a:spcBef>
+              <a:spcAft>
+                <a:spcPts val="200"/>
+              </a:spcAft>
+              <a:buFont typeface="Franklin Gothic Book" panose="020B0503020102020204" pitchFamily="34" charset="0"/>
+              <a:buChar char="■"/>
+              <a:defRPr sz="1600" kern="1200" baseline="0">
+                <a:solidFill>
+                  <a:schemeClr val="tx2"/>
+                </a:solidFill>
+                <a:latin typeface="+mn-lt"/>
+                <a:ea typeface="+mn-ea"/>
+                <a:cs typeface="+mn-cs"/>
+              </a:defRPr>
+            </a:lvl5pPr>
+            <a:lvl6pPr marL="2743200" indent="-384048" algn="l" defTabSz="914400" rtl="0" eaLnBrk="1" latinLnBrk="0" hangingPunct="1">
+              <a:lnSpc>
+                <a:spcPct val="94000"/>
+              </a:lnSpc>
+              <a:spcBef>
+                <a:spcPts val="500"/>
+              </a:spcBef>
+              <a:spcAft>
+                <a:spcPts val="200"/>
+              </a:spcAft>
+              <a:buFont typeface="Franklin Gothic Book" panose="020B0503020102020204" pitchFamily="34" charset="0"/>
+              <a:buChar char="–"/>
+              <a:defRPr sz="1600" i="1" kern="1200" baseline="0">
+                <a:solidFill>
+                  <a:schemeClr val="tx2"/>
+                </a:solidFill>
+                <a:latin typeface="+mn-lt"/>
+                <a:ea typeface="+mn-ea"/>
+                <a:cs typeface="+mn-cs"/>
+              </a:defRPr>
+            </a:lvl6pPr>
+            <a:lvl7pPr marL="3200400" indent="-384048" algn="l" defTabSz="914400" rtl="0" eaLnBrk="1" latinLnBrk="0" hangingPunct="1">
+              <a:lnSpc>
+                <a:spcPct val="94000"/>
+              </a:lnSpc>
+              <a:spcBef>
+                <a:spcPts val="500"/>
+              </a:spcBef>
+              <a:spcAft>
+                <a:spcPts val="200"/>
+              </a:spcAft>
+              <a:buFont typeface="Franklin Gothic Book" panose="020B0503020102020204" pitchFamily="34" charset="0"/>
+              <a:buChar char="■"/>
+              <a:defRPr sz="1400" kern="1200" baseline="0">
+                <a:solidFill>
+                  <a:schemeClr val="tx2"/>
+                </a:solidFill>
+                <a:latin typeface="+mn-lt"/>
+                <a:ea typeface="+mn-ea"/>
+                <a:cs typeface="+mn-cs"/>
+              </a:defRPr>
+            </a:lvl7pPr>
+            <a:lvl8pPr marL="3657600" indent="-384048" algn="l" defTabSz="914400" rtl="0" eaLnBrk="1" latinLnBrk="0" hangingPunct="1">
+              <a:lnSpc>
+                <a:spcPct val="94000"/>
+              </a:lnSpc>
+              <a:spcBef>
+                <a:spcPts val="500"/>
+              </a:spcBef>
+              <a:spcAft>
+                <a:spcPts val="200"/>
+              </a:spcAft>
+              <a:buFont typeface="Franklin Gothic Book" panose="020B0503020102020204" pitchFamily="34" charset="0"/>
+              <a:buChar char="–"/>
+              <a:defRPr sz="1400" i="1" kern="1200" baseline="0">
+                <a:solidFill>
+                  <a:schemeClr val="tx2"/>
+                </a:solidFill>
+                <a:latin typeface="+mn-lt"/>
+                <a:ea typeface="+mn-ea"/>
+                <a:cs typeface="+mn-cs"/>
+              </a:defRPr>
+            </a:lvl8pPr>
+            <a:lvl9pPr marL="4114800" indent="-384048" algn="l" defTabSz="914400" rtl="0" eaLnBrk="1" latinLnBrk="0" hangingPunct="1">
+              <a:lnSpc>
+                <a:spcPct val="94000"/>
+              </a:lnSpc>
+              <a:spcBef>
+                <a:spcPts val="500"/>
+              </a:spcBef>
+              <a:spcAft>
+                <a:spcPts val="200"/>
+              </a:spcAft>
+              <a:buFont typeface="Franklin Gothic Book" panose="020B0503020102020204" pitchFamily="34" charset="0"/>
+              <a:buChar char="■"/>
+              <a:defRPr sz="1400" kern="1200" baseline="0">
+                <a:solidFill>
+                  <a:schemeClr val="tx2"/>
+                </a:solidFill>
+                <a:latin typeface="+mn-lt"/>
+                <a:ea typeface="+mn-ea"/>
+                <a:cs typeface="+mn-cs"/>
+              </a:defRPr>
+            </a:lvl9pPr>
+          </a:lstStyle>
+          <a:p>
+            <a:pPr marL="383540" indent="-383540"/>
+            <a:r>
+              <a:rPr lang="ru-RU" dirty="0"/>
+              <a:t>Разработать новые алгоритмы определения положения Солнца</a:t>
+            </a:r>
+          </a:p>
+          <a:p>
+            <a:pPr marL="383540" indent="-383540"/>
+            <a:r>
+              <a:rPr lang="ru-RU" dirty="0"/>
+              <a:t>Сравнить работу алгоритмов</a:t>
+            </a:r>
+          </a:p>
+          <a:p>
+            <a:pPr marL="383540" indent="-383540"/>
+            <a:r>
+              <a:rPr lang="ru-RU" dirty="0"/>
+              <a:t>Выбрать наиболее эффективный алгоритм</a:t>
+            </a:r>
+          </a:p>
+          <a:p>
+            <a:pPr marL="383540" indent="-383540"/>
+            <a:endParaRPr lang="ru-RU" dirty="0"/>
+          </a:p>
+        </p:txBody>
+      </p:sp>
+      <p:sp>
+        <p:nvSpPr>
+          <p:cNvPr id="3" name="Номер слайда 2">
+            <a:extLst>
+              <a:ext uri="{FF2B5EF4-FFF2-40B4-BE49-F238E27FC236}">
+                <a16:creationId xmlns:a16="http://schemas.microsoft.com/office/drawing/2014/main" id="{6226E5A4-5EF1-4737-AD51-455524936778}"/>
+              </a:ext>
+            </a:extLst>
+          </p:cNvPr>
+          <p:cNvSpPr>
+            <a:spLocks noGrp="1"/>
+          </p:cNvSpPr>
+          <p:nvPr>
+            <p:ph type="sldNum" sz="quarter" idx="12"/>
+          </p:nvPr>
+        </p:nvSpPr>
+        <p:spPr/>
+        <p:txBody>
+          <a:bodyPr/>
+          <a:lstStyle/>
+          <a:p>
+            <a:fld id="{69E57DC2-970A-4B3E-BB1C-7A09969E49DF}" type="slidenum">
+              <a:rPr lang="en-US" sz="1800" smtClean="0"/>
+              <a:t>2</a:t>
+            </a:fld>
+            <a:endParaRPr lang="en-US" sz="1800" dirty="0"/>
+          </a:p>
+        </p:txBody>
+      </p:sp>
+    </p:spTree>
+    <p:extLst>
+      <p:ext uri="{BB962C8B-B14F-4D97-AF65-F5344CB8AC3E}">
+        <p14:creationId xmlns:p14="http://schemas.microsoft.com/office/powerpoint/2010/main" val="1863425521"/>
+      </p:ext>
+    </p:extLst>
+  </p:cSld>
+  <p:clrMapOvr>
+    <a:masterClrMapping/>
+  </p:clrMapOvr>
+</p:sld>
+</file>
+
+<file path=ppt/slides/slide20.xml><?xml version="1.0" encoding="utf-8"?>
 <p:sld xmlns:a="http://schemas.openxmlformats.org/drawingml/2006/main" xmlns:r="http://schemas.openxmlformats.org/officeDocument/2006/relationships" xmlns:p="http://schemas.openxmlformats.org/presentationml/2006/main">
   <p:cSld>
     <p:spTree>
@@ -7548,8 +8643,8 @@
           </a:p>
         </p:txBody>
       </p:sp>
-      <mc:AlternateContent xmlns:mc="http://schemas.openxmlformats.org/markup-compatibility/2006" xmlns:a14="http://schemas.microsoft.com/office/drawing/2010/main">
-        <mc:Choice Requires="a14">
+      <mc:AlternateContent xmlns:mc="http://schemas.openxmlformats.org/markup-compatibility/2006">
+        <mc:Choice xmlns:a14="http://schemas.microsoft.com/office/drawing/2010/main" Requires="a14">
           <p:sp>
             <p:nvSpPr>
               <p:cNvPr id="6" name="Прямоугольник 5">
@@ -7622,6 +8717,20 @@
                     </m:r>
                     <m:r>
                       <a:rPr lang="ru-RU" i="1">
+                        <a:latin typeface="Cambria Math" panose="02040503050406030204" pitchFamily="18" charset="0"/>
+                        <a:ea typeface="Times New Roman" panose="02020603050405020304" pitchFamily="18" charset="0"/>
+                      </a:rPr>
+                      <m:t>(</m:t>
+                    </m:r>
+                    <m:r>
+                      <a:rPr lang="en-US" b="0" i="1" smtClean="0">
+                        <a:latin typeface="Cambria Math" panose="02040503050406030204" pitchFamily="18" charset="0"/>
+                        <a:ea typeface="Times New Roman" panose="02020603050405020304" pitchFamily="18" charset="0"/>
+                      </a:rPr>
+                      <m:t>𝑡𝑔</m:t>
+                    </m:r>
+                    <m:r>
+                      <a:rPr lang="en-US" b="0" i="1" smtClean="0">
                         <a:latin typeface="Cambria Math" panose="02040503050406030204" pitchFamily="18" charset="0"/>
                         <a:ea typeface="Times New Roman" panose="02020603050405020304" pitchFamily="18" charset="0"/>
                       </a:rPr>
@@ -7784,6 +8893,13 @@
                   <a:t>)</a:t>
                 </a:r>
                 <a:r>
+                  <a:rPr lang="en-US" dirty="0">
+                    <a:latin typeface="Times New Roman" panose="02020603050405020304" pitchFamily="18" charset="0"/>
+                    <a:ea typeface="Times New Roman" panose="02020603050405020304" pitchFamily="18" charset="0"/>
+                  </a:rPr>
+                  <a:t>)</a:t>
+                </a:r>
+                <a:r>
                   <a:rPr lang="ru-RU" sz="1400" dirty="0">
                     <a:effectLst/>
                     <a:latin typeface="Times New Roman" panose="02020603050405020304" pitchFamily="18" charset="0"/>
@@ -7854,6 +8970,20 @@
                     </m:r>
                     <m:r>
                       <a:rPr lang="ru-RU" i="1">
+                        <a:latin typeface="Cambria Math" panose="02040503050406030204" pitchFamily="18" charset="0"/>
+                        <a:ea typeface="Times New Roman" panose="02020603050405020304" pitchFamily="18" charset="0"/>
+                      </a:rPr>
+                      <m:t>(</m:t>
+                    </m:r>
+                    <m:r>
+                      <a:rPr lang="en-US" b="0" i="1" smtClean="0">
+                        <a:latin typeface="Cambria Math" panose="02040503050406030204" pitchFamily="18" charset="0"/>
+                        <a:ea typeface="Times New Roman" panose="02020603050405020304" pitchFamily="18" charset="0"/>
+                      </a:rPr>
+                      <m:t>𝑡𝑔</m:t>
+                    </m:r>
+                    <m:r>
+                      <a:rPr lang="en-US" b="0" i="1" smtClean="0">
                         <a:latin typeface="Cambria Math" panose="02040503050406030204" pitchFamily="18" charset="0"/>
                         <a:ea typeface="Times New Roman" panose="02020603050405020304" pitchFamily="18" charset="0"/>
                       </a:rPr>
@@ -8134,6 +9264,13 @@
                   </m:oMath>
                 </a14:m>
                 <a:r>
+                  <a:rPr lang="en-US" dirty="0">
+                    <a:latin typeface="Times New Roman" panose="02020603050405020304" pitchFamily="18" charset="0"/>
+                    <a:ea typeface="Times New Roman" panose="02020603050405020304" pitchFamily="18" charset="0"/>
+                  </a:rPr>
+                  <a:t>)</a:t>
+                </a:r>
+                <a:r>
                   <a:rPr lang="ru-RU" dirty="0">
                     <a:latin typeface="Times New Roman" panose="02020603050405020304" pitchFamily="18" charset="0"/>
                     <a:ea typeface="Times New Roman" panose="02020603050405020304" pitchFamily="18" charset="0"/>
@@ -8152,7 +9289,7 @@
             </p:txBody>
           </p:sp>
         </mc:Choice>
-        <mc:Fallback xmlns="">
+        <mc:Fallback>
           <p:sp>
             <p:nvSpPr>
               <p:cNvPr id="6" name="Прямоугольник 5">
@@ -8637,7 +9774,7 @@
           <a:p>
             <a:fld id="{69E57DC2-970A-4B3E-BB1C-7A09969E49DF}" type="slidenum">
               <a:rPr lang="en-US" sz="1800" smtClean="0"/>
-              <a:t>18</a:t>
+              <a:t>20</a:t>
             </a:fld>
             <a:endParaRPr lang="en-US" sz="1800" dirty="0"/>
           </a:p>
@@ -8656,7 +9793,7 @@
 </p:sld>
 </file>
 
-<file path=ppt/slides/slide19.xml><?xml version="1.0" encoding="utf-8"?>
+<file path=ppt/slides/slide21.xml><?xml version="1.0" encoding="utf-8"?>
 <p:sld xmlns:a="http://schemas.openxmlformats.org/drawingml/2006/main" xmlns:r="http://schemas.openxmlformats.org/officeDocument/2006/relationships" xmlns:p="http://schemas.openxmlformats.org/presentationml/2006/main">
   <p:cSld>
     <p:spTree>
@@ -8739,7 +9876,7 @@
           <a:p>
             <a:fld id="{69E57DC2-970A-4B3E-BB1C-7A09969E49DF}" type="slidenum">
               <a:rPr lang="en-US" sz="1800" smtClean="0"/>
-              <a:t>19</a:t>
+              <a:t>21</a:t>
             </a:fld>
             <a:endParaRPr lang="en-US" sz="1800" dirty="0"/>
           </a:p>
@@ -9913,653 +11050,7 @@
 </p:sld>
 </file>
 
-<file path=ppt/slides/slide2.xml><?xml version="1.0" encoding="utf-8"?>
-<p:sld xmlns:a="http://schemas.openxmlformats.org/drawingml/2006/main" xmlns:r="http://schemas.openxmlformats.org/officeDocument/2006/relationships" xmlns:p="http://schemas.openxmlformats.org/presentationml/2006/main">
-  <p:cSld>
-    <p:spTree>
-      <p:nvGrpSpPr>
-        <p:cNvPr id="1" name=""/>
-        <p:cNvGrpSpPr/>
-        <p:nvPr/>
-      </p:nvGrpSpPr>
-      <p:grpSpPr>
-        <a:xfrm>
-          <a:off x="0" y="0"/>
-          <a:ext cx="0" cy="0"/>
-          <a:chOff x="0" y="0"/>
-          <a:chExt cx="0" cy="0"/>
-        </a:xfrm>
-      </p:grpSpPr>
-      <p:sp>
-        <p:nvSpPr>
-          <p:cNvPr id="4" name="Заголовок 1">
-            <a:extLst>
-              <a:ext uri="{FF2B5EF4-FFF2-40B4-BE49-F238E27FC236}">
-                <a16:creationId xmlns:a16="http://schemas.microsoft.com/office/drawing/2014/main" id="{4AE2A3CB-EE9F-40A5-9437-D5F553C55FFB}"/>
-              </a:ext>
-            </a:extLst>
-          </p:cNvPr>
-          <p:cNvSpPr txBox="1">
-            <a:spLocks/>
-          </p:cNvSpPr>
-          <p:nvPr/>
-        </p:nvSpPr>
-        <p:spPr>
-          <a:xfrm>
-            <a:off x="1371600" y="685800"/>
-            <a:ext cx="4370832" cy="445996"/>
-          </a:xfrm>
-          <a:prstGeom prst="rect">
-            <a:avLst/>
-          </a:prstGeom>
-        </p:spPr>
-        <p:txBody>
-          <a:bodyPr vert="horz" lIns="91440" tIns="45720" rIns="91440" bIns="45720" rtlCol="0" anchor="t">
-            <a:normAutofit/>
-          </a:bodyPr>
-          <a:lstStyle>
-            <a:lvl1pPr algn="l" defTabSz="914400" rtl="0" eaLnBrk="1" latinLnBrk="0" hangingPunct="1">
-              <a:lnSpc>
-                <a:spcPct val="89000"/>
-              </a:lnSpc>
-              <a:spcBef>
-                <a:spcPct val="0"/>
-              </a:spcBef>
-              <a:buNone/>
-              <a:defRPr sz="4400" kern="1200" baseline="0">
-                <a:solidFill>
-                  <a:schemeClr val="tx2"/>
-                </a:solidFill>
-                <a:latin typeface="+mj-lt"/>
-                <a:ea typeface="+mj-ea"/>
-                <a:cs typeface="+mj-cs"/>
-              </a:defRPr>
-            </a:lvl1pPr>
-          </a:lstStyle>
-          <a:p>
-            <a:r>
-              <a:rPr lang="ru-RU" sz="2400" dirty="0"/>
-              <a:t>Цель работы:</a:t>
-            </a:r>
-          </a:p>
-        </p:txBody>
-      </p:sp>
-      <p:sp>
-        <p:nvSpPr>
-          <p:cNvPr id="5" name="Объект 2">
-            <a:extLst>
-              <a:ext uri="{FF2B5EF4-FFF2-40B4-BE49-F238E27FC236}">
-                <a16:creationId xmlns:a16="http://schemas.microsoft.com/office/drawing/2014/main" id="{1856C095-D760-4F5F-B0AB-C70A26102260}"/>
-              </a:ext>
-            </a:extLst>
-          </p:cNvPr>
-          <p:cNvSpPr txBox="1">
-            <a:spLocks/>
-          </p:cNvSpPr>
-          <p:nvPr/>
-        </p:nvSpPr>
-        <p:spPr>
-          <a:xfrm>
-            <a:off x="1371600" y="1290918"/>
-            <a:ext cx="4892040" cy="3281082"/>
-          </a:xfrm>
-          <a:prstGeom prst="rect">
-            <a:avLst/>
-          </a:prstGeom>
-        </p:spPr>
-        <p:txBody>
-          <a:bodyPr vert="horz" lIns="91440" tIns="45720" rIns="91440" bIns="45720" rtlCol="0" anchor="t">
-            <a:normAutofit/>
-          </a:bodyPr>
-          <a:lstStyle>
-            <a:lvl1pPr marL="384048" indent="-384048" algn="l" defTabSz="914400" rtl="0" eaLnBrk="1" latinLnBrk="0" hangingPunct="1">
-              <a:lnSpc>
-                <a:spcPct val="94000"/>
-              </a:lnSpc>
-              <a:spcBef>
-                <a:spcPts val="1000"/>
-              </a:spcBef>
-              <a:spcAft>
-                <a:spcPts val="200"/>
-              </a:spcAft>
-              <a:buFont typeface="Franklin Gothic Book" panose="020B0503020102020204" pitchFamily="34" charset="0"/>
-              <a:buChar char="■"/>
-              <a:defRPr sz="2000" kern="1200" baseline="0">
-                <a:solidFill>
-                  <a:schemeClr val="tx2"/>
-                </a:solidFill>
-                <a:latin typeface="+mn-lt"/>
-                <a:ea typeface="+mn-ea"/>
-                <a:cs typeface="+mn-cs"/>
-              </a:defRPr>
-            </a:lvl1pPr>
-            <a:lvl2pPr marL="914400" indent="-384048" algn="l" defTabSz="914400" rtl="0" eaLnBrk="1" latinLnBrk="0" hangingPunct="1">
-              <a:lnSpc>
-                <a:spcPct val="94000"/>
-              </a:lnSpc>
-              <a:spcBef>
-                <a:spcPts val="500"/>
-              </a:spcBef>
-              <a:spcAft>
-                <a:spcPts val="200"/>
-              </a:spcAft>
-              <a:buFont typeface="Franklin Gothic Book" panose="020B0503020102020204" pitchFamily="34" charset="0"/>
-              <a:buChar char="–"/>
-              <a:defRPr sz="2000" i="1" kern="1200" baseline="0">
-                <a:solidFill>
-                  <a:schemeClr val="tx2"/>
-                </a:solidFill>
-                <a:latin typeface="+mn-lt"/>
-                <a:ea typeface="+mn-ea"/>
-                <a:cs typeface="+mn-cs"/>
-              </a:defRPr>
-            </a:lvl2pPr>
-            <a:lvl3pPr marL="1371600" indent="-384048" algn="l" defTabSz="914400" rtl="0" eaLnBrk="1" latinLnBrk="0" hangingPunct="1">
-              <a:lnSpc>
-                <a:spcPct val="94000"/>
-              </a:lnSpc>
-              <a:spcBef>
-                <a:spcPts val="500"/>
-              </a:spcBef>
-              <a:spcAft>
-                <a:spcPts val="200"/>
-              </a:spcAft>
-              <a:buFont typeface="Franklin Gothic Book" panose="020B0503020102020204" pitchFamily="34" charset="0"/>
-              <a:buChar char="■"/>
-              <a:defRPr sz="1800" kern="1200" baseline="0">
-                <a:solidFill>
-                  <a:schemeClr val="tx2"/>
-                </a:solidFill>
-                <a:latin typeface="+mn-lt"/>
-                <a:ea typeface="+mn-ea"/>
-                <a:cs typeface="+mn-cs"/>
-              </a:defRPr>
-            </a:lvl3pPr>
-            <a:lvl4pPr marL="1828800" indent="-384048" algn="l" defTabSz="914400" rtl="0" eaLnBrk="1" latinLnBrk="0" hangingPunct="1">
-              <a:lnSpc>
-                <a:spcPct val="94000"/>
-              </a:lnSpc>
-              <a:spcBef>
-                <a:spcPts val="500"/>
-              </a:spcBef>
-              <a:spcAft>
-                <a:spcPts val="200"/>
-              </a:spcAft>
-              <a:buFont typeface="Franklin Gothic Book" panose="020B0503020102020204" pitchFamily="34" charset="0"/>
-              <a:buChar char="–"/>
-              <a:defRPr sz="1800" i="1" kern="1200" baseline="0">
-                <a:solidFill>
-                  <a:schemeClr val="tx2"/>
-                </a:solidFill>
-                <a:latin typeface="+mn-lt"/>
-                <a:ea typeface="+mn-ea"/>
-                <a:cs typeface="+mn-cs"/>
-              </a:defRPr>
-            </a:lvl4pPr>
-            <a:lvl5pPr marL="2286000" indent="-384048" algn="l" defTabSz="914400" rtl="0" eaLnBrk="1" latinLnBrk="0" hangingPunct="1">
-              <a:lnSpc>
-                <a:spcPct val="94000"/>
-              </a:lnSpc>
-              <a:spcBef>
-                <a:spcPts val="500"/>
-              </a:spcBef>
-              <a:spcAft>
-                <a:spcPts val="200"/>
-              </a:spcAft>
-              <a:buFont typeface="Franklin Gothic Book" panose="020B0503020102020204" pitchFamily="34" charset="0"/>
-              <a:buChar char="■"/>
-              <a:defRPr sz="1600" kern="1200" baseline="0">
-                <a:solidFill>
-                  <a:schemeClr val="tx2"/>
-                </a:solidFill>
-                <a:latin typeface="+mn-lt"/>
-                <a:ea typeface="+mn-ea"/>
-                <a:cs typeface="+mn-cs"/>
-              </a:defRPr>
-            </a:lvl5pPr>
-            <a:lvl6pPr marL="2743200" indent="-384048" algn="l" defTabSz="914400" rtl="0" eaLnBrk="1" latinLnBrk="0" hangingPunct="1">
-              <a:lnSpc>
-                <a:spcPct val="94000"/>
-              </a:lnSpc>
-              <a:spcBef>
-                <a:spcPts val="500"/>
-              </a:spcBef>
-              <a:spcAft>
-                <a:spcPts val="200"/>
-              </a:spcAft>
-              <a:buFont typeface="Franklin Gothic Book" panose="020B0503020102020204" pitchFamily="34" charset="0"/>
-              <a:buChar char="–"/>
-              <a:defRPr sz="1600" i="1" kern="1200" baseline="0">
-                <a:solidFill>
-                  <a:schemeClr val="tx2"/>
-                </a:solidFill>
-                <a:latin typeface="+mn-lt"/>
-                <a:ea typeface="+mn-ea"/>
-                <a:cs typeface="+mn-cs"/>
-              </a:defRPr>
-            </a:lvl6pPr>
-            <a:lvl7pPr marL="3200400" indent="-384048" algn="l" defTabSz="914400" rtl="0" eaLnBrk="1" latinLnBrk="0" hangingPunct="1">
-              <a:lnSpc>
-                <a:spcPct val="94000"/>
-              </a:lnSpc>
-              <a:spcBef>
-                <a:spcPts val="500"/>
-              </a:spcBef>
-              <a:spcAft>
-                <a:spcPts val="200"/>
-              </a:spcAft>
-              <a:buFont typeface="Franklin Gothic Book" panose="020B0503020102020204" pitchFamily="34" charset="0"/>
-              <a:buChar char="■"/>
-              <a:defRPr sz="1400" kern="1200" baseline="0">
-                <a:solidFill>
-                  <a:schemeClr val="tx2"/>
-                </a:solidFill>
-                <a:latin typeface="+mn-lt"/>
-                <a:ea typeface="+mn-ea"/>
-                <a:cs typeface="+mn-cs"/>
-              </a:defRPr>
-            </a:lvl7pPr>
-            <a:lvl8pPr marL="3657600" indent="-384048" algn="l" defTabSz="914400" rtl="0" eaLnBrk="1" latinLnBrk="0" hangingPunct="1">
-              <a:lnSpc>
-                <a:spcPct val="94000"/>
-              </a:lnSpc>
-              <a:spcBef>
-                <a:spcPts val="500"/>
-              </a:spcBef>
-              <a:spcAft>
-                <a:spcPts val="200"/>
-              </a:spcAft>
-              <a:buFont typeface="Franklin Gothic Book" panose="020B0503020102020204" pitchFamily="34" charset="0"/>
-              <a:buChar char="–"/>
-              <a:defRPr sz="1400" i="1" kern="1200" baseline="0">
-                <a:solidFill>
-                  <a:schemeClr val="tx2"/>
-                </a:solidFill>
-                <a:latin typeface="+mn-lt"/>
-                <a:ea typeface="+mn-ea"/>
-                <a:cs typeface="+mn-cs"/>
-              </a:defRPr>
-            </a:lvl8pPr>
-            <a:lvl9pPr marL="4114800" indent="-384048" algn="l" defTabSz="914400" rtl="0" eaLnBrk="1" latinLnBrk="0" hangingPunct="1">
-              <a:lnSpc>
-                <a:spcPct val="94000"/>
-              </a:lnSpc>
-              <a:spcBef>
-                <a:spcPts val="500"/>
-              </a:spcBef>
-              <a:spcAft>
-                <a:spcPts val="200"/>
-              </a:spcAft>
-              <a:buFont typeface="Franklin Gothic Book" panose="020B0503020102020204" pitchFamily="34" charset="0"/>
-              <a:buChar char="■"/>
-              <a:defRPr sz="1400" kern="1200" baseline="0">
-                <a:solidFill>
-                  <a:schemeClr val="tx2"/>
-                </a:solidFill>
-                <a:latin typeface="+mn-lt"/>
-                <a:ea typeface="+mn-ea"/>
-                <a:cs typeface="+mn-cs"/>
-              </a:defRPr>
-            </a:lvl9pPr>
-          </a:lstStyle>
-          <a:p>
-            <a:pPr marL="383540" indent="-383540"/>
-            <a:r>
-              <a:rPr lang="ru-RU" dirty="0"/>
-              <a:t>Разработка и сравнение алгоритмов работы датчика направления на солнце на основе КМОП-матрицы</a:t>
-            </a:r>
-          </a:p>
-        </p:txBody>
-      </p:sp>
-      <p:sp>
-        <p:nvSpPr>
-          <p:cNvPr id="6" name="Заголовок 1">
-            <a:extLst>
-              <a:ext uri="{FF2B5EF4-FFF2-40B4-BE49-F238E27FC236}">
-                <a16:creationId xmlns:a16="http://schemas.microsoft.com/office/drawing/2014/main" id="{BEBF8CF6-9EC9-45F7-A43A-3A3644E6EE2F}"/>
-              </a:ext>
-            </a:extLst>
-          </p:cNvPr>
-          <p:cNvSpPr txBox="1">
-            <a:spLocks/>
-          </p:cNvSpPr>
-          <p:nvPr/>
-        </p:nvSpPr>
-        <p:spPr>
-          <a:xfrm>
-            <a:off x="6263640" y="685800"/>
-            <a:ext cx="5349240" cy="445996"/>
-          </a:xfrm>
-          <a:prstGeom prst="rect">
-            <a:avLst/>
-          </a:prstGeom>
-        </p:spPr>
-        <p:txBody>
-          <a:bodyPr vert="horz" lIns="91440" tIns="45720" rIns="91440" bIns="45720" rtlCol="0" anchor="t">
-            <a:normAutofit/>
-          </a:bodyPr>
-          <a:lstStyle>
-            <a:lvl1pPr algn="l" defTabSz="914400" rtl="0" eaLnBrk="1" latinLnBrk="0" hangingPunct="1">
-              <a:lnSpc>
-                <a:spcPct val="89000"/>
-              </a:lnSpc>
-              <a:spcBef>
-                <a:spcPct val="0"/>
-              </a:spcBef>
-              <a:buNone/>
-              <a:defRPr sz="4400" kern="1200" baseline="0">
-                <a:solidFill>
-                  <a:schemeClr val="tx2"/>
-                </a:solidFill>
-                <a:latin typeface="+mj-lt"/>
-                <a:ea typeface="+mj-ea"/>
-                <a:cs typeface="+mj-cs"/>
-              </a:defRPr>
-            </a:lvl1pPr>
-          </a:lstStyle>
-          <a:p>
-            <a:r>
-              <a:rPr lang="ru-RU" sz="2400" dirty="0"/>
-              <a:t>Задачи:</a:t>
-            </a:r>
-          </a:p>
-        </p:txBody>
-      </p:sp>
-      <p:sp>
-        <p:nvSpPr>
-          <p:cNvPr id="7" name="Объект 2">
-            <a:extLst>
-              <a:ext uri="{FF2B5EF4-FFF2-40B4-BE49-F238E27FC236}">
-                <a16:creationId xmlns:a16="http://schemas.microsoft.com/office/drawing/2014/main" id="{092BA0C9-7F68-4242-9FC1-61071E53FFB2}"/>
-              </a:ext>
-            </a:extLst>
-          </p:cNvPr>
-          <p:cNvSpPr txBox="1">
-            <a:spLocks/>
-          </p:cNvSpPr>
-          <p:nvPr/>
-        </p:nvSpPr>
-        <p:spPr>
-          <a:xfrm>
-            <a:off x="6263640" y="1290919"/>
-            <a:ext cx="5569334" cy="3440203"/>
-          </a:xfrm>
-          <a:prstGeom prst="rect">
-            <a:avLst/>
-          </a:prstGeom>
-        </p:spPr>
-        <p:txBody>
-          <a:bodyPr vert="horz" lIns="91440" tIns="45720" rIns="91440" bIns="45720" rtlCol="0" anchor="t">
-            <a:normAutofit/>
-          </a:bodyPr>
-          <a:lstStyle>
-            <a:lvl1pPr marL="384048" indent="-384048" algn="l" defTabSz="914400" rtl="0" eaLnBrk="1" latinLnBrk="0" hangingPunct="1">
-              <a:lnSpc>
-                <a:spcPct val="94000"/>
-              </a:lnSpc>
-              <a:spcBef>
-                <a:spcPts val="1000"/>
-              </a:spcBef>
-              <a:spcAft>
-                <a:spcPts val="200"/>
-              </a:spcAft>
-              <a:buFont typeface="Franklin Gothic Book" panose="020B0503020102020204" pitchFamily="34" charset="0"/>
-              <a:buChar char="■"/>
-              <a:defRPr sz="2000" kern="1200" baseline="0">
-                <a:solidFill>
-                  <a:schemeClr val="tx2"/>
-                </a:solidFill>
-                <a:latin typeface="+mn-lt"/>
-                <a:ea typeface="+mn-ea"/>
-                <a:cs typeface="+mn-cs"/>
-              </a:defRPr>
-            </a:lvl1pPr>
-            <a:lvl2pPr marL="914400" indent="-384048" algn="l" defTabSz="914400" rtl="0" eaLnBrk="1" latinLnBrk="0" hangingPunct="1">
-              <a:lnSpc>
-                <a:spcPct val="94000"/>
-              </a:lnSpc>
-              <a:spcBef>
-                <a:spcPts val="500"/>
-              </a:spcBef>
-              <a:spcAft>
-                <a:spcPts val="200"/>
-              </a:spcAft>
-              <a:buFont typeface="Franklin Gothic Book" panose="020B0503020102020204" pitchFamily="34" charset="0"/>
-              <a:buChar char="–"/>
-              <a:defRPr sz="2000" i="1" kern="1200" baseline="0">
-                <a:solidFill>
-                  <a:schemeClr val="tx2"/>
-                </a:solidFill>
-                <a:latin typeface="+mn-lt"/>
-                <a:ea typeface="+mn-ea"/>
-                <a:cs typeface="+mn-cs"/>
-              </a:defRPr>
-            </a:lvl2pPr>
-            <a:lvl3pPr marL="1371600" indent="-384048" algn="l" defTabSz="914400" rtl="0" eaLnBrk="1" latinLnBrk="0" hangingPunct="1">
-              <a:lnSpc>
-                <a:spcPct val="94000"/>
-              </a:lnSpc>
-              <a:spcBef>
-                <a:spcPts val="500"/>
-              </a:spcBef>
-              <a:spcAft>
-                <a:spcPts val="200"/>
-              </a:spcAft>
-              <a:buFont typeface="Franklin Gothic Book" panose="020B0503020102020204" pitchFamily="34" charset="0"/>
-              <a:buChar char="■"/>
-              <a:defRPr sz="1800" kern="1200" baseline="0">
-                <a:solidFill>
-                  <a:schemeClr val="tx2"/>
-                </a:solidFill>
-                <a:latin typeface="+mn-lt"/>
-                <a:ea typeface="+mn-ea"/>
-                <a:cs typeface="+mn-cs"/>
-              </a:defRPr>
-            </a:lvl3pPr>
-            <a:lvl4pPr marL="1828800" indent="-384048" algn="l" defTabSz="914400" rtl="0" eaLnBrk="1" latinLnBrk="0" hangingPunct="1">
-              <a:lnSpc>
-                <a:spcPct val="94000"/>
-              </a:lnSpc>
-              <a:spcBef>
-                <a:spcPts val="500"/>
-              </a:spcBef>
-              <a:spcAft>
-                <a:spcPts val="200"/>
-              </a:spcAft>
-              <a:buFont typeface="Franklin Gothic Book" panose="020B0503020102020204" pitchFamily="34" charset="0"/>
-              <a:buChar char="–"/>
-              <a:defRPr sz="1800" i="1" kern="1200" baseline="0">
-                <a:solidFill>
-                  <a:schemeClr val="tx2"/>
-                </a:solidFill>
-                <a:latin typeface="+mn-lt"/>
-                <a:ea typeface="+mn-ea"/>
-                <a:cs typeface="+mn-cs"/>
-              </a:defRPr>
-            </a:lvl4pPr>
-            <a:lvl5pPr marL="2286000" indent="-384048" algn="l" defTabSz="914400" rtl="0" eaLnBrk="1" latinLnBrk="0" hangingPunct="1">
-              <a:lnSpc>
-                <a:spcPct val="94000"/>
-              </a:lnSpc>
-              <a:spcBef>
-                <a:spcPts val="500"/>
-              </a:spcBef>
-              <a:spcAft>
-                <a:spcPts val="200"/>
-              </a:spcAft>
-              <a:buFont typeface="Franklin Gothic Book" panose="020B0503020102020204" pitchFamily="34" charset="0"/>
-              <a:buChar char="■"/>
-              <a:defRPr sz="1600" kern="1200" baseline="0">
-                <a:solidFill>
-                  <a:schemeClr val="tx2"/>
-                </a:solidFill>
-                <a:latin typeface="+mn-lt"/>
-                <a:ea typeface="+mn-ea"/>
-                <a:cs typeface="+mn-cs"/>
-              </a:defRPr>
-            </a:lvl5pPr>
-            <a:lvl6pPr marL="2743200" indent="-384048" algn="l" defTabSz="914400" rtl="0" eaLnBrk="1" latinLnBrk="0" hangingPunct="1">
-              <a:lnSpc>
-                <a:spcPct val="94000"/>
-              </a:lnSpc>
-              <a:spcBef>
-                <a:spcPts val="500"/>
-              </a:spcBef>
-              <a:spcAft>
-                <a:spcPts val="200"/>
-              </a:spcAft>
-              <a:buFont typeface="Franklin Gothic Book" panose="020B0503020102020204" pitchFamily="34" charset="0"/>
-              <a:buChar char="–"/>
-              <a:defRPr sz="1600" i="1" kern="1200" baseline="0">
-                <a:solidFill>
-                  <a:schemeClr val="tx2"/>
-                </a:solidFill>
-                <a:latin typeface="+mn-lt"/>
-                <a:ea typeface="+mn-ea"/>
-                <a:cs typeface="+mn-cs"/>
-              </a:defRPr>
-            </a:lvl6pPr>
-            <a:lvl7pPr marL="3200400" indent="-384048" algn="l" defTabSz="914400" rtl="0" eaLnBrk="1" latinLnBrk="0" hangingPunct="1">
-              <a:lnSpc>
-                <a:spcPct val="94000"/>
-              </a:lnSpc>
-              <a:spcBef>
-                <a:spcPts val="500"/>
-              </a:spcBef>
-              <a:spcAft>
-                <a:spcPts val="200"/>
-              </a:spcAft>
-              <a:buFont typeface="Franklin Gothic Book" panose="020B0503020102020204" pitchFamily="34" charset="0"/>
-              <a:buChar char="■"/>
-              <a:defRPr sz="1400" kern="1200" baseline="0">
-                <a:solidFill>
-                  <a:schemeClr val="tx2"/>
-                </a:solidFill>
-                <a:latin typeface="+mn-lt"/>
-                <a:ea typeface="+mn-ea"/>
-                <a:cs typeface="+mn-cs"/>
-              </a:defRPr>
-            </a:lvl7pPr>
-            <a:lvl8pPr marL="3657600" indent="-384048" algn="l" defTabSz="914400" rtl="0" eaLnBrk="1" latinLnBrk="0" hangingPunct="1">
-              <a:lnSpc>
-                <a:spcPct val="94000"/>
-              </a:lnSpc>
-              <a:spcBef>
-                <a:spcPts val="500"/>
-              </a:spcBef>
-              <a:spcAft>
-                <a:spcPts val="200"/>
-              </a:spcAft>
-              <a:buFont typeface="Franklin Gothic Book" panose="020B0503020102020204" pitchFamily="34" charset="0"/>
-              <a:buChar char="–"/>
-              <a:defRPr sz="1400" i="1" kern="1200" baseline="0">
-                <a:solidFill>
-                  <a:schemeClr val="tx2"/>
-                </a:solidFill>
-                <a:latin typeface="+mn-lt"/>
-                <a:ea typeface="+mn-ea"/>
-                <a:cs typeface="+mn-cs"/>
-              </a:defRPr>
-            </a:lvl8pPr>
-            <a:lvl9pPr marL="4114800" indent="-384048" algn="l" defTabSz="914400" rtl="0" eaLnBrk="1" latinLnBrk="0" hangingPunct="1">
-              <a:lnSpc>
-                <a:spcPct val="94000"/>
-              </a:lnSpc>
-              <a:spcBef>
-                <a:spcPts val="500"/>
-              </a:spcBef>
-              <a:spcAft>
-                <a:spcPts val="200"/>
-              </a:spcAft>
-              <a:buFont typeface="Franklin Gothic Book" panose="020B0503020102020204" pitchFamily="34" charset="0"/>
-              <a:buChar char="■"/>
-              <a:defRPr sz="1400" kern="1200" baseline="0">
-                <a:solidFill>
-                  <a:schemeClr val="tx2"/>
-                </a:solidFill>
-                <a:latin typeface="+mn-lt"/>
-                <a:ea typeface="+mn-ea"/>
-                <a:cs typeface="+mn-cs"/>
-              </a:defRPr>
-            </a:lvl9pPr>
-          </a:lstStyle>
-          <a:p>
-            <a:pPr marL="383540" indent="-383540"/>
-            <a:r>
-              <a:rPr lang="ru-RU" dirty="0"/>
-              <a:t>Доработать ранее разработанные алгоритмы определения положения Солнца</a:t>
-            </a:r>
-          </a:p>
-          <a:p>
-            <a:pPr marL="383540" indent="-383540"/>
-            <a:r>
-              <a:rPr lang="ru-RU" dirty="0"/>
-              <a:t>Разработать новые алгоритмы определения положения Солнца</a:t>
-            </a:r>
-          </a:p>
-          <a:p>
-            <a:pPr marL="383540" indent="-383540"/>
-            <a:r>
-              <a:rPr lang="ru-RU" dirty="0"/>
-              <a:t>Сравнить работу алгоритмов</a:t>
-            </a:r>
-          </a:p>
-          <a:p>
-            <a:pPr marL="383540" indent="-383540"/>
-            <a:r>
-              <a:rPr lang="ru-RU" dirty="0"/>
-              <a:t>Выбрать наиболее эффективный алгоритм</a:t>
-            </a:r>
-          </a:p>
-          <a:p>
-            <a:pPr marL="383540" indent="-383540"/>
-            <a:endParaRPr lang="ru-RU" dirty="0"/>
-          </a:p>
-        </p:txBody>
-      </p:sp>
-      <p:sp>
-        <p:nvSpPr>
-          <p:cNvPr id="3" name="Номер слайда 2">
-            <a:extLst>
-              <a:ext uri="{FF2B5EF4-FFF2-40B4-BE49-F238E27FC236}">
-                <a16:creationId xmlns:a16="http://schemas.microsoft.com/office/drawing/2014/main" id="{6226E5A4-5EF1-4737-AD51-455524936778}"/>
-              </a:ext>
-            </a:extLst>
-          </p:cNvPr>
-          <p:cNvSpPr>
-            <a:spLocks noGrp="1"/>
-          </p:cNvSpPr>
-          <p:nvPr>
-            <p:ph type="sldNum" sz="quarter" idx="12"/>
-          </p:nvPr>
-        </p:nvSpPr>
-        <p:spPr/>
-        <p:txBody>
-          <a:bodyPr/>
-          <a:lstStyle/>
-          <a:p>
-            <a:fld id="{69E57DC2-970A-4B3E-BB1C-7A09969E49DF}" type="slidenum">
-              <a:rPr lang="en-US" sz="1800" smtClean="0"/>
-              <a:t>2</a:t>
-            </a:fld>
-            <a:endParaRPr lang="en-US" sz="1800" dirty="0"/>
-          </a:p>
-        </p:txBody>
-      </p:sp>
-    </p:spTree>
-    <p:extLst>
-      <p:ext uri="{BB962C8B-B14F-4D97-AF65-F5344CB8AC3E}">
-        <p14:creationId xmlns:p14="http://schemas.microsoft.com/office/powerpoint/2010/main" val="1863425521"/>
-      </p:ext>
-    </p:extLst>
-  </p:cSld>
-  <p:clrMapOvr>
-    <a:masterClrMapping/>
-  </p:clrMapOvr>
-</p:sld>
-</file>
-
-<file path=ppt/slides/slide20.xml><?xml version="1.0" encoding="utf-8"?>
+<file path=ppt/slides/slide22.xml><?xml version="1.0" encoding="utf-8"?>
 <p:sld xmlns:a="http://schemas.openxmlformats.org/drawingml/2006/main" xmlns:r="http://schemas.openxmlformats.org/officeDocument/2006/relationships" xmlns:p="http://schemas.openxmlformats.org/presentationml/2006/main">
   <p:cSld>
     <p:spTree>
@@ -10634,7 +11125,7 @@
           <a:p>
             <a:fld id="{69E57DC2-970A-4B3E-BB1C-7A09969E49DF}" type="slidenum">
               <a:rPr lang="en-US" sz="1800" smtClean="0"/>
-              <a:t>20</a:t>
+              <a:t>22</a:t>
             </a:fld>
             <a:endParaRPr lang="en-US" sz="1800" dirty="0"/>
           </a:p>
@@ -10655,14 +11146,14 @@
           <p:nvPr>
             <p:extLst>
               <p:ext uri="{D42A27DB-BD31-4B8C-83A1-F6EECF244321}">
-                <p14:modId xmlns:p14="http://schemas.microsoft.com/office/powerpoint/2010/main" val="553084454"/>
+                <p14:modId xmlns:p14="http://schemas.microsoft.com/office/powerpoint/2010/main" val="3816852403"/>
               </p:ext>
             </p:extLst>
           </p:nvPr>
         </p:nvGraphicFramePr>
         <p:xfrm>
           <a:off x="1371600" y="2002705"/>
-          <a:ext cx="9697428" cy="2797023"/>
+          <a:ext cx="9697428" cy="2158740"/>
         </p:xfrm>
         <a:graphic>
           <a:graphicData uri="http://schemas.openxmlformats.org/drawingml/2006/table">
@@ -10847,96 +11338,6 @@
                 <a:extLst>
                   <a:ext uri="{0D108BD9-81ED-4DB2-BD59-A6C34878D82A}">
                     <a16:rowId xmlns:a16="http://schemas.microsoft.com/office/drawing/2014/main" val="2594211631"/>
-                  </a:ext>
-                </a:extLst>
-              </a:tr>
-              <a:tr h="638283">
-                <a:tc>
-                  <a:txBody>
-                    <a:bodyPr/>
-                    <a:lstStyle/>
-                    <a:p>
-                      <a:r>
-                        <a:rPr lang="en-US" sz="1600" dirty="0"/>
-                        <a:t>Brute spot</a:t>
-                      </a:r>
-                      <a:endParaRPr lang="ru-RU" sz="1600" dirty="0"/>
-                    </a:p>
-                  </a:txBody>
-                  <a:tcPr anchor="ctr"/>
-                </a:tc>
-                <a:tc>
-                  <a:txBody>
-                    <a:bodyPr/>
-                    <a:lstStyle/>
-                    <a:p>
-                      <a:pPr algn="ctr"/>
-                      <a:r>
-                        <a:rPr lang="ru-RU" sz="1800" kern="1200" dirty="0">
-                          <a:solidFill>
-                            <a:schemeClr val="dk1"/>
-                          </a:solidFill>
-                          <a:effectLst/>
-                          <a:latin typeface="+mn-lt"/>
-                          <a:ea typeface="+mn-ea"/>
-                          <a:cs typeface="+mn-cs"/>
-                        </a:rPr>
-                        <a:t>0,03 </a:t>
-                      </a:r>
-                      <a:endParaRPr lang="ru-RU" dirty="0"/>
-                    </a:p>
-                  </a:txBody>
-                  <a:tcPr anchor="ctr"/>
-                </a:tc>
-                <a:tc>
-                  <a:txBody>
-                    <a:bodyPr/>
-                    <a:lstStyle/>
-                    <a:p>
-                      <a:pPr algn="ctr"/>
-                      <a:r>
-                        <a:rPr lang="ru-RU" sz="1800" kern="1200" dirty="0">
-                          <a:solidFill>
-                            <a:schemeClr val="dk1"/>
-                          </a:solidFill>
-                          <a:effectLst/>
-                          <a:latin typeface="+mn-lt"/>
-                          <a:ea typeface="+mn-ea"/>
-                          <a:cs typeface="+mn-cs"/>
-                        </a:rPr>
-                        <a:t>0,716 </a:t>
-                      </a:r>
-                      <a:endParaRPr lang="ru-RU" dirty="0"/>
-                    </a:p>
-                  </a:txBody>
-                  <a:tcPr anchor="ctr"/>
-                </a:tc>
-                <a:tc>
-                  <a:txBody>
-                    <a:bodyPr/>
-                    <a:lstStyle/>
-                    <a:p>
-                      <a:pPr algn="ctr"/>
-                      <a:r>
-                        <a:rPr lang="ru-RU" sz="1800" kern="1200" dirty="0">
-                          <a:solidFill>
-                            <a:schemeClr val="dk1"/>
-                          </a:solidFill>
-                          <a:effectLst/>
-                          <a:latin typeface="+mn-lt"/>
-                          <a:ea typeface="+mn-ea"/>
-                          <a:cs typeface="+mn-cs"/>
-                        </a:rPr>
-                        <a:t>300000</a:t>
-                      </a:r>
-                      <a:endParaRPr lang="ru-RU" dirty="0"/>
-                    </a:p>
-                  </a:txBody>
-                  <a:tcPr anchor="ctr"/>
-                </a:tc>
-                <a:extLst>
-                  <a:ext uri="{0D108BD9-81ED-4DB2-BD59-A6C34878D82A}">
-                    <a16:rowId xmlns:a16="http://schemas.microsoft.com/office/drawing/2014/main" val="1553306656"/>
                   </a:ext>
                 </a:extLst>
               </a:tr>
@@ -11209,7 +11610,7 @@
 </p:sld>
 </file>
 
-<file path=ppt/slides/slide21.xml><?xml version="1.0" encoding="utf-8"?>
+<file path=ppt/slides/slide23.xml><?xml version="1.0" encoding="utf-8"?>
 <p:sld xmlns:a="http://schemas.openxmlformats.org/drawingml/2006/main" xmlns:r="http://schemas.openxmlformats.org/officeDocument/2006/relationships" xmlns:p="http://schemas.openxmlformats.org/presentationml/2006/main">
   <p:cSld>
     <p:spTree>
@@ -11308,27 +11709,27 @@
           <a:p>
             <a:pPr lvl="1"/>
             <a:r>
-              <a:rPr lang="ru-RU" dirty="0">
+              <a:rPr lang="ru-RU" sz="1800" dirty="0">
                 <a:latin typeface="Times New Roman" panose="02020603050405020304" pitchFamily="18" charset="0"/>
                 <a:cs typeface="Times New Roman" panose="02020603050405020304" pitchFamily="18" charset="0"/>
               </a:rPr>
               <a:t>Поиск первого пикселя пятна</a:t>
             </a:r>
             <a:r>
-              <a:rPr lang="en-US" dirty="0">
+              <a:rPr lang="en-US" sz="1800" dirty="0">
                 <a:latin typeface="Times New Roman" panose="02020603050405020304" pitchFamily="18" charset="0"/>
                 <a:cs typeface="Times New Roman" panose="02020603050405020304" pitchFamily="18" charset="0"/>
               </a:rPr>
               <a:t>: </a:t>
             </a:r>
             <a:r>
-              <a:rPr lang="en-US" b="1" dirty="0">
+              <a:rPr lang="en-US" sz="1800" b="1" dirty="0">
                 <a:latin typeface="Times New Roman" panose="02020603050405020304" pitchFamily="18" charset="0"/>
                 <a:cs typeface="Times New Roman" panose="02020603050405020304" pitchFamily="18" charset="0"/>
               </a:rPr>
               <a:t>“Round double spot”;</a:t>
             </a:r>
-            <a:endParaRPr lang="en-US" dirty="0">
+            <a:endParaRPr lang="en-US" sz="1800" dirty="0">
               <a:latin typeface="Times New Roman" panose="02020603050405020304" pitchFamily="18" charset="0"/>
               <a:cs typeface="Times New Roman" panose="02020603050405020304" pitchFamily="18" charset="0"/>
             </a:endParaRPr>
@@ -11336,83 +11737,83 @@
           <a:p>
             <a:pPr lvl="1"/>
             <a:r>
-              <a:rPr lang="ru-RU" dirty="0">
+              <a:rPr lang="ru-RU" sz="1800" dirty="0">
                 <a:latin typeface="Times New Roman" panose="02020603050405020304" pitchFamily="18" charset="0"/>
                 <a:cs typeface="Times New Roman" panose="02020603050405020304" pitchFamily="18" charset="0"/>
               </a:rPr>
               <a:t>Нахождение всех пикселей пятна</a:t>
             </a:r>
             <a:r>
-              <a:rPr lang="en-US" dirty="0">
+              <a:rPr lang="en-US" sz="1800" dirty="0">
                 <a:latin typeface="Times New Roman" panose="02020603050405020304" pitchFamily="18" charset="0"/>
                 <a:cs typeface="Times New Roman" panose="02020603050405020304" pitchFamily="18" charset="0"/>
               </a:rPr>
               <a:t>: </a:t>
             </a:r>
             <a:r>
-              <a:rPr lang="en-US" b="1" dirty="0">
+              <a:rPr lang="en-US" sz="1800" b="1" dirty="0">
                 <a:latin typeface="Times New Roman" panose="02020603050405020304" pitchFamily="18" charset="0"/>
                 <a:cs typeface="Times New Roman" panose="02020603050405020304" pitchFamily="18" charset="0"/>
               </a:rPr>
               <a:t>“Breadth search”</a:t>
             </a:r>
             <a:r>
-              <a:rPr lang="en-US" dirty="0">
+              <a:rPr lang="en-US" sz="1800" dirty="0">
                 <a:latin typeface="Times New Roman" panose="02020603050405020304" pitchFamily="18" charset="0"/>
                 <a:cs typeface="Times New Roman" panose="02020603050405020304" pitchFamily="18" charset="0"/>
               </a:rPr>
               <a:t> </a:t>
             </a:r>
             <a:r>
-              <a:rPr lang="ru-RU" dirty="0">
+              <a:rPr lang="ru-RU" sz="1800" dirty="0">
                 <a:latin typeface="Times New Roman" panose="02020603050405020304" pitchFamily="18" charset="0"/>
                 <a:cs typeface="Times New Roman" panose="02020603050405020304" pitchFamily="18" charset="0"/>
               </a:rPr>
               <a:t>при наличии в языке структур данных</a:t>
             </a:r>
             <a:r>
-              <a:rPr lang="en-US" dirty="0">
+              <a:rPr lang="en-US" sz="1800" dirty="0">
                 <a:latin typeface="Times New Roman" panose="02020603050405020304" pitchFamily="18" charset="0"/>
                 <a:cs typeface="Times New Roman" panose="02020603050405020304" pitchFamily="18" charset="0"/>
               </a:rPr>
               <a:t>: </a:t>
             </a:r>
             <a:r>
-              <a:rPr lang="ru-RU" dirty="0">
+              <a:rPr lang="ru-RU" sz="1800" dirty="0">
                 <a:latin typeface="Times New Roman" panose="02020603050405020304" pitchFamily="18" charset="0"/>
                 <a:cs typeface="Times New Roman" panose="02020603050405020304" pitchFamily="18" charset="0"/>
               </a:rPr>
               <a:t>связные списки или очередь.</a:t>
             </a:r>
             <a:r>
-              <a:rPr lang="en-US" b="1" dirty="0">
+              <a:rPr lang="en-US" sz="1800" b="1" dirty="0">
                 <a:latin typeface="Times New Roman" panose="02020603050405020304" pitchFamily="18" charset="0"/>
                 <a:cs typeface="Times New Roman" panose="02020603050405020304" pitchFamily="18" charset="0"/>
               </a:rPr>
               <a:t>“Quadro search”</a:t>
             </a:r>
             <a:r>
-              <a:rPr lang="en-US" dirty="0">
+              <a:rPr lang="en-US" sz="1800" dirty="0">
                 <a:latin typeface="Times New Roman" panose="02020603050405020304" pitchFamily="18" charset="0"/>
                 <a:cs typeface="Times New Roman" panose="02020603050405020304" pitchFamily="18" charset="0"/>
               </a:rPr>
               <a:t> </a:t>
             </a:r>
             <a:r>
-              <a:rPr lang="ru-RU" dirty="0">
+              <a:rPr lang="ru-RU" sz="1800" dirty="0">
                 <a:latin typeface="Times New Roman" panose="02020603050405020304" pitchFamily="18" charset="0"/>
                 <a:cs typeface="Times New Roman" panose="02020603050405020304" pitchFamily="18" charset="0"/>
               </a:rPr>
               <a:t>для языков, где отсутствую указанные структуры данных</a:t>
             </a:r>
             <a:r>
-              <a:rPr lang="en-US" dirty="0">
+              <a:rPr lang="en-US" sz="1800" dirty="0">
                 <a:latin typeface="Times New Roman" panose="02020603050405020304" pitchFamily="18" charset="0"/>
                 <a:cs typeface="Times New Roman" panose="02020603050405020304" pitchFamily="18" charset="0"/>
               </a:rPr>
               <a:t>.</a:t>
             </a:r>
-            <a:endParaRPr lang="ru-RU" dirty="0">
+            <a:endParaRPr lang="ru-RU" sz="1800" dirty="0">
               <a:latin typeface="Times New Roman" panose="02020603050405020304" pitchFamily="18" charset="0"/>
               <a:cs typeface="Times New Roman" panose="02020603050405020304" pitchFamily="18" charset="0"/>
             </a:endParaRPr>
@@ -11422,29 +11823,19 @@
               <a:buNone/>
             </a:pPr>
             <a:r>
-              <a:rPr lang="ru-RU" b="1" dirty="0">
+              <a:rPr lang="ru-RU" b="1" i="0" dirty="0">
                 <a:latin typeface="Times New Roman" panose="02020603050405020304" pitchFamily="18" charset="0"/>
                 <a:cs typeface="Times New Roman" panose="02020603050405020304" pitchFamily="18" charset="0"/>
               </a:rPr>
               <a:t>По времени и вычислительным затратам.</a:t>
             </a:r>
-            <a:br>
-              <a:rPr lang="ru-RU" dirty="0">
-                <a:latin typeface="Times New Roman" panose="02020603050405020304" pitchFamily="18" charset="0"/>
-                <a:cs typeface="Times New Roman" panose="02020603050405020304" pitchFamily="18" charset="0"/>
-              </a:rPr>
-            </a:br>
-            <a:endParaRPr lang="ru-RU" dirty="0"/>
+            <a:endParaRPr lang="ru-RU" i="0" dirty="0"/>
           </a:p>
           <a:p>
             <a:r>
               <a:rPr lang="ru-RU" dirty="0"/>
               <a:t>Все алгоритмы являются алгоритмами поиска в несортированном массиве, различные вариации меняют начальную точку поиска, шаг поиска либо последовательность изучения элементов массива.</a:t>
             </a:r>
-            <a:br>
-              <a:rPr lang="ru-RU" dirty="0"/>
-            </a:br>
-            <a:endParaRPr lang="ru-RU" dirty="0"/>
           </a:p>
           <a:p>
             <a:r>
@@ -11458,6 +11849,20 @@
             <a:r>
               <a:rPr lang="ru-RU" dirty="0"/>
               <a:t>).</a:t>
+            </a:r>
+          </a:p>
+          <a:p>
+            <a:r>
+              <a:rPr lang="ru-RU" dirty="0"/>
+              <a:t>Оптимальный язык программирования – </a:t>
+            </a:r>
+            <a:r>
+              <a:rPr lang="en-US" dirty="0"/>
+              <a:t>C</a:t>
+            </a:r>
+            <a:r>
+              <a:rPr lang="ru-RU" dirty="0"/>
+              <a:t>.</a:t>
             </a:r>
             <a:endParaRPr lang="en-US" dirty="0"/>
           </a:p>
@@ -11495,7 +11900,7 @@
           <a:p>
             <a:fld id="{69E57DC2-970A-4B3E-BB1C-7A09969E49DF}" type="slidenum">
               <a:rPr lang="en-US" sz="1800" smtClean="0"/>
-              <a:t>21</a:t>
+              <a:t>23</a:t>
             </a:fld>
             <a:endParaRPr lang="en-US" sz="1800" dirty="0"/>
           </a:p>
@@ -11559,13 +11964,8 @@
           <a:p>
             <a:r>
               <a:rPr lang="ru-RU" dirty="0"/>
-              <a:t>Информация о матрице</a:t>
-            </a:r>
-            <a:r>
-              <a:rPr lang="en-US" dirty="0"/>
-              <a:t> MT9V032</a:t>
-            </a:r>
-            <a:endParaRPr lang="ru-RU" dirty="0"/>
+              <a:t>Информация о датчике</a:t>
+            </a:r>
           </a:p>
         </p:txBody>
       </p:sp>
@@ -11587,162 +11987,132 @@
         </p:nvSpPr>
         <p:spPr>
           <a:xfrm>
-            <a:off x="1371600" y="1463040"/>
-            <a:ext cx="5605272" cy="4404360"/>
+            <a:off x="6172200" y="1463040"/>
+            <a:ext cx="4501896" cy="3064764"/>
           </a:xfrm>
         </p:spPr>
         <p:txBody>
           <a:bodyPr/>
           <a:lstStyle/>
           <a:p>
+            <a:pPr marL="0" indent="0">
+              <a:buNone/>
+            </a:pPr>
             <a:r>
               <a:rPr lang="ru-RU" dirty="0"/>
+              <a:t>Информация о матрице</a:t>
+            </a:r>
+          </a:p>
+          <a:p>
+            <a:r>
+              <a:rPr lang="ru-RU" sz="1800" dirty="0"/>
               <a:t>Размеры</a:t>
             </a:r>
             <a:r>
-              <a:rPr lang="en-US" dirty="0"/>
-              <a:t>: 4.51</a:t>
-            </a:r>
-            <a:r>
-              <a:rPr lang="ru-RU" dirty="0"/>
+              <a:rPr lang="en-US" sz="1800" dirty="0"/>
+              <a:t>: 4</a:t>
+            </a:r>
+            <a:r>
+              <a:rPr lang="ru-RU" sz="1800" dirty="0"/>
               <a:t>мм ×</a:t>
             </a:r>
             <a:r>
-              <a:rPr lang="en-US" dirty="0"/>
-              <a:t> 4.51</a:t>
-            </a:r>
-            <a:r>
-              <a:rPr lang="ru-RU" dirty="0"/>
+              <a:rPr lang="en-US" sz="1800" dirty="0"/>
+              <a:t> 4</a:t>
+            </a:r>
+            <a:r>
+              <a:rPr lang="ru-RU" sz="1800" dirty="0"/>
               <a:t>мм</a:t>
             </a:r>
             <a:r>
-              <a:rPr lang="en-US" dirty="0"/>
+              <a:rPr lang="en-US" sz="1800" dirty="0"/>
               <a:t>;</a:t>
             </a:r>
           </a:p>
           <a:p>
             <a:r>
-              <a:rPr lang="ru-RU"/>
+              <a:rPr lang="ru-RU" sz="1800" dirty="0"/>
               <a:t>Разрешение</a:t>
             </a:r>
             <a:r>
-              <a:rPr lang="en-US" dirty="0"/>
+              <a:rPr lang="en-US" sz="1800" dirty="0"/>
               <a:t>: </a:t>
             </a:r>
             <a:r>
-              <a:rPr lang="ru-RU" dirty="0"/>
+              <a:rPr lang="ru-RU" sz="1800" dirty="0"/>
               <a:t>752</a:t>
             </a:r>
             <a:r>
-              <a:rPr lang="en-US" dirty="0"/>
+              <a:rPr lang="en-US" sz="1800" dirty="0"/>
               <a:t> </a:t>
             </a:r>
             <a:r>
-              <a:rPr lang="ru-RU" dirty="0"/>
+              <a:rPr lang="ru-RU" sz="1800" dirty="0"/>
               <a:t>×</a:t>
             </a:r>
             <a:r>
-              <a:rPr lang="en-US" dirty="0"/>
+              <a:rPr lang="en-US" sz="1800" dirty="0"/>
               <a:t> 752;</a:t>
             </a:r>
-            <a:endParaRPr lang="ru-RU" dirty="0"/>
-          </a:p>
-          <a:p>
-            <a:r>
-              <a:rPr lang="ru-RU" dirty="0"/>
-              <a:t>Ширина отверстия</a:t>
-            </a:r>
-            <a:r>
-              <a:rPr lang="en-US" dirty="0"/>
+            <a:endParaRPr lang="ru-RU" sz="1800" dirty="0"/>
+          </a:p>
+          <a:p>
+            <a:r>
+              <a:rPr lang="ru-RU" sz="1800" dirty="0"/>
+              <a:t>Диаметр отверстия</a:t>
+            </a:r>
+            <a:r>
+              <a:rPr lang="en-US" sz="1800" dirty="0"/>
               <a:t>:</a:t>
             </a:r>
             <a:r>
-              <a:rPr lang="ru-RU" dirty="0"/>
+              <a:rPr lang="ru-RU" sz="1800" dirty="0"/>
               <a:t> 0.3мм</a:t>
             </a:r>
             <a:r>
-              <a:rPr lang="en-US" dirty="0"/>
+              <a:rPr lang="en-US" sz="1800" dirty="0"/>
               <a:t>;</a:t>
             </a:r>
           </a:p>
           <a:p>
             <a:r>
-              <a:rPr lang="ru-RU" dirty="0"/>
+              <a:rPr lang="ru-RU" sz="1800" dirty="0"/>
               <a:t>Толщина отверстия</a:t>
             </a:r>
             <a:r>
-              <a:rPr lang="en-US" dirty="0"/>
+              <a:rPr lang="en-US" sz="1800" dirty="0"/>
               <a:t>:</a:t>
             </a:r>
             <a:r>
-              <a:rPr lang="ru-RU" dirty="0"/>
+              <a:rPr lang="ru-RU" sz="1800" dirty="0"/>
               <a:t> 100мкм</a:t>
             </a:r>
             <a:r>
-              <a:rPr lang="en-US" dirty="0"/>
+              <a:rPr lang="en-US" sz="1800" dirty="0"/>
               <a:t>;</a:t>
             </a:r>
           </a:p>
           <a:p>
             <a:r>
-              <a:rPr lang="ru-RU" dirty="0"/>
+              <a:rPr lang="ru-RU" sz="1800" dirty="0"/>
               <a:t>Высота отверстия</a:t>
             </a:r>
             <a:r>
-              <a:rPr lang="en-US" dirty="0"/>
+              <a:rPr lang="en-US" sz="1800" dirty="0"/>
               <a:t>:</a:t>
             </a:r>
             <a:r>
-              <a:rPr lang="ru-RU" dirty="0"/>
+              <a:rPr lang="ru-RU" sz="1800" dirty="0"/>
               <a:t> 0.7мм</a:t>
             </a:r>
             <a:r>
-              <a:rPr lang="en-US" dirty="0"/>
+              <a:rPr lang="en-US" sz="1800" dirty="0"/>
               <a:t>;</a:t>
             </a:r>
-            <a:endParaRPr lang="ru-RU" dirty="0"/>
+            <a:endParaRPr lang="ru-RU" sz="1800" dirty="0"/>
           </a:p>
         </p:txBody>
       </p:sp>
-      <p:pic>
-        <p:nvPicPr>
-          <p:cNvPr id="5" name="Рисунок 4" descr="FPGA4U camera modules MT9V032 - Fpga4u">
-            <a:extLst>
-              <a:ext uri="{FF2B5EF4-FFF2-40B4-BE49-F238E27FC236}">
-                <a16:creationId xmlns:a16="http://schemas.microsoft.com/office/drawing/2014/main" id="{A006827B-3FF4-403D-AB8C-6B67F3EBF587}"/>
-              </a:ext>
-            </a:extLst>
-          </p:cNvPr>
-          <p:cNvPicPr/>
-          <p:nvPr/>
-        </p:nvPicPr>
-        <p:blipFill>
-          <a:blip r:embed="rId2">
-            <a:extLst>
-              <a:ext uri="{28A0092B-C50C-407E-A947-70E740481C1C}">
-                <a14:useLocalDpi xmlns:a14="http://schemas.microsoft.com/office/drawing/2010/main" val="0"/>
-              </a:ext>
-            </a:extLst>
-          </a:blip>
-          <a:srcRect/>
-          <a:stretch>
-            <a:fillRect/>
-          </a:stretch>
-        </p:blipFill>
-        <p:spPr bwMode="auto">
-          <a:xfrm>
-            <a:off x="6561657" y="1516380"/>
-            <a:ext cx="3709225" cy="4297680"/>
-          </a:xfrm>
-          <a:prstGeom prst="rect">
-            <a:avLst/>
-          </a:prstGeom>
-          <a:noFill/>
-          <a:ln>
-            <a:noFill/>
-          </a:ln>
-        </p:spPr>
-      </p:pic>
       <p:sp>
         <p:nvSpPr>
           <p:cNvPr id="7" name="Номер слайда 6">
@@ -11772,6 +12142,35 @@
           </a:p>
         </p:txBody>
       </p:sp>
+      <p:pic>
+        <p:nvPicPr>
+          <p:cNvPr id="8" name="Рисунок 7">
+            <a:extLst>
+              <a:ext uri="{FF2B5EF4-FFF2-40B4-BE49-F238E27FC236}">
+                <a16:creationId xmlns:a16="http://schemas.microsoft.com/office/drawing/2014/main" id="{7A51F4FA-C79F-4286-B459-5F2D62BE28CE}"/>
+              </a:ext>
+            </a:extLst>
+          </p:cNvPr>
+          <p:cNvPicPr>
+            <a:picLocks noChangeAspect="1"/>
+          </p:cNvPicPr>
+          <p:nvPr/>
+        </p:nvPicPr>
+        <p:blipFill rotWithShape="1">
+          <a:blip r:embed="rId2"/>
+          <a:srcRect l="17951" t="36480" r="18592" b="8718"/>
+          <a:stretch/>
+        </p:blipFill>
+        <p:spPr>
+          <a:xfrm>
+            <a:off x="1371600" y="1463040"/>
+            <a:ext cx="4227576" cy="4868118"/>
+          </a:xfrm>
+          <a:prstGeom prst="rect">
+            <a:avLst/>
+          </a:prstGeom>
+        </p:spPr>
+      </p:pic>
     </p:spTree>
     <p:extLst>
       <p:ext uri="{BB962C8B-B14F-4D97-AF65-F5344CB8AC3E}">
@@ -11864,47 +12263,6 @@
           </a:p>
         </p:txBody>
       </p:sp>
-      <p:pic>
-        <p:nvPicPr>
-          <p:cNvPr id="6" name="Рисунок 5">
-            <a:extLst>
-              <a:ext uri="{FF2B5EF4-FFF2-40B4-BE49-F238E27FC236}">
-                <a16:creationId xmlns:a16="http://schemas.microsoft.com/office/drawing/2014/main" id="{8F565501-05BD-4733-A639-5C1BF79C6430}"/>
-              </a:ext>
-            </a:extLst>
-          </p:cNvPr>
-          <p:cNvPicPr/>
-          <p:nvPr/>
-        </p:nvPicPr>
-        <p:blipFill rotWithShape="1">
-          <a:blip r:embed="rId2">
-            <a:extLst>
-              <a:ext uri="{28A0092B-C50C-407E-A947-70E740481C1C}">
-                <a14:useLocalDpi xmlns:a14="http://schemas.microsoft.com/office/drawing/2010/main" val="0"/>
-              </a:ext>
-            </a:extLst>
-          </a:blip>
-          <a:srcRect b="15631"/>
-          <a:stretch/>
-        </p:blipFill>
-        <p:spPr bwMode="auto">
-          <a:xfrm>
-            <a:off x="2926461" y="2045978"/>
-            <a:ext cx="6491478" cy="4407408"/>
-          </a:xfrm>
-          <a:prstGeom prst="rect">
-            <a:avLst/>
-          </a:prstGeom>
-          <a:ln>
-            <a:noFill/>
-          </a:ln>
-          <a:extLst>
-            <a:ext uri="{53640926-AAD7-44D8-BBD7-CCE9431645EC}">
-              <a14:shadowObscured xmlns:a14="http://schemas.microsoft.com/office/drawing/2010/main"/>
-            </a:ext>
-          </a:extLst>
-        </p:spPr>
-      </p:pic>
       <p:sp>
         <p:nvSpPr>
           <p:cNvPr id="7" name="Прямоугольник 6">
@@ -11947,6 +12305,36 @@
           </a:p>
         </p:txBody>
       </p:sp>
+      <p:pic>
+        <p:nvPicPr>
+          <p:cNvPr id="8" name="Рисунок 7">
+            <a:extLst>
+              <a:ext uri="{FF2B5EF4-FFF2-40B4-BE49-F238E27FC236}">
+                <a16:creationId xmlns:a16="http://schemas.microsoft.com/office/drawing/2014/main" id="{97F20DD1-28D5-4FC5-8322-5AF7E3DCA671}"/>
+              </a:ext>
+            </a:extLst>
+          </p:cNvPr>
+          <p:cNvPicPr>
+            <a:picLocks noChangeAspect="1"/>
+          </p:cNvPicPr>
+          <p:nvPr/>
+        </p:nvPicPr>
+        <p:blipFill>
+          <a:blip r:embed="rId2"/>
+          <a:stretch>
+            <a:fillRect/>
+          </a:stretch>
+        </p:blipFill>
+        <p:spPr>
+          <a:xfrm>
+            <a:off x="1938789" y="2145823"/>
+            <a:ext cx="8466821" cy="4307563"/>
+          </a:xfrm>
+          <a:prstGeom prst="rect">
+            <a:avLst/>
+          </a:prstGeom>
+        </p:spPr>
+      </p:pic>
     </p:spTree>
     <p:extLst>
       <p:ext uri="{BB962C8B-B14F-4D97-AF65-F5344CB8AC3E}">
@@ -11961,6 +12349,988 @@
 </file>
 
 <file path=ppt/slides/slide5.xml><?xml version="1.0" encoding="utf-8"?>
+<p:sld xmlns:a="http://schemas.openxmlformats.org/drawingml/2006/main" xmlns:r="http://schemas.openxmlformats.org/officeDocument/2006/relationships" xmlns:p="http://schemas.openxmlformats.org/presentationml/2006/main">
+  <p:cSld>
+    <p:spTree>
+      <p:nvGrpSpPr>
+        <p:cNvPr id="1" name=""/>
+        <p:cNvGrpSpPr/>
+        <p:nvPr/>
+      </p:nvGrpSpPr>
+      <p:grpSpPr>
+        <a:xfrm>
+          <a:off x="0" y="0"/>
+          <a:ext cx="0" cy="0"/>
+          <a:chOff x="0" y="0"/>
+          <a:chExt cx="0" cy="0"/>
+        </a:xfrm>
+      </p:grpSpPr>
+      <p:sp>
+        <p:nvSpPr>
+          <p:cNvPr id="2" name="Заголовок 1">
+            <a:extLst>
+              <a:ext uri="{FF2B5EF4-FFF2-40B4-BE49-F238E27FC236}">
+                <a16:creationId xmlns:a16="http://schemas.microsoft.com/office/drawing/2014/main" id="{3A139B35-3A92-4434-BC8E-FB42BD708159}"/>
+              </a:ext>
+            </a:extLst>
+          </p:cNvPr>
+          <p:cNvSpPr>
+            <a:spLocks noGrp="1"/>
+          </p:cNvSpPr>
+          <p:nvPr>
+            <p:ph type="title"/>
+          </p:nvPr>
+        </p:nvSpPr>
+        <p:spPr>
+          <a:xfrm>
+            <a:off x="1371600" y="685800"/>
+            <a:ext cx="9601200" cy="749808"/>
+          </a:xfrm>
+        </p:spPr>
+        <p:txBody>
+          <a:bodyPr/>
+          <a:lstStyle/>
+          <a:p>
+            <a:r>
+              <a:rPr lang="ru-RU" sz="3600" dirty="0"/>
+              <a:t>Изображение светового пятна</a:t>
+            </a:r>
+            <a:endParaRPr lang="ru-RU" dirty="0"/>
+          </a:p>
+        </p:txBody>
+      </p:sp>
+      <p:sp>
+        <p:nvSpPr>
+          <p:cNvPr id="4" name="Номер слайда 3">
+            <a:extLst>
+              <a:ext uri="{FF2B5EF4-FFF2-40B4-BE49-F238E27FC236}">
+                <a16:creationId xmlns:a16="http://schemas.microsoft.com/office/drawing/2014/main" id="{D96AB4C0-309B-4557-933D-EC6667D49C33}"/>
+              </a:ext>
+            </a:extLst>
+          </p:cNvPr>
+          <p:cNvSpPr>
+            <a:spLocks noGrp="1"/>
+          </p:cNvSpPr>
+          <p:nvPr>
+            <p:ph type="sldNum" sz="quarter" idx="12"/>
+          </p:nvPr>
+        </p:nvSpPr>
+        <p:spPr>
+          <a:xfrm>
+            <a:off x="9445304" y="6453386"/>
+            <a:ext cx="1596292" cy="404614"/>
+          </a:xfrm>
+        </p:spPr>
+        <p:txBody>
+          <a:bodyPr/>
+          <a:lstStyle/>
+          <a:p>
+            <a:fld id="{69E57DC2-970A-4B3E-BB1C-7A09969E49DF}" type="slidenum">
+              <a:rPr lang="en-US" sz="1800" smtClean="0"/>
+              <a:t>5</a:t>
+            </a:fld>
+            <a:endParaRPr lang="en-US" sz="1800" dirty="0"/>
+          </a:p>
+        </p:txBody>
+      </p:sp>
+      <p:pic>
+        <p:nvPicPr>
+          <p:cNvPr id="5" name="Рисунок 4">
+            <a:extLst>
+              <a:ext uri="{FF2B5EF4-FFF2-40B4-BE49-F238E27FC236}">
+                <a16:creationId xmlns:a16="http://schemas.microsoft.com/office/drawing/2014/main" id="{777AA6DE-621A-4E04-83C8-43E076CFC46F}"/>
+              </a:ext>
+            </a:extLst>
+          </p:cNvPr>
+          <p:cNvPicPr>
+            <a:picLocks noChangeAspect="1"/>
+          </p:cNvPicPr>
+          <p:nvPr/>
+        </p:nvPicPr>
+        <p:blipFill>
+          <a:blip r:embed="rId2"/>
+          <a:stretch>
+            <a:fillRect/>
+          </a:stretch>
+        </p:blipFill>
+        <p:spPr>
+          <a:xfrm>
+            <a:off x="1371600" y="1600041"/>
+            <a:ext cx="4877223" cy="3657917"/>
+          </a:xfrm>
+          <a:prstGeom prst="rect">
+            <a:avLst/>
+          </a:prstGeom>
+        </p:spPr>
+      </p:pic>
+      <p:pic>
+        <p:nvPicPr>
+          <p:cNvPr id="6" name="Рисунок 5">
+            <a:extLst>
+              <a:ext uri="{FF2B5EF4-FFF2-40B4-BE49-F238E27FC236}">
+                <a16:creationId xmlns:a16="http://schemas.microsoft.com/office/drawing/2014/main" id="{9815B427-F673-4F44-BA1C-E4A50AE0A64D}"/>
+              </a:ext>
+            </a:extLst>
+          </p:cNvPr>
+          <p:cNvPicPr>
+            <a:picLocks noChangeAspect="1"/>
+          </p:cNvPicPr>
+          <p:nvPr/>
+        </p:nvPicPr>
+        <p:blipFill>
+          <a:blip r:embed="rId3"/>
+          <a:stretch>
+            <a:fillRect/>
+          </a:stretch>
+        </p:blipFill>
+        <p:spPr>
+          <a:xfrm>
+            <a:off x="7034124" y="1609185"/>
+            <a:ext cx="4877223" cy="3657917"/>
+          </a:xfrm>
+          <a:prstGeom prst="rect">
+            <a:avLst/>
+          </a:prstGeom>
+        </p:spPr>
+      </p:pic>
+    </p:spTree>
+    <p:extLst>
+      <p:ext uri="{BB962C8B-B14F-4D97-AF65-F5344CB8AC3E}">
+        <p14:creationId xmlns:p14="http://schemas.microsoft.com/office/powerpoint/2010/main" val="3303090393"/>
+      </p:ext>
+    </p:extLst>
+  </p:cSld>
+  <p:clrMapOvr>
+    <a:masterClrMapping/>
+  </p:clrMapOvr>
+</p:sld>
+</file>
+
+<file path=ppt/slides/slide6.xml><?xml version="1.0" encoding="utf-8"?>
+<p:sld xmlns:a="http://schemas.openxmlformats.org/drawingml/2006/main" xmlns:r="http://schemas.openxmlformats.org/officeDocument/2006/relationships" xmlns:p="http://schemas.openxmlformats.org/presentationml/2006/main">
+  <p:cSld>
+    <p:spTree>
+      <p:nvGrpSpPr>
+        <p:cNvPr id="1" name=""/>
+        <p:cNvGrpSpPr/>
+        <p:nvPr/>
+      </p:nvGrpSpPr>
+      <p:grpSpPr>
+        <a:xfrm>
+          <a:off x="0" y="0"/>
+          <a:ext cx="0" cy="0"/>
+          <a:chOff x="0" y="0"/>
+          <a:chExt cx="0" cy="0"/>
+        </a:xfrm>
+      </p:grpSpPr>
+      <p:sp>
+        <p:nvSpPr>
+          <p:cNvPr id="2" name="Заголовок 1">
+            <a:extLst>
+              <a:ext uri="{FF2B5EF4-FFF2-40B4-BE49-F238E27FC236}">
+                <a16:creationId xmlns:a16="http://schemas.microsoft.com/office/drawing/2014/main" id="{3A139B35-3A92-4434-BC8E-FB42BD708159}"/>
+              </a:ext>
+            </a:extLst>
+          </p:cNvPr>
+          <p:cNvSpPr>
+            <a:spLocks noGrp="1"/>
+          </p:cNvSpPr>
+          <p:nvPr>
+            <p:ph type="title"/>
+          </p:nvPr>
+        </p:nvSpPr>
+        <p:spPr>
+          <a:xfrm>
+            <a:off x="1371599" y="281186"/>
+            <a:ext cx="9601200" cy="605118"/>
+          </a:xfrm>
+        </p:spPr>
+        <p:txBody>
+          <a:bodyPr/>
+          <a:lstStyle/>
+          <a:p>
+            <a:r>
+              <a:rPr lang="ru-RU" sz="3600" dirty="0"/>
+              <a:t>Моделирование светового пятна</a:t>
+            </a:r>
+            <a:endParaRPr lang="ru-RU" dirty="0"/>
+          </a:p>
+        </p:txBody>
+      </p:sp>
+      <p:sp>
+        <p:nvSpPr>
+          <p:cNvPr id="4" name="Номер слайда 3">
+            <a:extLst>
+              <a:ext uri="{FF2B5EF4-FFF2-40B4-BE49-F238E27FC236}">
+                <a16:creationId xmlns:a16="http://schemas.microsoft.com/office/drawing/2014/main" id="{D96AB4C0-309B-4557-933D-EC6667D49C33}"/>
+              </a:ext>
+            </a:extLst>
+          </p:cNvPr>
+          <p:cNvSpPr>
+            <a:spLocks noGrp="1"/>
+          </p:cNvSpPr>
+          <p:nvPr>
+            <p:ph type="sldNum" sz="quarter" idx="12"/>
+          </p:nvPr>
+        </p:nvSpPr>
+        <p:spPr/>
+        <p:txBody>
+          <a:bodyPr/>
+          <a:lstStyle/>
+          <a:p>
+            <a:fld id="{69E57DC2-970A-4B3E-BB1C-7A09969E49DF}" type="slidenum">
+              <a:rPr lang="en-US" sz="1800" smtClean="0"/>
+              <a:t>6</a:t>
+            </a:fld>
+            <a:endParaRPr lang="en-US" sz="1800" dirty="0"/>
+          </a:p>
+        </p:txBody>
+      </p:sp>
+      <p:pic>
+        <p:nvPicPr>
+          <p:cNvPr id="7" name="Рисунок 6">
+            <a:extLst>
+              <a:ext uri="{FF2B5EF4-FFF2-40B4-BE49-F238E27FC236}">
+                <a16:creationId xmlns:a16="http://schemas.microsoft.com/office/drawing/2014/main" id="{68339439-9E51-47C5-AAB7-F31FDE9F23F0}"/>
+              </a:ext>
+            </a:extLst>
+          </p:cNvPr>
+          <p:cNvPicPr>
+            <a:picLocks noChangeAspect="1"/>
+          </p:cNvPicPr>
+          <p:nvPr/>
+        </p:nvPicPr>
+        <p:blipFill rotWithShape="1">
+          <a:blip r:embed="rId2"/>
+          <a:srcRect l="20578" t="27867" r="64889" b="56400"/>
+          <a:stretch/>
+        </p:blipFill>
+        <p:spPr>
+          <a:xfrm>
+            <a:off x="1219199" y="3211151"/>
+            <a:ext cx="3478603" cy="3365662"/>
+          </a:xfrm>
+          <a:prstGeom prst="rect">
+            <a:avLst/>
+          </a:prstGeom>
+        </p:spPr>
+      </p:pic>
+      <p:pic>
+        <p:nvPicPr>
+          <p:cNvPr id="9" name="Рисунок 8">
+            <a:extLst>
+              <a:ext uri="{FF2B5EF4-FFF2-40B4-BE49-F238E27FC236}">
+                <a16:creationId xmlns:a16="http://schemas.microsoft.com/office/drawing/2014/main" id="{AD6A8062-EB4C-44C5-AA68-6CA6F8BAF834}"/>
+              </a:ext>
+            </a:extLst>
+          </p:cNvPr>
+          <p:cNvPicPr>
+            <a:picLocks noChangeAspect="1"/>
+          </p:cNvPicPr>
+          <p:nvPr/>
+        </p:nvPicPr>
+        <p:blipFill rotWithShape="1">
+          <a:blip r:embed="rId3"/>
+          <a:srcRect l="44045" t="50000" r="35423" b="30133"/>
+          <a:stretch/>
+        </p:blipFill>
+        <p:spPr>
+          <a:xfrm>
+            <a:off x="8417539" y="3211151"/>
+            <a:ext cx="3478605" cy="3365663"/>
+          </a:xfrm>
+          <a:prstGeom prst="rect">
+            <a:avLst/>
+          </a:prstGeom>
+        </p:spPr>
+      </p:pic>
+      <p:pic>
+        <p:nvPicPr>
+          <p:cNvPr id="11" name="Рисунок 10">
+            <a:extLst>
+              <a:ext uri="{FF2B5EF4-FFF2-40B4-BE49-F238E27FC236}">
+                <a16:creationId xmlns:a16="http://schemas.microsoft.com/office/drawing/2014/main" id="{24BA23BE-8C24-4BCB-8383-260D066EF31D}"/>
+              </a:ext>
+            </a:extLst>
+          </p:cNvPr>
+          <p:cNvPicPr>
+            <a:picLocks noChangeAspect="1"/>
+          </p:cNvPicPr>
+          <p:nvPr/>
+        </p:nvPicPr>
+        <p:blipFill rotWithShape="1">
+          <a:blip r:embed="rId4"/>
+          <a:srcRect l="40043" t="40400" r="40623" b="39199"/>
+          <a:stretch/>
+        </p:blipFill>
+        <p:spPr>
+          <a:xfrm>
+            <a:off x="4818369" y="3211151"/>
+            <a:ext cx="3478603" cy="3365662"/>
+          </a:xfrm>
+          <a:prstGeom prst="rect">
+            <a:avLst/>
+          </a:prstGeom>
+        </p:spPr>
+      </p:pic>
+      <mc:AlternateContent xmlns:mc="http://schemas.openxmlformats.org/markup-compatibility/2006">
+        <mc:Choice xmlns:a14="http://schemas.microsoft.com/office/drawing/2010/main" Requires="a14">
+          <p:sp>
+            <p:nvSpPr>
+              <p:cNvPr id="12" name="Объект 2">
+                <a:extLst>
+                  <a:ext uri="{FF2B5EF4-FFF2-40B4-BE49-F238E27FC236}">
+                    <a16:creationId xmlns:a16="http://schemas.microsoft.com/office/drawing/2014/main" id="{960E8E02-CAD5-405D-A0B6-8A629BFA4054}"/>
+                  </a:ext>
+                </a:extLst>
+              </p:cNvPr>
+              <p:cNvSpPr txBox="1">
+                <a:spLocks/>
+              </p:cNvSpPr>
+              <p:nvPr/>
+            </p:nvSpPr>
+            <p:spPr>
+              <a:xfrm>
+                <a:off x="1371599" y="804672"/>
+                <a:ext cx="10524545" cy="2313432"/>
+              </a:xfrm>
+              <a:prstGeom prst="rect">
+                <a:avLst/>
+              </a:prstGeom>
+            </p:spPr>
+            <p:txBody>
+              <a:bodyPr vert="horz" lIns="91440" tIns="45720" rIns="91440" bIns="45720" rtlCol="0" anchor="t">
+                <a:normAutofit/>
+              </a:bodyPr>
+              <a:lstStyle>
+                <a:lvl1pPr marL="384048" indent="-384048" algn="l" defTabSz="914400" rtl="0" eaLnBrk="1" latinLnBrk="0" hangingPunct="1">
+                  <a:lnSpc>
+                    <a:spcPct val="94000"/>
+                  </a:lnSpc>
+                  <a:spcBef>
+                    <a:spcPts val="1000"/>
+                  </a:spcBef>
+                  <a:spcAft>
+                    <a:spcPts val="200"/>
+                  </a:spcAft>
+                  <a:buFont typeface="Franklin Gothic Book" panose="020B0503020102020204" pitchFamily="34" charset="0"/>
+                  <a:buChar char="■"/>
+                  <a:defRPr sz="2000" kern="1200" baseline="0">
+                    <a:solidFill>
+                      <a:schemeClr val="tx2"/>
+                    </a:solidFill>
+                    <a:latin typeface="+mn-lt"/>
+                    <a:ea typeface="+mn-ea"/>
+                    <a:cs typeface="+mn-cs"/>
+                  </a:defRPr>
+                </a:lvl1pPr>
+                <a:lvl2pPr marL="914400" indent="-384048" algn="l" defTabSz="914400" rtl="0" eaLnBrk="1" latinLnBrk="0" hangingPunct="1">
+                  <a:lnSpc>
+                    <a:spcPct val="94000"/>
+                  </a:lnSpc>
+                  <a:spcBef>
+                    <a:spcPts val="500"/>
+                  </a:spcBef>
+                  <a:spcAft>
+                    <a:spcPts val="200"/>
+                  </a:spcAft>
+                  <a:buFont typeface="Franklin Gothic Book" panose="020B0503020102020204" pitchFamily="34" charset="0"/>
+                  <a:buChar char="–"/>
+                  <a:defRPr sz="2000" i="1" kern="1200" baseline="0">
+                    <a:solidFill>
+                      <a:schemeClr val="tx2"/>
+                    </a:solidFill>
+                    <a:latin typeface="+mn-lt"/>
+                    <a:ea typeface="+mn-ea"/>
+                    <a:cs typeface="+mn-cs"/>
+                  </a:defRPr>
+                </a:lvl2pPr>
+                <a:lvl3pPr marL="1371600" indent="-384048" algn="l" defTabSz="914400" rtl="0" eaLnBrk="1" latinLnBrk="0" hangingPunct="1">
+                  <a:lnSpc>
+                    <a:spcPct val="94000"/>
+                  </a:lnSpc>
+                  <a:spcBef>
+                    <a:spcPts val="500"/>
+                  </a:spcBef>
+                  <a:spcAft>
+                    <a:spcPts val="200"/>
+                  </a:spcAft>
+                  <a:buFont typeface="Franklin Gothic Book" panose="020B0503020102020204" pitchFamily="34" charset="0"/>
+                  <a:buChar char="■"/>
+                  <a:defRPr sz="1800" kern="1200" baseline="0">
+                    <a:solidFill>
+                      <a:schemeClr val="tx2"/>
+                    </a:solidFill>
+                    <a:latin typeface="+mn-lt"/>
+                    <a:ea typeface="+mn-ea"/>
+                    <a:cs typeface="+mn-cs"/>
+                  </a:defRPr>
+                </a:lvl3pPr>
+                <a:lvl4pPr marL="1828800" indent="-384048" algn="l" defTabSz="914400" rtl="0" eaLnBrk="1" latinLnBrk="0" hangingPunct="1">
+                  <a:lnSpc>
+                    <a:spcPct val="94000"/>
+                  </a:lnSpc>
+                  <a:spcBef>
+                    <a:spcPts val="500"/>
+                  </a:spcBef>
+                  <a:spcAft>
+                    <a:spcPts val="200"/>
+                  </a:spcAft>
+                  <a:buFont typeface="Franklin Gothic Book" panose="020B0503020102020204" pitchFamily="34" charset="0"/>
+                  <a:buChar char="–"/>
+                  <a:defRPr sz="1800" i="1" kern="1200" baseline="0">
+                    <a:solidFill>
+                      <a:schemeClr val="tx2"/>
+                    </a:solidFill>
+                    <a:latin typeface="+mn-lt"/>
+                    <a:ea typeface="+mn-ea"/>
+                    <a:cs typeface="+mn-cs"/>
+                  </a:defRPr>
+                </a:lvl4pPr>
+                <a:lvl5pPr marL="2286000" indent="-384048" algn="l" defTabSz="914400" rtl="0" eaLnBrk="1" latinLnBrk="0" hangingPunct="1">
+                  <a:lnSpc>
+                    <a:spcPct val="94000"/>
+                  </a:lnSpc>
+                  <a:spcBef>
+                    <a:spcPts val="500"/>
+                  </a:spcBef>
+                  <a:spcAft>
+                    <a:spcPts val="200"/>
+                  </a:spcAft>
+                  <a:buFont typeface="Franklin Gothic Book" panose="020B0503020102020204" pitchFamily="34" charset="0"/>
+                  <a:buChar char="■"/>
+                  <a:defRPr sz="1600" kern="1200" baseline="0">
+                    <a:solidFill>
+                      <a:schemeClr val="tx2"/>
+                    </a:solidFill>
+                    <a:latin typeface="+mn-lt"/>
+                    <a:ea typeface="+mn-ea"/>
+                    <a:cs typeface="+mn-cs"/>
+                  </a:defRPr>
+                </a:lvl5pPr>
+                <a:lvl6pPr marL="2743200" indent="-384048" algn="l" defTabSz="914400" rtl="0" eaLnBrk="1" latinLnBrk="0" hangingPunct="1">
+                  <a:lnSpc>
+                    <a:spcPct val="94000"/>
+                  </a:lnSpc>
+                  <a:spcBef>
+                    <a:spcPts val="500"/>
+                  </a:spcBef>
+                  <a:spcAft>
+                    <a:spcPts val="200"/>
+                  </a:spcAft>
+                  <a:buFont typeface="Franklin Gothic Book" panose="020B0503020102020204" pitchFamily="34" charset="0"/>
+                  <a:buChar char="–"/>
+                  <a:defRPr sz="1600" i="1" kern="1200" baseline="0">
+                    <a:solidFill>
+                      <a:schemeClr val="tx2"/>
+                    </a:solidFill>
+                    <a:latin typeface="+mn-lt"/>
+                    <a:ea typeface="+mn-ea"/>
+                    <a:cs typeface="+mn-cs"/>
+                  </a:defRPr>
+                </a:lvl6pPr>
+                <a:lvl7pPr marL="3200400" indent="-384048" algn="l" defTabSz="914400" rtl="0" eaLnBrk="1" latinLnBrk="0" hangingPunct="1">
+                  <a:lnSpc>
+                    <a:spcPct val="94000"/>
+                  </a:lnSpc>
+                  <a:spcBef>
+                    <a:spcPts val="500"/>
+                  </a:spcBef>
+                  <a:spcAft>
+                    <a:spcPts val="200"/>
+                  </a:spcAft>
+                  <a:buFont typeface="Franklin Gothic Book" panose="020B0503020102020204" pitchFamily="34" charset="0"/>
+                  <a:buChar char="■"/>
+                  <a:defRPr sz="1400" kern="1200" baseline="0">
+                    <a:solidFill>
+                      <a:schemeClr val="tx2"/>
+                    </a:solidFill>
+                    <a:latin typeface="+mn-lt"/>
+                    <a:ea typeface="+mn-ea"/>
+                    <a:cs typeface="+mn-cs"/>
+                  </a:defRPr>
+                </a:lvl7pPr>
+                <a:lvl8pPr marL="3657600" indent="-384048" algn="l" defTabSz="914400" rtl="0" eaLnBrk="1" latinLnBrk="0" hangingPunct="1">
+                  <a:lnSpc>
+                    <a:spcPct val="94000"/>
+                  </a:lnSpc>
+                  <a:spcBef>
+                    <a:spcPts val="500"/>
+                  </a:spcBef>
+                  <a:spcAft>
+                    <a:spcPts val="200"/>
+                  </a:spcAft>
+                  <a:buFont typeface="Franklin Gothic Book" panose="020B0503020102020204" pitchFamily="34" charset="0"/>
+                  <a:buChar char="–"/>
+                  <a:defRPr sz="1400" i="1" kern="1200" baseline="0">
+                    <a:solidFill>
+                      <a:schemeClr val="tx2"/>
+                    </a:solidFill>
+                    <a:latin typeface="+mn-lt"/>
+                    <a:ea typeface="+mn-ea"/>
+                    <a:cs typeface="+mn-cs"/>
+                  </a:defRPr>
+                </a:lvl8pPr>
+                <a:lvl9pPr marL="4114800" indent="-384048" algn="l" defTabSz="914400" rtl="0" eaLnBrk="1" latinLnBrk="0" hangingPunct="1">
+                  <a:lnSpc>
+                    <a:spcPct val="94000"/>
+                  </a:lnSpc>
+                  <a:spcBef>
+                    <a:spcPts val="500"/>
+                  </a:spcBef>
+                  <a:spcAft>
+                    <a:spcPts val="200"/>
+                  </a:spcAft>
+                  <a:buFont typeface="Franklin Gothic Book" panose="020B0503020102020204" pitchFamily="34" charset="0"/>
+                  <a:buChar char="■"/>
+                  <a:defRPr sz="1400" kern="1200" baseline="0">
+                    <a:solidFill>
+                      <a:schemeClr val="tx2"/>
+                    </a:solidFill>
+                    <a:latin typeface="+mn-lt"/>
+                    <a:ea typeface="+mn-ea"/>
+                    <a:cs typeface="+mn-cs"/>
+                  </a:defRPr>
+                </a:lvl9pPr>
+              </a:lstStyle>
+              <a:p>
+                <a:pPr marL="0" indent="0">
+                  <a:spcBef>
+                    <a:spcPts val="0"/>
+                  </a:spcBef>
+                  <a:spcAft>
+                    <a:spcPts val="0"/>
+                  </a:spcAft>
+                  <a:buNone/>
+                </a:pPr>
+                <a:r>
+                  <a:rPr lang="ru-RU" sz="1800" dirty="0"/>
+                  <a:t>Генерация </a:t>
+                </a:r>
+                <a:r>
+                  <a:rPr lang="ru-RU" sz="1800" b="1" dirty="0"/>
+                  <a:t>1000</a:t>
+                </a:r>
+                <a:r>
+                  <a:rPr lang="ru-RU" sz="1800" dirty="0"/>
+                  <a:t> изображений пятна со случайными азимутальным и зенитным углами.</a:t>
+                </a:r>
+              </a:p>
+              <a:p>
+                <a:pPr marL="0" indent="0">
+                  <a:lnSpc>
+                    <a:spcPct val="100000"/>
+                  </a:lnSpc>
+                  <a:spcBef>
+                    <a:spcPts val="0"/>
+                  </a:spcBef>
+                  <a:spcAft>
+                    <a:spcPts val="0"/>
+                  </a:spcAft>
+                  <a:buNone/>
+                </a:pPr>
+                <a14:m>
+                  <m:oMath xmlns:m="http://schemas.openxmlformats.org/officeDocument/2006/math">
+                    <m:r>
+                      <a:rPr lang="en-US" sz="1800" b="0" i="1" smtClean="0">
+                        <a:ea typeface="Calibri" panose="020F0502020204030204" pitchFamily="34" charset="0"/>
+                      </a:rPr>
+                      <m:t>180</m:t>
+                    </m:r>
+                    <m:r>
+                      <m:rPr>
+                        <m:nor/>
+                      </m:rPr>
+                      <a:rPr lang="en-US" sz="1800" dirty="0">
+                        <a:ea typeface="Calibri" panose="020F0502020204030204" pitchFamily="34" charset="0"/>
+                      </a:rPr>
+                      <m:t>°</m:t>
+                    </m:r>
+                    <m:r>
+                      <a:rPr lang="en-US" sz="1800" i="1">
+                        <a:ea typeface="Calibri" panose="020F0502020204030204" pitchFamily="34" charset="0"/>
+                      </a:rPr>
+                      <m:t>&lt;</m:t>
+                    </m:r>
+                    <m:r>
+                      <a:rPr lang="el-GR" sz="1800" i="1">
+                        <a:ea typeface="Calibri" panose="020F0502020204030204" pitchFamily="34" charset="0"/>
+                      </a:rPr>
+                      <m:t>𝜑</m:t>
+                    </m:r>
+                    <m:r>
+                      <a:rPr lang="en-US" sz="1800" b="0" i="1" smtClean="0">
+                        <a:ea typeface="Calibri" panose="020F0502020204030204" pitchFamily="34" charset="0"/>
+                      </a:rPr>
+                      <m:t>&lt;</m:t>
+                    </m:r>
+                  </m:oMath>
+                </a14:m>
+                <a:r>
+                  <a:rPr lang="en-US" sz="1800" dirty="0">
+                    <a:ea typeface="Calibri" panose="020F0502020204030204" pitchFamily="34" charset="0"/>
+                  </a:rPr>
+                  <a:t> 180° </a:t>
+                </a:r>
+                <a:r>
+                  <a:rPr lang="el-GR" sz="1800" dirty="0">
+                    <a:ea typeface="Calibri" panose="020F0502020204030204" pitchFamily="34" charset="0"/>
+                  </a:rPr>
+                  <a:t> </a:t>
+                </a:r>
+                <a:r>
+                  <a:rPr lang="ru-RU" sz="1800" dirty="0">
+                    <a:ea typeface="Calibri" panose="020F0502020204030204" pitchFamily="34" charset="0"/>
+                  </a:rPr>
+                  <a:t>– азимутальный угол</a:t>
+                </a:r>
+                <a:r>
+                  <a:rPr lang="en-US" sz="1800" dirty="0">
+                    <a:ea typeface="Calibri" panose="020F0502020204030204" pitchFamily="34" charset="0"/>
+                  </a:rPr>
+                  <a:t>; </a:t>
+                </a:r>
+              </a:p>
+              <a:p>
+                <a:pPr marL="0" indent="0">
+                  <a:lnSpc>
+                    <a:spcPct val="100000"/>
+                  </a:lnSpc>
+                  <a:spcBef>
+                    <a:spcPts val="0"/>
+                  </a:spcBef>
+                  <a:spcAft>
+                    <a:spcPts val="0"/>
+                  </a:spcAft>
+                  <a:buNone/>
+                </a:pPr>
+                <a14:m>
+                  <m:oMath xmlns:m="http://schemas.openxmlformats.org/officeDocument/2006/math">
+                    <m:r>
+                      <a:rPr lang="en-US" sz="1800" b="0" i="1" smtClean="0">
+                        <a:ea typeface="Calibri" panose="020F0502020204030204" pitchFamily="34" charset="0"/>
+                      </a:rPr>
+                      <m:t>0</m:t>
+                    </m:r>
+                    <m:r>
+                      <m:rPr>
+                        <m:nor/>
+                      </m:rPr>
+                      <a:rPr lang="en-US" sz="1800" dirty="0">
+                        <a:ea typeface="Calibri" panose="020F0502020204030204" pitchFamily="34" charset="0"/>
+                      </a:rPr>
+                      <m:t>°</m:t>
+                    </m:r>
+                    <m:r>
+                      <a:rPr lang="en-US" sz="1800" b="0" i="1" smtClean="0">
+                        <a:ea typeface="Calibri" panose="020F0502020204030204" pitchFamily="34" charset="0"/>
+                      </a:rPr>
+                      <m:t>&lt;</m:t>
+                    </m:r>
+                    <m:r>
+                      <a:rPr lang="el-GR" sz="1800" i="1">
+                        <a:ea typeface="Calibri" panose="020F0502020204030204" pitchFamily="34" charset="0"/>
+                      </a:rPr>
+                      <m:t>𝜃</m:t>
+                    </m:r>
+                    <m:r>
+                      <a:rPr lang="en-US" sz="1800" b="0" i="1" smtClean="0">
+                        <a:ea typeface="Calibri" panose="020F0502020204030204" pitchFamily="34" charset="0"/>
+                      </a:rPr>
+                      <m:t>&lt;90</m:t>
+                    </m:r>
+                  </m:oMath>
+                </a14:m>
+                <a:r>
+                  <a:rPr lang="en-US" sz="1800" dirty="0">
+                    <a:ea typeface="Calibri" panose="020F0502020204030204" pitchFamily="34" charset="0"/>
+                  </a:rPr>
+                  <a:t>°– </a:t>
+                </a:r>
+                <a:r>
+                  <a:rPr lang="ru-RU" sz="1800" dirty="0">
+                    <a:ea typeface="Calibri" panose="020F0502020204030204" pitchFamily="34" charset="0"/>
+                  </a:rPr>
+                  <a:t>зенитный угол</a:t>
+                </a:r>
+                <a:r>
+                  <a:rPr lang="en-US" sz="1800" dirty="0">
+                    <a:ea typeface="Calibri" panose="020F0502020204030204" pitchFamily="34" charset="0"/>
+                  </a:rPr>
+                  <a:t>;</a:t>
+                </a:r>
+                <a:r>
+                  <a:rPr lang="ru-RU" sz="1800" dirty="0">
+                    <a:ea typeface="Calibri" panose="020F0502020204030204" pitchFamily="34" charset="0"/>
+                  </a:rPr>
+                  <a:t> </a:t>
+                </a:r>
+              </a:p>
+              <a:p>
+                <a:pPr marL="0" indent="0">
+                  <a:lnSpc>
+                    <a:spcPct val="100000"/>
+                  </a:lnSpc>
+                  <a:spcBef>
+                    <a:spcPts val="0"/>
+                  </a:spcBef>
+                  <a:spcAft>
+                    <a:spcPts val="0"/>
+                  </a:spcAft>
+                  <a:buNone/>
+                </a:pPr>
+                <a:r>
+                  <a:rPr lang="ru-RU" sz="1800" dirty="0">
+                    <a:ea typeface="Calibri" panose="020F0502020204030204" pitchFamily="34" charset="0"/>
+                  </a:rPr>
+                  <a:t>Разрешение</a:t>
+                </a:r>
+                <a:r>
+                  <a:rPr lang="en-US" sz="1800" dirty="0">
+                    <a:ea typeface="Calibri" panose="020F0502020204030204" pitchFamily="34" charset="0"/>
+                  </a:rPr>
+                  <a:t>:</a:t>
+                </a:r>
+                <a:r>
+                  <a:rPr lang="ru-RU" sz="1800" dirty="0">
+                    <a:ea typeface="Calibri" panose="020F0502020204030204" pitchFamily="34" charset="0"/>
+                  </a:rPr>
+                  <a:t> 752</a:t>
+                </a:r>
+                <a:r>
+                  <a:rPr lang="en-US" sz="1800" dirty="0">
+                    <a:ea typeface="Calibri" panose="020F0502020204030204" pitchFamily="34" charset="0"/>
+                  </a:rPr>
+                  <a:t> </a:t>
+                </a:r>
+                <a:r>
+                  <a:rPr lang="ru-RU" sz="1800" dirty="0"/>
+                  <a:t>× </a:t>
+                </a:r>
+                <a:r>
+                  <a:rPr lang="ru-RU" sz="1800" dirty="0">
+                    <a:ea typeface="Calibri" panose="020F0502020204030204" pitchFamily="34" charset="0"/>
+                  </a:rPr>
+                  <a:t>752</a:t>
+                </a:r>
+                <a:r>
+                  <a:rPr lang="en-US" sz="1800" dirty="0">
+                    <a:ea typeface="Calibri" panose="020F0502020204030204" pitchFamily="34" charset="0"/>
+                  </a:rPr>
+                  <a:t>;</a:t>
+                </a:r>
+                <a:endParaRPr lang="ru-RU" sz="1800" dirty="0">
+                  <a:ea typeface="Calibri" panose="020F0502020204030204" pitchFamily="34" charset="0"/>
+                </a:endParaRPr>
+              </a:p>
+              <a:p>
+                <a:pPr marL="0" indent="0">
+                  <a:lnSpc>
+                    <a:spcPct val="100000"/>
+                  </a:lnSpc>
+                  <a:spcBef>
+                    <a:spcPts val="0"/>
+                  </a:spcBef>
+                  <a:spcAft>
+                    <a:spcPts val="0"/>
+                  </a:spcAft>
+                  <a:buNone/>
+                </a:pPr>
+                <a:r>
+                  <a:rPr lang="ru-RU" sz="1800" dirty="0">
+                    <a:ea typeface="Calibri" panose="020F0502020204030204" pitchFamily="34" charset="0"/>
+                  </a:rPr>
+                  <a:t>Размеры</a:t>
+                </a:r>
+                <a:r>
+                  <a:rPr lang="en-US" sz="1800" dirty="0">
+                    <a:ea typeface="Calibri" panose="020F0502020204030204" pitchFamily="34" charset="0"/>
+                  </a:rPr>
+                  <a:t>: 4</a:t>
+                </a:r>
+                <a:r>
+                  <a:rPr lang="ru-RU" sz="1800" dirty="0">
+                    <a:ea typeface="Calibri" panose="020F0502020204030204" pitchFamily="34" charset="0"/>
+                  </a:rPr>
+                  <a:t>мм</a:t>
+                </a:r>
+                <a:r>
+                  <a:rPr lang="en-US" sz="1800" dirty="0">
+                    <a:ea typeface="Calibri" panose="020F0502020204030204" pitchFamily="34" charset="0"/>
+                  </a:rPr>
+                  <a:t> </a:t>
+                </a:r>
+                <a:r>
+                  <a:rPr lang="ru-RU" sz="1800" dirty="0"/>
+                  <a:t>×</a:t>
+                </a:r>
+                <a:r>
+                  <a:rPr lang="en-US" sz="1800" dirty="0">
+                    <a:ea typeface="Calibri" panose="020F0502020204030204" pitchFamily="34" charset="0"/>
+                  </a:rPr>
+                  <a:t> 4e</a:t>
+                </a:r>
+                <a:r>
+                  <a:rPr lang="ru-RU" sz="1800" dirty="0">
+                    <a:ea typeface="Calibri" panose="020F0502020204030204" pitchFamily="34" charset="0"/>
+                  </a:rPr>
+                  <a:t>мм</a:t>
+                </a:r>
+                <a:r>
+                  <a:rPr lang="en-US" sz="1800" dirty="0">
+                    <a:ea typeface="Calibri" panose="020F0502020204030204" pitchFamily="34" charset="0"/>
+                  </a:rPr>
+                  <a:t>;</a:t>
+                </a:r>
+                <a:endParaRPr lang="ru-RU" sz="1800" dirty="0">
+                  <a:ea typeface="Calibri" panose="020F0502020204030204" pitchFamily="34" charset="0"/>
+                </a:endParaRPr>
+              </a:p>
+              <a:p>
+                <a:pPr marL="0" indent="0">
+                  <a:lnSpc>
+                    <a:spcPct val="100000"/>
+                  </a:lnSpc>
+                  <a:spcBef>
+                    <a:spcPts val="0"/>
+                  </a:spcBef>
+                  <a:spcAft>
+                    <a:spcPts val="0"/>
+                  </a:spcAft>
+                  <a:buNone/>
+                </a:pPr>
+                <a:r>
+                  <a:rPr lang="ru-RU" sz="1800" dirty="0">
+                    <a:ea typeface="Calibri" panose="020F0502020204030204" pitchFamily="34" charset="0"/>
+                  </a:rPr>
+                  <a:t>Диаметр отверстия: 0.3мм;</a:t>
+                </a:r>
+              </a:p>
+              <a:p>
+                <a:pPr marL="0" indent="0">
+                  <a:lnSpc>
+                    <a:spcPct val="100000"/>
+                  </a:lnSpc>
+                  <a:spcBef>
+                    <a:spcPts val="0"/>
+                  </a:spcBef>
+                  <a:spcAft>
+                    <a:spcPts val="0"/>
+                  </a:spcAft>
+                  <a:buNone/>
+                </a:pPr>
+                <a:r>
+                  <a:rPr lang="ru-RU" sz="1800" dirty="0">
+                    <a:ea typeface="Calibri" panose="020F0502020204030204" pitchFamily="34" charset="0"/>
+                  </a:rPr>
+                  <a:t>Толщина отверстия: 100мкм;</a:t>
+                </a:r>
+              </a:p>
+              <a:p>
+                <a:pPr marL="0" indent="0">
+                  <a:lnSpc>
+                    <a:spcPct val="100000"/>
+                  </a:lnSpc>
+                  <a:spcBef>
+                    <a:spcPts val="0"/>
+                  </a:spcBef>
+                  <a:spcAft>
+                    <a:spcPts val="0"/>
+                  </a:spcAft>
+                  <a:buNone/>
+                </a:pPr>
+                <a:r>
+                  <a:rPr lang="ru-RU" sz="1800" dirty="0">
+                    <a:ea typeface="Calibri" panose="020F0502020204030204" pitchFamily="34" charset="0"/>
+                  </a:rPr>
+                  <a:t>Высота отверстия: 0.7мм;</a:t>
+                </a:r>
+              </a:p>
+              <a:p>
+                <a:pPr marL="0" indent="0">
+                  <a:lnSpc>
+                    <a:spcPct val="100000"/>
+                  </a:lnSpc>
+                  <a:spcBef>
+                    <a:spcPts val="0"/>
+                  </a:spcBef>
+                  <a:spcAft>
+                    <a:spcPts val="0"/>
+                  </a:spcAft>
+                  <a:buNone/>
+                </a:pPr>
+                <a:endParaRPr lang="ru-RU" sz="1800" dirty="0">
+                  <a:ea typeface="Calibri" panose="020F0502020204030204" pitchFamily="34" charset="0"/>
+                </a:endParaRPr>
+              </a:p>
+              <a:p>
+                <a:pPr marL="0" indent="0">
+                  <a:buNone/>
+                </a:pPr>
+                <a:endParaRPr lang="ru-RU" dirty="0"/>
+              </a:p>
+            </p:txBody>
+          </p:sp>
+        </mc:Choice>
+        <mc:Fallback>
+          <p:sp>
+            <p:nvSpPr>
+              <p:cNvPr id="12" name="Объект 2">
+                <a:extLst>
+                  <a:ext uri="{FF2B5EF4-FFF2-40B4-BE49-F238E27FC236}">
+                    <a16:creationId xmlns:a16="http://schemas.microsoft.com/office/drawing/2014/main" id="{960E8E02-CAD5-405D-A0B6-8A629BFA4054}"/>
+                  </a:ext>
+                </a:extLst>
+              </p:cNvPr>
+              <p:cNvSpPr txBox="1">
+                <a:spLocks noRot="1" noChangeAspect="1" noMove="1" noResize="1" noEditPoints="1" noAdjustHandles="1" noChangeArrowheads="1" noChangeShapeType="1" noTextEdit="1"/>
+              </p:cNvSpPr>
+              <p:nvPr/>
+            </p:nvSpPr>
+            <p:spPr>
+              <a:xfrm>
+                <a:off x="1371599" y="804672"/>
+                <a:ext cx="10524545" cy="2313432"/>
+              </a:xfrm>
+              <a:prstGeom prst="rect">
+                <a:avLst/>
+              </a:prstGeom>
+              <a:blipFill>
+                <a:blip r:embed="rId5"/>
+                <a:stretch>
+                  <a:fillRect l="-463" t="-1842" b="-2368"/>
+                </a:stretch>
+              </a:blipFill>
+            </p:spPr>
+            <p:txBody>
+              <a:bodyPr/>
+              <a:lstStyle/>
+              <a:p>
+                <a:r>
+                  <a:rPr lang="ru-RU">
+                    <a:noFill/>
+                  </a:rPr>
+                  <a:t> </a:t>
+                </a:r>
+              </a:p>
+            </p:txBody>
+          </p:sp>
+        </mc:Fallback>
+      </mc:AlternateContent>
+    </p:spTree>
+    <p:extLst>
+      <p:ext uri="{BB962C8B-B14F-4D97-AF65-F5344CB8AC3E}">
+        <p14:creationId xmlns:p14="http://schemas.microsoft.com/office/powerpoint/2010/main" val="1110122973"/>
+      </p:ext>
+    </p:extLst>
+  </p:cSld>
+  <p:clrMapOvr>
+    <a:masterClrMapping/>
+  </p:clrMapOvr>
+</p:sld>
+</file>
+
+<file path=ppt/slides/slide7.xml><?xml version="1.0" encoding="utf-8"?>
 <p:sld xmlns:a="http://schemas.openxmlformats.org/drawingml/2006/main" xmlns:r="http://schemas.openxmlformats.org/officeDocument/2006/relationships" xmlns:p="http://schemas.openxmlformats.org/presentationml/2006/main">
   <p:cSld>
     <p:spTree>
@@ -11995,8 +13365,8 @@
         </p:nvSpPr>
         <p:spPr>
           <a:xfrm>
-            <a:off x="915924" y="1722120"/>
-            <a:ext cx="3383280" cy="3581400"/>
+            <a:off x="1062232" y="2773680"/>
+            <a:ext cx="2412872" cy="3581400"/>
           </a:xfrm>
         </p:spPr>
         <p:txBody>
@@ -12018,37 +13388,37 @@
           </a:p>
           <a:p>
             <a:r>
-              <a:rPr lang="en-US" dirty="0"/>
-              <a:t>Brute force;</a:t>
-            </a:r>
-          </a:p>
-          <a:p>
-            <a:r>
-              <a:rPr lang="en-US" dirty="0"/>
+              <a:rPr lang="en-US" sz="1800" dirty="0"/>
+              <a:t>Brute spot;</a:t>
+            </a:r>
+          </a:p>
+          <a:p>
+            <a:r>
+              <a:rPr lang="en-US" sz="1800" dirty="0"/>
               <a:t>Rand spot;</a:t>
             </a:r>
           </a:p>
           <a:p>
             <a:r>
-              <a:rPr lang="en-US" dirty="0"/>
+              <a:rPr lang="en-US" sz="1800" dirty="0"/>
               <a:t>Breadth spot;</a:t>
             </a:r>
           </a:p>
           <a:p>
             <a:r>
-              <a:rPr lang="en-US" dirty="0"/>
+              <a:rPr lang="en-US" sz="1800" dirty="0"/>
               <a:t>Double spot;</a:t>
             </a:r>
           </a:p>
           <a:p>
             <a:r>
-              <a:rPr lang="en-US" dirty="0"/>
+              <a:rPr lang="en-US" sz="1800" dirty="0"/>
               <a:t>Round spot;</a:t>
             </a:r>
           </a:p>
           <a:p>
             <a:r>
-              <a:rPr lang="en-US" dirty="0"/>
+              <a:rPr lang="en-US" sz="1800" dirty="0"/>
               <a:t>Round double spot;</a:t>
             </a:r>
           </a:p>
@@ -12073,8 +13443,8 @@
         </p:nvSpPr>
         <p:spPr>
           <a:xfrm>
-            <a:off x="4299204" y="1725168"/>
-            <a:ext cx="3866388" cy="3581400"/>
+            <a:off x="4362452" y="2779776"/>
+            <a:ext cx="2997708" cy="1703832"/>
           </a:xfrm>
           <a:prstGeom prst="rect">
             <a:avLst/>
@@ -12292,16 +13662,16 @@
           </a:p>
           <a:p>
             <a:r>
-              <a:rPr lang="en-US" dirty="0"/>
+              <a:rPr lang="en-US" sz="1800" dirty="0"/>
               <a:t>Quadro search;</a:t>
             </a:r>
           </a:p>
           <a:p>
             <a:r>
-              <a:rPr lang="en-US" dirty="0"/>
+              <a:rPr lang="en-US" sz="1800" dirty="0"/>
               <a:t>Breadth search;</a:t>
             </a:r>
-            <a:endParaRPr lang="ru-RU" dirty="0"/>
+            <a:endParaRPr lang="ru-RU" sz="1800" dirty="0"/>
           </a:p>
         </p:txBody>
       </p:sp>
@@ -12321,7 +13691,7 @@
         </p:nvSpPr>
         <p:spPr>
           <a:xfrm>
-            <a:off x="1472184" y="990600"/>
+            <a:off x="1472184" y="503301"/>
             <a:ext cx="10287000" cy="734568"/>
           </a:xfrm>
           <a:prstGeom prst="rect">
@@ -12554,8 +13924,8 @@
         </p:nvSpPr>
         <p:spPr>
           <a:xfrm>
-            <a:off x="8449056" y="1725168"/>
-            <a:ext cx="3593592" cy="3581400"/>
+            <a:off x="8165592" y="3631692"/>
+            <a:ext cx="3593592" cy="464818"/>
           </a:xfrm>
           <a:prstGeom prst="rect">
             <a:avLst/>
@@ -12766,27 +14136,226 @@
               <a:t>Определение центра пятна.</a:t>
             </a:r>
           </a:p>
-          <a:p>
-            <a:pPr marL="0" indent="0">
-              <a:buFont typeface="Franklin Gothic Book" panose="020B0503020102020204" pitchFamily="34" charset="0"/>
-              <a:buNone/>
-            </a:pPr>
-            <a:br>
-              <a:rPr lang="ru-RU" dirty="0"/>
-            </a:br>
-            <a:r>
-              <a:rPr lang="ru-RU" dirty="0"/>
-              <a:t>Определение азимутального и зенитного углов.</a:t>
-            </a:r>
-          </a:p>
         </p:txBody>
       </p:sp>
       <p:sp>
         <p:nvSpPr>
-          <p:cNvPr id="7" name="Объект 2">
+          <p:cNvPr id="8" name="Номер слайда 7">
             <a:extLst>
               <a:ext uri="{FF2B5EF4-FFF2-40B4-BE49-F238E27FC236}">
-                <a16:creationId xmlns:a16="http://schemas.microsoft.com/office/drawing/2014/main" id="{9C9AB509-4C5A-430D-B803-832CF114D783}"/>
+                <a16:creationId xmlns:a16="http://schemas.microsoft.com/office/drawing/2014/main" id="{8664315A-265A-45BA-8674-0459B2508EF4}"/>
+              </a:ext>
+            </a:extLst>
+          </p:cNvPr>
+          <p:cNvSpPr>
+            <a:spLocks noGrp="1"/>
+          </p:cNvSpPr>
+          <p:nvPr>
+            <p:ph type="sldNum" sz="quarter" idx="12"/>
+          </p:nvPr>
+        </p:nvSpPr>
+        <p:spPr/>
+        <p:txBody>
+          <a:bodyPr/>
+          <a:lstStyle/>
+          <a:p>
+            <a:fld id="{69E57DC2-970A-4B3E-BB1C-7A09969E49DF}" type="slidenum">
+              <a:rPr lang="en-US" sz="1800" smtClean="0"/>
+              <a:t>7</a:t>
+            </a:fld>
+            <a:endParaRPr lang="en-US" sz="1800" dirty="0"/>
+          </a:p>
+        </p:txBody>
+      </p:sp>
+      <p:sp>
+        <p:nvSpPr>
+          <p:cNvPr id="2" name="Прямоугольник 1">
+            <a:extLst>
+              <a:ext uri="{FF2B5EF4-FFF2-40B4-BE49-F238E27FC236}">
+                <a16:creationId xmlns:a16="http://schemas.microsoft.com/office/drawing/2014/main" id="{AD36C867-523D-42E3-9684-65653481267B}"/>
+              </a:ext>
+            </a:extLst>
+          </p:cNvPr>
+          <p:cNvSpPr/>
+          <p:nvPr/>
+        </p:nvSpPr>
+        <p:spPr>
+          <a:xfrm>
+            <a:off x="8165592" y="4831078"/>
+            <a:ext cx="3349315" cy="707886"/>
+          </a:xfrm>
+          <a:prstGeom prst="rect">
+            <a:avLst/>
+          </a:prstGeom>
+        </p:spPr>
+        <p:txBody>
+          <a:bodyPr wrap="none">
+            <a:spAutoFit/>
+          </a:bodyPr>
+          <a:lstStyle/>
+          <a:p>
+            <a:r>
+              <a:rPr lang="ru-RU" sz="2000" dirty="0"/>
+              <a:t>Определение азимутального</a:t>
+            </a:r>
+            <a:endParaRPr lang="en-US" sz="2000" dirty="0"/>
+          </a:p>
+          <a:p>
+            <a:r>
+              <a:rPr lang="ru-RU" sz="2000" dirty="0"/>
+              <a:t>и зенитного углов</a:t>
+            </a:r>
+            <a:r>
+              <a:rPr lang="ru-RU" dirty="0"/>
+              <a:t>.</a:t>
+            </a:r>
+          </a:p>
+        </p:txBody>
+      </p:sp>
+      <p:sp>
+        <p:nvSpPr>
+          <p:cNvPr id="11" name="Стрелка: вправо 10">
+            <a:extLst>
+              <a:ext uri="{FF2B5EF4-FFF2-40B4-BE49-F238E27FC236}">
+                <a16:creationId xmlns:a16="http://schemas.microsoft.com/office/drawing/2014/main" id="{7B70C62D-742A-4237-8E70-3552798A7217}"/>
+              </a:ext>
+            </a:extLst>
+          </p:cNvPr>
+          <p:cNvSpPr/>
+          <p:nvPr/>
+        </p:nvSpPr>
+        <p:spPr>
+          <a:xfrm>
+            <a:off x="3498996" y="3511295"/>
+            <a:ext cx="713232" cy="585215"/>
+          </a:xfrm>
+          <a:prstGeom prst="rightArrow">
+            <a:avLst/>
+          </a:prstGeom>
+        </p:spPr>
+        <p:style>
+          <a:lnRef idx="2">
+            <a:schemeClr val="accent1">
+              <a:shade val="50000"/>
+            </a:schemeClr>
+          </a:lnRef>
+          <a:fillRef idx="1">
+            <a:schemeClr val="accent1"/>
+          </a:fillRef>
+          <a:effectRef idx="0">
+            <a:schemeClr val="accent1"/>
+          </a:effectRef>
+          <a:fontRef idx="minor">
+            <a:schemeClr val="lt1"/>
+          </a:fontRef>
+        </p:style>
+        <p:txBody>
+          <a:bodyPr rtlCol="0" anchor="ctr"/>
+          <a:lstStyle/>
+          <a:p>
+            <a:pPr algn="ctr"/>
+            <a:endParaRPr lang="ru-RU" dirty="0"/>
+          </a:p>
+        </p:txBody>
+      </p:sp>
+      <p:sp>
+        <p:nvSpPr>
+          <p:cNvPr id="12" name="Стрелка: вправо 11">
+            <a:extLst>
+              <a:ext uri="{FF2B5EF4-FFF2-40B4-BE49-F238E27FC236}">
+                <a16:creationId xmlns:a16="http://schemas.microsoft.com/office/drawing/2014/main" id="{2CCDA61E-40C4-405E-8BA5-367AAF680F46}"/>
+              </a:ext>
+            </a:extLst>
+          </p:cNvPr>
+          <p:cNvSpPr/>
+          <p:nvPr/>
+        </p:nvSpPr>
+        <p:spPr>
+          <a:xfrm>
+            <a:off x="7358748" y="3511295"/>
+            <a:ext cx="713232" cy="585215"/>
+          </a:xfrm>
+          <a:prstGeom prst="rightArrow">
+            <a:avLst/>
+          </a:prstGeom>
+        </p:spPr>
+        <p:style>
+          <a:lnRef idx="2">
+            <a:schemeClr val="accent1">
+              <a:shade val="50000"/>
+            </a:schemeClr>
+          </a:lnRef>
+          <a:fillRef idx="1">
+            <a:schemeClr val="accent1"/>
+          </a:fillRef>
+          <a:effectRef idx="0">
+            <a:schemeClr val="accent1"/>
+          </a:effectRef>
+          <a:fontRef idx="minor">
+            <a:schemeClr val="lt1"/>
+          </a:fontRef>
+        </p:style>
+        <p:txBody>
+          <a:bodyPr rtlCol="0" anchor="ctr"/>
+          <a:lstStyle/>
+          <a:p>
+            <a:pPr algn="ctr"/>
+            <a:endParaRPr lang="ru-RU"/>
+          </a:p>
+        </p:txBody>
+      </p:sp>
+      <p:sp>
+        <p:nvSpPr>
+          <p:cNvPr id="13" name="Стрелка: вправо 12">
+            <a:extLst>
+              <a:ext uri="{FF2B5EF4-FFF2-40B4-BE49-F238E27FC236}">
+                <a16:creationId xmlns:a16="http://schemas.microsoft.com/office/drawing/2014/main" id="{A69516EF-83F4-40D8-BF52-74B12357C0B3}"/>
+              </a:ext>
+            </a:extLst>
+          </p:cNvPr>
+          <p:cNvSpPr/>
+          <p:nvPr/>
+        </p:nvSpPr>
+        <p:spPr>
+          <a:xfrm rot="5400000">
+            <a:off x="9483632" y="4160519"/>
+            <a:ext cx="713232" cy="585215"/>
+          </a:xfrm>
+          <a:prstGeom prst="rightArrow">
+            <a:avLst/>
+          </a:prstGeom>
+        </p:spPr>
+        <p:style>
+          <a:lnRef idx="2">
+            <a:schemeClr val="accent1">
+              <a:shade val="50000"/>
+            </a:schemeClr>
+          </a:lnRef>
+          <a:fillRef idx="1">
+            <a:schemeClr val="accent1"/>
+          </a:fillRef>
+          <a:effectRef idx="0">
+            <a:schemeClr val="accent1"/>
+          </a:effectRef>
+          <a:fontRef idx="minor">
+            <a:schemeClr val="lt1"/>
+          </a:fontRef>
+        </p:style>
+        <p:txBody>
+          <a:bodyPr rtlCol="0" anchor="ctr"/>
+          <a:lstStyle/>
+          <a:p>
+            <a:pPr algn="ctr"/>
+            <a:endParaRPr lang="ru-RU"/>
+          </a:p>
+        </p:txBody>
+      </p:sp>
+      <p:sp>
+        <p:nvSpPr>
+          <p:cNvPr id="14" name="Объект 2">
+            <a:extLst>
+              <a:ext uri="{FF2B5EF4-FFF2-40B4-BE49-F238E27FC236}">
+                <a16:creationId xmlns:a16="http://schemas.microsoft.com/office/drawing/2014/main" id="{A961351D-489E-470D-B200-C6B59D8E067F}"/>
               </a:ext>
             </a:extLst>
           </p:cNvPr>
@@ -12797,8 +14366,8 @@
         </p:nvSpPr>
         <p:spPr>
           <a:xfrm>
-            <a:off x="4299204" y="3515868"/>
-            <a:ext cx="3785197" cy="1790700"/>
+            <a:off x="1062232" y="1237869"/>
+            <a:ext cx="3007232" cy="411482"/>
           </a:xfrm>
           <a:prstGeom prst="rect">
             <a:avLst/>
@@ -13006,55 +14575,339 @@
             </a:pPr>
             <a:r>
               <a:rPr lang="ru-RU" dirty="0"/>
-              <a:t>Алгоритм поиска и локализации</a:t>
-            </a:r>
-            <a:r>
-              <a:rPr lang="en-US" dirty="0"/>
-              <a:t>:</a:t>
-            </a:r>
-          </a:p>
-          <a:p>
-            <a:r>
-              <a:rPr lang="en-US" dirty="0"/>
-              <a:t>Brute force;</a:t>
-            </a:r>
-            <a:endParaRPr lang="ru-RU" dirty="0"/>
+              <a:t>Получение изображения</a:t>
+            </a:r>
+            <a:endParaRPr lang="en-US" sz="1800" dirty="0"/>
           </a:p>
         </p:txBody>
       </p:sp>
       <p:sp>
         <p:nvSpPr>
-          <p:cNvPr id="8" name="Номер слайда 7">
+          <p:cNvPr id="15" name="Объект 2">
             <a:extLst>
               <a:ext uri="{FF2B5EF4-FFF2-40B4-BE49-F238E27FC236}">
-                <a16:creationId xmlns:a16="http://schemas.microsoft.com/office/drawing/2014/main" id="{8664315A-265A-45BA-8674-0459B2508EF4}"/>
+                <a16:creationId xmlns:a16="http://schemas.microsoft.com/office/drawing/2014/main" id="{8EC38509-F45F-45DD-AF5A-12D5670EE78A}"/>
               </a:ext>
             </a:extLst>
           </p:cNvPr>
-          <p:cNvSpPr>
-            <a:spLocks noGrp="1"/>
+          <p:cNvSpPr txBox="1">
+            <a:spLocks/>
           </p:cNvSpPr>
-          <p:nvPr>
-            <p:ph type="sldNum" sz="quarter" idx="12"/>
-          </p:nvPr>
+          <p:nvPr/>
         </p:nvSpPr>
-        <p:spPr/>
+        <p:spPr>
+          <a:xfrm>
+            <a:off x="1062232" y="1925584"/>
+            <a:ext cx="3254120" cy="411482"/>
+          </a:xfrm>
+          <a:prstGeom prst="rect">
+            <a:avLst/>
+          </a:prstGeom>
+        </p:spPr>
         <p:txBody>
-          <a:bodyPr/>
+          <a:bodyPr vert="horz" lIns="91440" tIns="45720" rIns="91440" bIns="45720" rtlCol="0">
+            <a:normAutofit/>
+          </a:bodyPr>
+          <a:lstStyle>
+            <a:lvl1pPr marL="384048" indent="-384048" algn="l" defTabSz="914400" rtl="0" eaLnBrk="1" latinLnBrk="0" hangingPunct="1">
+              <a:lnSpc>
+                <a:spcPct val="94000"/>
+              </a:lnSpc>
+              <a:spcBef>
+                <a:spcPts val="1000"/>
+              </a:spcBef>
+              <a:spcAft>
+                <a:spcPts val="200"/>
+              </a:spcAft>
+              <a:buFont typeface="Franklin Gothic Book" panose="020B0503020102020204" pitchFamily="34" charset="0"/>
+              <a:buChar char="■"/>
+              <a:defRPr sz="2000" kern="1200" baseline="0">
+                <a:solidFill>
+                  <a:schemeClr val="tx2"/>
+                </a:solidFill>
+                <a:latin typeface="+mn-lt"/>
+                <a:ea typeface="+mn-ea"/>
+                <a:cs typeface="+mn-cs"/>
+              </a:defRPr>
+            </a:lvl1pPr>
+            <a:lvl2pPr marL="914400" indent="-384048" algn="l" defTabSz="914400" rtl="0" eaLnBrk="1" latinLnBrk="0" hangingPunct="1">
+              <a:lnSpc>
+                <a:spcPct val="94000"/>
+              </a:lnSpc>
+              <a:spcBef>
+                <a:spcPts val="500"/>
+              </a:spcBef>
+              <a:spcAft>
+                <a:spcPts val="200"/>
+              </a:spcAft>
+              <a:buFont typeface="Franklin Gothic Book" panose="020B0503020102020204" pitchFamily="34" charset="0"/>
+              <a:buChar char="–"/>
+              <a:defRPr sz="2000" i="1" kern="1200" baseline="0">
+                <a:solidFill>
+                  <a:schemeClr val="tx2"/>
+                </a:solidFill>
+                <a:latin typeface="+mn-lt"/>
+                <a:ea typeface="+mn-ea"/>
+                <a:cs typeface="+mn-cs"/>
+              </a:defRPr>
+            </a:lvl2pPr>
+            <a:lvl3pPr marL="1371600" indent="-384048" algn="l" defTabSz="914400" rtl="0" eaLnBrk="1" latinLnBrk="0" hangingPunct="1">
+              <a:lnSpc>
+                <a:spcPct val="94000"/>
+              </a:lnSpc>
+              <a:spcBef>
+                <a:spcPts val="500"/>
+              </a:spcBef>
+              <a:spcAft>
+                <a:spcPts val="200"/>
+              </a:spcAft>
+              <a:buFont typeface="Franklin Gothic Book" panose="020B0503020102020204" pitchFamily="34" charset="0"/>
+              <a:buChar char="■"/>
+              <a:defRPr sz="1800" kern="1200" baseline="0">
+                <a:solidFill>
+                  <a:schemeClr val="tx2"/>
+                </a:solidFill>
+                <a:latin typeface="+mn-lt"/>
+                <a:ea typeface="+mn-ea"/>
+                <a:cs typeface="+mn-cs"/>
+              </a:defRPr>
+            </a:lvl3pPr>
+            <a:lvl4pPr marL="1828800" indent="-384048" algn="l" defTabSz="914400" rtl="0" eaLnBrk="1" latinLnBrk="0" hangingPunct="1">
+              <a:lnSpc>
+                <a:spcPct val="94000"/>
+              </a:lnSpc>
+              <a:spcBef>
+                <a:spcPts val="500"/>
+              </a:spcBef>
+              <a:spcAft>
+                <a:spcPts val="200"/>
+              </a:spcAft>
+              <a:buFont typeface="Franklin Gothic Book" panose="020B0503020102020204" pitchFamily="34" charset="0"/>
+              <a:buChar char="–"/>
+              <a:defRPr sz="1800" i="1" kern="1200" baseline="0">
+                <a:solidFill>
+                  <a:schemeClr val="tx2"/>
+                </a:solidFill>
+                <a:latin typeface="+mn-lt"/>
+                <a:ea typeface="+mn-ea"/>
+                <a:cs typeface="+mn-cs"/>
+              </a:defRPr>
+            </a:lvl4pPr>
+            <a:lvl5pPr marL="2286000" indent="-384048" algn="l" defTabSz="914400" rtl="0" eaLnBrk="1" latinLnBrk="0" hangingPunct="1">
+              <a:lnSpc>
+                <a:spcPct val="94000"/>
+              </a:lnSpc>
+              <a:spcBef>
+                <a:spcPts val="500"/>
+              </a:spcBef>
+              <a:spcAft>
+                <a:spcPts val="200"/>
+              </a:spcAft>
+              <a:buFont typeface="Franklin Gothic Book" panose="020B0503020102020204" pitchFamily="34" charset="0"/>
+              <a:buChar char="■"/>
+              <a:defRPr sz="1600" kern="1200" baseline="0">
+                <a:solidFill>
+                  <a:schemeClr val="tx2"/>
+                </a:solidFill>
+                <a:latin typeface="+mn-lt"/>
+                <a:ea typeface="+mn-ea"/>
+                <a:cs typeface="+mn-cs"/>
+              </a:defRPr>
+            </a:lvl5pPr>
+            <a:lvl6pPr marL="2743200" indent="-384048" algn="l" defTabSz="914400" rtl="0" eaLnBrk="1" latinLnBrk="0" hangingPunct="1">
+              <a:lnSpc>
+                <a:spcPct val="94000"/>
+              </a:lnSpc>
+              <a:spcBef>
+                <a:spcPts val="500"/>
+              </a:spcBef>
+              <a:spcAft>
+                <a:spcPts val="200"/>
+              </a:spcAft>
+              <a:buFont typeface="Franklin Gothic Book" panose="020B0503020102020204" pitchFamily="34" charset="0"/>
+              <a:buChar char="–"/>
+              <a:defRPr sz="1600" i="1" kern="1200" baseline="0">
+                <a:solidFill>
+                  <a:schemeClr val="tx2"/>
+                </a:solidFill>
+                <a:latin typeface="+mn-lt"/>
+                <a:ea typeface="+mn-ea"/>
+                <a:cs typeface="+mn-cs"/>
+              </a:defRPr>
+            </a:lvl6pPr>
+            <a:lvl7pPr marL="3200400" indent="-384048" algn="l" defTabSz="914400" rtl="0" eaLnBrk="1" latinLnBrk="0" hangingPunct="1">
+              <a:lnSpc>
+                <a:spcPct val="94000"/>
+              </a:lnSpc>
+              <a:spcBef>
+                <a:spcPts val="500"/>
+              </a:spcBef>
+              <a:spcAft>
+                <a:spcPts val="200"/>
+              </a:spcAft>
+              <a:buFont typeface="Franklin Gothic Book" panose="020B0503020102020204" pitchFamily="34" charset="0"/>
+              <a:buChar char="■"/>
+              <a:defRPr sz="1400" kern="1200" baseline="0">
+                <a:solidFill>
+                  <a:schemeClr val="tx2"/>
+                </a:solidFill>
+                <a:latin typeface="+mn-lt"/>
+                <a:ea typeface="+mn-ea"/>
+                <a:cs typeface="+mn-cs"/>
+              </a:defRPr>
+            </a:lvl7pPr>
+            <a:lvl8pPr marL="3657600" indent="-384048" algn="l" defTabSz="914400" rtl="0" eaLnBrk="1" latinLnBrk="0" hangingPunct="1">
+              <a:lnSpc>
+                <a:spcPct val="94000"/>
+              </a:lnSpc>
+              <a:spcBef>
+                <a:spcPts val="500"/>
+              </a:spcBef>
+              <a:spcAft>
+                <a:spcPts val="200"/>
+              </a:spcAft>
+              <a:buFont typeface="Franklin Gothic Book" panose="020B0503020102020204" pitchFamily="34" charset="0"/>
+              <a:buChar char="–"/>
+              <a:defRPr sz="1400" i="1" kern="1200" baseline="0">
+                <a:solidFill>
+                  <a:schemeClr val="tx2"/>
+                </a:solidFill>
+                <a:latin typeface="+mn-lt"/>
+                <a:ea typeface="+mn-ea"/>
+                <a:cs typeface="+mn-cs"/>
+              </a:defRPr>
+            </a:lvl8pPr>
+            <a:lvl9pPr marL="4114800" indent="-384048" algn="l" defTabSz="914400" rtl="0" eaLnBrk="1" latinLnBrk="0" hangingPunct="1">
+              <a:lnSpc>
+                <a:spcPct val="94000"/>
+              </a:lnSpc>
+              <a:spcBef>
+                <a:spcPts val="500"/>
+              </a:spcBef>
+              <a:spcAft>
+                <a:spcPts val="200"/>
+              </a:spcAft>
+              <a:buFont typeface="Franklin Gothic Book" panose="020B0503020102020204" pitchFamily="34" charset="0"/>
+              <a:buChar char="■"/>
+              <a:defRPr sz="1400" kern="1200" baseline="0">
+                <a:solidFill>
+                  <a:schemeClr val="tx2"/>
+                </a:solidFill>
+                <a:latin typeface="+mn-lt"/>
+                <a:ea typeface="+mn-ea"/>
+                <a:cs typeface="+mn-cs"/>
+              </a:defRPr>
+            </a:lvl9pPr>
+          </a:lstStyle>
+          <a:p>
+            <a:pPr marL="0" indent="0">
+              <a:buFont typeface="Franklin Gothic Book" panose="020B0503020102020204" pitchFamily="34" charset="0"/>
+              <a:buNone/>
+            </a:pPr>
+            <a:r>
+              <a:rPr lang="ru-RU" dirty="0"/>
+              <a:t>Бинаризация изображения</a:t>
+            </a:r>
+            <a:endParaRPr lang="en-US" sz="1800" dirty="0"/>
+          </a:p>
+        </p:txBody>
+      </p:sp>
+      <p:sp>
+        <p:nvSpPr>
+          <p:cNvPr id="16" name="Стрелка: вправо 15">
+            <a:extLst>
+              <a:ext uri="{FF2B5EF4-FFF2-40B4-BE49-F238E27FC236}">
+                <a16:creationId xmlns:a16="http://schemas.microsoft.com/office/drawing/2014/main" id="{E7132E94-7D7E-4DCB-8ACF-F783DAA31EC1}"/>
+              </a:ext>
+            </a:extLst>
+          </p:cNvPr>
+          <p:cNvSpPr/>
+          <p:nvPr/>
+        </p:nvSpPr>
+        <p:spPr>
+          <a:xfrm rot="5400000">
+            <a:off x="2163033" y="1606008"/>
+            <a:ext cx="411481" cy="394148"/>
+          </a:xfrm>
+          <a:prstGeom prst="rightArrow">
+            <a:avLst/>
+          </a:prstGeom>
+        </p:spPr>
+        <p:style>
+          <a:lnRef idx="2">
+            <a:schemeClr val="accent1">
+              <a:shade val="50000"/>
+            </a:schemeClr>
+          </a:lnRef>
+          <a:fillRef idx="1">
+            <a:schemeClr val="accent1"/>
+          </a:fillRef>
+          <a:effectRef idx="0">
+            <a:schemeClr val="accent1"/>
+          </a:effectRef>
+          <a:fontRef idx="minor">
+            <a:schemeClr val="lt1"/>
+          </a:fontRef>
+        </p:style>
+        <p:txBody>
+          <a:bodyPr rtlCol="0" anchor="ctr"/>
           <a:lstStyle/>
           <a:p>
-            <a:fld id="{69E57DC2-970A-4B3E-BB1C-7A09969E49DF}" type="slidenum">
-              <a:rPr lang="en-US" sz="1800" smtClean="0"/>
-              <a:t>5</a:t>
-            </a:fld>
-            <a:endParaRPr lang="en-US" sz="1800" dirty="0"/>
+            <a:pPr algn="ctr"/>
+            <a:endParaRPr lang="ru-RU" dirty="0"/>
+          </a:p>
+        </p:txBody>
+      </p:sp>
+      <p:sp>
+        <p:nvSpPr>
+          <p:cNvPr id="17" name="Стрелка: вправо 16">
+            <a:extLst>
+              <a:ext uri="{FF2B5EF4-FFF2-40B4-BE49-F238E27FC236}">
+                <a16:creationId xmlns:a16="http://schemas.microsoft.com/office/drawing/2014/main" id="{F640825F-3196-45FD-87C2-92080DEDB647}"/>
+              </a:ext>
+            </a:extLst>
+          </p:cNvPr>
+          <p:cNvSpPr/>
+          <p:nvPr/>
+        </p:nvSpPr>
+        <p:spPr>
+          <a:xfrm rot="5400000">
+            <a:off x="2163033" y="2315626"/>
+            <a:ext cx="411481" cy="394148"/>
+          </a:xfrm>
+          <a:prstGeom prst="rightArrow">
+            <a:avLst/>
+          </a:prstGeom>
+        </p:spPr>
+        <p:style>
+          <a:lnRef idx="2">
+            <a:schemeClr val="accent1">
+              <a:shade val="50000"/>
+            </a:schemeClr>
+          </a:lnRef>
+          <a:fillRef idx="1">
+            <a:schemeClr val="accent1"/>
+          </a:fillRef>
+          <a:effectRef idx="0">
+            <a:schemeClr val="accent1"/>
+          </a:effectRef>
+          <a:fontRef idx="minor">
+            <a:schemeClr val="lt1"/>
+          </a:fontRef>
+        </p:style>
+        <p:txBody>
+          <a:bodyPr rtlCol="0" anchor="ctr"/>
+          <a:lstStyle/>
+          <a:p>
+            <a:pPr algn="ctr"/>
+            <a:endParaRPr lang="ru-RU" dirty="0"/>
           </a:p>
         </p:txBody>
       </p:sp>
     </p:spTree>
     <p:extLst>
       <p:ext uri="{BB962C8B-B14F-4D97-AF65-F5344CB8AC3E}">
-        <p14:creationId xmlns:p14="http://schemas.microsoft.com/office/powerpoint/2010/main" val="3159061696"/>
+        <p14:creationId xmlns:p14="http://schemas.microsoft.com/office/powerpoint/2010/main" val="3922461168"/>
       </p:ext>
     </p:extLst>
   </p:cSld>
@@ -13064,7 +14917,7 @@
 </p:sld>
 </file>
 
-<file path=ppt/slides/slide6.xml><?xml version="1.0" encoding="utf-8"?>
+<file path=ppt/slides/slide8.xml><?xml version="1.0" encoding="utf-8"?>
 <p:sld xmlns:a="http://schemas.openxmlformats.org/drawingml/2006/main" xmlns:r="http://schemas.openxmlformats.org/officeDocument/2006/relationships" xmlns:p="http://schemas.openxmlformats.org/presentationml/2006/main">
   <p:cSld>
     <p:spTree>
@@ -13279,7 +15132,7 @@
           <a:p>
             <a:fld id="{69E57DC2-970A-4B3E-BB1C-7A09969E49DF}" type="slidenum">
               <a:rPr lang="en-US" sz="1800" smtClean="0"/>
-              <a:t>6</a:t>
+              <a:t>8</a:t>
             </a:fld>
             <a:endParaRPr lang="en-US" sz="1800" dirty="0"/>
           </a:p>
@@ -13298,7 +15151,7 @@
 </p:sld>
 </file>
 
-<file path=ppt/slides/slide7.xml><?xml version="1.0" encoding="utf-8"?>
+<file path=ppt/slides/slide9.xml><?xml version="1.0" encoding="utf-8"?>
 <p:sld xmlns:a="http://schemas.openxmlformats.org/drawingml/2006/main" xmlns:r="http://schemas.openxmlformats.org/officeDocument/2006/relationships" xmlns:p="http://schemas.openxmlformats.org/presentationml/2006/main">
   <p:cSld>
     <p:spTree>
@@ -13366,7 +15219,7 @@
           <a:p>
             <a:r>
               <a:rPr lang="en-US" dirty="0"/>
-              <a:t>Brute force;</a:t>
+              <a:t>Brute spot;</a:t>
             </a:r>
           </a:p>
           <a:p>
@@ -13427,7 +15280,7 @@
           <a:p>
             <a:fld id="{69E57DC2-970A-4B3E-BB1C-7A09969E49DF}" type="slidenum">
               <a:rPr lang="en-US" smtClean="0"/>
-              <a:t>7</a:t>
+              <a:t>9</a:t>
             </a:fld>
             <a:endParaRPr lang="en-US" dirty="0"/>
           </a:p>
@@ -13437,460 +15290,6 @@
     <p:extLst>
       <p:ext uri="{BB962C8B-B14F-4D97-AF65-F5344CB8AC3E}">
         <p14:creationId xmlns:p14="http://schemas.microsoft.com/office/powerpoint/2010/main" val="1638771154"/>
-      </p:ext>
-    </p:extLst>
-  </p:cSld>
-  <p:clrMapOvr>
-    <a:masterClrMapping/>
-  </p:clrMapOvr>
-</p:sld>
-</file>
-
-<file path=ppt/slides/slide8.xml><?xml version="1.0" encoding="utf-8"?>
-<p:sld xmlns:a="http://schemas.openxmlformats.org/drawingml/2006/main" xmlns:r="http://schemas.openxmlformats.org/officeDocument/2006/relationships" xmlns:p="http://schemas.openxmlformats.org/presentationml/2006/main">
-  <p:cSld>
-    <p:spTree>
-      <p:nvGrpSpPr>
-        <p:cNvPr id="1" name=""/>
-        <p:cNvGrpSpPr/>
-        <p:nvPr/>
-      </p:nvGrpSpPr>
-      <p:grpSpPr>
-        <a:xfrm>
-          <a:off x="0" y="0"/>
-          <a:ext cx="0" cy="0"/>
-          <a:chOff x="0" y="0"/>
-          <a:chExt cx="0" cy="0"/>
-        </a:xfrm>
-      </p:grpSpPr>
-      <p:sp>
-        <p:nvSpPr>
-          <p:cNvPr id="2" name="Заголовок 1">
-            <a:extLst>
-              <a:ext uri="{FF2B5EF4-FFF2-40B4-BE49-F238E27FC236}">
-                <a16:creationId xmlns:a16="http://schemas.microsoft.com/office/drawing/2014/main" id="{6805E75B-EB9E-4DCE-B440-FF0E224C79C8}"/>
-              </a:ext>
-            </a:extLst>
-          </p:cNvPr>
-          <p:cNvSpPr>
-            <a:spLocks noGrp="1"/>
-          </p:cNvSpPr>
-          <p:nvPr>
-            <p:ph type="title"/>
-          </p:nvPr>
-        </p:nvSpPr>
-        <p:spPr>
-          <a:xfrm>
-            <a:off x="1371600" y="685800"/>
-            <a:ext cx="2770632" cy="704088"/>
-          </a:xfrm>
-        </p:spPr>
-        <p:txBody>
-          <a:bodyPr>
-            <a:normAutofit/>
-          </a:bodyPr>
-          <a:lstStyle/>
-          <a:p>
-            <a:r>
-              <a:rPr lang="en-US" dirty="0"/>
-              <a:t>Brute spot</a:t>
-            </a:r>
-            <a:endParaRPr lang="ru-RU" dirty="0"/>
-          </a:p>
-        </p:txBody>
-      </p:sp>
-      <p:grpSp>
-        <p:nvGrpSpPr>
-          <p:cNvPr id="5" name="Группа 4">
-            <a:extLst>
-              <a:ext uri="{FF2B5EF4-FFF2-40B4-BE49-F238E27FC236}">
-                <a16:creationId xmlns:a16="http://schemas.microsoft.com/office/drawing/2014/main" id="{B0A74A71-746F-4B5F-A45B-39C90E114570}"/>
-              </a:ext>
-            </a:extLst>
-          </p:cNvPr>
-          <p:cNvGrpSpPr/>
-          <p:nvPr/>
-        </p:nvGrpSpPr>
-        <p:grpSpPr>
-          <a:xfrm>
-            <a:off x="3316926" y="1926200"/>
-            <a:ext cx="5558148" cy="4246000"/>
-            <a:chOff x="0" y="222870"/>
-            <a:chExt cx="4218305" cy="3222948"/>
-          </a:xfrm>
-        </p:grpSpPr>
-        <p:pic>
-          <p:nvPicPr>
-            <p:cNvPr id="6" name="Рисунок 5">
-              <a:extLst>
-                <a:ext uri="{FF2B5EF4-FFF2-40B4-BE49-F238E27FC236}">
-                  <a16:creationId xmlns:a16="http://schemas.microsoft.com/office/drawing/2014/main" id="{56BA52BF-DA99-4ADA-8A2D-8A9027E5C8C0}"/>
-                </a:ext>
-              </a:extLst>
-            </p:cNvPr>
-            <p:cNvPicPr>
-              <a:picLocks noChangeAspect="1"/>
-            </p:cNvPicPr>
-            <p:nvPr/>
-          </p:nvPicPr>
-          <p:blipFill>
-            <a:blip r:embed="rId2">
-              <a:extLst>
-                <a:ext uri="{28A0092B-C50C-407E-A947-70E740481C1C}">
-                  <a14:useLocalDpi xmlns:a14="http://schemas.microsoft.com/office/drawing/2010/main" val="0"/>
-                </a:ext>
-              </a:extLst>
-            </a:blip>
-            <a:stretch>
-              <a:fillRect/>
-            </a:stretch>
-          </p:blipFill>
-          <p:spPr>
-            <a:xfrm>
-              <a:off x="238880" y="222870"/>
-              <a:ext cx="3727730" cy="2744031"/>
-            </a:xfrm>
-            <a:prstGeom prst="rect">
-              <a:avLst/>
-            </a:prstGeom>
-          </p:spPr>
-        </p:pic>
-        <p:sp>
-          <p:nvSpPr>
-            <p:cNvPr id="7" name="Надпись 150">
-              <a:extLst>
-                <a:ext uri="{FF2B5EF4-FFF2-40B4-BE49-F238E27FC236}">
-                  <a16:creationId xmlns:a16="http://schemas.microsoft.com/office/drawing/2014/main" id="{4B39570A-2234-4DC0-B02A-688E1838DC8B}"/>
-                </a:ext>
-              </a:extLst>
-            </p:cNvPr>
-            <p:cNvSpPr txBox="1"/>
-            <p:nvPr/>
-          </p:nvSpPr>
-          <p:spPr>
-            <a:xfrm>
-              <a:off x="0" y="3165475"/>
-              <a:ext cx="4218305" cy="280343"/>
-            </a:xfrm>
-            <a:prstGeom prst="rect">
-              <a:avLst/>
-            </a:prstGeom>
-            <a:noFill/>
-            <a:ln>
-              <a:noFill/>
-            </a:ln>
-          </p:spPr>
-          <p:txBody>
-            <a:bodyPr rot="0" spcFirstLastPara="0" vert="horz" wrap="square" lIns="0" tIns="0" rIns="0" bIns="0" numCol="1" spcCol="0" rtlCol="0" fromWordArt="0" anchor="t" anchorCtr="0" forceAA="0" compatLnSpc="1">
-              <a:prstTxWarp prst="textNoShape">
-                <a:avLst/>
-              </a:prstTxWarp>
-              <a:spAutoFit/>
-            </a:bodyPr>
-            <a:lstStyle/>
-            <a:p>
-              <a:pPr algn="ctr">
-                <a:spcAft>
-                  <a:spcPts val="0"/>
-                </a:spcAft>
-              </a:pPr>
-              <a:r>
-                <a:rPr lang="ru-RU" sz="1200" b="1" dirty="0">
-                  <a:solidFill>
-                    <a:srgbClr val="000000"/>
-                  </a:solidFill>
-                  <a:latin typeface="Times New Roman" panose="02020603050405020304" pitchFamily="18" charset="0"/>
-                  <a:ea typeface="Calibri" panose="020F0502020204030204" pitchFamily="34" charset="0"/>
-                </a:rPr>
-                <a:t>Жёлтый цвет – световое пятно, красный цвет – обработанные пиксели, </a:t>
-              </a:r>
-              <a:br>
-                <a:rPr lang="ru-RU" sz="1200" b="1" dirty="0">
-                  <a:solidFill>
-                    <a:srgbClr val="000000"/>
-                  </a:solidFill>
-                  <a:latin typeface="Times New Roman" panose="02020603050405020304" pitchFamily="18" charset="0"/>
-                  <a:ea typeface="Calibri" panose="020F0502020204030204" pitchFamily="34" charset="0"/>
-                </a:rPr>
-              </a:br>
-              <a:r>
-                <a:rPr lang="ru-RU" sz="1200" b="1" dirty="0">
-                  <a:solidFill>
-                    <a:srgbClr val="000000"/>
-                  </a:solidFill>
-                  <a:latin typeface="Times New Roman" panose="02020603050405020304" pitchFamily="18" charset="0"/>
-                  <a:ea typeface="Calibri" panose="020F0502020204030204" pitchFamily="34" charset="0"/>
-                </a:rPr>
-                <a:t>синий – первый обнаруженный пиксель пятна. </a:t>
-              </a:r>
-              <a:endParaRPr lang="ru-RU" sz="1200" b="1" dirty="0">
-                <a:solidFill>
-                  <a:srgbClr val="000000"/>
-                </a:solidFill>
-                <a:effectLst/>
-                <a:latin typeface="Times New Roman" panose="02020603050405020304" pitchFamily="18" charset="0"/>
-                <a:ea typeface="Calibri" panose="020F0502020204030204" pitchFamily="34" charset="0"/>
-              </a:endParaRPr>
-            </a:p>
-          </p:txBody>
-        </p:sp>
-      </p:grpSp>
-      <p:sp>
-        <p:nvSpPr>
-          <p:cNvPr id="4" name="Номер слайда 3">
-            <a:extLst>
-              <a:ext uri="{FF2B5EF4-FFF2-40B4-BE49-F238E27FC236}">
-                <a16:creationId xmlns:a16="http://schemas.microsoft.com/office/drawing/2014/main" id="{9705DD08-B1A0-4FCA-8290-EF7041DC01F2}"/>
-              </a:ext>
-            </a:extLst>
-          </p:cNvPr>
-          <p:cNvSpPr>
-            <a:spLocks noGrp="1"/>
-          </p:cNvSpPr>
-          <p:nvPr>
-            <p:ph type="sldNum" sz="quarter" idx="12"/>
-          </p:nvPr>
-        </p:nvSpPr>
-        <p:spPr/>
-        <p:txBody>
-          <a:bodyPr/>
-          <a:lstStyle/>
-          <a:p>
-            <a:fld id="{69E57DC2-970A-4B3E-BB1C-7A09969E49DF}" type="slidenum">
-              <a:rPr lang="en-US" sz="1800" smtClean="0"/>
-              <a:t>8</a:t>
-            </a:fld>
-            <a:endParaRPr lang="en-US" sz="1800" dirty="0"/>
-          </a:p>
-        </p:txBody>
-      </p:sp>
-    </p:spTree>
-    <p:extLst>
-      <p:ext uri="{BB962C8B-B14F-4D97-AF65-F5344CB8AC3E}">
-        <p14:creationId xmlns:p14="http://schemas.microsoft.com/office/powerpoint/2010/main" val="2894849705"/>
-      </p:ext>
-    </p:extLst>
-  </p:cSld>
-  <p:clrMapOvr>
-    <a:masterClrMapping/>
-  </p:clrMapOvr>
-</p:sld>
-</file>
-
-<file path=ppt/slides/slide9.xml><?xml version="1.0" encoding="utf-8"?>
-<p:sld xmlns:a="http://schemas.openxmlformats.org/drawingml/2006/main" xmlns:r="http://schemas.openxmlformats.org/officeDocument/2006/relationships" xmlns:p="http://schemas.openxmlformats.org/presentationml/2006/main">
-  <p:cSld>
-    <p:spTree>
-      <p:nvGrpSpPr>
-        <p:cNvPr id="1" name=""/>
-        <p:cNvGrpSpPr/>
-        <p:nvPr/>
-      </p:nvGrpSpPr>
-      <p:grpSpPr>
-        <a:xfrm>
-          <a:off x="0" y="0"/>
-          <a:ext cx="0" cy="0"/>
-          <a:chOff x="0" y="0"/>
-          <a:chExt cx="0" cy="0"/>
-        </a:xfrm>
-      </p:grpSpPr>
-      <p:sp>
-        <p:nvSpPr>
-          <p:cNvPr id="2" name="Заголовок 1">
-            <a:extLst>
-              <a:ext uri="{FF2B5EF4-FFF2-40B4-BE49-F238E27FC236}">
-                <a16:creationId xmlns:a16="http://schemas.microsoft.com/office/drawing/2014/main" id="{6805E75B-EB9E-4DCE-B440-FF0E224C79C8}"/>
-              </a:ext>
-            </a:extLst>
-          </p:cNvPr>
-          <p:cNvSpPr>
-            <a:spLocks noGrp="1"/>
-          </p:cNvSpPr>
-          <p:nvPr>
-            <p:ph type="title"/>
-          </p:nvPr>
-        </p:nvSpPr>
-        <p:spPr>
-          <a:xfrm>
-            <a:off x="1371600" y="685800"/>
-            <a:ext cx="2770632" cy="704088"/>
-          </a:xfrm>
-        </p:spPr>
-        <p:txBody>
-          <a:bodyPr/>
-          <a:lstStyle/>
-          <a:p>
-            <a:r>
-              <a:rPr lang="en-US" dirty="0"/>
-              <a:t>Rand spot</a:t>
-            </a:r>
-            <a:endParaRPr lang="ru-RU" dirty="0"/>
-          </a:p>
-        </p:txBody>
-      </p:sp>
-      <p:grpSp>
-        <p:nvGrpSpPr>
-          <p:cNvPr id="14" name="Группа 13">
-            <a:extLst>
-              <a:ext uri="{FF2B5EF4-FFF2-40B4-BE49-F238E27FC236}">
-                <a16:creationId xmlns:a16="http://schemas.microsoft.com/office/drawing/2014/main" id="{BC93A4D5-52FF-4092-8C43-47CE12A49624}"/>
-              </a:ext>
-            </a:extLst>
-          </p:cNvPr>
-          <p:cNvGrpSpPr/>
-          <p:nvPr/>
-        </p:nvGrpSpPr>
-        <p:grpSpPr>
-          <a:xfrm>
-            <a:off x="2900033" y="1711354"/>
-            <a:ext cx="6391933" cy="4460846"/>
-            <a:chOff x="1353312" y="1741385"/>
-            <a:chExt cx="5558148" cy="3728525"/>
-          </a:xfrm>
-        </p:grpSpPr>
-        <p:sp>
-          <p:nvSpPr>
-            <p:cNvPr id="7" name="Надпись 150">
-              <a:extLst>
-                <a:ext uri="{FF2B5EF4-FFF2-40B4-BE49-F238E27FC236}">
-                  <a16:creationId xmlns:a16="http://schemas.microsoft.com/office/drawing/2014/main" id="{4B39570A-2234-4DC0-B02A-688E1838DC8B}"/>
-                </a:ext>
-              </a:extLst>
-            </p:cNvPr>
-            <p:cNvSpPr txBox="1"/>
-            <p:nvPr/>
-          </p:nvSpPr>
-          <p:spPr>
-            <a:xfrm>
-              <a:off x="1353312" y="5100578"/>
-              <a:ext cx="5558148" cy="369332"/>
-            </a:xfrm>
-            <a:prstGeom prst="rect">
-              <a:avLst/>
-            </a:prstGeom>
-            <a:noFill/>
-            <a:ln>
-              <a:noFill/>
-            </a:ln>
-          </p:spPr>
-          <p:txBody>
-            <a:bodyPr rot="0" spcFirstLastPara="0" vert="horz" wrap="square" lIns="0" tIns="0" rIns="0" bIns="0" numCol="1" spcCol="0" rtlCol="0" fromWordArt="0" anchor="t" anchorCtr="0" forceAA="0" compatLnSpc="1">
-              <a:prstTxWarp prst="textNoShape">
-                <a:avLst/>
-              </a:prstTxWarp>
-              <a:spAutoFit/>
-            </a:bodyPr>
-            <a:lstStyle/>
-            <a:p>
-              <a:pPr algn="ctr">
-                <a:spcAft>
-                  <a:spcPts val="0"/>
-                </a:spcAft>
-              </a:pPr>
-              <a:r>
-                <a:rPr lang="ru-RU" sz="1200" b="1" dirty="0">
-                  <a:solidFill>
-                    <a:srgbClr val="000000"/>
-                  </a:solidFill>
-                  <a:latin typeface="Times New Roman" panose="02020603050405020304" pitchFamily="18" charset="0"/>
-                  <a:ea typeface="Calibri" panose="020F0502020204030204" pitchFamily="34" charset="0"/>
-                </a:rPr>
-                <a:t>Жёлтый цвет – световое пятно, красный цвет – обработанные пиксели, </a:t>
-              </a:r>
-              <a:br>
-                <a:rPr lang="ru-RU" sz="1200" b="1" dirty="0">
-                  <a:solidFill>
-                    <a:srgbClr val="000000"/>
-                  </a:solidFill>
-                  <a:latin typeface="Times New Roman" panose="02020603050405020304" pitchFamily="18" charset="0"/>
-                  <a:ea typeface="Calibri" panose="020F0502020204030204" pitchFamily="34" charset="0"/>
-                </a:rPr>
-              </a:br>
-              <a:r>
-                <a:rPr lang="ru-RU" sz="1200" b="1" dirty="0">
-                  <a:solidFill>
-                    <a:srgbClr val="000000"/>
-                  </a:solidFill>
-                  <a:latin typeface="Times New Roman" panose="02020603050405020304" pitchFamily="18" charset="0"/>
-                  <a:ea typeface="Calibri" panose="020F0502020204030204" pitchFamily="34" charset="0"/>
-                </a:rPr>
-                <a:t>красный пиксель внутри пятна – первый обнаруженный пиксель пятна. </a:t>
-              </a:r>
-              <a:endParaRPr lang="ru-RU" sz="1200" b="1" dirty="0">
-                <a:solidFill>
-                  <a:srgbClr val="000000"/>
-                </a:solidFill>
-                <a:effectLst/>
-                <a:latin typeface="Times New Roman" panose="02020603050405020304" pitchFamily="18" charset="0"/>
-                <a:ea typeface="Calibri" panose="020F0502020204030204" pitchFamily="34" charset="0"/>
-              </a:endParaRPr>
-            </a:p>
-          </p:txBody>
-        </p:sp>
-        <p:pic>
-          <p:nvPicPr>
-            <p:cNvPr id="13" name="Рисунок 12">
-              <a:extLst>
-                <a:ext uri="{FF2B5EF4-FFF2-40B4-BE49-F238E27FC236}">
-                  <a16:creationId xmlns:a16="http://schemas.microsoft.com/office/drawing/2014/main" id="{C885EFFD-A186-4894-80E3-48E2BF75E022}"/>
-                </a:ext>
-              </a:extLst>
-            </p:cNvPr>
-            <p:cNvPicPr>
-              <a:picLocks noChangeAspect="1"/>
-            </p:cNvPicPr>
-            <p:nvPr/>
-          </p:nvPicPr>
-          <p:blipFill>
-            <a:blip r:embed="rId2"/>
-            <a:stretch>
-              <a:fillRect/>
-            </a:stretch>
-          </p:blipFill>
-          <p:spPr>
-            <a:xfrm>
-              <a:off x="2165248" y="1741385"/>
-              <a:ext cx="3866192" cy="3218417"/>
-            </a:xfrm>
-            <a:prstGeom prst="rect">
-              <a:avLst/>
-            </a:prstGeom>
-          </p:spPr>
-        </p:pic>
-      </p:grpSp>
-      <p:sp>
-        <p:nvSpPr>
-          <p:cNvPr id="4" name="Номер слайда 3">
-            <a:extLst>
-              <a:ext uri="{FF2B5EF4-FFF2-40B4-BE49-F238E27FC236}">
-                <a16:creationId xmlns:a16="http://schemas.microsoft.com/office/drawing/2014/main" id="{819532D9-E951-453F-A5D6-C073ADB31CA5}"/>
-              </a:ext>
-            </a:extLst>
-          </p:cNvPr>
-          <p:cNvSpPr>
-            <a:spLocks noGrp="1"/>
-          </p:cNvSpPr>
-          <p:nvPr>
-            <p:ph type="sldNum" sz="quarter" idx="12"/>
-          </p:nvPr>
-        </p:nvSpPr>
-        <p:spPr/>
-        <p:txBody>
-          <a:bodyPr/>
-          <a:lstStyle/>
-          <a:p>
-            <a:fld id="{69E57DC2-970A-4B3E-BB1C-7A09969E49DF}" type="slidenum">
-              <a:rPr lang="en-US" sz="1800" smtClean="0"/>
-              <a:t>9</a:t>
-            </a:fld>
-            <a:endParaRPr lang="en-US" sz="1800" dirty="0"/>
-          </a:p>
-        </p:txBody>
-      </p:sp>
-    </p:spTree>
-    <p:extLst>
-      <p:ext uri="{BB962C8B-B14F-4D97-AF65-F5344CB8AC3E}">
-        <p14:creationId xmlns:p14="http://schemas.microsoft.com/office/powerpoint/2010/main" val="3594323932"/>
       </p:ext>
     </p:extLst>
   </p:cSld>

--- a/Pres/Диплом преза.pptx
+++ b/Pres/Диплом преза.pptx
@@ -219,7 +219,7 @@
           <a:p>
             <a:fld id="{D263CB15-747A-4D97-85C0-24CCF4A04F9B}" type="datetimeFigureOut">
               <a:rPr lang="ru-RU" smtClean="0"/>
-              <a:t>13.06.2021</a:t>
+              <a:t>14.06.2021</a:t>
             </a:fld>
             <a:endParaRPr lang="ru-RU"/>
           </a:p>
@@ -655,7 +655,7 @@
           <a:p>
             <a:fld id="{3D489136-C38E-486A-BBBF-AA0AA56810BF}" type="datetime1">
               <a:rPr lang="en-US" smtClean="0"/>
-              <a:t>6/13/2021</a:t>
+              <a:t>6/14/2021</a:t>
             </a:fld>
             <a:endParaRPr lang="en-US" dirty="0"/>
           </a:p>
@@ -981,7 +981,7 @@
           <a:p>
             <a:fld id="{35B3844E-4E0A-4F90-8CEE-BA3EB56E8380}" type="datetime1">
               <a:rPr lang="en-US" smtClean="0"/>
-              <a:t>6/13/2021</a:t>
+              <a:t>6/14/2021</a:t>
             </a:fld>
             <a:endParaRPr lang="en-US" dirty="0"/>
           </a:p>
@@ -1156,7 +1156,7 @@
           <a:p>
             <a:fld id="{AA77E8EF-D946-43D4-BEA5-58109BF33FB9}" type="datetime1">
               <a:rPr lang="en-US" smtClean="0"/>
-              <a:t>6/13/2021</a:t>
+              <a:t>6/14/2021</a:t>
             </a:fld>
             <a:endParaRPr lang="en-US" dirty="0"/>
           </a:p>
@@ -1321,7 +1321,7 @@
           <a:p>
             <a:fld id="{E69AC3C7-6072-4E8A-84C3-7CFCA9A538CC}" type="datetime1">
               <a:rPr lang="en-US" smtClean="0"/>
-              <a:t>6/13/2021</a:t>
+              <a:t>6/14/2021</a:t>
             </a:fld>
             <a:endParaRPr lang="en-US" dirty="0"/>
           </a:p>
@@ -1593,7 +1593,7 @@
           <a:p>
             <a:fld id="{FF927207-F485-44C7-ABC4-6F062EB9A313}" type="datetime1">
               <a:rPr lang="en-US" smtClean="0"/>
-              <a:t>6/13/2021</a:t>
+              <a:t>6/14/2021</a:t>
             </a:fld>
             <a:endParaRPr lang="en-US" dirty="0"/>
           </a:p>
@@ -1983,7 +1983,7 @@
           <a:p>
             <a:fld id="{45977EA2-6485-475C-93E9-C8796BC67A4D}" type="datetime1">
               <a:rPr lang="en-US" smtClean="0"/>
-              <a:t>6/13/2021</a:t>
+              <a:t>6/14/2021</a:t>
             </a:fld>
             <a:endParaRPr lang="en-US" dirty="0"/>
           </a:p>
@@ -2455,7 +2455,7 @@
           <a:p>
             <a:fld id="{69EFA4FB-446C-4008-A706-F04862265C86}" type="datetime1">
               <a:rPr lang="en-US" smtClean="0"/>
-              <a:t>6/13/2021</a:t>
+              <a:t>6/14/2021</a:t>
             </a:fld>
             <a:endParaRPr lang="en-US" dirty="0"/>
           </a:p>
@@ -2568,7 +2568,7 @@
           <a:p>
             <a:fld id="{9FD2B407-3546-4B02-A07F-450F574ABEE3}" type="datetime1">
               <a:rPr lang="en-US" smtClean="0"/>
-              <a:t>6/13/2021</a:t>
+              <a:t>6/14/2021</a:t>
             </a:fld>
             <a:endParaRPr lang="en-US" dirty="0"/>
           </a:p>
@@ -2658,7 +2658,7 @@
           <a:p>
             <a:fld id="{B2074BBA-BA56-436F-836E-BD0889859D5C}" type="datetime1">
               <a:rPr lang="en-US" smtClean="0"/>
-              <a:t>6/13/2021</a:t>
+              <a:t>6/14/2021</a:t>
             </a:fld>
             <a:endParaRPr lang="en-US" dirty="0"/>
           </a:p>
@@ -2999,7 +2999,7 @@
           <a:p>
             <a:fld id="{BFC19435-F282-44C2-A65A-96BED43E98DA}" type="datetime1">
               <a:rPr lang="en-US" smtClean="0"/>
-              <a:t>6/13/2021</a:t>
+              <a:t>6/14/2021</a:t>
             </a:fld>
             <a:endParaRPr lang="en-US" dirty="0"/>
           </a:p>
@@ -3383,7 +3383,7 @@
           <a:p>
             <a:fld id="{3DFD870D-89DE-452B-B436-F1366963F325}" type="datetime1">
               <a:rPr lang="en-US" smtClean="0"/>
-              <a:t>6/13/2021</a:t>
+              <a:t>6/14/2021</a:t>
             </a:fld>
             <a:endParaRPr lang="en-US" dirty="0"/>
           </a:p>
@@ -3657,7 +3657,7 @@
           <a:p>
             <a:fld id="{C63D728C-5BE4-48CD-B3EB-B3F124074489}" type="datetime1">
               <a:rPr lang="en-US" smtClean="0"/>
-              <a:t>6/13/2021</a:t>
+              <a:t>6/14/2021</a:t>
             </a:fld>
             <a:endParaRPr lang="en-US" dirty="0"/>
           </a:p>
@@ -6543,7 +6543,7 @@
           <a:p>
             <a:r>
               <a:rPr lang="ru-RU" dirty="0"/>
-              <a:t>Точность определения центра пятна</a:t>
+              <a:t>Определение центра пятна</a:t>
             </a:r>
           </a:p>
         </p:txBody>
@@ -6790,7 +6790,7 @@
             </a:r>
             <a:r>
               <a:rPr lang="ru-RU" dirty="0"/>
-              <a:t>41</a:t>
+              <a:t>46 </a:t>
             </a:r>
             <a:r>
               <a:rPr lang="en-US" dirty="0"/>
@@ -6811,7 +6811,7 @@
             </a:r>
             <a:r>
               <a:rPr lang="ru-RU" dirty="0"/>
-              <a:t>41</a:t>
+              <a:t>46 </a:t>
             </a:r>
             <a:r>
               <a:rPr lang="en-US" dirty="0"/>
@@ -8346,7 +8346,7 @@
           <a:p>
             <a:r>
               <a:rPr lang="ru-RU" dirty="0"/>
-              <a:t>Определение положения Солнца</a:t>
+              <a:t>Определение ориентационных углов</a:t>
             </a:r>
           </a:p>
         </p:txBody>
@@ -8368,7 +8368,7 @@
         <p:spPr>
           <a:xfrm>
             <a:off x="1295400" y="4856114"/>
-            <a:ext cx="9601200" cy="1435638"/>
+            <a:ext cx="10546080" cy="1498966"/>
           </a:xfrm>
           <a:prstGeom prst="rect">
             <a:avLst/>
@@ -8605,11 +8605,19 @@
             </a:r>
             <a:r>
               <a:rPr lang="en-US" dirty="0"/>
-              <a:t>: 0.</a:t>
+              <a:t>: </a:t>
             </a:r>
             <a:r>
               <a:rPr lang="ru-RU" dirty="0"/>
-              <a:t>05°. Ошибка округления.</a:t>
+              <a:t>1</a:t>
+            </a:r>
+            <a:r>
+              <a:rPr lang="en-US" dirty="0"/>
+              <a:t>.</a:t>
+            </a:r>
+            <a:r>
+              <a:rPr lang="ru-RU" dirty="0"/>
+              <a:t>896°. Ошибка округления и ошибка вычисления центра пятна.</a:t>
             </a:r>
           </a:p>
           <a:p>
@@ -8634,17 +8642,17 @@
             </a:r>
             <a:r>
               <a:rPr lang="en-US" dirty="0"/>
-              <a:t>.5</a:t>
+              <a:t>.</a:t>
             </a:r>
             <a:r>
               <a:rPr lang="ru-RU" dirty="0"/>
-              <a:t>°. Ошибка округления.</a:t>
+              <a:t>674°. Ошибка округления и ошибка вычисления центра пятна.</a:t>
             </a:r>
           </a:p>
         </p:txBody>
       </p:sp>
-      <mc:AlternateContent xmlns:mc="http://schemas.openxmlformats.org/markup-compatibility/2006">
-        <mc:Choice xmlns:a14="http://schemas.microsoft.com/office/drawing/2010/main" Requires="a14">
+      <mc:AlternateContent xmlns:mc="http://schemas.openxmlformats.org/markup-compatibility/2006" xmlns:a14="http://schemas.microsoft.com/office/drawing/2010/main">
+        <mc:Choice Requires="a14">
           <p:sp>
             <p:nvSpPr>
               <p:cNvPr id="6" name="Прямоугольник 5">
@@ -8660,7 +8668,7 @@
             <p:spPr>
               <a:xfrm>
                 <a:off x="3048000" y="1203192"/>
-                <a:ext cx="6096000" cy="1264129"/>
+                <a:ext cx="6096000" cy="1048685"/>
               </a:xfrm>
               <a:prstGeom prst="rect">
                 <a:avLst/>
@@ -8717,20 +8725,6 @@
                     </m:r>
                     <m:r>
                       <a:rPr lang="ru-RU" i="1">
-                        <a:latin typeface="Cambria Math" panose="02040503050406030204" pitchFamily="18" charset="0"/>
-                        <a:ea typeface="Times New Roman" panose="02020603050405020304" pitchFamily="18" charset="0"/>
-                      </a:rPr>
-                      <m:t>(</m:t>
-                    </m:r>
-                    <m:r>
-                      <a:rPr lang="en-US" b="0" i="1" smtClean="0">
-                        <a:latin typeface="Cambria Math" panose="02040503050406030204" pitchFamily="18" charset="0"/>
-                        <a:ea typeface="Times New Roman" panose="02020603050405020304" pitchFamily="18" charset="0"/>
-                      </a:rPr>
-                      <m:t>𝑡𝑔</m:t>
-                    </m:r>
-                    <m:r>
-                      <a:rPr lang="en-US" b="0" i="1" smtClean="0">
                         <a:latin typeface="Cambria Math" panose="02040503050406030204" pitchFamily="18" charset="0"/>
                         <a:ea typeface="Times New Roman" panose="02020603050405020304" pitchFamily="18" charset="0"/>
                       </a:rPr>
@@ -8886,13 +8880,6 @@
                   </m:oMath>
                 </a14:m>
                 <a:r>
-                  <a:rPr lang="ru-RU" dirty="0">
-                    <a:latin typeface="Times New Roman" panose="02020603050405020304" pitchFamily="18" charset="0"/>
-                    <a:ea typeface="Times New Roman" panose="02020603050405020304" pitchFamily="18" charset="0"/>
-                  </a:rPr>
-                  <a:t>)</a:t>
-                </a:r>
-                <a:r>
                   <a:rPr lang="en-US" dirty="0">
                     <a:latin typeface="Times New Roman" panose="02020603050405020304" pitchFamily="18" charset="0"/>
                     <a:ea typeface="Times New Roman" panose="02020603050405020304" pitchFamily="18" charset="0"/>
@@ -8906,21 +8893,6 @@
                     <a:ea typeface="Times New Roman" panose="02020603050405020304" pitchFamily="18" charset="0"/>
                   </a:rPr>
                   <a:t>,</a:t>
-                </a:r>
-                <a:br>
-                  <a:rPr lang="ru-RU" sz="1400" dirty="0">
-                    <a:effectLst/>
-                    <a:latin typeface="Times New Roman" panose="02020603050405020304" pitchFamily="18" charset="0"/>
-                    <a:ea typeface="Times New Roman" panose="02020603050405020304" pitchFamily="18" charset="0"/>
-                  </a:rPr>
-                </a:br>
-                <a:r>
-                  <a:rPr lang="ru-RU" sz="1400" dirty="0">
-                    <a:effectLst/>
-                    <a:latin typeface="Times New Roman" panose="02020603050405020304" pitchFamily="18" charset="0"/>
-                    <a:ea typeface="Times New Roman" panose="02020603050405020304" pitchFamily="18" charset="0"/>
-                  </a:rPr>
-                  <a:t>	</a:t>
                 </a:r>
               </a:p>
               <a:p>
@@ -8969,21 +8941,7 @@
                       <m:t>𝑎𝑟𝑐𝑡𝑔</m:t>
                     </m:r>
                     <m:r>
-                      <a:rPr lang="ru-RU" i="1">
-                        <a:latin typeface="Cambria Math" panose="02040503050406030204" pitchFamily="18" charset="0"/>
-                        <a:ea typeface="Times New Roman" panose="02020603050405020304" pitchFamily="18" charset="0"/>
-                      </a:rPr>
-                      <m:t>(</m:t>
-                    </m:r>
-                    <m:r>
-                      <a:rPr lang="en-US" b="0" i="1" smtClean="0">
-                        <a:latin typeface="Cambria Math" panose="02040503050406030204" pitchFamily="18" charset="0"/>
-                        <a:ea typeface="Times New Roman" panose="02020603050405020304" pitchFamily="18" charset="0"/>
-                      </a:rPr>
-                      <m:t>𝑡𝑔</m:t>
-                    </m:r>
-                    <m:r>
-                      <a:rPr lang="en-US" b="0" i="1" smtClean="0">
+                      <a:rPr lang="ru-RU" i="1" smtClean="0">
                         <a:latin typeface="Cambria Math" panose="02040503050406030204" pitchFamily="18" charset="0"/>
                         <a:ea typeface="Times New Roman" panose="02020603050405020304" pitchFamily="18" charset="0"/>
                       </a:rPr>
@@ -8992,7 +8950,7 @@
                     <m:f>
                       <m:fPr>
                         <m:ctrlPr>
-                          <a:rPr lang="ru-RU" i="1">
+                          <a:rPr lang="ru-RU" i="1" smtClean="0">
                             <a:latin typeface="Cambria Math" panose="02040503050406030204" pitchFamily="18" charset="0"/>
                             <a:ea typeface="Times New Roman" panose="02020603050405020304" pitchFamily="18" charset="0"/>
                           </a:rPr>
@@ -9264,13 +9222,6 @@
                   </m:oMath>
                 </a14:m>
                 <a:r>
-                  <a:rPr lang="en-US" dirty="0">
-                    <a:latin typeface="Times New Roman" panose="02020603050405020304" pitchFamily="18" charset="0"/>
-                    <a:ea typeface="Times New Roman" panose="02020603050405020304" pitchFamily="18" charset="0"/>
-                  </a:rPr>
-                  <a:t>)</a:t>
-                </a:r>
-                <a:r>
                   <a:rPr lang="ru-RU" dirty="0">
                     <a:latin typeface="Times New Roman" panose="02020603050405020304" pitchFamily="18" charset="0"/>
                     <a:ea typeface="Times New Roman" panose="02020603050405020304" pitchFamily="18" charset="0"/>
@@ -9289,7 +9240,7 @@
             </p:txBody>
           </p:sp>
         </mc:Choice>
-        <mc:Fallback>
+        <mc:Fallback xmlns="">
           <p:sp>
             <p:nvSpPr>
               <p:cNvPr id="6" name="Прямоугольник 5">
@@ -9307,7 +9258,7 @@
             <p:spPr>
               <a:xfrm>
                 <a:off x="3048000" y="1203192"/>
-                <a:ext cx="6096000" cy="1264129"/>
+                <a:ext cx="6096000" cy="1048685"/>
               </a:xfrm>
               <a:prstGeom prst="rect">
                 <a:avLst/>
@@ -9315,7 +9266,7 @@
               <a:blipFill>
                 <a:blip r:embed="rId2"/>
                 <a:stretch>
-                  <a:fillRect t="-2885" b="-3365"/>
+                  <a:fillRect t="-3488" b="-4651"/>
                 </a:stretch>
               </a:blipFill>
             </p:spPr>
@@ -9350,7 +9301,7 @@
             </p:nvSpPr>
             <p:spPr>
               <a:xfrm>
-                <a:off x="1371600" y="2467321"/>
+                <a:off x="1371600" y="2575951"/>
                 <a:ext cx="6096000" cy="2118529"/>
               </a:xfrm>
               <a:prstGeom prst="rect">
@@ -9723,7 +9674,7 @@
             </p:nvSpPr>
             <p:spPr>
               <a:xfrm>
-                <a:off x="1371600" y="2467321"/>
+                <a:off x="1371600" y="2575951"/>
                 <a:ext cx="6096000" cy="2118529"/>
               </a:xfrm>
               <a:prstGeom prst="rect">
@@ -9828,8 +9779,8 @@
         </p:nvSpPr>
         <p:spPr>
           <a:xfrm>
-            <a:off x="1371600" y="685800"/>
-            <a:ext cx="9601200" cy="1299743"/>
+            <a:off x="1371600" y="685801"/>
+            <a:ext cx="9601200" cy="1207008"/>
           </a:xfrm>
         </p:spPr>
         <p:txBody>
@@ -9897,14 +9848,14 @@
           <p:nvPr>
             <p:extLst>
               <p:ext uri="{D42A27DB-BD31-4B8C-83A1-F6EECF244321}">
-                <p14:modId xmlns:p14="http://schemas.microsoft.com/office/powerpoint/2010/main" val="999054970"/>
+                <p14:modId xmlns:p14="http://schemas.microsoft.com/office/powerpoint/2010/main" val="740518508"/>
               </p:ext>
             </p:extLst>
           </p:nvPr>
         </p:nvGraphicFramePr>
         <p:xfrm>
           <a:off x="1371600" y="1996580"/>
-          <a:ext cx="9697429" cy="4313654"/>
+          <a:ext cx="10232136" cy="4258914"/>
         </p:xfrm>
         <a:graphic>
           <a:graphicData uri="http://schemas.openxmlformats.org/drawingml/2006/table">
@@ -9913,42 +9864,42 @@
                 <a:tableStyleId>{5C22544A-7EE6-4342-B048-85BDC9FD1C3A}</a:tableStyleId>
               </a:tblPr>
               <a:tblGrid>
-                <a:gridCol w="2185620">
+                <a:gridCol w="2066544">
                   <a:extLst>
                     <a:ext uri="{9D8B030D-6E8A-4147-A177-3AD203B41FA5}">
                       <a16:colId xmlns:a16="http://schemas.microsoft.com/office/drawing/2014/main" val="2336610824"/>
                     </a:ext>
                   </a:extLst>
                 </a:gridCol>
-                <a:gridCol w="1541436">
+                <a:gridCol w="1866018">
                   <a:extLst>
                     <a:ext uri="{9D8B030D-6E8A-4147-A177-3AD203B41FA5}">
                       <a16:colId xmlns:a16="http://schemas.microsoft.com/office/drawing/2014/main" val="1474983164"/>
                     </a:ext>
                   </a:extLst>
                 </a:gridCol>
-                <a:gridCol w="1541436">
+                <a:gridCol w="1535550">
                   <a:extLst>
                     <a:ext uri="{9D8B030D-6E8A-4147-A177-3AD203B41FA5}">
                       <a16:colId xmlns:a16="http://schemas.microsoft.com/office/drawing/2014/main" val="1995261836"/>
                     </a:ext>
                   </a:extLst>
                 </a:gridCol>
-                <a:gridCol w="1464749">
+                <a:gridCol w="1636393">
                   <a:extLst>
                     <a:ext uri="{9D8B030D-6E8A-4147-A177-3AD203B41FA5}">
                       <a16:colId xmlns:a16="http://schemas.microsoft.com/office/drawing/2014/main" val="4073457568"/>
                     </a:ext>
                   </a:extLst>
                 </a:gridCol>
-                <a:gridCol w="1464749">
+                <a:gridCol w="1545514">
                   <a:extLst>
                     <a:ext uri="{9D8B030D-6E8A-4147-A177-3AD203B41FA5}">
                       <a16:colId xmlns:a16="http://schemas.microsoft.com/office/drawing/2014/main" val="3182339001"/>
                     </a:ext>
                   </a:extLst>
                 </a:gridCol>
-                <a:gridCol w="1499439">
+                <a:gridCol w="1582117">
                   <a:extLst>
                     <a:ext uri="{9D8B030D-6E8A-4147-A177-3AD203B41FA5}">
                       <a16:colId xmlns:a16="http://schemas.microsoft.com/office/drawing/2014/main" val="3256934880"/>
@@ -9956,7 +9907,7 @@
                   </a:extLst>
                 </a:gridCol>
               </a:tblGrid>
-              <a:tr h="447605">
+              <a:tr h="913788">
                 <a:tc rowSpan="2">
                   <a:txBody>
                     <a:bodyPr/>
@@ -10033,7 +9984,10 @@
                     <a:lstStyle/>
                     <a:p>
                       <a:pPr algn="ctr"/>
-                      <a:endParaRPr lang="ru-RU" dirty="0"/>
+                      <a:r>
+                        <a:rPr lang="ru-RU" dirty="0"/>
+                        <a:t>Количество операций сравнений</a:t>
+                      </a:r>
                     </a:p>
                   </a:txBody>
                   <a:tcPr anchor="ctr"/>
@@ -10044,7 +9998,7 @@
                   </a:ext>
                 </a:extLst>
               </a:tr>
-              <a:tr h="507825">
+              <a:tr h="578732">
                 <a:tc vMerge="1">
                   <a:txBody>
                     <a:bodyPr/>
@@ -10077,7 +10031,7 @@
                       <a:pPr algn="ctr"/>
                       <a:r>
                         <a:rPr lang="ru-RU" sz="1600" dirty="0"/>
-                        <a:t>Худшее время</a:t>
+                        <a:t>Худшее время, с</a:t>
                       </a:r>
                     </a:p>
                   </a:txBody>
@@ -10105,7 +10059,7 @@
                       <a:pPr algn="ctr"/>
                       <a:r>
                         <a:rPr lang="ru-RU" sz="1600" dirty="0"/>
-                        <a:t>Худшее время</a:t>
+                        <a:t>Худшее время, с</a:t>
                       </a:r>
                     </a:p>
                   </a:txBody>
@@ -10137,10 +10091,7 @@
                         <a:rPr lang="en-US" sz="1600" dirty="0"/>
                         <a:t>N</a:t>
                       </a:r>
-                      <a:r>
-                        <a:rPr lang="ru-RU" sz="1600" dirty="0"/>
-                        <a:t> сравнений</a:t>
-                      </a:r>
+                      <a:endParaRPr lang="ru-RU" sz="1600" dirty="0"/>
                     </a:p>
                   </a:txBody>
                   <a:tcPr anchor="ctr"/>
@@ -10151,7 +10102,7 @@
                   </a:ext>
                 </a:extLst>
               </a:tr>
-              <a:tr h="559704">
+              <a:tr h="450662">
                 <a:tc>
                   <a:txBody>
                     <a:bodyPr/>
@@ -10287,7 +10238,7 @@
                   </a:ext>
                 </a:extLst>
               </a:tr>
-              <a:tr h="559704">
+              <a:tr h="466032">
                 <a:tc>
                   <a:txBody>
                     <a:bodyPr/>
@@ -10423,7 +10374,7 @@
                   </a:ext>
                 </a:extLst>
               </a:tr>
-              <a:tr h="559704">
+              <a:tr h="420342">
                 <a:tc>
                   <a:txBody>
                     <a:bodyPr/>
@@ -10554,7 +10505,7 @@
                   </a:ext>
                 </a:extLst>
               </a:tr>
-              <a:tr h="559704">
+              <a:tr h="448687">
                 <a:tc>
                   <a:txBody>
                     <a:bodyPr/>
@@ -10702,7 +10653,7 @@
                   </a:ext>
                 </a:extLst>
               </a:tr>
-              <a:tr h="559704">
+              <a:tr h="420342">
                 <a:tc>
                   <a:txBody>
                     <a:bodyPr/>
@@ -10862,7 +10813,7 @@
                   </a:ext>
                 </a:extLst>
               </a:tr>
-              <a:tr h="559704">
+              <a:tr h="559329">
                 <a:tc>
                   <a:txBody>
                     <a:bodyPr/>
@@ -12933,6 +12884,7 @@
                   <m:oMath xmlns:m="http://schemas.openxmlformats.org/officeDocument/2006/math">
                     <m:r>
                       <a:rPr lang="en-US" sz="1800" b="0" i="1" smtClean="0">
+                        <a:latin typeface="Cambria Math" panose="02040503050406030204" pitchFamily="18" charset="0"/>
                         <a:ea typeface="Calibri" panose="020F0502020204030204" pitchFamily="34" charset="0"/>
                       </a:rPr>
                       <m:t>180</m:t>
@@ -12948,18 +12900,21 @@
                     </m:r>
                     <m:r>
                       <a:rPr lang="en-US" sz="1800" i="1">
+                        <a:latin typeface="Cambria Math" panose="02040503050406030204" pitchFamily="18" charset="0"/>
                         <a:ea typeface="Calibri" panose="020F0502020204030204" pitchFamily="34" charset="0"/>
                       </a:rPr>
                       <m:t>&lt;</m:t>
                     </m:r>
                     <m:r>
                       <a:rPr lang="el-GR" sz="1800" i="1">
+                        <a:latin typeface="Cambria Math" panose="02040503050406030204" pitchFamily="18" charset="0"/>
                         <a:ea typeface="Calibri" panose="020F0502020204030204" pitchFamily="34" charset="0"/>
                       </a:rPr>
                       <m:t>𝜑</m:t>
                     </m:r>
                     <m:r>
                       <a:rPr lang="en-US" sz="1800" b="0" i="1" smtClean="0">
+                        <a:latin typeface="Cambria Math" panose="02040503050406030204" pitchFamily="18" charset="0"/>
                         <a:ea typeface="Calibri" panose="020F0502020204030204" pitchFamily="34" charset="0"/>
                       </a:rPr>
                       <m:t>&lt;</m:t>
@@ -13008,6 +12963,7 @@
                   <m:oMath xmlns:m="http://schemas.openxmlformats.org/officeDocument/2006/math">
                     <m:r>
                       <a:rPr lang="en-US" sz="1800" b="0" i="1" smtClean="0">
+                        <a:latin typeface="Cambria Math" panose="02040503050406030204" pitchFamily="18" charset="0"/>
                         <a:ea typeface="Calibri" panose="020F0502020204030204" pitchFamily="34" charset="0"/>
                       </a:rPr>
                       <m:t>0</m:t>
@@ -13023,21 +12979,38 @@
                     </m:r>
                     <m:r>
                       <a:rPr lang="en-US" sz="1800" b="0" i="1" smtClean="0">
+                        <a:latin typeface="Cambria Math" panose="02040503050406030204" pitchFamily="18" charset="0"/>
                         <a:ea typeface="Calibri" panose="020F0502020204030204" pitchFamily="34" charset="0"/>
                       </a:rPr>
                       <m:t>&lt;</m:t>
                     </m:r>
                     <m:r>
                       <a:rPr lang="el-GR" sz="1800" i="1">
+                        <a:latin typeface="Cambria Math" panose="02040503050406030204" pitchFamily="18" charset="0"/>
                         <a:ea typeface="Calibri" panose="020F0502020204030204" pitchFamily="34" charset="0"/>
                       </a:rPr>
                       <m:t>𝜃</m:t>
                     </m:r>
                     <m:r>
                       <a:rPr lang="en-US" sz="1800" b="0" i="1" smtClean="0">
+                        <a:latin typeface="Cambria Math" panose="02040503050406030204" pitchFamily="18" charset="0"/>
                         <a:ea typeface="Calibri" panose="020F0502020204030204" pitchFamily="34" charset="0"/>
                       </a:rPr>
-                      <m:t>&lt;90</m:t>
+                      <m:t>&lt;</m:t>
+                    </m:r>
+                    <m:r>
+                      <a:rPr lang="ru-RU" sz="1800" b="0" i="1" smtClean="0">
+                        <a:latin typeface="Cambria Math" panose="02040503050406030204" pitchFamily="18" charset="0"/>
+                        <a:ea typeface="Calibri" panose="020F0502020204030204" pitchFamily="34" charset="0"/>
+                      </a:rPr>
+                      <m:t>8</m:t>
+                    </m:r>
+                    <m:r>
+                      <a:rPr lang="en-US" sz="1800" b="0" i="1" smtClean="0">
+                        <a:latin typeface="Cambria Math" panose="02040503050406030204" pitchFamily="18" charset="0"/>
+                        <a:ea typeface="Calibri" panose="020F0502020204030204" pitchFamily="34" charset="0"/>
+                      </a:rPr>
+                      <m:t>0</m:t>
                     </m:r>
                   </m:oMath>
                 </a14:m>
@@ -13152,7 +13125,7 @@
                   <a:rPr lang="ru-RU" sz="1800" dirty="0">
                     <a:ea typeface="Calibri" panose="020F0502020204030204" pitchFamily="34" charset="0"/>
                   </a:rPr>
-                  <a:t>мм</a:t>
+                  <a:t> мм</a:t>
                 </a:r>
                 <a:r>
                   <a:rPr lang="en-US" sz="1800" dirty="0">
@@ -13168,13 +13141,13 @@
                   <a:rPr lang="en-US" sz="1800" dirty="0">
                     <a:ea typeface="Calibri" panose="020F0502020204030204" pitchFamily="34" charset="0"/>
                   </a:rPr>
-                  <a:t> 4e</a:t>
+                  <a:t> 4</a:t>
                 </a:r>
                 <a:r>
                   <a:rPr lang="ru-RU" sz="1800" dirty="0">
                     <a:ea typeface="Calibri" panose="020F0502020204030204" pitchFamily="34" charset="0"/>
                   </a:rPr>
-                  <a:t>мм</a:t>
+                  <a:t> мм</a:t>
                 </a:r>
                 <a:r>
                   <a:rPr lang="en-US" sz="1800" dirty="0">
@@ -13203,7 +13176,7 @@
                   <a:rPr lang="ru-RU" sz="1800" dirty="0">
                     <a:ea typeface="Calibri" panose="020F0502020204030204" pitchFamily="34" charset="0"/>
                   </a:rPr>
-                  <a:t>Диаметр отверстия: 0.3мм;</a:t>
+                  <a:t>Диаметр отверстия: 0.3 мм;</a:t>
                 </a:r>
               </a:p>
               <a:p>
@@ -13223,7 +13196,7 @@
                   <a:rPr lang="ru-RU" sz="1800" dirty="0">
                     <a:ea typeface="Calibri" panose="020F0502020204030204" pitchFamily="34" charset="0"/>
                   </a:rPr>
-                  <a:t>Толщина отверстия: 100мкм;</a:t>
+                  <a:t>Толщина отверстия: 100 мкм;</a:t>
                 </a:r>
               </a:p>
               <a:p>
@@ -13243,7 +13216,7 @@
                   <a:rPr lang="ru-RU" sz="1800" dirty="0">
                     <a:ea typeface="Calibri" panose="020F0502020204030204" pitchFamily="34" charset="0"/>
                   </a:rPr>
-                  <a:t>Высота отверстия: 0.7мм;</a:t>
+                  <a:t>Высота отверстия: 0.7 мм;</a:t>
                 </a:r>
               </a:p>
               <a:p>
@@ -13365,64 +13338,31 @@
         </p:nvSpPr>
         <p:spPr>
           <a:xfrm>
-            <a:off x="1062232" y="2773680"/>
-            <a:ext cx="2412872" cy="3581400"/>
+            <a:off x="4889560" y="2944070"/>
+            <a:ext cx="2412872" cy="411482"/>
           </a:xfrm>
+          <a:ln w="38100">
+            <a:solidFill>
+              <a:schemeClr val="tx1"/>
+            </a:solidFill>
+          </a:ln>
         </p:spPr>
         <p:txBody>
           <a:bodyPr/>
           <a:lstStyle/>
           <a:p>
-            <a:pPr marL="0" indent="0">
+            <a:pPr marL="0" indent="0" algn="ctr">
               <a:buNone/>
             </a:pPr>
             <a:r>
               <a:rPr lang="ru-RU" dirty="0"/>
-              <a:t>Алгоритмы поиска пятна</a:t>
-            </a:r>
-            <a:r>
-              <a:rPr lang="en-US" dirty="0"/>
-              <a:t>:</a:t>
-            </a:r>
-            <a:endParaRPr lang="ru-RU" dirty="0"/>
-          </a:p>
-          <a:p>
-            <a:r>
-              <a:rPr lang="en-US" sz="1800" dirty="0"/>
-              <a:t>Brute spot;</a:t>
-            </a:r>
-          </a:p>
-          <a:p>
-            <a:r>
-              <a:rPr lang="en-US" sz="1800" dirty="0"/>
-              <a:t>Rand spot;</a:t>
-            </a:r>
-          </a:p>
-          <a:p>
-            <a:r>
-              <a:rPr lang="en-US" sz="1800" dirty="0"/>
-              <a:t>Breadth spot;</a:t>
-            </a:r>
-          </a:p>
-          <a:p>
-            <a:r>
-              <a:rPr lang="en-US" sz="1800" dirty="0"/>
-              <a:t>Double spot;</a:t>
-            </a:r>
-          </a:p>
-          <a:p>
-            <a:r>
-              <a:rPr lang="en-US" sz="1800" dirty="0"/>
-              <a:t>Round spot;</a:t>
-            </a:r>
-          </a:p>
-          <a:p>
-            <a:r>
-              <a:rPr lang="en-US" sz="1800" dirty="0"/>
-              <a:t>Round double spot;</a:t>
-            </a:r>
-          </a:p>
-          <a:p>
+              <a:t>Поиск пятна</a:t>
+            </a:r>
+          </a:p>
+          <a:p>
+            <a:pPr marL="0" indent="0" algn="ctr">
+              <a:buNone/>
+            </a:pPr>
             <a:endParaRPr lang="ru-RU" dirty="0"/>
           </a:p>
         </p:txBody>
@@ -13443,12 +13383,17 @@
         </p:nvSpPr>
         <p:spPr>
           <a:xfrm>
-            <a:off x="4362452" y="2779776"/>
-            <a:ext cx="2997708" cy="1703832"/>
+            <a:off x="4601908" y="3879398"/>
+            <a:ext cx="2997708" cy="405386"/>
           </a:xfrm>
           <a:prstGeom prst="rect">
             <a:avLst/>
           </a:prstGeom>
+          <a:ln w="38100">
+            <a:solidFill>
+              <a:schemeClr val="tx1"/>
+            </a:solidFill>
+          </a:ln>
         </p:spPr>
         <p:txBody>
           <a:bodyPr vert="horz" lIns="91440" tIns="45720" rIns="91440" bIns="45720" rtlCol="0">
@@ -13646,32 +13591,14 @@
             </a:lvl9pPr>
           </a:lstStyle>
           <a:p>
-            <a:pPr marL="0" indent="0">
+            <a:pPr marL="0" indent="0" algn="ctr">
               <a:buFont typeface="Franklin Gothic Book" panose="020B0503020102020204" pitchFamily="34" charset="0"/>
               <a:buNone/>
             </a:pPr>
             <a:r>
               <a:rPr lang="ru-RU" dirty="0"/>
-              <a:t>Алгоритмы локализации пятна</a:t>
-            </a:r>
-            <a:r>
-              <a:rPr lang="en-US" dirty="0"/>
-              <a:t>:</a:t>
-            </a:r>
-            <a:endParaRPr lang="ru-RU" dirty="0"/>
-          </a:p>
-          <a:p>
-            <a:r>
-              <a:rPr lang="en-US" sz="1800" dirty="0"/>
-              <a:t>Quadro search;</a:t>
-            </a:r>
-          </a:p>
-          <a:p>
-            <a:r>
-              <a:rPr lang="en-US" sz="1800" dirty="0"/>
-              <a:t>Breadth search;</a:t>
-            </a:r>
-            <a:endParaRPr lang="ru-RU" sz="1800" dirty="0"/>
+              <a:t>Локализация пятна</a:t>
+            </a:r>
           </a:p>
         </p:txBody>
       </p:sp>
@@ -13691,7 +13618,7 @@
         </p:nvSpPr>
         <p:spPr>
           <a:xfrm>
-            <a:off x="1472184" y="503301"/>
+            <a:off x="1000096" y="335372"/>
             <a:ext cx="10287000" cy="734568"/>
           </a:xfrm>
           <a:prstGeom prst="rect">
@@ -13900,7 +13827,7 @@
             </a:pPr>
             <a:r>
               <a:rPr lang="ru-RU" sz="3200" dirty="0"/>
-              <a:t>Алгоритм определения положения Солнца</a:t>
+              <a:t>Алгоритм определения ориентации по Солнцу</a:t>
             </a:r>
           </a:p>
           <a:p>
@@ -13924,12 +13851,17 @@
         </p:nvSpPr>
         <p:spPr>
           <a:xfrm>
-            <a:off x="8165592" y="3631692"/>
+            <a:off x="4299199" y="4761160"/>
             <a:ext cx="3593592" cy="464818"/>
           </a:xfrm>
           <a:prstGeom prst="rect">
             <a:avLst/>
           </a:prstGeom>
+          <a:ln w="38100">
+            <a:solidFill>
+              <a:schemeClr val="tx1"/>
+            </a:solidFill>
+          </a:ln>
         </p:spPr>
         <p:txBody>
           <a:bodyPr vert="horz" lIns="91440" tIns="45720" rIns="91440" bIns="45720" rtlCol="0">
@@ -14127,13 +14059,13 @@
             </a:lvl9pPr>
           </a:lstStyle>
           <a:p>
-            <a:pPr marL="0" indent="0">
+            <a:pPr marL="0" indent="0" algn="ctr">
               <a:buFont typeface="Franklin Gothic Book" panose="020B0503020102020204" pitchFamily="34" charset="0"/>
               <a:buNone/>
             </a:pPr>
             <a:r>
               <a:rPr lang="ru-RU" dirty="0"/>
-              <a:t>Определение центра пятна.</a:t>
+              <a:t>Определение центра пятна</a:t>
             </a:r>
           </a:p>
         </p:txBody>
@@ -14181,12 +14113,17 @@
         </p:nvSpPr>
         <p:spPr>
           <a:xfrm>
-            <a:off x="8165592" y="4831078"/>
+            <a:off x="4468939" y="5745500"/>
             <a:ext cx="3349315" cy="707886"/>
           </a:xfrm>
           <a:prstGeom prst="rect">
             <a:avLst/>
           </a:prstGeom>
+          <a:ln w="38100">
+            <a:solidFill>
+              <a:schemeClr val="tx1"/>
+            </a:solidFill>
+          </a:ln>
         </p:spPr>
         <p:txBody>
           <a:bodyPr wrap="none">
@@ -14194,6 +14131,7 @@
           </a:bodyPr>
           <a:lstStyle/>
           <a:p>
+            <a:pPr algn="ctr"/>
             <a:r>
               <a:rPr lang="ru-RU" sz="2000" dirty="0"/>
               <a:t>Определение азимутального</a:t>
@@ -14201,23 +14139,21 @@
             <a:endParaRPr lang="en-US" sz="2000" dirty="0"/>
           </a:p>
           <a:p>
+            <a:pPr algn="ctr"/>
             <a:r>
               <a:rPr lang="ru-RU" sz="2000" dirty="0"/>
               <a:t>и зенитного углов</a:t>
             </a:r>
-            <a:r>
-              <a:rPr lang="ru-RU" dirty="0"/>
-              <a:t>.</a:t>
-            </a:r>
+            <a:endParaRPr lang="ru-RU" dirty="0"/>
           </a:p>
         </p:txBody>
       </p:sp>
       <p:sp>
         <p:nvSpPr>
-          <p:cNvPr id="11" name="Стрелка: вправо 10">
+          <p:cNvPr id="12" name="Стрелка: вправо 11">
             <a:extLst>
               <a:ext uri="{FF2B5EF4-FFF2-40B4-BE49-F238E27FC236}">
-                <a16:creationId xmlns:a16="http://schemas.microsoft.com/office/drawing/2014/main" id="{7B70C62D-742A-4237-8E70-3552798A7217}"/>
+                <a16:creationId xmlns:a16="http://schemas.microsoft.com/office/drawing/2014/main" id="{2CCDA61E-40C4-405E-8BA5-367AAF680F46}"/>
               </a:ext>
             </a:extLst>
           </p:cNvPr>
@@ -14225,9 +14161,9 @@
           <p:nvPr/>
         </p:nvSpPr>
         <p:spPr>
-          <a:xfrm>
-            <a:off x="3498996" y="3511295"/>
-            <a:ext cx="713232" cy="585215"/>
+          <a:xfrm rot="5400000">
+            <a:off x="5890257" y="1622169"/>
+            <a:ext cx="411481" cy="362710"/>
           </a:xfrm>
           <a:prstGeom prst="rightArrow">
             <a:avLst/>
@@ -14254,98 +14190,6 @@
           <a:lstStyle/>
           <a:p>
             <a:pPr algn="ctr"/>
-            <a:endParaRPr lang="ru-RU" dirty="0"/>
-          </a:p>
-        </p:txBody>
-      </p:sp>
-      <p:sp>
-        <p:nvSpPr>
-          <p:cNvPr id="12" name="Стрелка: вправо 11">
-            <a:extLst>
-              <a:ext uri="{FF2B5EF4-FFF2-40B4-BE49-F238E27FC236}">
-                <a16:creationId xmlns:a16="http://schemas.microsoft.com/office/drawing/2014/main" id="{2CCDA61E-40C4-405E-8BA5-367AAF680F46}"/>
-              </a:ext>
-            </a:extLst>
-          </p:cNvPr>
-          <p:cNvSpPr/>
-          <p:nvPr/>
-        </p:nvSpPr>
-        <p:spPr>
-          <a:xfrm>
-            <a:off x="7358748" y="3511295"/>
-            <a:ext cx="713232" cy="585215"/>
-          </a:xfrm>
-          <a:prstGeom prst="rightArrow">
-            <a:avLst/>
-          </a:prstGeom>
-        </p:spPr>
-        <p:style>
-          <a:lnRef idx="2">
-            <a:schemeClr val="accent1">
-              <a:shade val="50000"/>
-            </a:schemeClr>
-          </a:lnRef>
-          <a:fillRef idx="1">
-            <a:schemeClr val="accent1"/>
-          </a:fillRef>
-          <a:effectRef idx="0">
-            <a:schemeClr val="accent1"/>
-          </a:effectRef>
-          <a:fontRef idx="minor">
-            <a:schemeClr val="lt1"/>
-          </a:fontRef>
-        </p:style>
-        <p:txBody>
-          <a:bodyPr rtlCol="0" anchor="ctr"/>
-          <a:lstStyle/>
-          <a:p>
-            <a:pPr algn="ctr"/>
-            <a:endParaRPr lang="ru-RU"/>
-          </a:p>
-        </p:txBody>
-      </p:sp>
-      <p:sp>
-        <p:nvSpPr>
-          <p:cNvPr id="13" name="Стрелка: вправо 12">
-            <a:extLst>
-              <a:ext uri="{FF2B5EF4-FFF2-40B4-BE49-F238E27FC236}">
-                <a16:creationId xmlns:a16="http://schemas.microsoft.com/office/drawing/2014/main" id="{A69516EF-83F4-40D8-BF52-74B12357C0B3}"/>
-              </a:ext>
-            </a:extLst>
-          </p:cNvPr>
-          <p:cNvSpPr/>
-          <p:nvPr/>
-        </p:nvSpPr>
-        <p:spPr>
-          <a:xfrm rot="5400000">
-            <a:off x="9483632" y="4160519"/>
-            <a:ext cx="713232" cy="585215"/>
-          </a:xfrm>
-          <a:prstGeom prst="rightArrow">
-            <a:avLst/>
-          </a:prstGeom>
-        </p:spPr>
-        <p:style>
-          <a:lnRef idx="2">
-            <a:schemeClr val="accent1">
-              <a:shade val="50000"/>
-            </a:schemeClr>
-          </a:lnRef>
-          <a:fillRef idx="1">
-            <a:schemeClr val="accent1"/>
-          </a:fillRef>
-          <a:effectRef idx="0">
-            <a:schemeClr val="accent1"/>
-          </a:effectRef>
-          <a:fontRef idx="minor">
-            <a:schemeClr val="lt1"/>
-          </a:fontRef>
-        </p:style>
-        <p:txBody>
-          <a:bodyPr rtlCol="0" anchor="ctr"/>
-          <a:lstStyle/>
-          <a:p>
-            <a:pPr algn="ctr"/>
             <a:endParaRPr lang="ru-RU"/>
           </a:p>
         </p:txBody>
@@ -14366,12 +14210,17 @@
         </p:nvSpPr>
         <p:spPr>
           <a:xfrm>
-            <a:off x="1062232" y="1237869"/>
+            <a:off x="4592384" y="1148984"/>
             <a:ext cx="3007232" cy="411482"/>
           </a:xfrm>
           <a:prstGeom prst="rect">
             <a:avLst/>
           </a:prstGeom>
+          <a:ln w="38100">
+            <a:solidFill>
+              <a:schemeClr val="tx1"/>
+            </a:solidFill>
+          </a:ln>
         </p:spPr>
         <p:txBody>
           <a:bodyPr vert="horz" lIns="91440" tIns="45720" rIns="91440" bIns="45720" rtlCol="0">
@@ -14569,7 +14418,7 @@
             </a:lvl9pPr>
           </a:lstStyle>
           <a:p>
-            <a:pPr marL="0" indent="0">
+            <a:pPr marL="0" indent="0" algn="ctr">
               <a:buFont typeface="Franklin Gothic Book" panose="020B0503020102020204" pitchFamily="34" charset="0"/>
               <a:buNone/>
             </a:pPr>
@@ -14597,12 +14446,17 @@
         </p:nvSpPr>
         <p:spPr>
           <a:xfrm>
-            <a:off x="1062232" y="1925584"/>
+            <a:off x="4468939" y="2046582"/>
             <a:ext cx="3254120" cy="411482"/>
           </a:xfrm>
           <a:prstGeom prst="rect">
             <a:avLst/>
           </a:prstGeom>
+          <a:ln w="38100">
+            <a:solidFill>
+              <a:schemeClr val="tx1"/>
+            </a:solidFill>
+          </a:ln>
         </p:spPr>
         <p:txBody>
           <a:bodyPr vert="horz" lIns="91440" tIns="45720" rIns="91440" bIns="45720" rtlCol="0">
@@ -14800,7 +14654,7 @@
             </a:lvl9pPr>
           </a:lstStyle>
           <a:p>
-            <a:pPr marL="0" indent="0">
+            <a:pPr marL="0" indent="0" algn="ctr">
               <a:buFont typeface="Franklin Gothic Book" panose="020B0503020102020204" pitchFamily="34" charset="0"/>
               <a:buNone/>
             </a:pPr>
@@ -14814,10 +14668,10 @@
       </p:sp>
       <p:sp>
         <p:nvSpPr>
-          <p:cNvPr id="16" name="Стрелка: вправо 15">
+          <p:cNvPr id="21" name="Стрелка: вправо 20">
             <a:extLst>
               <a:ext uri="{FF2B5EF4-FFF2-40B4-BE49-F238E27FC236}">
-                <a16:creationId xmlns:a16="http://schemas.microsoft.com/office/drawing/2014/main" id="{E7132E94-7D7E-4DCB-8ACF-F783DAA31EC1}"/>
+                <a16:creationId xmlns:a16="http://schemas.microsoft.com/office/drawing/2014/main" id="{BF4DD810-831D-419C-8A41-EB2E695B1415}"/>
               </a:ext>
             </a:extLst>
           </p:cNvPr>
@@ -14826,8 +14680,8 @@
         </p:nvSpPr>
         <p:spPr>
           <a:xfrm rot="5400000">
-            <a:off x="2163033" y="1606008"/>
-            <a:ext cx="411481" cy="394148"/>
+            <a:off x="5890256" y="2522627"/>
+            <a:ext cx="411481" cy="362710"/>
           </a:xfrm>
           <a:prstGeom prst="rightArrow">
             <a:avLst/>
@@ -14854,16 +14708,16 @@
           <a:lstStyle/>
           <a:p>
             <a:pPr algn="ctr"/>
-            <a:endParaRPr lang="ru-RU" dirty="0"/>
+            <a:endParaRPr lang="ru-RU"/>
           </a:p>
         </p:txBody>
       </p:sp>
       <p:sp>
         <p:nvSpPr>
-          <p:cNvPr id="17" name="Стрелка: вправо 16">
+          <p:cNvPr id="22" name="Стрелка: вправо 21">
             <a:extLst>
               <a:ext uri="{FF2B5EF4-FFF2-40B4-BE49-F238E27FC236}">
-                <a16:creationId xmlns:a16="http://schemas.microsoft.com/office/drawing/2014/main" id="{F640825F-3196-45FD-87C2-92080DEDB647}"/>
+                <a16:creationId xmlns:a16="http://schemas.microsoft.com/office/drawing/2014/main" id="{0FABDEE0-EA67-4196-AAD6-1A26DC612B88}"/>
               </a:ext>
             </a:extLst>
           </p:cNvPr>
@@ -14872,8 +14726,8 @@
         </p:nvSpPr>
         <p:spPr>
           <a:xfrm rot="5400000">
-            <a:off x="2163033" y="2315626"/>
-            <a:ext cx="411481" cy="394148"/>
+            <a:off x="5890255" y="3435713"/>
+            <a:ext cx="411481" cy="362710"/>
           </a:xfrm>
           <a:prstGeom prst="rightArrow">
             <a:avLst/>
@@ -14900,7 +14754,99 @@
           <a:lstStyle/>
           <a:p>
             <a:pPr algn="ctr"/>
-            <a:endParaRPr lang="ru-RU" dirty="0"/>
+            <a:endParaRPr lang="ru-RU"/>
+          </a:p>
+        </p:txBody>
+      </p:sp>
+      <p:sp>
+        <p:nvSpPr>
+          <p:cNvPr id="23" name="Стрелка: вправо 22">
+            <a:extLst>
+              <a:ext uri="{FF2B5EF4-FFF2-40B4-BE49-F238E27FC236}">
+                <a16:creationId xmlns:a16="http://schemas.microsoft.com/office/drawing/2014/main" id="{E9DCD3E1-9F3C-4EBB-8E9B-EFB42EEDABF6}"/>
+              </a:ext>
+            </a:extLst>
+          </p:cNvPr>
+          <p:cNvSpPr/>
+          <p:nvPr/>
+        </p:nvSpPr>
+        <p:spPr>
+          <a:xfrm rot="5400000">
+            <a:off x="5890255" y="4341617"/>
+            <a:ext cx="411481" cy="362710"/>
+          </a:xfrm>
+          <a:prstGeom prst="rightArrow">
+            <a:avLst/>
+          </a:prstGeom>
+        </p:spPr>
+        <p:style>
+          <a:lnRef idx="2">
+            <a:schemeClr val="accent1">
+              <a:shade val="50000"/>
+            </a:schemeClr>
+          </a:lnRef>
+          <a:fillRef idx="1">
+            <a:schemeClr val="accent1"/>
+          </a:fillRef>
+          <a:effectRef idx="0">
+            <a:schemeClr val="accent1"/>
+          </a:effectRef>
+          <a:fontRef idx="minor">
+            <a:schemeClr val="lt1"/>
+          </a:fontRef>
+        </p:style>
+        <p:txBody>
+          <a:bodyPr rtlCol="0" anchor="ctr"/>
+          <a:lstStyle/>
+          <a:p>
+            <a:pPr algn="ctr"/>
+            <a:endParaRPr lang="ru-RU"/>
+          </a:p>
+        </p:txBody>
+      </p:sp>
+      <p:sp>
+        <p:nvSpPr>
+          <p:cNvPr id="24" name="Стрелка: вправо 23">
+            <a:extLst>
+              <a:ext uri="{FF2B5EF4-FFF2-40B4-BE49-F238E27FC236}">
+                <a16:creationId xmlns:a16="http://schemas.microsoft.com/office/drawing/2014/main" id="{F28ABF63-7104-4983-BA01-F30531859FA1}"/>
+              </a:ext>
+            </a:extLst>
+          </p:cNvPr>
+          <p:cNvSpPr/>
+          <p:nvPr/>
+        </p:nvSpPr>
+        <p:spPr>
+          <a:xfrm rot="5400000">
+            <a:off x="5890254" y="5304384"/>
+            <a:ext cx="411481" cy="362710"/>
+          </a:xfrm>
+          <a:prstGeom prst="rightArrow">
+            <a:avLst/>
+          </a:prstGeom>
+        </p:spPr>
+        <p:style>
+          <a:lnRef idx="2">
+            <a:schemeClr val="accent1">
+              <a:shade val="50000"/>
+            </a:schemeClr>
+          </a:lnRef>
+          <a:fillRef idx="1">
+            <a:schemeClr val="accent1"/>
+          </a:fillRef>
+          <a:effectRef idx="0">
+            <a:schemeClr val="accent1"/>
+          </a:effectRef>
+          <a:fontRef idx="minor">
+            <a:schemeClr val="lt1"/>
+          </a:fontRef>
+        </p:style>
+        <p:txBody>
+          <a:bodyPr rtlCol="0" anchor="ctr"/>
+          <a:lstStyle/>
+          <a:p>
+            <a:pPr algn="ctr"/>
+            <a:endParaRPr lang="ru-RU"/>
           </a:p>
         </p:txBody>
       </p:sp>

--- a/Pres/Диплом преза.pptx
+++ b/Pres/Диплом преза.pptx
@@ -8651,8 +8651,8 @@
           </a:p>
         </p:txBody>
       </p:sp>
-      <mc:AlternateContent xmlns:mc="http://schemas.openxmlformats.org/markup-compatibility/2006" xmlns:a14="http://schemas.microsoft.com/office/drawing/2010/main">
-        <mc:Choice Requires="a14">
+      <mc:AlternateContent xmlns:mc="http://schemas.openxmlformats.org/markup-compatibility/2006">
+        <mc:Choice xmlns:a14="http://schemas.microsoft.com/office/drawing/2010/main" Requires="a14">
           <p:sp>
             <p:nvSpPr>
               <p:cNvPr id="6" name="Прямоугольник 5">
@@ -8667,20 +8667,20 @@
             </p:nvSpPr>
             <p:spPr>
               <a:xfrm>
-                <a:off x="3048000" y="1203192"/>
-                <a:ext cx="6096000" cy="1048685"/>
+                <a:off x="1371600" y="1182530"/>
+                <a:ext cx="4366895" cy="1048685"/>
               </a:xfrm>
               <a:prstGeom prst="rect">
                 <a:avLst/>
               </a:prstGeom>
             </p:spPr>
             <p:txBody>
-              <a:bodyPr>
+              <a:bodyPr wrap="square">
                 <a:spAutoFit/>
               </a:bodyPr>
               <a:lstStyle/>
               <a:p>
-                <a:pPr hangingPunct="0">
+                <a:pPr algn="ctr" hangingPunct="0">
                   <a:spcBef>
                     <a:spcPts val="200"/>
                   </a:spcBef>
@@ -8692,13 +8692,6 @@
                     <a:tab pos="5616575" algn="r"/>
                   </a:tabLst>
                 </a:pPr>
-                <a:r>
-                  <a:rPr lang="ru-RU" sz="1400" dirty="0">
-                    <a:latin typeface="Times New Roman" panose="02020603050405020304" pitchFamily="18" charset="0"/>
-                    <a:ea typeface="Times New Roman" panose="02020603050405020304" pitchFamily="18" charset="0"/>
-                  </a:rPr>
-                  <a:t>	</a:t>
-                </a:r>
                 <a14:m>
                   <m:oMath xmlns:m="http://schemas.openxmlformats.org/officeDocument/2006/math">
                     <m:r>
@@ -8896,7 +8889,7 @@
                 </a:r>
               </a:p>
               <a:p>
-                <a:pPr hangingPunct="0">
+                <a:pPr algn="ctr" hangingPunct="0">
                   <a:spcBef>
                     <a:spcPts val="200"/>
                   </a:spcBef>
@@ -8908,14 +8901,6 @@
                     <a:tab pos="5616575" algn="r"/>
                   </a:tabLst>
                 </a:pPr>
-                <a:r>
-                  <a:rPr lang="ru-RU" sz="1400" dirty="0">
-                    <a:effectLst/>
-                    <a:latin typeface="Times New Roman" panose="02020603050405020304" pitchFamily="18" charset="0"/>
-                    <a:ea typeface="Times New Roman" panose="02020603050405020304" pitchFamily="18" charset="0"/>
-                  </a:rPr>
-                  <a:t>	</a:t>
-                </a:r>
                 <a14:m>
                   <m:oMath xmlns:m="http://schemas.openxmlformats.org/officeDocument/2006/math">
                     <m:r>
@@ -9240,7 +9225,7 @@
             </p:txBody>
           </p:sp>
         </mc:Choice>
-        <mc:Fallback xmlns="">
+        <mc:Fallback>
           <p:sp>
             <p:nvSpPr>
               <p:cNvPr id="6" name="Прямоугольник 5">
@@ -9257,8 +9242,8 @@
             </p:nvSpPr>
             <p:spPr>
               <a:xfrm>
-                <a:off x="3048000" y="1203192"/>
-                <a:ext cx="6096000" cy="1048685"/>
+                <a:off x="1371600" y="1182530"/>
+                <a:ext cx="4366895" cy="1048685"/>
               </a:xfrm>
               <a:prstGeom prst="rect">
                 <a:avLst/>
@@ -9266,7 +9251,7 @@
               <a:blipFill>
                 <a:blip r:embed="rId2"/>
                 <a:stretch>
-                  <a:fillRect t="-3488" b="-4651"/>
+                  <a:fillRect t="-4070" b="-4651"/>
                 </a:stretch>
               </a:blipFill>
             </p:spPr>
@@ -9731,6 +9716,40 @@
           </a:p>
         </p:txBody>
       </p:sp>
+      <p:pic>
+        <p:nvPicPr>
+          <p:cNvPr id="8" name="Рисунок 7">
+            <a:extLst>
+              <a:ext uri="{FF2B5EF4-FFF2-40B4-BE49-F238E27FC236}">
+                <a16:creationId xmlns:a16="http://schemas.microsoft.com/office/drawing/2014/main" id="{B65F6F85-9866-4427-B90F-BC5E502220AF}"/>
+              </a:ext>
+            </a:extLst>
+          </p:cNvPr>
+          <p:cNvPicPr/>
+          <p:nvPr/>
+        </p:nvPicPr>
+        <p:blipFill>
+          <a:blip r:embed="rId4" cstate="print">
+            <a:extLst>
+              <a:ext uri="{28A0092B-C50C-407E-A947-70E740481C1C}">
+                <a14:useLocalDpi xmlns:a14="http://schemas.microsoft.com/office/drawing/2010/main" val="0"/>
+              </a:ext>
+            </a:extLst>
+          </a:blip>
+          <a:stretch>
+            <a:fillRect/>
+          </a:stretch>
+        </p:blipFill>
+        <p:spPr>
+          <a:xfrm>
+            <a:off x="7138412" y="1031846"/>
+            <a:ext cx="4668647" cy="3940087"/>
+          </a:xfrm>
+          <a:prstGeom prst="rect">
+            <a:avLst/>
+          </a:prstGeom>
+        </p:spPr>
+      </p:pic>
     </p:spTree>
     <p:extLst>
       <p:ext uri="{BB962C8B-B14F-4D97-AF65-F5344CB8AC3E}">
@@ -12624,8 +12643,8 @@
           </a:prstGeom>
         </p:spPr>
       </p:pic>
-      <mc:AlternateContent xmlns:mc="http://schemas.openxmlformats.org/markup-compatibility/2006">
-        <mc:Choice xmlns:a14="http://schemas.microsoft.com/office/drawing/2010/main" Requires="a14">
+      <mc:AlternateContent xmlns:mc="http://schemas.openxmlformats.org/markup-compatibility/2006" xmlns:a14="http://schemas.microsoft.com/office/drawing/2010/main">
+        <mc:Choice Requires="a14">
           <p:sp>
             <p:nvSpPr>
               <p:cNvPr id="12" name="Объект 2">
@@ -13245,7 +13264,7 @@
             </p:txBody>
           </p:sp>
         </mc:Choice>
-        <mc:Fallback>
+        <mc:Fallback xmlns="">
           <p:sp>
             <p:nvSpPr>
               <p:cNvPr id="12" name="Объект 2">

--- a/Pres/Диплом преза.pptx
+++ b/Pres/Диплом преза.pptx
@@ -4452,7 +4452,7 @@
         <p:spPr>
           <a:xfrm>
             <a:off x="1371600" y="685800"/>
-            <a:ext cx="2770632" cy="704088"/>
+            <a:ext cx="9052560" cy="704088"/>
           </a:xfrm>
         </p:spPr>
         <p:txBody>
@@ -4461,6 +4461,10 @@
           </a:bodyPr>
           <a:lstStyle/>
           <a:p>
+            <a:r>
+              <a:rPr lang="ru-RU" dirty="0"/>
+              <a:t>Поиск пятна — </a:t>
+            </a:r>
             <a:r>
               <a:rPr lang="en-US" dirty="0"/>
               <a:t>Brute spot</a:t>
@@ -4682,14 +4686,20 @@
         </p:nvSpPr>
         <p:spPr>
           <a:xfrm>
-            <a:off x="1371600" y="685800"/>
-            <a:ext cx="2770632" cy="704088"/>
+            <a:off x="1371599" y="685800"/>
+            <a:ext cx="8158803" cy="704088"/>
           </a:xfrm>
         </p:spPr>
         <p:txBody>
-          <a:bodyPr/>
+          <a:bodyPr>
+            <a:normAutofit/>
+          </a:bodyPr>
           <a:lstStyle/>
           <a:p>
+            <a:r>
+              <a:rPr lang="ru-RU" dirty="0"/>
+              <a:t>Поиск пятна — </a:t>
+            </a:r>
             <a:r>
               <a:rPr lang="en-US" dirty="0"/>
               <a:t>Rand spot</a:t>
@@ -4906,15 +4916,19 @@
         <p:spPr>
           <a:xfrm>
             <a:off x="1371600" y="685800"/>
-            <a:ext cx="3090672" cy="704088"/>
+            <a:ext cx="9697428" cy="704088"/>
           </a:xfrm>
         </p:spPr>
         <p:txBody>
           <a:bodyPr>
-            <a:normAutofit fontScale="90000"/>
+            <a:normAutofit/>
           </a:bodyPr>
           <a:lstStyle/>
           <a:p>
+            <a:r>
+              <a:rPr lang="ru-RU" dirty="0"/>
+              <a:t>Поиск пятна — </a:t>
+            </a:r>
             <a:r>
               <a:rPr lang="en-US" dirty="0"/>
               <a:t>Breadth spot</a:t>
@@ -5142,8 +5156,8 @@
         </p:nvSpPr>
         <p:spPr>
           <a:xfrm>
-            <a:off x="1371600" y="685800"/>
-            <a:ext cx="3090672" cy="704088"/>
+            <a:off x="1371599" y="685800"/>
+            <a:ext cx="9339943" cy="704088"/>
           </a:xfrm>
         </p:spPr>
         <p:txBody>
@@ -5152,6 +5166,10 @@
           </a:bodyPr>
           <a:lstStyle/>
           <a:p>
+            <a:r>
+              <a:rPr lang="ru-RU" dirty="0"/>
+              <a:t>Поиск пятна — </a:t>
+            </a:r>
             <a:r>
               <a:rPr lang="en-US" dirty="0"/>
               <a:t>Double spot</a:t>
@@ -5380,7 +5398,7 @@
         <p:spPr>
           <a:xfrm>
             <a:off x="1371600" y="685800"/>
-            <a:ext cx="3090672" cy="704088"/>
+            <a:ext cx="9170126" cy="704088"/>
           </a:xfrm>
         </p:spPr>
         <p:txBody>
@@ -5389,6 +5407,10 @@
           </a:bodyPr>
           <a:lstStyle/>
           <a:p>
+            <a:r>
+              <a:rPr lang="ru-RU" dirty="0"/>
+              <a:t>Поиск пятна — </a:t>
+            </a:r>
             <a:r>
               <a:rPr lang="en-US" dirty="0"/>
               <a:t>Round spot</a:t>
@@ -5612,15 +5634,19 @@
         <p:spPr>
           <a:xfrm>
             <a:off x="1371599" y="685800"/>
-            <a:ext cx="4391637" cy="704088"/>
+            <a:ext cx="8582298" cy="704088"/>
           </a:xfrm>
         </p:spPr>
         <p:txBody>
           <a:bodyPr>
-            <a:normAutofit fontScale="90000"/>
+            <a:normAutofit/>
           </a:bodyPr>
           <a:lstStyle/>
           <a:p>
+            <a:r>
+              <a:rPr lang="ru-RU" dirty="0"/>
+              <a:t>Поиск пятна — </a:t>
+            </a:r>
             <a:r>
               <a:rPr lang="en-US" dirty="0"/>
               <a:t>Round double spot</a:t>
@@ -5974,7 +6000,7 @@
         <p:spPr>
           <a:xfrm>
             <a:off x="1371599" y="685800"/>
-            <a:ext cx="4391637" cy="704088"/>
+            <a:ext cx="10202092" cy="704088"/>
           </a:xfrm>
         </p:spPr>
         <p:txBody>
@@ -5983,6 +6009,10 @@
           </a:bodyPr>
           <a:lstStyle/>
           <a:p>
+            <a:r>
+              <a:rPr lang="ru-RU" dirty="0"/>
+              <a:t>Алгоритм локализации — </a:t>
+            </a:r>
             <a:r>
               <a:rPr lang="en-US" dirty="0"/>
               <a:t>Quadro search</a:t>
@@ -6187,7 +6217,7 @@
         <p:spPr>
           <a:xfrm>
             <a:off x="1371599" y="685800"/>
-            <a:ext cx="4391637" cy="704088"/>
+            <a:ext cx="10110652" cy="704088"/>
           </a:xfrm>
         </p:spPr>
         <p:txBody>
@@ -6196,6 +6226,10 @@
           </a:bodyPr>
           <a:lstStyle/>
           <a:p>
+            <a:r>
+              <a:rPr lang="ru-RU" dirty="0"/>
+              <a:t>Алгоритм локализации — </a:t>
+            </a:r>
             <a:r>
               <a:rPr lang="en-US" dirty="0"/>
               <a:t>Breadth search</a:t>
@@ -8651,625 +8685,6 @@
           </a:p>
         </p:txBody>
       </p:sp>
-      <mc:AlternateContent xmlns:mc="http://schemas.openxmlformats.org/markup-compatibility/2006">
-        <mc:Choice xmlns:a14="http://schemas.microsoft.com/office/drawing/2010/main" Requires="a14">
-          <p:sp>
-            <p:nvSpPr>
-              <p:cNvPr id="6" name="Прямоугольник 5">
-                <a:extLst>
-                  <a:ext uri="{FF2B5EF4-FFF2-40B4-BE49-F238E27FC236}">
-                    <a16:creationId xmlns:a16="http://schemas.microsoft.com/office/drawing/2014/main" id="{4255501A-441B-45F8-AAEB-4DEEA9180414}"/>
-                  </a:ext>
-                </a:extLst>
-              </p:cNvPr>
-              <p:cNvSpPr/>
-              <p:nvPr/>
-            </p:nvSpPr>
-            <p:spPr>
-              <a:xfrm>
-                <a:off x="1371600" y="1182530"/>
-                <a:ext cx="4366895" cy="1048685"/>
-              </a:xfrm>
-              <a:prstGeom prst="rect">
-                <a:avLst/>
-              </a:prstGeom>
-            </p:spPr>
-            <p:txBody>
-              <a:bodyPr wrap="square">
-                <a:spAutoFit/>
-              </a:bodyPr>
-              <a:lstStyle/>
-              <a:p>
-                <a:pPr algn="ctr" hangingPunct="0">
-                  <a:spcBef>
-                    <a:spcPts val="200"/>
-                  </a:spcBef>
-                  <a:spcAft>
-                    <a:spcPts val="200"/>
-                  </a:spcAft>
-                  <a:tabLst>
-                    <a:tab pos="2808605" algn="ctr"/>
-                    <a:tab pos="5616575" algn="r"/>
-                  </a:tabLst>
-                </a:pPr>
-                <a14:m>
-                  <m:oMath xmlns:m="http://schemas.openxmlformats.org/officeDocument/2006/math">
-                    <m:r>
-                      <a:rPr lang="el-GR" sz="1400" i="1">
-                        <a:effectLst/>
-                        <a:latin typeface="Cambria Math" panose="02040503050406030204" pitchFamily="18" charset="0"/>
-                        <a:ea typeface="Times New Roman" panose="02020603050405020304" pitchFamily="18" charset="0"/>
-                      </a:rPr>
-                      <m:t>𝜑</m:t>
-                    </m:r>
-                    <m:r>
-                      <a:rPr lang="ru-RU" i="1">
-                        <a:latin typeface="Cambria Math" panose="02040503050406030204" pitchFamily="18" charset="0"/>
-                        <a:ea typeface="Times New Roman" panose="02020603050405020304" pitchFamily="18" charset="0"/>
-                      </a:rPr>
-                      <m:t>=</m:t>
-                    </m:r>
-                    <m:r>
-                      <a:rPr lang="ru-RU" i="1">
-                        <a:latin typeface="Cambria Math" panose="02040503050406030204" pitchFamily="18" charset="0"/>
-                        <a:ea typeface="Times New Roman" panose="02020603050405020304" pitchFamily="18" charset="0"/>
-                      </a:rPr>
-                      <m:t>𝑎𝑟𝑐𝑡𝑔</m:t>
-                    </m:r>
-                    <m:r>
-                      <a:rPr lang="ru-RU" i="1">
-                        <a:latin typeface="Cambria Math" panose="02040503050406030204" pitchFamily="18" charset="0"/>
-                        <a:ea typeface="Times New Roman" panose="02020603050405020304" pitchFamily="18" charset="0"/>
-                      </a:rPr>
-                      <m:t>(</m:t>
-                    </m:r>
-                    <m:f>
-                      <m:fPr>
-                        <m:ctrlPr>
-                          <a:rPr lang="ru-RU" i="1">
-                            <a:latin typeface="Cambria Math" panose="02040503050406030204" pitchFamily="18" charset="0"/>
-                            <a:ea typeface="Times New Roman" panose="02020603050405020304" pitchFamily="18" charset="0"/>
-                          </a:rPr>
-                        </m:ctrlPr>
-                      </m:fPr>
-                      <m:num>
-                        <m:sSub>
-                          <m:sSubPr>
-                            <m:ctrlPr>
-                              <a:rPr lang="ru-RU" i="1">
-                                <a:latin typeface="Cambria Math" panose="02040503050406030204" pitchFamily="18" charset="0"/>
-                                <a:ea typeface="Times New Roman" panose="02020603050405020304" pitchFamily="18" charset="0"/>
-                              </a:rPr>
-                            </m:ctrlPr>
-                          </m:sSubPr>
-                          <m:e>
-                            <m:r>
-                              <a:rPr lang="ru-RU" i="1">
-                                <a:latin typeface="Cambria Math" panose="02040503050406030204" pitchFamily="18" charset="0"/>
-                                <a:ea typeface="Times New Roman" panose="02020603050405020304" pitchFamily="18" charset="0"/>
-                              </a:rPr>
-                              <m:t>𝑦</m:t>
-                            </m:r>
-                          </m:e>
-                          <m:sub>
-                            <m:r>
-                              <a:rPr lang="ru-RU" i="1">
-                                <a:latin typeface="Cambria Math" panose="02040503050406030204" pitchFamily="18" charset="0"/>
-                                <a:ea typeface="Times New Roman" panose="02020603050405020304" pitchFamily="18" charset="0"/>
-                              </a:rPr>
-                              <m:t>𝑠</m:t>
-                            </m:r>
-                          </m:sub>
-                        </m:sSub>
-                        <m:r>
-                          <a:rPr lang="ru-RU" i="1">
-                            <a:latin typeface="Cambria Math" panose="02040503050406030204" pitchFamily="18" charset="0"/>
-                            <a:ea typeface="Times New Roman" panose="02020603050405020304" pitchFamily="18" charset="0"/>
-                          </a:rPr>
-                          <m:t>− </m:t>
-                        </m:r>
-                        <m:sSub>
-                          <m:sSubPr>
-                            <m:ctrlPr>
-                              <a:rPr lang="ru-RU" i="1">
-                                <a:latin typeface="Cambria Math" panose="02040503050406030204" pitchFamily="18" charset="0"/>
-                                <a:ea typeface="Times New Roman" panose="02020603050405020304" pitchFamily="18" charset="0"/>
-                              </a:rPr>
-                            </m:ctrlPr>
-                          </m:sSubPr>
-                          <m:e>
-                            <m:r>
-                              <a:rPr lang="ru-RU" i="1">
-                                <a:latin typeface="Cambria Math" panose="02040503050406030204" pitchFamily="18" charset="0"/>
-                                <a:ea typeface="Times New Roman" panose="02020603050405020304" pitchFamily="18" charset="0"/>
-                              </a:rPr>
-                              <m:t>𝑦</m:t>
-                            </m:r>
-                          </m:e>
-                          <m:sub>
-                            <m:r>
-                              <a:rPr lang="ru-RU" i="1">
-                                <a:latin typeface="Cambria Math" panose="02040503050406030204" pitchFamily="18" charset="0"/>
-                                <a:ea typeface="Times New Roman" panose="02020603050405020304" pitchFamily="18" charset="0"/>
-                              </a:rPr>
-                              <m:t>𝑐</m:t>
-                            </m:r>
-                          </m:sub>
-                        </m:sSub>
-                      </m:num>
-                      <m:den>
-                        <m:sSub>
-                          <m:sSubPr>
-                            <m:ctrlPr>
-                              <a:rPr lang="ru-RU" i="1">
-                                <a:latin typeface="Cambria Math" panose="02040503050406030204" pitchFamily="18" charset="0"/>
-                                <a:ea typeface="Times New Roman" panose="02020603050405020304" pitchFamily="18" charset="0"/>
-                              </a:rPr>
-                            </m:ctrlPr>
-                          </m:sSubPr>
-                          <m:e>
-                            <m:r>
-                              <a:rPr lang="ru-RU" i="1">
-                                <a:latin typeface="Cambria Math" panose="02040503050406030204" pitchFamily="18" charset="0"/>
-                                <a:ea typeface="Times New Roman" panose="02020603050405020304" pitchFamily="18" charset="0"/>
-                              </a:rPr>
-                              <m:t>𝑥</m:t>
-                            </m:r>
-                          </m:e>
-                          <m:sub>
-                            <m:r>
-                              <a:rPr lang="ru-RU" i="1">
-                                <a:latin typeface="Cambria Math" panose="02040503050406030204" pitchFamily="18" charset="0"/>
-                                <a:ea typeface="Times New Roman" panose="02020603050405020304" pitchFamily="18" charset="0"/>
-                              </a:rPr>
-                              <m:t>𝑠</m:t>
-                            </m:r>
-                          </m:sub>
-                        </m:sSub>
-                        <m:r>
-                          <a:rPr lang="ru-RU" i="1">
-                            <a:latin typeface="Cambria Math" panose="02040503050406030204" pitchFamily="18" charset="0"/>
-                            <a:ea typeface="Times New Roman" panose="02020603050405020304" pitchFamily="18" charset="0"/>
-                          </a:rPr>
-                          <m:t> −</m:t>
-                        </m:r>
-                        <m:sSub>
-                          <m:sSubPr>
-                            <m:ctrlPr>
-                              <a:rPr lang="ru-RU" i="1">
-                                <a:latin typeface="Cambria Math" panose="02040503050406030204" pitchFamily="18" charset="0"/>
-                                <a:ea typeface="Times New Roman" panose="02020603050405020304" pitchFamily="18" charset="0"/>
-                              </a:rPr>
-                            </m:ctrlPr>
-                          </m:sSubPr>
-                          <m:e>
-                            <m:r>
-                              <a:rPr lang="ru-RU" i="1">
-                                <a:latin typeface="Cambria Math" panose="02040503050406030204" pitchFamily="18" charset="0"/>
-                                <a:ea typeface="Times New Roman" panose="02020603050405020304" pitchFamily="18" charset="0"/>
-                              </a:rPr>
-                              <m:t> </m:t>
-                            </m:r>
-                            <m:r>
-                              <a:rPr lang="ru-RU" i="1">
-                                <a:latin typeface="Cambria Math" panose="02040503050406030204" pitchFamily="18" charset="0"/>
-                                <a:ea typeface="Times New Roman" panose="02020603050405020304" pitchFamily="18" charset="0"/>
-                              </a:rPr>
-                              <m:t>𝑥</m:t>
-                            </m:r>
-                          </m:e>
-                          <m:sub>
-                            <m:r>
-                              <a:rPr lang="ru-RU" i="1">
-                                <a:latin typeface="Cambria Math" panose="02040503050406030204" pitchFamily="18" charset="0"/>
-                                <a:ea typeface="Times New Roman" panose="02020603050405020304" pitchFamily="18" charset="0"/>
-                              </a:rPr>
-                              <m:t>𝑐</m:t>
-                            </m:r>
-                          </m:sub>
-                        </m:sSub>
-                      </m:den>
-                    </m:f>
-                  </m:oMath>
-                </a14:m>
-                <a:r>
-                  <a:rPr lang="en-US" dirty="0">
-                    <a:latin typeface="Times New Roman" panose="02020603050405020304" pitchFamily="18" charset="0"/>
-                    <a:ea typeface="Times New Roman" panose="02020603050405020304" pitchFamily="18" charset="0"/>
-                  </a:rPr>
-                  <a:t>)</a:t>
-                </a:r>
-                <a:r>
-                  <a:rPr lang="ru-RU" sz="1400" dirty="0">
-                    <a:effectLst/>
-                    <a:latin typeface="Times New Roman" panose="02020603050405020304" pitchFamily="18" charset="0"/>
-                    <a:ea typeface="Times New Roman" panose="02020603050405020304" pitchFamily="18" charset="0"/>
-                  </a:rPr>
-                  <a:t>,</a:t>
-                </a:r>
-              </a:p>
-              <a:p>
-                <a:pPr algn="ctr" hangingPunct="0">
-                  <a:spcBef>
-                    <a:spcPts val="200"/>
-                  </a:spcBef>
-                  <a:spcAft>
-                    <a:spcPts val="200"/>
-                  </a:spcAft>
-                  <a:tabLst>
-                    <a:tab pos="2808605" algn="ctr"/>
-                    <a:tab pos="5616575" algn="r"/>
-                  </a:tabLst>
-                </a:pPr>
-                <a14:m>
-                  <m:oMath xmlns:m="http://schemas.openxmlformats.org/officeDocument/2006/math">
-                    <m:r>
-                      <a:rPr lang="el-GR" sz="1400" i="1">
-                        <a:effectLst/>
-                        <a:latin typeface="Cambria Math" panose="02040503050406030204" pitchFamily="18" charset="0"/>
-                        <a:ea typeface="Times New Roman" panose="02020603050405020304" pitchFamily="18" charset="0"/>
-                      </a:rPr>
-                      <m:t>𝜃</m:t>
-                    </m:r>
-                    <m:r>
-                      <a:rPr lang="ru-RU" i="1">
-                        <a:latin typeface="Cambria Math" panose="02040503050406030204" pitchFamily="18" charset="0"/>
-                        <a:ea typeface="Times New Roman" panose="02020603050405020304" pitchFamily="18" charset="0"/>
-                      </a:rPr>
-                      <m:t>=</m:t>
-                    </m:r>
-                    <m:r>
-                      <a:rPr lang="ru-RU" i="1">
-                        <a:latin typeface="Cambria Math" panose="02040503050406030204" pitchFamily="18" charset="0"/>
-                        <a:ea typeface="Times New Roman" panose="02020603050405020304" pitchFamily="18" charset="0"/>
-                      </a:rPr>
-                      <m:t>𝑎𝑟𝑐𝑡𝑔</m:t>
-                    </m:r>
-                    <m:r>
-                      <a:rPr lang="ru-RU" i="1" smtClean="0">
-                        <a:latin typeface="Cambria Math" panose="02040503050406030204" pitchFamily="18" charset="0"/>
-                        <a:ea typeface="Times New Roman" panose="02020603050405020304" pitchFamily="18" charset="0"/>
-                      </a:rPr>
-                      <m:t>(</m:t>
-                    </m:r>
-                    <m:f>
-                      <m:fPr>
-                        <m:ctrlPr>
-                          <a:rPr lang="ru-RU" i="1" smtClean="0">
-                            <a:latin typeface="Cambria Math" panose="02040503050406030204" pitchFamily="18" charset="0"/>
-                            <a:ea typeface="Times New Roman" panose="02020603050405020304" pitchFamily="18" charset="0"/>
-                          </a:rPr>
-                        </m:ctrlPr>
-                      </m:fPr>
-                      <m:num>
-                        <m:rad>
-                          <m:radPr>
-                            <m:degHide m:val="on"/>
-                            <m:ctrlPr>
-                              <a:rPr lang="ru-RU" i="1">
-                                <a:latin typeface="Cambria Math" panose="02040503050406030204" pitchFamily="18" charset="0"/>
-                                <a:ea typeface="Calibri" panose="020F0502020204030204" pitchFamily="34" charset="0"/>
-                                <a:cs typeface="Times New Roman" panose="02020603050405020304" pitchFamily="18" charset="0"/>
-                              </a:rPr>
-                            </m:ctrlPr>
-                          </m:radPr>
-                          <m:deg/>
-                          <m:e>
-                            <m:sSup>
-                              <m:sSupPr>
-                                <m:ctrlPr>
-                                  <a:rPr lang="ru-RU" i="1">
-                                    <a:latin typeface="Cambria Math" panose="02040503050406030204" pitchFamily="18" charset="0"/>
-                                    <a:ea typeface="Calibri" panose="020F0502020204030204" pitchFamily="34" charset="0"/>
-                                    <a:cs typeface="Times New Roman" panose="02020603050405020304" pitchFamily="18" charset="0"/>
-                                  </a:rPr>
-                                </m:ctrlPr>
-                              </m:sSupPr>
-                              <m:e>
-                                <m:r>
-                                  <a:rPr lang="ru-RU" i="1">
-                                    <a:latin typeface="Cambria Math" panose="02040503050406030204" pitchFamily="18" charset="0"/>
-                                    <a:ea typeface="Calibri" panose="020F0502020204030204" pitchFamily="34" charset="0"/>
-                                  </a:rPr>
-                                  <m:t>(</m:t>
-                                </m:r>
-                                <m:sSub>
-                                  <m:sSubPr>
-                                    <m:ctrlPr>
-                                      <a:rPr lang="ru-RU" i="1">
-                                        <a:latin typeface="Cambria Math" panose="02040503050406030204" pitchFamily="18" charset="0"/>
-                                        <a:ea typeface="Times New Roman" panose="02020603050405020304" pitchFamily="18" charset="0"/>
-                                      </a:rPr>
-                                    </m:ctrlPr>
-                                  </m:sSubPr>
-                                  <m:e>
-                                    <m:r>
-                                      <a:rPr lang="ru-RU" i="1">
-                                        <a:latin typeface="Cambria Math" panose="02040503050406030204" pitchFamily="18" charset="0"/>
-                                        <a:ea typeface="Times New Roman" panose="02020603050405020304" pitchFamily="18" charset="0"/>
-                                      </a:rPr>
-                                      <m:t>𝑥</m:t>
-                                    </m:r>
-                                  </m:e>
-                                  <m:sub>
-                                    <m:r>
-                                      <a:rPr lang="ru-RU" i="1">
-                                        <a:latin typeface="Cambria Math" panose="02040503050406030204" pitchFamily="18" charset="0"/>
-                                        <a:ea typeface="Times New Roman" panose="02020603050405020304" pitchFamily="18" charset="0"/>
-                                      </a:rPr>
-                                      <m:t>𝑠</m:t>
-                                    </m:r>
-                                  </m:sub>
-                                </m:sSub>
-                                <m:r>
-                                  <a:rPr lang="ru-RU" i="1">
-                                    <a:latin typeface="Cambria Math" panose="02040503050406030204" pitchFamily="18" charset="0"/>
-                                    <a:ea typeface="Times New Roman" panose="02020603050405020304" pitchFamily="18" charset="0"/>
-                                  </a:rPr>
-                                  <m:t> −</m:t>
-                                </m:r>
-                                <m:sSub>
-                                  <m:sSubPr>
-                                    <m:ctrlPr>
-                                      <a:rPr lang="ru-RU" i="1">
-                                        <a:latin typeface="Cambria Math" panose="02040503050406030204" pitchFamily="18" charset="0"/>
-                                        <a:ea typeface="Times New Roman" panose="02020603050405020304" pitchFamily="18" charset="0"/>
-                                      </a:rPr>
-                                    </m:ctrlPr>
-                                  </m:sSubPr>
-                                  <m:e>
-                                    <m:r>
-                                      <a:rPr lang="ru-RU" i="1">
-                                        <a:latin typeface="Cambria Math" panose="02040503050406030204" pitchFamily="18" charset="0"/>
-                                        <a:ea typeface="Times New Roman" panose="02020603050405020304" pitchFamily="18" charset="0"/>
-                                      </a:rPr>
-                                      <m:t> </m:t>
-                                    </m:r>
-                                    <m:r>
-                                      <a:rPr lang="ru-RU" i="1">
-                                        <a:latin typeface="Cambria Math" panose="02040503050406030204" pitchFamily="18" charset="0"/>
-                                        <a:ea typeface="Times New Roman" panose="02020603050405020304" pitchFamily="18" charset="0"/>
-                                      </a:rPr>
-                                      <m:t>𝑥</m:t>
-                                    </m:r>
-                                  </m:e>
-                                  <m:sub>
-                                    <m:r>
-                                      <a:rPr lang="ru-RU" i="1">
-                                        <a:latin typeface="Cambria Math" panose="02040503050406030204" pitchFamily="18" charset="0"/>
-                                        <a:ea typeface="Times New Roman" panose="02020603050405020304" pitchFamily="18" charset="0"/>
-                                      </a:rPr>
-                                      <m:t>𝑐</m:t>
-                                    </m:r>
-                                  </m:sub>
-                                </m:sSub>
-                                <m:r>
-                                  <a:rPr lang="ru-RU" i="1">
-                                    <a:latin typeface="Cambria Math" panose="02040503050406030204" pitchFamily="18" charset="0"/>
-                                    <a:ea typeface="Calibri" panose="020F0502020204030204" pitchFamily="34" charset="0"/>
-                                  </a:rPr>
-                                  <m:t>)</m:t>
-                                </m:r>
-                              </m:e>
-                              <m:sup>
-                                <m:r>
-                                  <a:rPr lang="ru-RU" i="1">
-                                    <a:latin typeface="Cambria Math" panose="02040503050406030204" pitchFamily="18" charset="0"/>
-                                    <a:ea typeface="Calibri" panose="020F0502020204030204" pitchFamily="34" charset="0"/>
-                                  </a:rPr>
-                                  <m:t>2</m:t>
-                                </m:r>
-                              </m:sup>
-                            </m:sSup>
-                            <m:r>
-                              <a:rPr lang="ru-RU" i="1">
-                                <a:latin typeface="Cambria Math" panose="02040503050406030204" pitchFamily="18" charset="0"/>
-                                <a:ea typeface="Calibri" panose="020F0502020204030204" pitchFamily="34" charset="0"/>
-                              </a:rPr>
-                              <m:t>+</m:t>
-                            </m:r>
-                            <m:sSup>
-                              <m:sSupPr>
-                                <m:ctrlPr>
-                                  <a:rPr lang="ru-RU" i="1">
-                                    <a:latin typeface="Cambria Math" panose="02040503050406030204" pitchFamily="18" charset="0"/>
-                                    <a:ea typeface="Calibri" panose="020F0502020204030204" pitchFamily="34" charset="0"/>
-                                    <a:cs typeface="Times New Roman" panose="02020603050405020304" pitchFamily="18" charset="0"/>
-                                  </a:rPr>
-                                </m:ctrlPr>
-                              </m:sSupPr>
-                              <m:e>
-                                <m:r>
-                                  <a:rPr lang="ru-RU" i="1">
-                                    <a:latin typeface="Cambria Math" panose="02040503050406030204" pitchFamily="18" charset="0"/>
-                                    <a:ea typeface="Calibri" panose="020F0502020204030204" pitchFamily="34" charset="0"/>
-                                  </a:rPr>
-                                  <m:t>(</m:t>
-                                </m:r>
-                                <m:sSub>
-                                  <m:sSubPr>
-                                    <m:ctrlPr>
-                                      <a:rPr lang="ru-RU" i="1">
-                                        <a:latin typeface="Cambria Math" panose="02040503050406030204" pitchFamily="18" charset="0"/>
-                                        <a:ea typeface="Times New Roman" panose="02020603050405020304" pitchFamily="18" charset="0"/>
-                                      </a:rPr>
-                                    </m:ctrlPr>
-                                  </m:sSubPr>
-                                  <m:e>
-                                    <m:r>
-                                      <a:rPr lang="ru-RU" i="1">
-                                        <a:latin typeface="Cambria Math" panose="02040503050406030204" pitchFamily="18" charset="0"/>
-                                        <a:ea typeface="Times New Roman" panose="02020603050405020304" pitchFamily="18" charset="0"/>
-                                      </a:rPr>
-                                      <m:t>𝑦</m:t>
-                                    </m:r>
-                                  </m:e>
-                                  <m:sub>
-                                    <m:r>
-                                      <a:rPr lang="ru-RU" i="1">
-                                        <a:latin typeface="Cambria Math" panose="02040503050406030204" pitchFamily="18" charset="0"/>
-                                        <a:ea typeface="Times New Roman" panose="02020603050405020304" pitchFamily="18" charset="0"/>
-                                      </a:rPr>
-                                      <m:t>𝑠</m:t>
-                                    </m:r>
-                                  </m:sub>
-                                </m:sSub>
-                                <m:r>
-                                  <a:rPr lang="ru-RU" i="1">
-                                    <a:latin typeface="Cambria Math" panose="02040503050406030204" pitchFamily="18" charset="0"/>
-                                    <a:ea typeface="Times New Roman" panose="02020603050405020304" pitchFamily="18" charset="0"/>
-                                  </a:rPr>
-                                  <m:t>− </m:t>
-                                </m:r>
-                                <m:sSub>
-                                  <m:sSubPr>
-                                    <m:ctrlPr>
-                                      <a:rPr lang="ru-RU" i="1">
-                                        <a:latin typeface="Cambria Math" panose="02040503050406030204" pitchFamily="18" charset="0"/>
-                                        <a:ea typeface="Times New Roman" panose="02020603050405020304" pitchFamily="18" charset="0"/>
-                                      </a:rPr>
-                                    </m:ctrlPr>
-                                  </m:sSubPr>
-                                  <m:e>
-                                    <m:r>
-                                      <a:rPr lang="ru-RU" i="1">
-                                        <a:latin typeface="Cambria Math" panose="02040503050406030204" pitchFamily="18" charset="0"/>
-                                        <a:ea typeface="Times New Roman" panose="02020603050405020304" pitchFamily="18" charset="0"/>
-                                      </a:rPr>
-                                      <m:t>𝑦</m:t>
-                                    </m:r>
-                                  </m:e>
-                                  <m:sub>
-                                    <m:r>
-                                      <a:rPr lang="ru-RU" i="1">
-                                        <a:latin typeface="Cambria Math" panose="02040503050406030204" pitchFamily="18" charset="0"/>
-                                        <a:ea typeface="Times New Roman" panose="02020603050405020304" pitchFamily="18" charset="0"/>
-                                      </a:rPr>
-                                      <m:t>𝑐</m:t>
-                                    </m:r>
-                                  </m:sub>
-                                </m:sSub>
-                                <m:r>
-                                  <a:rPr lang="ru-RU" i="1">
-                                    <a:latin typeface="Cambria Math" panose="02040503050406030204" pitchFamily="18" charset="0"/>
-                                    <a:ea typeface="Calibri" panose="020F0502020204030204" pitchFamily="34" charset="0"/>
-                                  </a:rPr>
-                                  <m:t>)</m:t>
-                                </m:r>
-                              </m:e>
-                              <m:sup>
-                                <m:r>
-                                  <a:rPr lang="ru-RU" i="1">
-                                    <a:latin typeface="Cambria Math" panose="02040503050406030204" pitchFamily="18" charset="0"/>
-                                    <a:ea typeface="Calibri" panose="020F0502020204030204" pitchFamily="34" charset="0"/>
-                                  </a:rPr>
-                                  <m:t>2</m:t>
-                                </m:r>
-                              </m:sup>
-                            </m:sSup>
-                          </m:e>
-                        </m:rad>
-                        <m:r>
-                          <a:rPr lang="ru-RU" i="1">
-                            <a:latin typeface="Cambria Math" panose="02040503050406030204" pitchFamily="18" charset="0"/>
-                            <a:ea typeface="Calibri" panose="020F0502020204030204" pitchFamily="34" charset="0"/>
-                            <a:cs typeface="Times New Roman" panose="02020603050405020304" pitchFamily="18" charset="0"/>
-                          </a:rPr>
-                          <m:t> ∗ </m:t>
-                        </m:r>
-                        <m:r>
-                          <a:rPr lang="ru-RU" i="1">
-                            <a:latin typeface="Cambria Math" panose="02040503050406030204" pitchFamily="18" charset="0"/>
-                            <a:ea typeface="Calibri" panose="020F0502020204030204" pitchFamily="34" charset="0"/>
-                            <a:cs typeface="Times New Roman" panose="02020603050405020304" pitchFamily="18" charset="0"/>
-                          </a:rPr>
-                          <m:t>𝑝𝑖𝑥𝑒𝑙𝑆𝑖𝑧𝑒</m:t>
-                        </m:r>
-                      </m:num>
-                      <m:den>
-                        <m:r>
-                          <a:rPr lang="ru-RU" i="1">
-                            <a:latin typeface="Cambria Math" panose="02040503050406030204" pitchFamily="18" charset="0"/>
-                            <a:ea typeface="Times New Roman" panose="02020603050405020304" pitchFamily="18" charset="0"/>
-                          </a:rPr>
-                          <m:t>h</m:t>
-                        </m:r>
-                        <m:r>
-                          <a:rPr lang="ru-RU" i="1">
-                            <a:latin typeface="Cambria Math" panose="02040503050406030204" pitchFamily="18" charset="0"/>
-                            <a:ea typeface="Times New Roman" panose="02020603050405020304" pitchFamily="18" charset="0"/>
-                            <a:cs typeface="Cambria Math" panose="02040503050406030204" pitchFamily="18" charset="0"/>
-                          </a:rPr>
-                          <m:t> </m:t>
-                        </m:r>
-                      </m:den>
-                    </m:f>
-                  </m:oMath>
-                </a14:m>
-                <a:r>
-                  <a:rPr lang="ru-RU" dirty="0">
-                    <a:latin typeface="Times New Roman" panose="02020603050405020304" pitchFamily="18" charset="0"/>
-                    <a:ea typeface="Times New Roman" panose="02020603050405020304" pitchFamily="18" charset="0"/>
-                  </a:rPr>
-                  <a:t>)</a:t>
-                </a:r>
-                <a:r>
-                  <a:rPr lang="ru-RU" sz="1400" dirty="0">
-                    <a:effectLst/>
-                    <a:latin typeface="Times New Roman" panose="02020603050405020304" pitchFamily="18" charset="0"/>
-                    <a:ea typeface="Times New Roman" panose="02020603050405020304" pitchFamily="18" charset="0"/>
-                  </a:rPr>
-                  <a:t>,	</a:t>
-                </a:r>
-              </a:p>
-            </p:txBody>
-          </p:sp>
-        </mc:Choice>
-        <mc:Fallback>
-          <p:sp>
-            <p:nvSpPr>
-              <p:cNvPr id="6" name="Прямоугольник 5">
-                <a:extLst>
-                  <a:ext uri="{FF2B5EF4-FFF2-40B4-BE49-F238E27FC236}">
-                    <a16:creationId xmlns:a16="http://schemas.microsoft.com/office/drawing/2014/main" id="{4255501A-441B-45F8-AAEB-4DEEA9180414}"/>
-                  </a:ext>
-                </a:extLst>
-              </p:cNvPr>
-              <p:cNvSpPr>
-                <a:spLocks noRot="1" noChangeAspect="1" noMove="1" noResize="1" noEditPoints="1" noAdjustHandles="1" noChangeArrowheads="1" noChangeShapeType="1" noTextEdit="1"/>
-              </p:cNvSpPr>
-              <p:nvPr/>
-            </p:nvSpPr>
-            <p:spPr>
-              <a:xfrm>
-                <a:off x="1371600" y="1182530"/>
-                <a:ext cx="4366895" cy="1048685"/>
-              </a:xfrm>
-              <a:prstGeom prst="rect">
-                <a:avLst/>
-              </a:prstGeom>
-              <a:blipFill>
-                <a:blip r:embed="rId2"/>
-                <a:stretch>
-                  <a:fillRect t="-4070" b="-4651"/>
-                </a:stretch>
-              </a:blipFill>
-            </p:spPr>
-            <p:txBody>
-              <a:bodyPr/>
-              <a:lstStyle/>
-              <a:p>
-                <a:r>
-                  <a:rPr lang="ru-RU">
-                    <a:noFill/>
-                  </a:rPr>
-                  <a:t> </a:t>
-                </a:r>
-              </a:p>
-            </p:txBody>
-          </p:sp>
-        </mc:Fallback>
-      </mc:AlternateContent>
       <mc:AlternateContent xmlns:mc="http://schemas.openxmlformats.org/markup-compatibility/2006" xmlns:a14="http://schemas.microsoft.com/office/drawing/2010/main">
         <mc:Choice Requires="a14">
           <p:sp>
@@ -9750,6 +9165,776 @@
           </a:prstGeom>
         </p:spPr>
       </p:pic>
+      <mc:AlternateContent xmlns:mc="http://schemas.openxmlformats.org/markup-compatibility/2006">
+        <mc:Choice xmlns:a14="http://schemas.microsoft.com/office/drawing/2010/main" Requires="a14">
+          <p:sp>
+            <p:nvSpPr>
+              <p:cNvPr id="9" name="Прямоугольник 8">
+                <a:extLst>
+                  <a:ext uri="{FF2B5EF4-FFF2-40B4-BE49-F238E27FC236}">
+                    <a16:creationId xmlns:a16="http://schemas.microsoft.com/office/drawing/2014/main" id="{4255501A-441B-45F8-AAEB-4DEEA9180414}"/>
+                  </a:ext>
+                </a:extLst>
+              </p:cNvPr>
+              <p:cNvSpPr/>
+              <p:nvPr/>
+            </p:nvSpPr>
+            <p:spPr>
+              <a:xfrm>
+                <a:off x="1371600" y="1050867"/>
+                <a:ext cx="5434148" cy="1363450"/>
+              </a:xfrm>
+              <a:prstGeom prst="rect">
+                <a:avLst/>
+              </a:prstGeom>
+            </p:spPr>
+            <p:txBody>
+              <a:bodyPr wrap="square">
+                <a:spAutoFit/>
+              </a:bodyPr>
+              <a:lstStyle>
+                <a:defPPr>
+                  <a:defRPr lang="en-US"/>
+                </a:defPPr>
+                <a:lvl1pPr marL="0" algn="l" defTabSz="457200" rtl="0" eaLnBrk="1" latinLnBrk="0" hangingPunct="1">
+                  <a:defRPr sz="1800" kern="1200">
+                    <a:solidFill>
+                      <a:schemeClr val="tx1"/>
+                    </a:solidFill>
+                    <a:latin typeface="+mn-lt"/>
+                    <a:ea typeface="+mn-ea"/>
+                    <a:cs typeface="+mn-cs"/>
+                  </a:defRPr>
+                </a:lvl1pPr>
+                <a:lvl2pPr marL="457200" algn="l" defTabSz="457200" rtl="0" eaLnBrk="1" latinLnBrk="0" hangingPunct="1">
+                  <a:defRPr sz="1800" kern="1200">
+                    <a:solidFill>
+                      <a:schemeClr val="tx1"/>
+                    </a:solidFill>
+                    <a:latin typeface="+mn-lt"/>
+                    <a:ea typeface="+mn-ea"/>
+                    <a:cs typeface="+mn-cs"/>
+                  </a:defRPr>
+                </a:lvl2pPr>
+                <a:lvl3pPr marL="914400" algn="l" defTabSz="457200" rtl="0" eaLnBrk="1" latinLnBrk="0" hangingPunct="1">
+                  <a:defRPr sz="1800" kern="1200">
+                    <a:solidFill>
+                      <a:schemeClr val="tx1"/>
+                    </a:solidFill>
+                    <a:latin typeface="+mn-lt"/>
+                    <a:ea typeface="+mn-ea"/>
+                    <a:cs typeface="+mn-cs"/>
+                  </a:defRPr>
+                </a:lvl3pPr>
+                <a:lvl4pPr marL="1371600" algn="l" defTabSz="457200" rtl="0" eaLnBrk="1" latinLnBrk="0" hangingPunct="1">
+                  <a:defRPr sz="1800" kern="1200">
+                    <a:solidFill>
+                      <a:schemeClr val="tx1"/>
+                    </a:solidFill>
+                    <a:latin typeface="+mn-lt"/>
+                    <a:ea typeface="+mn-ea"/>
+                    <a:cs typeface="+mn-cs"/>
+                  </a:defRPr>
+                </a:lvl4pPr>
+                <a:lvl5pPr marL="1828800" algn="l" defTabSz="457200" rtl="0" eaLnBrk="1" latinLnBrk="0" hangingPunct="1">
+                  <a:defRPr sz="1800" kern="1200">
+                    <a:solidFill>
+                      <a:schemeClr val="tx1"/>
+                    </a:solidFill>
+                    <a:latin typeface="+mn-lt"/>
+                    <a:ea typeface="+mn-ea"/>
+                    <a:cs typeface="+mn-cs"/>
+                  </a:defRPr>
+                </a:lvl5pPr>
+                <a:lvl6pPr marL="2286000" algn="l" defTabSz="457200" rtl="0" eaLnBrk="1" latinLnBrk="0" hangingPunct="1">
+                  <a:defRPr sz="1800" kern="1200">
+                    <a:solidFill>
+                      <a:schemeClr val="tx1"/>
+                    </a:solidFill>
+                    <a:latin typeface="+mn-lt"/>
+                    <a:ea typeface="+mn-ea"/>
+                    <a:cs typeface="+mn-cs"/>
+                  </a:defRPr>
+                </a:lvl6pPr>
+                <a:lvl7pPr marL="2743200" algn="l" defTabSz="457200" rtl="0" eaLnBrk="1" latinLnBrk="0" hangingPunct="1">
+                  <a:defRPr sz="1800" kern="1200">
+                    <a:solidFill>
+                      <a:schemeClr val="tx1"/>
+                    </a:solidFill>
+                    <a:latin typeface="+mn-lt"/>
+                    <a:ea typeface="+mn-ea"/>
+                    <a:cs typeface="+mn-cs"/>
+                  </a:defRPr>
+                </a:lvl7pPr>
+                <a:lvl8pPr marL="3200400" algn="l" defTabSz="457200" rtl="0" eaLnBrk="1" latinLnBrk="0" hangingPunct="1">
+                  <a:defRPr sz="1800" kern="1200">
+                    <a:solidFill>
+                      <a:schemeClr val="tx1"/>
+                    </a:solidFill>
+                    <a:latin typeface="+mn-lt"/>
+                    <a:ea typeface="+mn-ea"/>
+                    <a:cs typeface="+mn-cs"/>
+                  </a:defRPr>
+                </a:lvl8pPr>
+                <a:lvl9pPr marL="3657600" algn="l" defTabSz="457200" rtl="0" eaLnBrk="1" latinLnBrk="0" hangingPunct="1">
+                  <a:defRPr sz="1800" kern="1200">
+                    <a:solidFill>
+                      <a:schemeClr val="tx1"/>
+                    </a:solidFill>
+                    <a:latin typeface="+mn-lt"/>
+                    <a:ea typeface="+mn-ea"/>
+                    <a:cs typeface="+mn-cs"/>
+                  </a:defRPr>
+                </a:lvl9pPr>
+              </a:lstStyle>
+              <a:p>
+                <a:pPr hangingPunct="0">
+                  <a:spcBef>
+                    <a:spcPts val="200"/>
+                  </a:spcBef>
+                  <a:spcAft>
+                    <a:spcPts val="200"/>
+                  </a:spcAft>
+                  <a:tabLst>
+                    <a:tab pos="2808605" algn="ctr"/>
+                    <a:tab pos="5616575" algn="r"/>
+                  </a:tabLst>
+                </a:pPr>
+                <a:r>
+                  <a:rPr lang="ru-RU" sz="1400" dirty="0">
+                    <a:latin typeface="Times New Roman" panose="02020603050405020304" pitchFamily="18" charset="0"/>
+                    <a:ea typeface="Times New Roman" panose="02020603050405020304" pitchFamily="18" charset="0"/>
+                  </a:rPr>
+                  <a:t>	</a:t>
+                </a:r>
+                <a14:m>
+                  <m:oMath xmlns:m="http://schemas.openxmlformats.org/officeDocument/2006/math">
+                    <m:r>
+                      <a:rPr lang="el-GR" i="1">
+                        <a:latin typeface="Cambria Math" panose="02040503050406030204" pitchFamily="18" charset="0"/>
+                        <a:ea typeface="Times New Roman" panose="02020603050405020304" pitchFamily="18" charset="0"/>
+                      </a:rPr>
+                      <m:t>𝜑</m:t>
+                    </m:r>
+                    <m:r>
+                      <a:rPr lang="ru-RU" i="1">
+                        <a:latin typeface="Cambria Math" panose="02040503050406030204" pitchFamily="18" charset="0"/>
+                        <a:ea typeface="Times New Roman" panose="02020603050405020304" pitchFamily="18" charset="0"/>
+                      </a:rPr>
+                      <m:t>=</m:t>
+                    </m:r>
+                    <m:func>
+                      <m:funcPr>
+                        <m:ctrlPr>
+                          <a:rPr lang="en-US" b="0" i="1" smtClean="0">
+                            <a:latin typeface="Cambria Math" panose="02040503050406030204" pitchFamily="18" charset="0"/>
+                            <a:ea typeface="Times New Roman" panose="02020603050405020304" pitchFamily="18" charset="0"/>
+                          </a:rPr>
+                        </m:ctrlPr>
+                      </m:funcPr>
+                      <m:fName>
+                        <m:r>
+                          <m:rPr>
+                            <m:sty m:val="p"/>
+                          </m:rPr>
+                          <a:rPr lang="en-US" b="0" i="0" smtClean="0">
+                            <a:latin typeface="Cambria Math" panose="02040503050406030204" pitchFamily="18" charset="0"/>
+                            <a:ea typeface="Times New Roman" panose="02020603050405020304" pitchFamily="18" charset="0"/>
+                          </a:rPr>
+                          <m:t>arctan</m:t>
+                        </m:r>
+                      </m:fName>
+                      <m:e>
+                        <m:d>
+                          <m:dPr>
+                            <m:ctrlPr>
+                              <a:rPr lang="en-US" i="1">
+                                <a:latin typeface="Cambria Math" panose="02040503050406030204" pitchFamily="18" charset="0"/>
+                                <a:ea typeface="Times New Roman" panose="02020603050405020304" pitchFamily="18" charset="0"/>
+                              </a:rPr>
+                            </m:ctrlPr>
+                          </m:dPr>
+                          <m:e>
+                            <m:f>
+                              <m:fPr>
+                                <m:ctrlPr>
+                                  <a:rPr lang="ru-RU" i="1">
+                                    <a:latin typeface="Cambria Math" panose="02040503050406030204" pitchFamily="18" charset="0"/>
+                                    <a:ea typeface="Times New Roman" panose="02020603050405020304" pitchFamily="18" charset="0"/>
+                                  </a:rPr>
+                                </m:ctrlPr>
+                              </m:fPr>
+                              <m:num>
+                                <m:sSub>
+                                  <m:sSubPr>
+                                    <m:ctrlPr>
+                                      <a:rPr lang="ru-RU" i="1">
+                                        <a:latin typeface="Cambria Math" panose="02040503050406030204" pitchFamily="18" charset="0"/>
+                                        <a:ea typeface="Times New Roman" panose="02020603050405020304" pitchFamily="18" charset="0"/>
+                                      </a:rPr>
+                                    </m:ctrlPr>
+                                  </m:sSubPr>
+                                  <m:e>
+                                    <m:r>
+                                      <a:rPr lang="ru-RU" i="1">
+                                        <a:latin typeface="Cambria Math" panose="02040503050406030204" pitchFamily="18" charset="0"/>
+                                        <a:ea typeface="Times New Roman" panose="02020603050405020304" pitchFamily="18" charset="0"/>
+                                      </a:rPr>
+                                      <m:t>𝑦</m:t>
+                                    </m:r>
+                                  </m:e>
+                                  <m:sub>
+                                    <m:r>
+                                      <a:rPr lang="ru-RU" i="1">
+                                        <a:latin typeface="Cambria Math" panose="02040503050406030204" pitchFamily="18" charset="0"/>
+                                        <a:ea typeface="Times New Roman" panose="02020603050405020304" pitchFamily="18" charset="0"/>
+                                      </a:rPr>
+                                      <m:t>𝑠</m:t>
+                                    </m:r>
+                                  </m:sub>
+                                </m:sSub>
+                                <m:r>
+                                  <a:rPr lang="ru-RU" i="1">
+                                    <a:latin typeface="Cambria Math" panose="02040503050406030204" pitchFamily="18" charset="0"/>
+                                    <a:ea typeface="Times New Roman" panose="02020603050405020304" pitchFamily="18" charset="0"/>
+                                  </a:rPr>
+                                  <m:t>− </m:t>
+                                </m:r>
+                                <m:sSub>
+                                  <m:sSubPr>
+                                    <m:ctrlPr>
+                                      <a:rPr lang="ru-RU" i="1">
+                                        <a:latin typeface="Cambria Math" panose="02040503050406030204" pitchFamily="18" charset="0"/>
+                                        <a:ea typeface="Times New Roman" panose="02020603050405020304" pitchFamily="18" charset="0"/>
+                                      </a:rPr>
+                                    </m:ctrlPr>
+                                  </m:sSubPr>
+                                  <m:e>
+                                    <m:r>
+                                      <a:rPr lang="ru-RU" i="1">
+                                        <a:latin typeface="Cambria Math" panose="02040503050406030204" pitchFamily="18" charset="0"/>
+                                        <a:ea typeface="Times New Roman" panose="02020603050405020304" pitchFamily="18" charset="0"/>
+                                      </a:rPr>
+                                      <m:t>𝑦</m:t>
+                                    </m:r>
+                                  </m:e>
+                                  <m:sub>
+                                    <m:r>
+                                      <a:rPr lang="ru-RU" i="1">
+                                        <a:latin typeface="Cambria Math" panose="02040503050406030204" pitchFamily="18" charset="0"/>
+                                        <a:ea typeface="Times New Roman" panose="02020603050405020304" pitchFamily="18" charset="0"/>
+                                      </a:rPr>
+                                      <m:t>𝑐</m:t>
+                                    </m:r>
+                                  </m:sub>
+                                </m:sSub>
+                              </m:num>
+                              <m:den>
+                                <m:sSub>
+                                  <m:sSubPr>
+                                    <m:ctrlPr>
+                                      <a:rPr lang="ru-RU" i="1">
+                                        <a:latin typeface="Cambria Math" panose="02040503050406030204" pitchFamily="18" charset="0"/>
+                                        <a:ea typeface="Times New Roman" panose="02020603050405020304" pitchFamily="18" charset="0"/>
+                                      </a:rPr>
+                                    </m:ctrlPr>
+                                  </m:sSubPr>
+                                  <m:e>
+                                    <m:r>
+                                      <a:rPr lang="ru-RU" i="1">
+                                        <a:latin typeface="Cambria Math" panose="02040503050406030204" pitchFamily="18" charset="0"/>
+                                        <a:ea typeface="Times New Roman" panose="02020603050405020304" pitchFamily="18" charset="0"/>
+                                      </a:rPr>
+                                      <m:t>𝑥</m:t>
+                                    </m:r>
+                                  </m:e>
+                                  <m:sub>
+                                    <m:r>
+                                      <a:rPr lang="ru-RU" i="1">
+                                        <a:latin typeface="Cambria Math" panose="02040503050406030204" pitchFamily="18" charset="0"/>
+                                        <a:ea typeface="Times New Roman" panose="02020603050405020304" pitchFamily="18" charset="0"/>
+                                      </a:rPr>
+                                      <m:t>𝑠</m:t>
+                                    </m:r>
+                                  </m:sub>
+                                </m:sSub>
+                                <m:r>
+                                  <a:rPr lang="ru-RU" i="1">
+                                    <a:latin typeface="Cambria Math" panose="02040503050406030204" pitchFamily="18" charset="0"/>
+                                    <a:ea typeface="Times New Roman" panose="02020603050405020304" pitchFamily="18" charset="0"/>
+                                  </a:rPr>
+                                  <m:t> −</m:t>
+                                </m:r>
+                                <m:sSub>
+                                  <m:sSubPr>
+                                    <m:ctrlPr>
+                                      <a:rPr lang="ru-RU" i="1">
+                                        <a:latin typeface="Cambria Math" panose="02040503050406030204" pitchFamily="18" charset="0"/>
+                                        <a:ea typeface="Times New Roman" panose="02020603050405020304" pitchFamily="18" charset="0"/>
+                                      </a:rPr>
+                                    </m:ctrlPr>
+                                  </m:sSubPr>
+                                  <m:e>
+                                    <m:r>
+                                      <a:rPr lang="ru-RU" i="1">
+                                        <a:latin typeface="Cambria Math" panose="02040503050406030204" pitchFamily="18" charset="0"/>
+                                        <a:ea typeface="Times New Roman" panose="02020603050405020304" pitchFamily="18" charset="0"/>
+                                      </a:rPr>
+                                      <m:t> </m:t>
+                                    </m:r>
+                                    <m:r>
+                                      <a:rPr lang="ru-RU" i="1">
+                                        <a:latin typeface="Cambria Math" panose="02040503050406030204" pitchFamily="18" charset="0"/>
+                                        <a:ea typeface="Times New Roman" panose="02020603050405020304" pitchFamily="18" charset="0"/>
+                                      </a:rPr>
+                                      <m:t>𝑥</m:t>
+                                    </m:r>
+                                  </m:e>
+                                  <m:sub>
+                                    <m:r>
+                                      <a:rPr lang="ru-RU" i="1">
+                                        <a:latin typeface="Cambria Math" panose="02040503050406030204" pitchFamily="18" charset="0"/>
+                                        <a:ea typeface="Times New Roman" panose="02020603050405020304" pitchFamily="18" charset="0"/>
+                                      </a:rPr>
+                                      <m:t>𝑐</m:t>
+                                    </m:r>
+                                  </m:sub>
+                                </m:sSub>
+                              </m:den>
+                            </m:f>
+                          </m:e>
+                        </m:d>
+                      </m:e>
+                    </m:func>
+                  </m:oMath>
+                </a14:m>
+                <a:br>
+                  <a:rPr lang="ru-RU" sz="1400" dirty="0">
+                    <a:effectLst/>
+                    <a:latin typeface="Times New Roman" panose="02020603050405020304" pitchFamily="18" charset="0"/>
+                    <a:ea typeface="Times New Roman" panose="02020603050405020304" pitchFamily="18" charset="0"/>
+                  </a:rPr>
+                </a:br>
+                <a:r>
+                  <a:rPr lang="ru-RU" sz="1400" dirty="0">
+                    <a:effectLst/>
+                    <a:latin typeface="Times New Roman" panose="02020603050405020304" pitchFamily="18" charset="0"/>
+                    <a:ea typeface="Times New Roman" panose="02020603050405020304" pitchFamily="18" charset="0"/>
+                  </a:rPr>
+                  <a:t>	</a:t>
+                </a:r>
+              </a:p>
+              <a:p>
+                <a:pPr hangingPunct="0">
+                  <a:spcBef>
+                    <a:spcPts val="200"/>
+                  </a:spcBef>
+                  <a:spcAft>
+                    <a:spcPts val="200"/>
+                  </a:spcAft>
+                  <a:tabLst>
+                    <a:tab pos="2808605" algn="ctr"/>
+                    <a:tab pos="5616575" algn="r"/>
+                  </a:tabLst>
+                </a:pPr>
+                <a:r>
+                  <a:rPr lang="ru-RU" sz="1400" dirty="0">
+                    <a:effectLst/>
+                    <a:latin typeface="Times New Roman" panose="02020603050405020304" pitchFamily="18" charset="0"/>
+                    <a:ea typeface="Times New Roman" panose="02020603050405020304" pitchFamily="18" charset="0"/>
+                  </a:rPr>
+                  <a:t>	</a:t>
+                </a:r>
+                <a14:m>
+                  <m:oMath xmlns:m="http://schemas.openxmlformats.org/officeDocument/2006/math">
+                    <m:r>
+                      <m:rPr>
+                        <m:sty m:val="p"/>
+                      </m:rPr>
+                      <a:rPr lang="el-GR" sz="2000" i="1" smtClean="0">
+                        <a:effectLst/>
+                        <a:latin typeface="Cambria Math" panose="02040503050406030204" pitchFamily="18" charset="0"/>
+                        <a:ea typeface="Times New Roman" panose="02020603050405020304" pitchFamily="18" charset="0"/>
+                      </a:rPr>
+                      <m:t>θ</m:t>
+                    </m:r>
+                    <m:r>
+                      <a:rPr lang="ru-RU" sz="2000" b="0" i="1" smtClean="0">
+                        <a:effectLst/>
+                        <a:latin typeface="Cambria Math" panose="02040503050406030204" pitchFamily="18" charset="0"/>
+                        <a:ea typeface="Times New Roman" panose="02020603050405020304" pitchFamily="18" charset="0"/>
+                      </a:rPr>
+                      <m:t>=</m:t>
+                    </m:r>
+                    <m:func>
+                      <m:funcPr>
+                        <m:ctrlPr>
+                          <a:rPr lang="en-US" sz="2000" b="0" i="1" smtClean="0">
+                            <a:effectLst/>
+                            <a:latin typeface="Cambria Math" panose="02040503050406030204" pitchFamily="18" charset="0"/>
+                            <a:ea typeface="Times New Roman" panose="02020603050405020304" pitchFamily="18" charset="0"/>
+                          </a:rPr>
+                        </m:ctrlPr>
+                      </m:funcPr>
+                      <m:fName>
+                        <m:r>
+                          <m:rPr>
+                            <m:sty m:val="p"/>
+                          </m:rPr>
+                          <a:rPr lang="en-US" sz="2000" b="0" i="0" smtClean="0">
+                            <a:effectLst/>
+                            <a:latin typeface="Cambria Math" panose="02040503050406030204" pitchFamily="18" charset="0"/>
+                            <a:ea typeface="Times New Roman" panose="02020603050405020304" pitchFamily="18" charset="0"/>
+                          </a:rPr>
+                          <m:t>arctan</m:t>
+                        </m:r>
+                      </m:fName>
+                      <m:e>
+                        <m:d>
+                          <m:dPr>
+                            <m:ctrlPr>
+                              <a:rPr lang="en-US" sz="2000" b="0" i="1" smtClean="0">
+                                <a:effectLst/>
+                                <a:latin typeface="Cambria Math" panose="02040503050406030204" pitchFamily="18" charset="0"/>
+                              </a:rPr>
+                            </m:ctrlPr>
+                          </m:dPr>
+                          <m:e>
+                            <m:f>
+                              <m:fPr>
+                                <m:ctrlPr>
+                                  <a:rPr lang="ru-RU" sz="2000" i="1">
+                                    <a:latin typeface="Cambria Math" panose="02040503050406030204" pitchFamily="18" charset="0"/>
+                                    <a:ea typeface="Times New Roman" panose="02020603050405020304" pitchFamily="18" charset="0"/>
+                                  </a:rPr>
+                                </m:ctrlPr>
+                              </m:fPr>
+                              <m:num>
+                                <m:rad>
+                                  <m:radPr>
+                                    <m:degHide m:val="on"/>
+                                    <m:ctrlPr>
+                                      <a:rPr lang="ru-RU" sz="2000" i="1">
+                                        <a:latin typeface="Cambria Math" panose="02040503050406030204" pitchFamily="18" charset="0"/>
+                                        <a:ea typeface="Calibri" panose="020F0502020204030204" pitchFamily="34" charset="0"/>
+                                        <a:cs typeface="Times New Roman" panose="02020603050405020304" pitchFamily="18" charset="0"/>
+                                      </a:rPr>
+                                    </m:ctrlPr>
+                                  </m:radPr>
+                                  <m:deg/>
+                                  <m:e>
+                                    <m:sSup>
+                                      <m:sSupPr>
+                                        <m:ctrlPr>
+                                          <a:rPr lang="ru-RU" sz="2000" i="1">
+                                            <a:latin typeface="Cambria Math" panose="02040503050406030204" pitchFamily="18" charset="0"/>
+                                            <a:ea typeface="Calibri" panose="020F0502020204030204" pitchFamily="34" charset="0"/>
+                                            <a:cs typeface="Times New Roman" panose="02020603050405020304" pitchFamily="18" charset="0"/>
+                                          </a:rPr>
+                                        </m:ctrlPr>
+                                      </m:sSupPr>
+                                      <m:e>
+                                        <m:r>
+                                          <a:rPr lang="ru-RU" sz="2000" i="1">
+                                            <a:latin typeface="Cambria Math" panose="02040503050406030204" pitchFamily="18" charset="0"/>
+                                            <a:ea typeface="Calibri" panose="020F0502020204030204" pitchFamily="34" charset="0"/>
+                                          </a:rPr>
+                                          <m:t>(</m:t>
+                                        </m:r>
+                                        <m:sSub>
+                                          <m:sSubPr>
+                                            <m:ctrlPr>
+                                              <a:rPr lang="ru-RU" sz="2000" i="1">
+                                                <a:latin typeface="Cambria Math" panose="02040503050406030204" pitchFamily="18" charset="0"/>
+                                                <a:ea typeface="Times New Roman" panose="02020603050405020304" pitchFamily="18" charset="0"/>
+                                              </a:rPr>
+                                            </m:ctrlPr>
+                                          </m:sSubPr>
+                                          <m:e>
+                                            <m:r>
+                                              <a:rPr lang="ru-RU" sz="2000" i="1">
+                                                <a:latin typeface="Cambria Math" panose="02040503050406030204" pitchFamily="18" charset="0"/>
+                                                <a:ea typeface="Times New Roman" panose="02020603050405020304" pitchFamily="18" charset="0"/>
+                                              </a:rPr>
+                                              <m:t>𝑥</m:t>
+                                            </m:r>
+                                          </m:e>
+                                          <m:sub>
+                                            <m:r>
+                                              <a:rPr lang="ru-RU" sz="2000" i="1">
+                                                <a:latin typeface="Cambria Math" panose="02040503050406030204" pitchFamily="18" charset="0"/>
+                                                <a:ea typeface="Times New Roman" panose="02020603050405020304" pitchFamily="18" charset="0"/>
+                                              </a:rPr>
+                                              <m:t>𝑠</m:t>
+                                            </m:r>
+                                          </m:sub>
+                                        </m:sSub>
+                                        <m:r>
+                                          <a:rPr lang="ru-RU" sz="2000" i="1">
+                                            <a:latin typeface="Cambria Math" panose="02040503050406030204" pitchFamily="18" charset="0"/>
+                                            <a:ea typeface="Times New Roman" panose="02020603050405020304" pitchFamily="18" charset="0"/>
+                                          </a:rPr>
+                                          <m:t> −</m:t>
+                                        </m:r>
+                                        <m:sSub>
+                                          <m:sSubPr>
+                                            <m:ctrlPr>
+                                              <a:rPr lang="ru-RU" sz="2000" i="1">
+                                                <a:latin typeface="Cambria Math" panose="02040503050406030204" pitchFamily="18" charset="0"/>
+                                                <a:ea typeface="Times New Roman" panose="02020603050405020304" pitchFamily="18" charset="0"/>
+                                              </a:rPr>
+                                            </m:ctrlPr>
+                                          </m:sSubPr>
+                                          <m:e>
+                                            <m:r>
+                                              <a:rPr lang="ru-RU" sz="2000" i="1">
+                                                <a:latin typeface="Cambria Math" panose="02040503050406030204" pitchFamily="18" charset="0"/>
+                                                <a:ea typeface="Times New Roman" panose="02020603050405020304" pitchFamily="18" charset="0"/>
+                                              </a:rPr>
+                                              <m:t> </m:t>
+                                            </m:r>
+                                            <m:r>
+                                              <a:rPr lang="ru-RU" sz="2000" i="1">
+                                                <a:latin typeface="Cambria Math" panose="02040503050406030204" pitchFamily="18" charset="0"/>
+                                                <a:ea typeface="Times New Roman" panose="02020603050405020304" pitchFamily="18" charset="0"/>
+                                              </a:rPr>
+                                              <m:t>𝑥</m:t>
+                                            </m:r>
+                                          </m:e>
+                                          <m:sub>
+                                            <m:r>
+                                              <a:rPr lang="ru-RU" sz="2000" i="1">
+                                                <a:latin typeface="Cambria Math" panose="02040503050406030204" pitchFamily="18" charset="0"/>
+                                                <a:ea typeface="Times New Roman" panose="02020603050405020304" pitchFamily="18" charset="0"/>
+                                              </a:rPr>
+                                              <m:t>𝑐</m:t>
+                                            </m:r>
+                                          </m:sub>
+                                        </m:sSub>
+                                        <m:r>
+                                          <a:rPr lang="ru-RU" sz="2000" i="1">
+                                            <a:latin typeface="Cambria Math" panose="02040503050406030204" pitchFamily="18" charset="0"/>
+                                            <a:ea typeface="Calibri" panose="020F0502020204030204" pitchFamily="34" charset="0"/>
+                                          </a:rPr>
+                                          <m:t>)</m:t>
+                                        </m:r>
+                                      </m:e>
+                                      <m:sup>
+                                        <m:r>
+                                          <a:rPr lang="ru-RU" sz="2000" i="1">
+                                            <a:latin typeface="Cambria Math" panose="02040503050406030204" pitchFamily="18" charset="0"/>
+                                            <a:ea typeface="Calibri" panose="020F0502020204030204" pitchFamily="34" charset="0"/>
+                                          </a:rPr>
+                                          <m:t>2</m:t>
+                                        </m:r>
+                                      </m:sup>
+                                    </m:sSup>
+                                    <m:r>
+                                      <a:rPr lang="ru-RU" sz="2000" i="1">
+                                        <a:latin typeface="Cambria Math" panose="02040503050406030204" pitchFamily="18" charset="0"/>
+                                        <a:ea typeface="Calibri" panose="020F0502020204030204" pitchFamily="34" charset="0"/>
+                                      </a:rPr>
+                                      <m:t>+</m:t>
+                                    </m:r>
+                                    <m:sSup>
+                                      <m:sSupPr>
+                                        <m:ctrlPr>
+                                          <a:rPr lang="ru-RU" sz="2000" i="1">
+                                            <a:latin typeface="Cambria Math" panose="02040503050406030204" pitchFamily="18" charset="0"/>
+                                            <a:ea typeface="Calibri" panose="020F0502020204030204" pitchFamily="34" charset="0"/>
+                                            <a:cs typeface="Times New Roman" panose="02020603050405020304" pitchFamily="18" charset="0"/>
+                                          </a:rPr>
+                                        </m:ctrlPr>
+                                      </m:sSupPr>
+                                      <m:e>
+                                        <m:r>
+                                          <a:rPr lang="ru-RU" sz="2000" i="1">
+                                            <a:latin typeface="Cambria Math" panose="02040503050406030204" pitchFamily="18" charset="0"/>
+                                            <a:ea typeface="Calibri" panose="020F0502020204030204" pitchFamily="34" charset="0"/>
+                                          </a:rPr>
+                                          <m:t>(</m:t>
+                                        </m:r>
+                                        <m:sSub>
+                                          <m:sSubPr>
+                                            <m:ctrlPr>
+                                              <a:rPr lang="ru-RU" sz="2000" i="1">
+                                                <a:latin typeface="Cambria Math" panose="02040503050406030204" pitchFamily="18" charset="0"/>
+                                                <a:ea typeface="Times New Roman" panose="02020603050405020304" pitchFamily="18" charset="0"/>
+                                              </a:rPr>
+                                            </m:ctrlPr>
+                                          </m:sSubPr>
+                                          <m:e>
+                                            <m:r>
+                                              <a:rPr lang="ru-RU" sz="2000" i="1">
+                                                <a:latin typeface="Cambria Math" panose="02040503050406030204" pitchFamily="18" charset="0"/>
+                                                <a:ea typeface="Times New Roman" panose="02020603050405020304" pitchFamily="18" charset="0"/>
+                                              </a:rPr>
+                                              <m:t>𝑦</m:t>
+                                            </m:r>
+                                          </m:e>
+                                          <m:sub>
+                                            <m:r>
+                                              <a:rPr lang="ru-RU" sz="2000" i="1">
+                                                <a:latin typeface="Cambria Math" panose="02040503050406030204" pitchFamily="18" charset="0"/>
+                                                <a:ea typeface="Times New Roman" panose="02020603050405020304" pitchFamily="18" charset="0"/>
+                                              </a:rPr>
+                                              <m:t>𝑠</m:t>
+                                            </m:r>
+                                          </m:sub>
+                                        </m:sSub>
+                                        <m:r>
+                                          <a:rPr lang="ru-RU" sz="2000" i="1">
+                                            <a:latin typeface="Cambria Math" panose="02040503050406030204" pitchFamily="18" charset="0"/>
+                                            <a:ea typeface="Times New Roman" panose="02020603050405020304" pitchFamily="18" charset="0"/>
+                                          </a:rPr>
+                                          <m:t>− </m:t>
+                                        </m:r>
+                                        <m:sSub>
+                                          <m:sSubPr>
+                                            <m:ctrlPr>
+                                              <a:rPr lang="ru-RU" sz="2000" i="1">
+                                                <a:latin typeface="Cambria Math" panose="02040503050406030204" pitchFamily="18" charset="0"/>
+                                                <a:ea typeface="Times New Roman" panose="02020603050405020304" pitchFamily="18" charset="0"/>
+                                              </a:rPr>
+                                            </m:ctrlPr>
+                                          </m:sSubPr>
+                                          <m:e>
+                                            <m:r>
+                                              <a:rPr lang="ru-RU" sz="2000" i="1">
+                                                <a:latin typeface="Cambria Math" panose="02040503050406030204" pitchFamily="18" charset="0"/>
+                                                <a:ea typeface="Times New Roman" panose="02020603050405020304" pitchFamily="18" charset="0"/>
+                                              </a:rPr>
+                                              <m:t>𝑦</m:t>
+                                            </m:r>
+                                          </m:e>
+                                          <m:sub>
+                                            <m:r>
+                                              <a:rPr lang="ru-RU" sz="2000" i="1">
+                                                <a:latin typeface="Cambria Math" panose="02040503050406030204" pitchFamily="18" charset="0"/>
+                                                <a:ea typeface="Times New Roman" panose="02020603050405020304" pitchFamily="18" charset="0"/>
+                                              </a:rPr>
+                                              <m:t>𝑐</m:t>
+                                            </m:r>
+                                          </m:sub>
+                                        </m:sSub>
+                                        <m:r>
+                                          <a:rPr lang="ru-RU" sz="2000" i="1">
+                                            <a:latin typeface="Cambria Math" panose="02040503050406030204" pitchFamily="18" charset="0"/>
+                                            <a:ea typeface="Calibri" panose="020F0502020204030204" pitchFamily="34" charset="0"/>
+                                          </a:rPr>
+                                          <m:t>)</m:t>
+                                        </m:r>
+                                      </m:e>
+                                      <m:sup>
+                                        <m:r>
+                                          <a:rPr lang="ru-RU" sz="2000" i="1">
+                                            <a:latin typeface="Cambria Math" panose="02040503050406030204" pitchFamily="18" charset="0"/>
+                                            <a:ea typeface="Calibri" panose="020F0502020204030204" pitchFamily="34" charset="0"/>
+                                          </a:rPr>
+                                          <m:t>2</m:t>
+                                        </m:r>
+                                      </m:sup>
+                                    </m:sSup>
+                                  </m:e>
+                                </m:rad>
+                                <m:r>
+                                  <a:rPr lang="ru-RU" sz="2000" i="1">
+                                    <a:latin typeface="Cambria Math" panose="02040503050406030204" pitchFamily="18" charset="0"/>
+                                    <a:ea typeface="Calibri" panose="020F0502020204030204" pitchFamily="34" charset="0"/>
+                                    <a:cs typeface="Times New Roman" panose="02020603050405020304" pitchFamily="18" charset="0"/>
+                                  </a:rPr>
+                                  <m:t> ∗ </m:t>
+                                </m:r>
+                                <m:r>
+                                  <a:rPr lang="ru-RU" sz="2000" i="1">
+                                    <a:latin typeface="Cambria Math" panose="02040503050406030204" pitchFamily="18" charset="0"/>
+                                    <a:ea typeface="Calibri" panose="020F0502020204030204" pitchFamily="34" charset="0"/>
+                                    <a:cs typeface="Times New Roman" panose="02020603050405020304" pitchFamily="18" charset="0"/>
+                                  </a:rPr>
+                                  <m:t>𝑝𝑖𝑥𝑒𝑙𝑆𝑖𝑧𝑒</m:t>
+                                </m:r>
+                              </m:num>
+                              <m:den>
+                                <m:r>
+                                  <a:rPr lang="ru-RU" sz="2000" i="1">
+                                    <a:latin typeface="Cambria Math" panose="02040503050406030204" pitchFamily="18" charset="0"/>
+                                    <a:ea typeface="Times New Roman" panose="02020603050405020304" pitchFamily="18" charset="0"/>
+                                  </a:rPr>
+                                  <m:t>h</m:t>
+                                </m:r>
+                                <m:r>
+                                  <a:rPr lang="ru-RU" sz="2000" i="1">
+                                    <a:latin typeface="Cambria Math" panose="02040503050406030204" pitchFamily="18" charset="0"/>
+                                    <a:ea typeface="Times New Roman" panose="02020603050405020304" pitchFamily="18" charset="0"/>
+                                    <a:cs typeface="Cambria Math" panose="02040503050406030204" pitchFamily="18" charset="0"/>
+                                  </a:rPr>
+                                  <m:t> </m:t>
+                                </m:r>
+                              </m:den>
+                            </m:f>
+                          </m:e>
+                        </m:d>
+                      </m:e>
+                    </m:func>
+                  </m:oMath>
+                </a14:m>
+                <a:r>
+                  <a:rPr lang="ru-RU" sz="1400" dirty="0">
+                    <a:effectLst/>
+                    <a:latin typeface="Times New Roman" panose="02020603050405020304" pitchFamily="18" charset="0"/>
+                    <a:ea typeface="Times New Roman" panose="02020603050405020304" pitchFamily="18" charset="0"/>
+                  </a:rPr>
+                  <a:t>	</a:t>
+                </a:r>
+              </a:p>
+            </p:txBody>
+          </p:sp>
+        </mc:Choice>
+        <mc:Fallback>
+          <p:sp>
+            <p:nvSpPr>
+              <p:cNvPr id="9" name="Прямоугольник 8">
+                <a:extLst>
+                  <a:ext uri="{FF2B5EF4-FFF2-40B4-BE49-F238E27FC236}">
+                    <a16:creationId xmlns:a16="http://schemas.microsoft.com/office/drawing/2014/main" id="{4255501A-441B-45F8-AAEB-4DEEA9180414}"/>
+                  </a:ext>
+                </a:extLst>
+              </p:cNvPr>
+              <p:cNvSpPr>
+                <a:spLocks noRot="1" noChangeAspect="1" noMove="1" noResize="1" noEditPoints="1" noAdjustHandles="1" noChangeArrowheads="1" noChangeShapeType="1" noTextEdit="1"/>
+              </p:cNvSpPr>
+              <p:nvPr/>
+            </p:nvSpPr>
+            <p:spPr>
+              <a:xfrm>
+                <a:off x="1371600" y="1050867"/>
+                <a:ext cx="5434148" cy="1363450"/>
+              </a:xfrm>
+              <a:prstGeom prst="rect">
+                <a:avLst/>
+              </a:prstGeom>
+              <a:blipFill>
+                <a:blip r:embed="rId5"/>
+                <a:stretch>
+                  <a:fillRect/>
+                </a:stretch>
+              </a:blipFill>
+            </p:spPr>
+            <p:txBody>
+              <a:bodyPr/>
+              <a:lstStyle/>
+              <a:p>
+                <a:r>
+                  <a:rPr lang="ru-RU">
+                    <a:noFill/>
+                  </a:rPr>
+                  <a:t> </a:t>
+                </a:r>
+              </a:p>
+            </p:txBody>
+          </p:sp>
+        </mc:Fallback>
+      </mc:AlternateContent>
     </p:spTree>
     <p:extLst>
       <p:ext uri="{BB962C8B-B14F-4D97-AF65-F5344CB8AC3E}">
@@ -11739,21 +11924,21 @@
                 <a:latin typeface="Times New Roman" panose="02020603050405020304" pitchFamily="18" charset="0"/>
                 <a:cs typeface="Times New Roman" panose="02020603050405020304" pitchFamily="18" charset="0"/>
               </a:rPr>
-              <a:t>при наличии в языке структур данных</a:t>
+              <a:t>при наличии в языке ссылок</a:t>
             </a:r>
             <a:r>
               <a:rPr lang="en-US" sz="1800" dirty="0">
                 <a:latin typeface="Times New Roman" panose="02020603050405020304" pitchFamily="18" charset="0"/>
                 <a:cs typeface="Times New Roman" panose="02020603050405020304" pitchFamily="18" charset="0"/>
               </a:rPr>
-              <a:t>: </a:t>
+              <a:t>/</a:t>
             </a:r>
             <a:r>
               <a:rPr lang="ru-RU" sz="1800" dirty="0">
                 <a:latin typeface="Times New Roman" panose="02020603050405020304" pitchFamily="18" charset="0"/>
                 <a:cs typeface="Times New Roman" panose="02020603050405020304" pitchFamily="18" charset="0"/>
               </a:rPr>
-              <a:t>связные списки или очередь.</a:t>
+              <a:t>указателей для реализации структуры данных очередь или связный список.</a:t>
             </a:r>
             <a:r>
               <a:rPr lang="en-US" sz="1800" b="1" dirty="0">
@@ -11774,7 +11959,7 @@
                 <a:latin typeface="Times New Roman" panose="02020603050405020304" pitchFamily="18" charset="0"/>
                 <a:cs typeface="Times New Roman" panose="02020603050405020304" pitchFamily="18" charset="0"/>
               </a:rPr>
-              <a:t>для языков, где отсутствую указанные структуры данных</a:t>
+              <a:t>для языков, где отсутствуют указанные типы переменных</a:t>
             </a:r>
             <a:r>
               <a:rPr lang="en-US" sz="1800" dirty="0">
@@ -11820,21 +12005,6 @@
               <a:rPr lang="ru-RU" dirty="0"/>
               <a:t>).</a:t>
             </a:r>
-          </a:p>
-          <a:p>
-            <a:r>
-              <a:rPr lang="ru-RU" dirty="0"/>
-              <a:t>Оптимальный язык программирования – </a:t>
-            </a:r>
-            <a:r>
-              <a:rPr lang="en-US" dirty="0"/>
-              <a:t>C</a:t>
-            </a:r>
-            <a:r>
-              <a:rPr lang="ru-RU" dirty="0"/>
-              <a:t>.</a:t>
-            </a:r>
-            <a:endParaRPr lang="en-US" dirty="0"/>
           </a:p>
           <a:p>
             <a:endParaRPr lang="ru-RU" dirty="0"/>
@@ -12133,8 +12303,8 @@
         </p:blipFill>
         <p:spPr>
           <a:xfrm>
-            <a:off x="1371600" y="1463040"/>
-            <a:ext cx="4227576" cy="4868118"/>
+            <a:off x="1371599" y="1463040"/>
+            <a:ext cx="4349931" cy="4868118"/>
           </a:xfrm>
           <a:prstGeom prst="rect">
             <a:avLst/>
@@ -12297,8 +12467,42 @@
         </p:blipFill>
         <p:spPr>
           <a:xfrm>
-            <a:off x="1938789" y="2145823"/>
-            <a:ext cx="8466821" cy="4307563"/>
+            <a:off x="1371600" y="2032456"/>
+            <a:ext cx="5490013" cy="2793088"/>
+          </a:xfrm>
+          <a:prstGeom prst="rect">
+            <a:avLst/>
+          </a:prstGeom>
+        </p:spPr>
+      </p:pic>
+      <p:pic>
+        <p:nvPicPr>
+          <p:cNvPr id="6" name="Рисунок 5">
+            <a:extLst>
+              <a:ext uri="{FF2B5EF4-FFF2-40B4-BE49-F238E27FC236}">
+                <a16:creationId xmlns:a16="http://schemas.microsoft.com/office/drawing/2014/main" id="{C068EF78-8E66-4D7B-896C-3BB9D8D893FA}"/>
+              </a:ext>
+            </a:extLst>
+          </p:cNvPr>
+          <p:cNvPicPr/>
+          <p:nvPr/>
+        </p:nvPicPr>
+        <p:blipFill>
+          <a:blip r:embed="rId3" cstate="print">
+            <a:extLst>
+              <a:ext uri="{28A0092B-C50C-407E-A947-70E740481C1C}">
+                <a14:useLocalDpi xmlns:a14="http://schemas.microsoft.com/office/drawing/2010/main" val="0"/>
+              </a:ext>
+            </a:extLst>
+          </a:blip>
+          <a:stretch>
+            <a:fillRect/>
+          </a:stretch>
+        </p:blipFill>
+        <p:spPr>
+          <a:xfrm>
+            <a:off x="7138412" y="2032456"/>
+            <a:ext cx="4668647" cy="3940087"/>
           </a:xfrm>
           <a:prstGeom prst="rect">
             <a:avLst/>
@@ -12425,7 +12629,7 @@
         </p:blipFill>
         <p:spPr>
           <a:xfrm>
-            <a:off x="1371600" y="1600041"/>
+            <a:off x="1371600" y="2294985"/>
             <a:ext cx="4877223" cy="3657917"/>
           </a:xfrm>
           <a:prstGeom prst="rect">
@@ -12455,7 +12659,7 @@
         </p:blipFill>
         <p:spPr>
           <a:xfrm>
-            <a:off x="7034124" y="1609185"/>
+            <a:off x="7034124" y="2304129"/>
             <a:ext cx="4877223" cy="3657917"/>
           </a:xfrm>
           <a:prstGeom prst="rect">
@@ -12463,6 +12667,120 @@
           </a:prstGeom>
         </p:spPr>
       </p:pic>
+      <p:sp>
+        <p:nvSpPr>
+          <p:cNvPr id="7" name="Заголовок 1">
+            <a:extLst>
+              <a:ext uri="{FF2B5EF4-FFF2-40B4-BE49-F238E27FC236}">
+                <a16:creationId xmlns:a16="http://schemas.microsoft.com/office/drawing/2014/main" id="{FD310824-D45D-4F0F-97DA-BFA4038A207A}"/>
+              </a:ext>
+            </a:extLst>
+          </p:cNvPr>
+          <p:cNvSpPr txBox="1">
+            <a:spLocks/>
+          </p:cNvSpPr>
+          <p:nvPr/>
+        </p:nvSpPr>
+        <p:spPr>
+          <a:xfrm>
+            <a:off x="1371600" y="1435608"/>
+            <a:ext cx="4645152" cy="622851"/>
+          </a:xfrm>
+          <a:prstGeom prst="rect">
+            <a:avLst/>
+          </a:prstGeom>
+        </p:spPr>
+        <p:txBody>
+          <a:bodyPr vert="horz" lIns="91440" tIns="45720" rIns="91440" bIns="45720" rtlCol="0" anchor="t">
+            <a:normAutofit/>
+          </a:bodyPr>
+          <a:lstStyle>
+            <a:lvl1pPr algn="l" defTabSz="914400" rtl="0" eaLnBrk="1" latinLnBrk="0" hangingPunct="1">
+              <a:lnSpc>
+                <a:spcPct val="89000"/>
+              </a:lnSpc>
+              <a:spcBef>
+                <a:spcPct val="0"/>
+              </a:spcBef>
+              <a:buNone/>
+              <a:defRPr sz="4400" kern="1200" baseline="0">
+                <a:solidFill>
+                  <a:schemeClr val="tx2"/>
+                </a:solidFill>
+                <a:latin typeface="+mj-lt"/>
+                <a:ea typeface="+mj-ea"/>
+                <a:cs typeface="+mj-cs"/>
+              </a:defRPr>
+            </a:lvl1pPr>
+          </a:lstStyle>
+          <a:p>
+            <a:r>
+              <a:rPr lang="ru-RU" sz="3600" dirty="0"/>
+              <a:t>Изображение пятна</a:t>
+            </a:r>
+            <a:endParaRPr lang="ru-RU" dirty="0"/>
+          </a:p>
+        </p:txBody>
+      </p:sp>
+      <p:sp>
+        <p:nvSpPr>
+          <p:cNvPr id="8" name="Заголовок 1">
+            <a:extLst>
+              <a:ext uri="{FF2B5EF4-FFF2-40B4-BE49-F238E27FC236}">
+                <a16:creationId xmlns:a16="http://schemas.microsoft.com/office/drawing/2014/main" id="{6C1CABFF-6ACA-499A-9CD4-6FA448890F06}"/>
+              </a:ext>
+            </a:extLst>
+          </p:cNvPr>
+          <p:cNvSpPr txBox="1">
+            <a:spLocks/>
+          </p:cNvSpPr>
+          <p:nvPr/>
+        </p:nvSpPr>
+        <p:spPr>
+          <a:xfrm>
+            <a:off x="7034124" y="1452149"/>
+            <a:ext cx="4645152" cy="622851"/>
+          </a:xfrm>
+          <a:prstGeom prst="rect">
+            <a:avLst/>
+          </a:prstGeom>
+        </p:spPr>
+        <p:txBody>
+          <a:bodyPr vert="horz" lIns="91440" tIns="45720" rIns="91440" bIns="45720" rtlCol="0" anchor="t">
+            <a:normAutofit fontScale="62500" lnSpcReduction="20000"/>
+          </a:bodyPr>
+          <a:lstStyle>
+            <a:lvl1pPr algn="l" defTabSz="914400" rtl="0" eaLnBrk="1" latinLnBrk="0" hangingPunct="1">
+              <a:lnSpc>
+                <a:spcPct val="89000"/>
+              </a:lnSpc>
+              <a:spcBef>
+                <a:spcPct val="0"/>
+              </a:spcBef>
+              <a:buNone/>
+              <a:defRPr sz="4400" kern="1200" baseline="0">
+                <a:solidFill>
+                  <a:schemeClr val="tx2"/>
+                </a:solidFill>
+                <a:latin typeface="+mj-lt"/>
+                <a:ea typeface="+mj-ea"/>
+                <a:cs typeface="+mj-cs"/>
+              </a:defRPr>
+            </a:lvl1pPr>
+          </a:lstStyle>
+          <a:p>
+            <a:r>
+              <a:rPr lang="ru-RU" sz="3600" dirty="0" err="1"/>
+              <a:t>Бинаризованное</a:t>
+            </a:r>
+            <a:r>
+              <a:rPr lang="ru-RU" sz="3600" dirty="0"/>
+              <a:t> изображение пятна</a:t>
+            </a:r>
+            <a:endParaRPr lang="ru-RU" dirty="0"/>
+          </a:p>
+        </p:txBody>
+      </p:sp>
     </p:spTree>
     <p:extLst>
       <p:ext uri="{BB962C8B-B14F-4D97-AF65-F5344CB8AC3E}">
@@ -12521,7 +12839,7 @@
           <a:p>
             <a:r>
               <a:rPr lang="ru-RU" sz="3600" dirty="0"/>
-              <a:t>Моделирование светового пятна</a:t>
+              <a:t>Моделирование изображения светового пятна</a:t>
             </a:r>
             <a:endParaRPr lang="ru-RU" dirty="0"/>
           </a:p>
@@ -12577,8 +12895,8 @@
         </p:blipFill>
         <p:spPr>
           <a:xfrm>
-            <a:off x="1219199" y="3211151"/>
-            <a:ext cx="3478603" cy="3365662"/>
+            <a:off x="1371599" y="3503343"/>
+            <a:ext cx="3049035" cy="2950041"/>
           </a:xfrm>
           <a:prstGeom prst="rect">
             <a:avLst/>
@@ -12606,8 +12924,8 @@
         </p:blipFill>
         <p:spPr>
           <a:xfrm>
-            <a:off x="8417539" y="3211151"/>
-            <a:ext cx="3478605" cy="3365663"/>
+            <a:off x="8569939" y="3503344"/>
+            <a:ext cx="3049037" cy="2950042"/>
           </a:xfrm>
           <a:prstGeom prst="rect">
             <a:avLst/>
@@ -12635,16 +12953,16 @@
         </p:blipFill>
         <p:spPr>
           <a:xfrm>
-            <a:off x="4818369" y="3211151"/>
-            <a:ext cx="3478603" cy="3365662"/>
+            <a:off x="4970769" y="3503343"/>
+            <a:ext cx="3049035" cy="2950041"/>
           </a:xfrm>
           <a:prstGeom prst="rect">
             <a:avLst/>
           </a:prstGeom>
         </p:spPr>
       </p:pic>
-      <mc:AlternateContent xmlns:mc="http://schemas.openxmlformats.org/markup-compatibility/2006" xmlns:a14="http://schemas.microsoft.com/office/drawing/2010/main">
-        <mc:Choice Requires="a14">
+      <mc:AlternateContent xmlns:mc="http://schemas.openxmlformats.org/markup-compatibility/2006">
+        <mc:Choice xmlns:a14="http://schemas.microsoft.com/office/drawing/2010/main" Requires="a14">
           <p:sp>
             <p:nvSpPr>
               <p:cNvPr id="12" name="Объект 2">
@@ -12661,8 +12979,8 @@
             </p:nvSpPr>
             <p:spPr>
               <a:xfrm>
-                <a:off x="1371599" y="804672"/>
-                <a:ext cx="10524545" cy="2313432"/>
+                <a:off x="1371599" y="886304"/>
+                <a:ext cx="10524545" cy="2549984"/>
               </a:xfrm>
               <a:prstGeom prst="rect">
                 <a:avLst/>
@@ -12885,6 +13203,10 @@
                   <a:rPr lang="ru-RU" sz="1800" dirty="0"/>
                   <a:t> изображений пятна со случайными азимутальным и зенитным углами.</a:t>
                 </a:r>
+                <a:br>
+                  <a:rPr lang="ru-RU" sz="1800" dirty="0"/>
+                </a:br>
+                <a:endParaRPr lang="ru-RU" sz="1800" dirty="0"/>
               </a:p>
               <a:p>
                 <a:pPr marL="0" indent="0">
@@ -13264,7 +13586,7 @@
             </p:txBody>
           </p:sp>
         </mc:Choice>
-        <mc:Fallback xmlns="">
+        <mc:Fallback>
           <p:sp>
             <p:nvSpPr>
               <p:cNvPr id="12" name="Объект 2">
@@ -13281,8 +13603,8 @@
             </p:nvSpPr>
             <p:spPr>
               <a:xfrm>
-                <a:off x="1371599" y="804672"/>
-                <a:ext cx="10524545" cy="2313432"/>
+                <a:off x="1371599" y="886304"/>
+                <a:ext cx="10524545" cy="2549984"/>
               </a:xfrm>
               <a:prstGeom prst="rect">
                 <a:avLst/>
@@ -13290,7 +13612,7 @@
               <a:blipFill>
                 <a:blip r:embed="rId5"/>
                 <a:stretch>
-                  <a:fillRect l="-463" t="-1842" b="-2368"/>
+                  <a:fillRect l="-463" t="-1671" b="-2864"/>
                 </a:stretch>
               </a:blipFill>
             </p:spPr>
@@ -14927,6 +15249,10 @@
           </a:bodyPr>
           <a:lstStyle/>
           <a:p>
+            <a:r>
+              <a:rPr lang="ru-RU" dirty="0"/>
+              <a:t>Алгоритм полного перебора — </a:t>
+            </a:r>
             <a:r>
               <a:rPr lang="en-US" dirty="0"/>
               <a:t>Brute force</a:t>

--- a/Pres/Диплом преза.pptx
+++ b/Pres/Диплом преза.pptx
@@ -5,7 +5,7 @@
     <p:sldMasterId id="2147483648" r:id="rId1"/>
   </p:sldMasterIdLst>
   <p:notesMasterIdLst>
-    <p:notesMasterId r:id="rId24"/>
+    <p:notesMasterId r:id="rId25"/>
   </p:notesMasterIdLst>
   <p:sldIdLst>
     <p:sldId id="256" r:id="rId2"/>
@@ -30,6 +30,7 @@
     <p:sldId id="270" r:id="rId21"/>
     <p:sldId id="272" r:id="rId22"/>
     <p:sldId id="271" r:id="rId23"/>
+    <p:sldId id="283" r:id="rId24"/>
   </p:sldIdLst>
   <p:sldSz cx="12192000" cy="6858000"/>
   <p:notesSz cx="6858000" cy="9144000"/>
@@ -4323,13 +4324,6 @@
               </a:rPr>
               <a:t> </a:t>
             </a:r>
-            <a:r>
-              <a:rPr lang="ru-RU" dirty="0">
-                <a:ea typeface="+mn-lt"/>
-                <a:cs typeface="+mn-lt"/>
-              </a:rPr>
-              <a:t/>
-            </a:r>
             <a:br>
               <a:rPr lang="ru-RU" dirty="0">
                 <a:ea typeface="+mn-lt"/>
@@ -4384,13 +4378,6 @@
                 <a:cs typeface="+mn-lt"/>
               </a:rPr>
               <a:t> </a:t>
-            </a:r>
-            <a:r>
-              <a:rPr lang="ru-RU" dirty="0">
-                <a:ea typeface="+mn-lt"/>
-                <a:cs typeface="+mn-lt"/>
-              </a:rPr>
-              <a:t/>
             </a:r>
             <a:br>
               <a:rPr lang="ru-RU" dirty="0">
@@ -4655,13 +4642,6 @@
   <p:clrMapOvr>
     <a:masterClrMapping/>
   </p:clrMapOvr>
-  <p:timing>
-    <p:tnLst>
-      <p:par>
-        <p:cTn id="1" dur="indefinite" restart="never" nodeType="tmRoot"/>
-      </p:par>
-    </p:tnLst>
-  </p:timing>
 </p:sld>
 </file>
 
@@ -4903,13 +4883,6 @@
   <p:clrMapOvr>
     <a:masterClrMapping/>
   </p:clrMapOvr>
-  <p:timing>
-    <p:tnLst>
-      <p:par>
-        <p:cTn id="1" dur="indefinite" restart="never" nodeType="tmRoot"/>
-      </p:par>
-    </p:tnLst>
-  </p:timing>
 </p:sld>
 </file>
 
@@ -5151,13 +5124,6 @@
   <p:clrMapOvr>
     <a:masterClrMapping/>
   </p:clrMapOvr>
-  <p:timing>
-    <p:tnLst>
-      <p:par>
-        <p:cTn id="1" dur="indefinite" restart="never" nodeType="tmRoot"/>
-      </p:par>
-    </p:tnLst>
-  </p:timing>
 </p:sld>
 </file>
 
@@ -5394,13 +5360,6 @@
   <p:clrMapOvr>
     <a:masterClrMapping/>
   </p:clrMapOvr>
-  <p:timing>
-    <p:tnLst>
-      <p:par>
-        <p:cTn id="1" dur="indefinite" restart="never" nodeType="tmRoot"/>
-      </p:par>
-    </p:tnLst>
-  </p:timing>
 </p:sld>
 </file>
 
@@ -5637,13 +5596,6 @@
   <p:clrMapOvr>
     <a:masterClrMapping/>
   </p:clrMapOvr>
-  <p:timing>
-    <p:tnLst>
-      <p:par>
-        <p:cTn id="1" dur="indefinite" restart="never" nodeType="tmRoot"/>
-      </p:par>
-    </p:tnLst>
-  </p:timing>
 </p:sld>
 </file>
 
@@ -5919,12 +5871,8 @@
                     <a:p>
                       <a:pPr algn="ctr"/>
                       <a:r>
-                        <a:rPr lang="ru-RU" sz="1600" dirty="0" smtClean="0"/>
-                        <a:t>Среднее время</a:t>
-                      </a:r>
-                      <a:r>
                         <a:rPr lang="ru-RU" sz="1600" dirty="0"/>
-                        <a:t>, с</a:t>
+                        <a:t>Среднее время, с</a:t>
                       </a:r>
                     </a:p>
                   </a:txBody>
@@ -5951,20 +5899,16 @@
                     <a:p>
                       <a:pPr algn="ctr"/>
                       <a:r>
-                        <a:rPr lang="ru-RU" sz="1600" dirty="0" smtClean="0"/>
+                        <a:rPr lang="ru-RU" sz="1600" dirty="0"/>
                         <a:t>Среднее</a:t>
                       </a:r>
                       <a:r>
-                        <a:rPr lang="ru-RU" sz="1600" baseline="0" dirty="0" smtClean="0"/>
+                        <a:rPr lang="ru-RU" sz="1600" baseline="0" dirty="0"/>
                         <a:t> в</a:t>
                       </a:r>
                       <a:r>
-                        <a:rPr lang="ru-RU" sz="1600" dirty="0" smtClean="0"/>
-                        <a:t>ремя</a:t>
-                      </a:r>
-                      <a:r>
                         <a:rPr lang="ru-RU" sz="1600" dirty="0"/>
-                        <a:t>, с</a:t>
+                        <a:t>ремя, с</a:t>
                       </a:r>
                     </a:p>
                   </a:txBody>
@@ -6917,13 +6861,6 @@
   <p:clrMapOvr>
     <a:masterClrMapping/>
   </p:clrMapOvr>
-  <p:timing>
-    <p:tnLst>
-      <p:par>
-        <p:cTn id="1" dur="indefinite" restart="never" nodeType="tmRoot"/>
-      </p:par>
-    </p:tnLst>
-  </p:timing>
 </p:sld>
 </file>
 
@@ -7054,13 +6991,6 @@
   <p:clrMapOvr>
     <a:masterClrMapping/>
   </p:clrMapOvr>
-  <p:timing>
-    <p:tnLst>
-      <p:par>
-        <p:cTn id="1" dur="indefinite" restart="never" nodeType="tmRoot"/>
-      </p:par>
-    </p:tnLst>
-  </p:timing>
 </p:sld>
 </file>
 
@@ -7278,13 +7208,6 @@
   <p:clrMapOvr>
     <a:masterClrMapping/>
   </p:clrMapOvr>
-  <p:timing>
-    <p:tnLst>
-      <p:par>
-        <p:cTn id="1" dur="indefinite" restart="never" nodeType="tmRoot"/>
-      </p:par>
-    </p:tnLst>
-  </p:timing>
 </p:sld>
 </file>
 
@@ -7636,13 +7559,6 @@
   <p:clrMapOvr>
     <a:masterClrMapping/>
   </p:clrMapOvr>
-  <p:timing>
-    <p:tnLst>
-      <p:par>
-        <p:cTn id="1" dur="indefinite" restart="never" nodeType="tmRoot"/>
-      </p:par>
-    </p:tnLst>
-  </p:timing>
 </p:sld>
 </file>
 
@@ -7845,10 +7761,9 @@
                     <a:p>
                       <a:pPr algn="ctr"/>
                       <a:r>
-                        <a:rPr lang="ru-RU" dirty="0" smtClean="0"/>
+                        <a:rPr lang="ru-RU" dirty="0"/>
                         <a:t>Количество сравнений</a:t>
                       </a:r>
-                      <a:endParaRPr lang="ru-RU" dirty="0"/>
                     </a:p>
                   </a:txBody>
                   <a:tcPr anchor="ctr"/>
@@ -7877,12 +7792,8 @@
                     <a:p>
                       <a:pPr algn="ctr"/>
                       <a:r>
-                        <a:rPr lang="ru-RU" sz="1600" dirty="0" smtClean="0"/>
-                        <a:t>Среднее время</a:t>
-                      </a:r>
-                      <a:r>
                         <a:rPr lang="ru-RU" sz="1600" dirty="0"/>
-                        <a:t>, с</a:t>
+                        <a:t>Среднее время, с</a:t>
                       </a:r>
                     </a:p>
                   </a:txBody>
@@ -7895,20 +7806,16 @@
                     <a:p>
                       <a:pPr algn="ctr"/>
                       <a:r>
-                        <a:rPr lang="ru-RU" sz="1600" dirty="0" smtClean="0"/>
+                        <a:rPr lang="ru-RU" sz="1600" dirty="0"/>
                         <a:t>Среднее</a:t>
                       </a:r>
                       <a:r>
-                        <a:rPr lang="ru-RU" sz="1600" baseline="0" dirty="0" smtClean="0"/>
+                        <a:rPr lang="ru-RU" sz="1600" baseline="0" dirty="0"/>
                         <a:t> в</a:t>
                       </a:r>
                       <a:r>
-                        <a:rPr lang="ru-RU" sz="1600" dirty="0" smtClean="0"/>
-                        <a:t>ремя</a:t>
-                      </a:r>
-                      <a:r>
                         <a:rPr lang="ru-RU" sz="1600" dirty="0"/>
-                        <a:t>, с</a:t>
+                        <a:t>ремя, с</a:t>
                       </a:r>
                     </a:p>
                   </a:txBody>
@@ -7937,7 +7844,7 @@
                         <a:defRPr/>
                       </a:pPr>
                       <a:r>
-                        <a:rPr lang="en-US" sz="1600" dirty="0" smtClean="0"/>
+                        <a:rPr lang="en-US" sz="1600" dirty="0"/>
                         <a:t>N</a:t>
                       </a:r>
                       <a:endParaRPr lang="ru-RU" sz="1600" dirty="0"/>
@@ -8217,13 +8124,6 @@
   <p:clrMapOvr>
     <a:masterClrMapping/>
   </p:clrMapOvr>
-  <p:timing>
-    <p:tnLst>
-      <p:par>
-        <p:cTn id="1" dur="indefinite" restart="never" nodeType="tmRoot"/>
-      </p:par>
-    </p:tnLst>
-  </p:timing>
 </p:sld>
 </file>
 
@@ -8520,15 +8420,7 @@
             <a:pPr marL="383540" indent="-383540"/>
             <a:r>
               <a:rPr lang="ru-RU" dirty="0"/>
-              <a:t>Разработка и сравнение алгоритмов работы датчика направления на </a:t>
-            </a:r>
-            <a:r>
-              <a:rPr lang="ru-RU" dirty="0" smtClean="0"/>
-              <a:t>Солнце </a:t>
-            </a:r>
-            <a:r>
-              <a:rPr lang="ru-RU" dirty="0"/>
-              <a:t>на основе КМОП-матрицы</a:t>
+              <a:t>Разработка и сравнение алгоритмов работы датчика направления на Солнце на основе КМОП-матрицы</a:t>
             </a:r>
           </a:p>
         </p:txBody>
@@ -8808,78 +8700,49 @@
           <a:p>
             <a:pPr marL="383540" indent="-383540"/>
             <a:r>
-              <a:rPr lang="ru-RU" dirty="0" smtClean="0"/>
+              <a:rPr lang="ru-RU" dirty="0"/>
               <a:t>Разработать модель для генерации изображений с матрицы датчика направления на Солнце</a:t>
             </a:r>
           </a:p>
           <a:p>
             <a:pPr marL="383540" indent="-383540"/>
             <a:r>
-              <a:rPr lang="ru-RU" dirty="0" smtClean="0"/>
-              <a:t>Разработать алгоритмы </a:t>
-            </a:r>
-            <a:r>
               <a:rPr lang="ru-RU" dirty="0"/>
-              <a:t>определения </a:t>
-            </a:r>
-            <a:r>
-              <a:rPr lang="ru-RU" dirty="0" smtClean="0"/>
-              <a:t>пятна на изображении</a:t>
+              <a:t>Разработать алгоритмы определения пятна на изображении</a:t>
             </a:r>
           </a:p>
           <a:p>
             <a:pPr marL="383540" indent="-383540"/>
             <a:r>
               <a:rPr lang="ru-RU" dirty="0"/>
-              <a:t>Разработать алгоритмы </a:t>
-            </a:r>
-            <a:r>
-              <a:rPr lang="ru-RU" dirty="0" smtClean="0"/>
-              <a:t>локализации пятна </a:t>
-            </a:r>
+              <a:t>Разработать алгоритмы локализации пятна на изображении</a:t>
+            </a:r>
+          </a:p>
+          <a:p>
+            <a:pPr marL="383540" indent="-383540"/>
             <a:r>
               <a:rPr lang="ru-RU" dirty="0"/>
-              <a:t>на </a:t>
-            </a:r>
-            <a:r>
-              <a:rPr lang="ru-RU" dirty="0" smtClean="0"/>
-              <a:t>изображении</a:t>
-            </a:r>
-            <a:endParaRPr lang="ru-RU" dirty="0" smtClean="0"/>
+              <a:t>Сравнить работу алгоритмов</a:t>
+            </a:r>
           </a:p>
           <a:p>
             <a:pPr marL="383540" indent="-383540"/>
             <a:r>
-              <a:rPr lang="ru-RU" dirty="0" smtClean="0"/>
-              <a:t>Сравнить </a:t>
-            </a:r>
-            <a:r>
               <a:rPr lang="ru-RU" dirty="0"/>
-              <a:t>работу алгоритмов</a:t>
+              <a:t>Выбрать наиболее эффективный алгоритм</a:t>
             </a:r>
           </a:p>
           <a:p>
             <a:pPr marL="383540" indent="-383540"/>
             <a:r>
               <a:rPr lang="ru-RU" dirty="0"/>
-              <a:t>Выбрать наиболее эффективный </a:t>
-            </a:r>
-            <a:r>
-              <a:rPr lang="ru-RU" dirty="0" smtClean="0"/>
-              <a:t>алгоритм</a:t>
-            </a:r>
-          </a:p>
-          <a:p>
-            <a:pPr marL="383540" indent="-383540"/>
-            <a:r>
-              <a:rPr lang="ru-RU" dirty="0" smtClean="0"/>
               <a:t>Реализовать избранные алгоритмы на языке программирования Си для тестирования их работы на микроконтроллере семейства </a:t>
             </a:r>
             <a:r>
-              <a:rPr lang="en-US" dirty="0" smtClean="0"/>
+              <a:rPr lang="en-US" dirty="0"/>
               <a:t>STM32</a:t>
             </a:r>
-            <a:endParaRPr lang="ru-RU" dirty="0" smtClean="0"/>
+            <a:endParaRPr lang="ru-RU" dirty="0"/>
           </a:p>
           <a:p>
             <a:pPr marL="383540" indent="-383540"/>
@@ -8999,8 +8862,8 @@
         </p:nvSpPr>
         <p:spPr>
           <a:xfrm>
-            <a:off x="1295400" y="4503604"/>
-            <a:ext cx="9601200" cy="1435638"/>
+            <a:off x="1295400" y="4325112"/>
+            <a:ext cx="9601200" cy="2128274"/>
           </a:xfrm>
           <a:prstGeom prst="rect">
             <a:avLst/>
@@ -9206,15 +9069,11 @@
               <a:buNone/>
             </a:pPr>
             <a:r>
-              <a:rPr lang="ru-RU" dirty="0" smtClean="0"/>
-              <a:t>Средняя т</a:t>
-            </a:r>
-            <a:r>
-              <a:rPr lang="ru-RU" dirty="0" smtClean="0"/>
-              <a:t>очность</a:t>
-            </a:r>
-            <a:r>
-              <a:rPr lang="en-US" dirty="0" smtClean="0"/>
+              <a:rPr lang="ru-RU" dirty="0"/>
+              <a:t>Точность определения центра пятна</a:t>
+            </a:r>
+            <a:r>
+              <a:rPr lang="en-US" dirty="0"/>
               <a:t>:</a:t>
             </a:r>
             <a:endParaRPr lang="ru-RU" dirty="0"/>
@@ -9224,21 +9083,14 @@
               <a:buNone/>
             </a:pPr>
             <a:r>
+              <a:rPr lang="ru-RU" dirty="0"/>
+              <a:t>Среднее отличие координат определённого центра от координат рассчитанных теоретически на стадии генерации изображений</a:t>
+            </a:r>
+            <a:r>
               <a:rPr lang="en-US" dirty="0"/>
-              <a:t>X: 0.</a:t>
-            </a:r>
-            <a:r>
-              <a:rPr lang="ru-RU" dirty="0"/>
-              <a:t>46 </a:t>
-            </a:r>
-            <a:r>
-              <a:rPr lang="en-US" dirty="0"/>
-              <a:t>px</a:t>
-            </a:r>
-            <a:r>
-              <a:rPr lang="ru-RU" dirty="0"/>
-              <a:t>. Ошибка округления.</a:t>
-            </a:r>
+              <a:t>:</a:t>
+            </a:r>
+            <a:endParaRPr lang="ru-RU" dirty="0"/>
           </a:p>
           <a:p>
             <a:pPr marL="0" indent="0">
@@ -9246,20 +9098,47 @@
             </a:pPr>
             <a:r>
               <a:rPr lang="en-US" dirty="0"/>
-              <a:t>Y: 0.</a:t>
-            </a:r>
-            <a:r>
-              <a:rPr lang="ru-RU" dirty="0"/>
+              <a:t>X: </a:t>
+            </a:r>
+            <a:r>
+              <a:rPr lang="en-US" b="1" dirty="0"/>
+              <a:t>0.</a:t>
+            </a:r>
+            <a:r>
+              <a:rPr lang="ru-RU" b="1" dirty="0"/>
               <a:t>46 </a:t>
             </a:r>
             <a:r>
               <a:rPr lang="en-US" dirty="0"/>
               <a:t>px</a:t>
             </a:r>
+            <a:endParaRPr lang="ru-RU" dirty="0"/>
+          </a:p>
+          <a:p>
+            <a:pPr marL="0" indent="0">
+              <a:buNone/>
+            </a:pPr>
+            <a:r>
+              <a:rPr lang="en-US" dirty="0"/>
+              <a:t>Y: </a:t>
+            </a:r>
+            <a:r>
+              <a:rPr lang="en-US" b="1" dirty="0"/>
+              <a:t>0.</a:t>
+            </a:r>
+            <a:r>
+              <a:rPr lang="ru-RU" b="1" dirty="0"/>
+              <a:t>46</a:t>
+            </a:r>
             <a:r>
               <a:rPr lang="ru-RU" dirty="0"/>
-              <a:t>. Ошибка округления.</a:t>
-            </a:r>
+              <a:t> </a:t>
+            </a:r>
+            <a:r>
+              <a:rPr lang="en-US" dirty="0"/>
+              <a:t>px</a:t>
+            </a:r>
+            <a:endParaRPr lang="ru-RU" dirty="0"/>
           </a:p>
         </p:txBody>
       </p:sp>
@@ -10077,13 +9956,6 @@
   <p:clrMapOvr>
     <a:masterClrMapping/>
   </p:clrMapOvr>
-  <p:timing>
-    <p:tnLst>
-      <p:par>
-        <p:cTn id="1" dur="indefinite" restart="never" nodeType="tmRoot"/>
-      </p:par>
-    </p:tnLst>
-  </p:timing>
 </p:sld>
 </file>
 
@@ -10174,7 +10046,7 @@
         </p:nvSpPr>
         <p:spPr>
           <a:xfrm>
-            <a:off x="1295400" y="4856114"/>
+            <a:off x="1371600" y="5200983"/>
             <a:ext cx="10546080" cy="1498966"/>
           </a:xfrm>
           <a:prstGeom prst="rect">
@@ -10183,7 +10055,7 @@
         </p:spPr>
         <p:txBody>
           <a:bodyPr vert="horz" lIns="91440" tIns="45720" rIns="91440" bIns="45720" rtlCol="0">
-            <a:normAutofit/>
+            <a:normAutofit fontScale="92500" lnSpcReduction="20000"/>
           </a:bodyPr>
           <a:lstStyle>
             <a:lvl1pPr marL="384048" indent="-384048" algn="l" defTabSz="914400" rtl="0" eaLnBrk="1" latinLnBrk="0" hangingPunct="1">
@@ -10382,7 +10254,7 @@
             </a:pPr>
             <a:r>
               <a:rPr lang="ru-RU" dirty="0"/>
-              <a:t>Точность вычислений</a:t>
+              <a:t>Точность определения углов</a:t>
             </a:r>
             <a:r>
               <a:rPr lang="en-US" dirty="0"/>
@@ -10395,37 +10267,14 @@
               <a:buNone/>
             </a:pPr>
             <a:r>
-              <a:rPr lang="el-GR" dirty="0"/>
-              <a:t>φ</a:t>
-            </a:r>
-            <a:r>
               <a:rPr lang="ru-RU" dirty="0"/>
-              <a:t> -</a:t>
+              <a:t>Среднее отличие теоретических углов от рассчитанных</a:t>
             </a:r>
             <a:r>
               <a:rPr lang="en-US" dirty="0"/>
-              <a:t> </a:t>
-            </a:r>
-            <a:r>
-              <a:rPr lang="ru-RU" dirty="0"/>
-              <a:t>азимутальный угол</a:t>
-            </a:r>
-            <a:r>
-              <a:rPr lang="en-US" dirty="0"/>
-              <a:t>: </a:t>
-            </a:r>
-            <a:r>
-              <a:rPr lang="ru-RU" dirty="0"/>
-              <a:t>1</a:t>
-            </a:r>
-            <a:r>
-              <a:rPr lang="en-US" dirty="0"/>
-              <a:t>.</a:t>
-            </a:r>
-            <a:r>
-              <a:rPr lang="ru-RU" dirty="0"/>
-              <a:t>896°. Ошибка округления и ошибка вычисления центра пятна.</a:t>
-            </a:r>
+              <a:t>:</a:t>
+            </a:r>
+            <a:endParaRPr lang="ru-RU" dirty="0"/>
           </a:p>
           <a:p>
             <a:pPr marL="0" indent="0">
@@ -10433,6 +10282,43 @@
             </a:pPr>
             <a:r>
               <a:rPr lang="el-GR" dirty="0"/>
+              <a:t>φ</a:t>
+            </a:r>
+            <a:r>
+              <a:rPr lang="ru-RU" dirty="0"/>
+              <a:t> -</a:t>
+            </a:r>
+            <a:r>
+              <a:rPr lang="en-US" dirty="0"/>
+              <a:t> </a:t>
+            </a:r>
+            <a:r>
+              <a:rPr lang="ru-RU" dirty="0"/>
+              <a:t>азимутальный угол</a:t>
+            </a:r>
+            <a:r>
+              <a:rPr lang="en-US" dirty="0"/>
+              <a:t>: </a:t>
+            </a:r>
+            <a:r>
+              <a:rPr lang="ru-RU" dirty="0"/>
+              <a:t>0</a:t>
+            </a:r>
+            <a:r>
+              <a:rPr lang="en-US" dirty="0"/>
+              <a:t>.</a:t>
+            </a:r>
+            <a:r>
+              <a:rPr lang="ru-RU" dirty="0"/>
+              <a:t>118°</a:t>
+            </a:r>
+          </a:p>
+          <a:p>
+            <a:pPr marL="0" indent="0">
+              <a:buNone/>
+            </a:pPr>
+            <a:r>
+              <a:rPr lang="el-GR" dirty="0"/>
               <a:t>θ</a:t>
             </a:r>
             <a:r>
@@ -10441,19 +10327,11 @@
             </a:r>
             <a:r>
               <a:rPr lang="en-US" dirty="0"/>
-              <a:t>: </a:t>
+              <a:t>: 0.</a:t>
             </a:r>
             <a:r>
               <a:rPr lang="ru-RU" dirty="0"/>
-              <a:t>1</a:t>
-            </a:r>
-            <a:r>
-              <a:rPr lang="en-US" dirty="0"/>
-              <a:t>.</a:t>
-            </a:r>
-            <a:r>
-              <a:rPr lang="ru-RU" dirty="0"/>
-              <a:t>674°. Ошибка округления и ошибка вычисления центра пятна.</a:t>
+              <a:t>145°</a:t>
             </a:r>
           </a:p>
         </p:txBody>
@@ -10474,8 +10352,8 @@
             </p:nvSpPr>
             <p:spPr>
               <a:xfrm>
-                <a:off x="1371600" y="2575951"/>
-                <a:ext cx="6096000" cy="2118529"/>
+                <a:off x="1371600" y="2485713"/>
+                <a:ext cx="6096000" cy="2477601"/>
               </a:xfrm>
               <a:prstGeom prst="rect">
                 <a:avLst/>
@@ -10704,11 +10582,11 @@
                       </m:e>
                       <m:sub>
                         <m:r>
-                          <a:rPr lang="ru-RU" i="1">
+                          <a:rPr lang="en-US" b="0" i="1" smtClean="0">
                             <a:latin typeface="Cambria Math" panose="02040503050406030204" pitchFamily="18" charset="0"/>
                             <a:ea typeface="Calibri" panose="020F0502020204030204" pitchFamily="34" charset="0"/>
                           </a:rPr>
-                          <m:t>𝑠</m:t>
+                          <m:t>𝑝</m:t>
                         </m:r>
                       </m:sub>
                     </m:sSub>
@@ -10743,11 +10621,11 @@
                       </m:e>
                       <m:sub>
                         <m:r>
-                          <a:rPr lang="ru-RU" i="1">
+                          <a:rPr lang="en-US" b="0" i="1" smtClean="0">
                             <a:latin typeface="Cambria Math" panose="02040503050406030204" pitchFamily="18" charset="0"/>
                             <a:ea typeface="Calibri" panose="020F0502020204030204" pitchFamily="34" charset="0"/>
                           </a:rPr>
-                          <m:t>𝑠</m:t>
+                          <m:t>𝑝</m:t>
                         </m:r>
                       </m:sub>
                     </m:sSub>
@@ -10784,6 +10662,45 @@
                   </a:rPr>
                   <a:t>– расстояние матрицы до отверстия;</a:t>
                 </a:r>
+                <a:endParaRPr lang="en-US" dirty="0">
+                  <a:latin typeface="Times New Roman" panose="02020603050405020304" pitchFamily="18" charset="0"/>
+                  <a:ea typeface="Calibri" panose="020F0502020204030204" pitchFamily="34" charset="0"/>
+                </a:endParaRPr>
+              </a:p>
+              <a:p>
+                <a:pPr>
+                  <a:lnSpc>
+                    <a:spcPts val="1800"/>
+                  </a:lnSpc>
+                  <a:spcAft>
+                    <a:spcPts val="1000"/>
+                  </a:spcAft>
+                </a:pPr>
+                <a:r>
+                  <a:rPr lang="en-US" dirty="0">
+                    <a:latin typeface="Times New Roman" panose="02020603050405020304" pitchFamily="18" charset="0"/>
+                    <a:ea typeface="Calibri" panose="020F0502020204030204" pitchFamily="34" charset="0"/>
+                  </a:rPr>
+                  <a:t>t  - </a:t>
+                </a:r>
+                <a:r>
+                  <a:rPr lang="ru-RU" dirty="0">
+                    <a:latin typeface="Times New Roman" panose="02020603050405020304" pitchFamily="18" charset="0"/>
+                    <a:ea typeface="Calibri" panose="020F0502020204030204" pitchFamily="34" charset="0"/>
+                  </a:rPr>
+                  <a:t>толщина отверстия</a:t>
+                </a:r>
+                <a:r>
+                  <a:rPr lang="en-US" dirty="0">
+                    <a:latin typeface="Times New Roman" panose="02020603050405020304" pitchFamily="18" charset="0"/>
+                    <a:ea typeface="Calibri" panose="020F0502020204030204" pitchFamily="34" charset="0"/>
+                  </a:rPr>
+                  <a:t>;</a:t>
+                </a:r>
+                <a:endParaRPr lang="ru-RU" dirty="0">
+                  <a:latin typeface="Times New Roman" panose="02020603050405020304" pitchFamily="18" charset="0"/>
+                  <a:ea typeface="Calibri" panose="020F0502020204030204" pitchFamily="34" charset="0"/>
+                </a:endParaRPr>
               </a:p>
               <a:p>
                 <a:pPr>
@@ -10847,16 +10764,16 @@
             </p:nvSpPr>
             <p:spPr>
               <a:xfrm>
-                <a:off x="1371600" y="2575951"/>
-                <a:ext cx="6096000" cy="2118529"/>
+                <a:off x="1371600" y="2485713"/>
+                <a:ext cx="6096000" cy="2477601"/>
               </a:xfrm>
               <a:prstGeom prst="rect">
                 <a:avLst/>
               </a:prstGeom>
               <a:blipFill>
-                <a:blip r:embed="rId3"/>
+                <a:blip r:embed="rId2"/>
                 <a:stretch>
-                  <a:fillRect l="-800" t="-3746" b="-3746"/>
+                  <a:fillRect l="-800" t="-3202" b="-3202"/>
                 </a:stretch>
               </a:blipFill>
             </p:spPr>
@@ -10917,7 +10834,7 @@
           <p:nvPr/>
         </p:nvPicPr>
         <p:blipFill>
-          <a:blip r:embed="rId4" cstate="print">
+          <a:blip r:embed="rId3" cstate="print">
             <a:extLst>
               <a:ext uri="{28A0092B-C50C-407E-A947-70E740481C1C}">
                 <a14:useLocalDpi xmlns:a14="http://schemas.microsoft.com/office/drawing/2010/main" val="0"/>
@@ -10955,7 +10872,7 @@
             <p:spPr>
               <a:xfrm>
                 <a:off x="1371600" y="1050867"/>
-                <a:ext cx="5434148" cy="1363450"/>
+                <a:ext cx="5434148" cy="1384482"/>
               </a:xfrm>
               <a:prstGeom prst="rect">
                 <a:avLst/>
@@ -11158,11 +11075,11 @@
                                   </m:e>
                                   <m:sub>
                                     <m:r>
-                                      <a:rPr lang="ru-RU" i="1">
+                                      <a:rPr lang="en-US" b="0" i="1" smtClean="0">
                                         <a:latin typeface="Cambria Math" panose="02040503050406030204" pitchFamily="18" charset="0"/>
                                         <a:ea typeface="Times New Roman" panose="02020603050405020304" pitchFamily="18" charset="0"/>
                                       </a:rPr>
-                                      <m:t>𝑠</m:t>
+                                      <m:t>𝑝</m:t>
                                     </m:r>
                                   </m:sub>
                                 </m:sSub>
@@ -11223,11 +11140,11 @@
                                   </m:e>
                                   <m:sub>
                                     <m:r>
-                                      <a:rPr lang="ru-RU" i="1">
+                                      <a:rPr lang="en-US" b="0" i="1" smtClean="0">
                                         <a:latin typeface="Cambria Math" panose="02040503050406030204" pitchFamily="18" charset="0"/>
                                         <a:ea typeface="Times New Roman" panose="02020603050405020304" pitchFamily="18" charset="0"/>
                                       </a:rPr>
-                                      <m:t>𝑠</m:t>
+                                      <m:t>𝑝</m:t>
                                     </m:r>
                                   </m:sub>
                                 </m:sSub>
@@ -11281,29 +11198,11 @@
                     </m:func>
                   </m:oMath>
                 </a14:m>
-                <a:r>
-                  <a:rPr lang="ru-RU" sz="1400" dirty="0">
-                    <a:effectLst/>
-                    <a:latin typeface="Times New Roman" panose="02020603050405020304" pitchFamily="18" charset="0"/>
-                    <a:ea typeface="Times New Roman" panose="02020603050405020304" pitchFamily="18" charset="0"/>
-                  </a:rPr>
-                  <a:t/>
-                </a:r>
-                <a:br>
-                  <a:rPr lang="ru-RU" sz="1400" dirty="0">
-                    <a:effectLst/>
-                    <a:latin typeface="Times New Roman" panose="02020603050405020304" pitchFamily="18" charset="0"/>
-                    <a:ea typeface="Times New Roman" panose="02020603050405020304" pitchFamily="18" charset="0"/>
-                  </a:rPr>
-                </a:br>
-                <a:r>
-                  <a:rPr lang="ru-RU" sz="1400" dirty="0">
-                    <a:effectLst/>
-                    <a:latin typeface="Times New Roman" panose="02020603050405020304" pitchFamily="18" charset="0"/>
-                    <a:ea typeface="Times New Roman" panose="02020603050405020304" pitchFamily="18" charset="0"/>
-                  </a:rPr>
-                  <a:t>	</a:t>
-                </a:r>
+                <a:endParaRPr lang="ru-RU" sz="1400" dirty="0">
+                  <a:effectLst/>
+                  <a:latin typeface="Times New Roman" panose="02020603050405020304" pitchFamily="18" charset="0"/>
+                  <a:ea typeface="Times New Roman" panose="02020603050405020304" pitchFamily="18" charset="0"/>
+                </a:endParaRPr>
               </a:p>
               <a:p>
                 <a:pPr hangingPunct="0">
@@ -11442,11 +11341,11 @@
                                           </m:e>
                                           <m:sub>
                                             <m:r>
-                                              <a:rPr lang="ru-RU" sz="2000" i="1">
+                                              <a:rPr lang="en-US" sz="2000" b="0" i="1" smtClean="0">
                                                 <a:latin typeface="Cambria Math" panose="02040503050406030204" pitchFamily="18" charset="0"/>
                                                 <a:ea typeface="Times New Roman" panose="02020603050405020304" pitchFamily="18" charset="0"/>
                                               </a:rPr>
-                                              <m:t>𝑠</m:t>
+                                              <m:t>𝑝</m:t>
                                             </m:r>
                                           </m:sub>
                                         </m:sSub>
@@ -11555,11 +11454,11 @@
                                           </m:e>
                                           <m:sub>
                                             <m:r>
-                                              <a:rPr lang="ru-RU" sz="2000" i="1">
+                                              <a:rPr lang="en-US" sz="2000" b="0" i="1" smtClean="0">
                                                 <a:latin typeface="Cambria Math" panose="02040503050406030204" pitchFamily="18" charset="0"/>
                                                 <a:ea typeface="Times New Roman" panose="02020603050405020304" pitchFamily="18" charset="0"/>
                                               </a:rPr>
-                                              <m:t>𝑠</m:t>
+                                              <m:t>𝑝</m:t>
                                             </m:r>
                                           </m:sub>
                                         </m:sSub>
@@ -11644,12 +11543,25 @@
                                   <m:t>h</m:t>
                                 </m:r>
                                 <m:r>
-                                  <a:rPr lang="ru-RU" sz="2000" i="1">
+                                  <a:rPr lang="en-US" sz="2000" b="0" i="1" smtClean="0">
                                     <a:latin typeface="Cambria Math" panose="02040503050406030204" pitchFamily="18" charset="0"/>
                                     <a:ea typeface="Times New Roman" panose="02020603050405020304" pitchFamily="18" charset="0"/>
-                                    <a:cs typeface="Cambria Math" panose="02040503050406030204" pitchFamily="18" charset="0"/>
                                   </a:rPr>
-                                  <m:t> </m:t>
+                                  <m:t>+</m:t>
+                                </m:r>
+                                <m:r>
+                                  <a:rPr lang="en-US" sz="2000" b="0" i="1" smtClean="0">
+                                    <a:latin typeface="Cambria Math" panose="02040503050406030204" pitchFamily="18" charset="0"/>
+                                    <a:ea typeface="Times New Roman" panose="02020603050405020304" pitchFamily="18" charset="0"/>
+                                  </a:rPr>
+                                  <m:t>𝑡</m:t>
+                                </m:r>
+                                <m:r>
+                                  <a:rPr lang="en-US" sz="2000" b="0" i="1" smtClean="0">
+                                    <a:latin typeface="Cambria Math" panose="02040503050406030204" pitchFamily="18" charset="0"/>
+                                    <a:ea typeface="Times New Roman" panose="02020603050405020304" pitchFamily="18" charset="0"/>
+                                  </a:rPr>
+                                  <m:t>/2 </m:t>
                                 </m:r>
                               </m:den>
                             </m:f>
@@ -11689,13 +11601,13 @@
             <p:spPr>
               <a:xfrm>
                 <a:off x="1371600" y="1050867"/>
-                <a:ext cx="5434148" cy="1363450"/>
+                <a:ext cx="5434148" cy="1384482"/>
               </a:xfrm>
               <a:prstGeom prst="rect">
                 <a:avLst/>
               </a:prstGeom>
               <a:blipFill>
-                <a:blip r:embed="rId5"/>
+                <a:blip r:embed="rId4"/>
                 <a:stretch>
                   <a:fillRect/>
                 </a:stretch>
@@ -11726,13 +11638,6 @@
   <p:clrMapOvr>
     <a:masterClrMapping/>
   </p:clrMapOvr>
-  <p:timing>
-    <p:tnLst>
-      <p:par>
-        <p:cTn id="1" dur="indefinite" restart="never" nodeType="tmRoot"/>
-      </p:par>
-    </p:tnLst>
-  </p:timing>
 </p:sld>
 </file>
 
@@ -11830,38 +11735,23 @@
               <a:buChar char="■"/>
             </a:pPr>
             <a:r>
-              <a:rPr lang="ru-RU" i="0" dirty="0" smtClean="0"/>
-              <a:t>Оптимальный алгоритм, по </a:t>
-            </a:r>
-            <a:r>
-              <a:rPr lang="ru-RU" i="0" dirty="0" smtClean="0"/>
-              <a:t>времени и вычислительным затратам,</a:t>
-            </a:r>
-            <a:r>
-              <a:rPr lang="ru-RU" i="0" dirty="0" smtClean="0"/>
-              <a:t> для определения положения Солнца</a:t>
-            </a:r>
-            <a:r>
-              <a:rPr lang="en-US" i="0" dirty="0" smtClean="0"/>
+              <a:rPr lang="ru-RU" i="0" dirty="0"/>
+              <a:t>Оптимальный алгоритм, по времени и вычислительным затратам, для определения положения Солнца</a:t>
+            </a:r>
+            <a:r>
+              <a:rPr lang="en-US" i="0" dirty="0"/>
               <a:t>:</a:t>
             </a:r>
-            <a:endParaRPr lang="ru-RU" i="0" dirty="0" smtClean="0"/>
+            <a:endParaRPr lang="ru-RU" i="0" dirty="0"/>
           </a:p>
           <a:p>
             <a:pPr lvl="1"/>
-            <a:r>
-              <a:rPr lang="ru-RU" sz="1800" dirty="0" smtClean="0">
-                <a:latin typeface="Times New Roman" panose="02020603050405020304" pitchFamily="18" charset="0"/>
-                <a:cs typeface="Times New Roman" panose="02020603050405020304" pitchFamily="18" charset="0"/>
-              </a:rPr>
-              <a:t>Поиск </a:t>
-            </a:r>
             <a:r>
               <a:rPr lang="ru-RU" sz="1800" dirty="0">
                 <a:latin typeface="Times New Roman" panose="02020603050405020304" pitchFamily="18" charset="0"/>
                 <a:cs typeface="Times New Roman" panose="02020603050405020304" pitchFamily="18" charset="0"/>
               </a:rPr>
-              <a:t>первого пикселя пятна</a:t>
+              <a:t>Поиск первого пикселя пятна</a:t>
             </a:r>
             <a:r>
               <a:rPr lang="en-US" sz="1800" dirty="0">
@@ -11968,12 +11858,8 @@
           </a:p>
           <a:p>
             <a:r>
-              <a:rPr lang="ru-RU" dirty="0" smtClean="0"/>
-              <a:t>Все </a:t>
-            </a:r>
-            <a:r>
               <a:rPr lang="ru-RU" dirty="0"/>
-              <a:t>алгоритмы являются алгоритмами поиска в несортированном массиве, различные вариации меняют начальную точку поиска, шаг поиска либо последовательность изучения элементов массива.</a:t>
+              <a:t>Все алгоритмы являются алгоритмами поиска в несортированном массиве, различные вариации меняют начальную точку поиска, шаг поиска либо последовательность изучения элементов массива.</a:t>
             </a:r>
           </a:p>
           <a:p>
@@ -11986,13 +11872,13 @@
               <a:t>O(n)</a:t>
             </a:r>
             <a:r>
-              <a:rPr lang="ru-RU" dirty="0" smtClean="0"/>
+              <a:rPr lang="ru-RU" dirty="0"/>
               <a:t>).</a:t>
             </a:r>
           </a:p>
           <a:p>
             <a:r>
-              <a:rPr lang="ru-RU" dirty="0" smtClean="0"/>
+              <a:rPr lang="ru-RU" dirty="0"/>
               <a:t>Алгоритмы не были реализованные на языке программирования Си для тестирования эффективности работы на микроконтроллере</a:t>
             </a:r>
             <a:r>
@@ -12000,14 +11886,14 @@
               <a:t> </a:t>
             </a:r>
             <a:r>
-              <a:rPr lang="ru-RU" dirty="0" smtClean="0"/>
+              <a:rPr lang="ru-RU" dirty="0"/>
               <a:t>семейства </a:t>
             </a:r>
             <a:r>
-              <a:rPr lang="en-US" dirty="0" smtClean="0"/>
+              <a:rPr lang="en-US" dirty="0"/>
               <a:t>STM32</a:t>
             </a:r>
-            <a:endParaRPr lang="ru-RU" dirty="0" smtClean="0"/>
+            <a:endParaRPr lang="ru-RU" dirty="0"/>
           </a:p>
           <a:p>
             <a:endParaRPr lang="ru-RU" dirty="0"/>
@@ -12062,13 +11948,104 @@
   <p:clrMapOvr>
     <a:masterClrMapping/>
   </p:clrMapOvr>
-  <p:timing>
-    <p:tnLst>
-      <p:par>
-        <p:cTn id="1" dur="indefinite" restart="never" nodeType="tmRoot"/>
-      </p:par>
-    </p:tnLst>
-  </p:timing>
+</p:sld>
+</file>
+
+<file path=ppt/slides/slide23.xml><?xml version="1.0" encoding="utf-8"?>
+<p:sld xmlns:a="http://schemas.openxmlformats.org/drawingml/2006/main" xmlns:r="http://schemas.openxmlformats.org/officeDocument/2006/relationships" xmlns:p="http://schemas.openxmlformats.org/presentationml/2006/main">
+  <p:cSld>
+    <p:spTree>
+      <p:nvGrpSpPr>
+        <p:cNvPr id="1" name=""/>
+        <p:cNvGrpSpPr/>
+        <p:nvPr/>
+      </p:nvGrpSpPr>
+      <p:grpSpPr>
+        <a:xfrm>
+          <a:off x="0" y="0"/>
+          <a:ext cx="0" cy="0"/>
+          <a:chOff x="0" y="0"/>
+          <a:chExt cx="0" cy="0"/>
+        </a:xfrm>
+      </p:grpSpPr>
+      <p:sp>
+        <p:nvSpPr>
+          <p:cNvPr id="2" name="Заголовок 1">
+            <a:extLst>
+              <a:ext uri="{FF2B5EF4-FFF2-40B4-BE49-F238E27FC236}">
+                <a16:creationId xmlns:a16="http://schemas.microsoft.com/office/drawing/2014/main" id="{48614282-C7C2-4824-BF79-D2A47003EFE4}"/>
+              </a:ext>
+            </a:extLst>
+          </p:cNvPr>
+          <p:cNvSpPr>
+            <a:spLocks noGrp="1"/>
+          </p:cNvSpPr>
+          <p:nvPr>
+            <p:ph type="title"/>
+          </p:nvPr>
+        </p:nvSpPr>
+        <p:spPr>
+          <a:xfrm>
+            <a:off x="1295400" y="3040380"/>
+            <a:ext cx="9601200" cy="777240"/>
+          </a:xfrm>
+        </p:spPr>
+        <p:txBody>
+          <a:bodyPr/>
+          <a:lstStyle/>
+          <a:p>
+            <a:pPr algn="ctr"/>
+            <a:r>
+              <a:rPr lang="ru-RU" dirty="0"/>
+              <a:t>Спасибо за </a:t>
+            </a:r>
+            <a:r>
+              <a:rPr lang="ru-RU" sz="4800" dirty="0"/>
+              <a:t>внимание</a:t>
+            </a:r>
+            <a:endParaRPr lang="ru-RU" dirty="0"/>
+          </a:p>
+        </p:txBody>
+      </p:sp>
+      <p:sp>
+        <p:nvSpPr>
+          <p:cNvPr id="4" name="Номер слайда 3">
+            <a:extLst>
+              <a:ext uri="{FF2B5EF4-FFF2-40B4-BE49-F238E27FC236}">
+                <a16:creationId xmlns:a16="http://schemas.microsoft.com/office/drawing/2014/main" id="{618867B6-676A-4ED7-A369-7BF055A3F42A}"/>
+              </a:ext>
+            </a:extLst>
+          </p:cNvPr>
+          <p:cNvSpPr>
+            <a:spLocks noGrp="1"/>
+          </p:cNvSpPr>
+          <p:nvPr>
+            <p:ph type="sldNum" sz="quarter" idx="12"/>
+          </p:nvPr>
+        </p:nvSpPr>
+        <p:spPr/>
+        <p:txBody>
+          <a:bodyPr/>
+          <a:lstStyle/>
+          <a:p>
+            <a:fld id="{69E57DC2-970A-4B3E-BB1C-7A09969E49DF}" type="slidenum">
+              <a:rPr lang="en-US" smtClean="0"/>
+              <a:t>23</a:t>
+            </a:fld>
+            <a:endParaRPr lang="en-US" dirty="0"/>
+          </a:p>
+        </p:txBody>
+      </p:sp>
+    </p:spTree>
+    <p:extLst>
+      <p:ext uri="{BB962C8B-B14F-4D97-AF65-F5344CB8AC3E}">
+        <p14:creationId xmlns:p14="http://schemas.microsoft.com/office/powerpoint/2010/main" val="1892620927"/>
+      </p:ext>
+    </p:extLst>
+  </p:cSld>
+  <p:clrMapOvr>
+    <a:masterClrMapping/>
+  </p:clrMapOvr>
 </p:sld>
 </file>
 
@@ -12163,15 +12140,41 @@
             </a:r>
             <a:r>
               <a:rPr lang="en-US" sz="1800" dirty="0"/>
+              <a:t>: 4</a:t>
+            </a:r>
+            <a:r>
+              <a:rPr lang="ru-RU" sz="1800" dirty="0"/>
+              <a:t> мм ×</a:t>
+            </a:r>
+            <a:r>
+              <a:rPr lang="en-US" sz="1800" dirty="0"/>
+              <a:t> 4</a:t>
+            </a:r>
+            <a:r>
+              <a:rPr lang="ru-RU" sz="1800" dirty="0"/>
+              <a:t> мм</a:t>
+            </a:r>
+            <a:r>
+              <a:rPr lang="en-US" sz="1800" dirty="0"/>
+              <a:t>;</a:t>
+            </a:r>
+          </a:p>
+          <a:p>
+            <a:r>
+              <a:rPr lang="ru-RU" sz="1800" dirty="0"/>
+              <a:t>Разрешение</a:t>
+            </a:r>
+            <a:r>
+              <a:rPr lang="en-US" sz="1800" dirty="0"/>
               <a:t>: </a:t>
             </a:r>
             <a:r>
-              <a:rPr lang="en-US" sz="1800" dirty="0" smtClean="0"/>
-              <a:t>4</a:t>
-            </a:r>
-            <a:r>
-              <a:rPr lang="ru-RU" sz="1800" dirty="0" smtClean="0"/>
-              <a:t> мм </a:t>
+              <a:rPr lang="ru-RU" sz="1800" dirty="0"/>
+              <a:t>752</a:t>
+            </a:r>
+            <a:r>
+              <a:rPr lang="en-US" sz="1800" dirty="0"/>
+              <a:t> </a:t>
             </a:r>
             <a:r>
               <a:rPr lang="ru-RU" sz="1800" dirty="0"/>
@@ -12179,15 +12182,22 @@
             </a:r>
             <a:r>
               <a:rPr lang="en-US" sz="1800" dirty="0"/>
-              <a:t> </a:t>
-            </a:r>
-            <a:r>
-              <a:rPr lang="en-US" sz="1800" dirty="0" smtClean="0"/>
-              <a:t>4</a:t>
-            </a:r>
-            <a:r>
-              <a:rPr lang="ru-RU" sz="1800" dirty="0" smtClean="0"/>
-              <a:t> мм</a:t>
+              <a:t> 752;</a:t>
+            </a:r>
+            <a:endParaRPr lang="ru-RU" sz="1800" dirty="0"/>
+          </a:p>
+          <a:p>
+            <a:r>
+              <a:rPr lang="ru-RU" sz="1800" dirty="0"/>
+              <a:t>Диаметр отверстия</a:t>
+            </a:r>
+            <a:r>
+              <a:rPr lang="en-US" sz="1800" dirty="0"/>
+              <a:t>:</a:t>
+            </a:r>
+            <a:r>
+              <a:rPr lang="ru-RU" sz="1800" dirty="0"/>
+              <a:t> 0.3 мм</a:t>
             </a:r>
             <a:r>
               <a:rPr lang="en-US" sz="1800" dirty="0"/>
@@ -12197,34 +12207,7 @@
           <a:p>
             <a:r>
               <a:rPr lang="ru-RU" sz="1800" dirty="0"/>
-              <a:t>Разрешение</a:t>
-            </a:r>
-            <a:r>
-              <a:rPr lang="en-US" sz="1800" dirty="0"/>
-              <a:t>: </a:t>
-            </a:r>
-            <a:r>
-              <a:rPr lang="ru-RU" sz="1800" dirty="0"/>
-              <a:t>752</a:t>
-            </a:r>
-            <a:r>
-              <a:rPr lang="en-US" sz="1800" dirty="0"/>
-              <a:t> </a:t>
-            </a:r>
-            <a:r>
-              <a:rPr lang="ru-RU" sz="1800" dirty="0"/>
-              <a:t>×</a:t>
-            </a:r>
-            <a:r>
-              <a:rPr lang="en-US" sz="1800" dirty="0"/>
-              <a:t> 752;</a:t>
-            </a:r>
-            <a:endParaRPr lang="ru-RU" sz="1800" dirty="0"/>
-          </a:p>
-          <a:p>
-            <a:r>
-              <a:rPr lang="ru-RU" sz="1800" dirty="0"/>
-              <a:t>Диаметр отверстия</a:t>
+              <a:t>Толщина отверстия</a:t>
             </a:r>
             <a:r>
               <a:rPr lang="en-US" sz="1800" dirty="0"/>
@@ -12232,33 +12215,7 @@
             </a:r>
             <a:r>
               <a:rPr lang="ru-RU" sz="1800" dirty="0"/>
-              <a:t> </a:t>
-            </a:r>
-            <a:r>
-              <a:rPr lang="ru-RU" sz="1800" dirty="0" smtClean="0"/>
-              <a:t>0.3 мм</a:t>
-            </a:r>
-            <a:r>
-              <a:rPr lang="en-US" sz="1800" dirty="0"/>
-              <a:t>;</a:t>
-            </a:r>
-          </a:p>
-          <a:p>
-            <a:r>
-              <a:rPr lang="ru-RU" sz="1800" dirty="0"/>
-              <a:t>Толщина отверстия</a:t>
-            </a:r>
-            <a:r>
-              <a:rPr lang="en-US" sz="1800" dirty="0"/>
-              <a:t>:</a:t>
-            </a:r>
-            <a:r>
-              <a:rPr lang="ru-RU" sz="1800" dirty="0"/>
-              <a:t> </a:t>
-            </a:r>
-            <a:r>
-              <a:rPr lang="ru-RU" sz="1800" dirty="0" smtClean="0"/>
-              <a:t>100 мкм</a:t>
+              <a:t> 100 мкм</a:t>
             </a:r>
             <a:r>
               <a:rPr lang="en-US" sz="1800" dirty="0"/>
@@ -12472,10 +12429,9 @@
               <a:t>: </a:t>
             </a:r>
             <a:r>
-              <a:rPr lang="ru-RU" dirty="0" smtClean="0"/>
+              <a:rPr lang="ru-RU" dirty="0"/>
               <a:t>0.3 мм</a:t>
             </a:r>
-            <a:endParaRPr lang="ru-RU" dirty="0"/>
           </a:p>
         </p:txBody>
       </p:sp>
@@ -12996,8 +12952,8 @@
           </a:prstGeom>
         </p:spPr>
       </p:pic>
-      <mc:AlternateContent xmlns:mc="http://schemas.openxmlformats.org/markup-compatibility/2006">
-        <mc:Choice xmlns:a14="http://schemas.microsoft.com/office/drawing/2010/main" Requires="a14">
+      <mc:AlternateContent xmlns:mc="http://schemas.openxmlformats.org/markup-compatibility/2006" xmlns:a14="http://schemas.microsoft.com/office/drawing/2010/main">
+        <mc:Choice Requires="a14">
           <p:sp>
             <p:nvSpPr>
               <p:cNvPr id="12" name="Объект 2">
@@ -13227,20 +13183,16 @@
                   <a:buNone/>
                 </a:pPr>
                 <a:r>
-                  <a:rPr lang="ru-RU" sz="1800" dirty="0" smtClean="0"/>
+                  <a:rPr lang="ru-RU" sz="1800" dirty="0"/>
                   <a:t>Генерация </a:t>
                 </a:r>
                 <a:r>
-                  <a:rPr lang="ru-RU" sz="1800" b="1" dirty="0" smtClean="0"/>
+                  <a:rPr lang="ru-RU" sz="1800" b="1" dirty="0"/>
                   <a:t>500</a:t>
                 </a:r>
                 <a:r>
-                  <a:rPr lang="ru-RU" sz="1800" dirty="0" smtClean="0"/>
-                  <a:t> </a:t>
-                </a:r>
-                <a:r>
                   <a:rPr lang="ru-RU" sz="1800" dirty="0"/>
-                  <a:t>изображений пятна со случайными азимутальным и зенитным углами.</a:t>
+                  <a:t> изображений пятна со случайными азимутальным и зенитным углами.</a:t>
                 </a:r>
                 <a:br>
                   <a:rPr lang="ru-RU" sz="1800" dirty="0"/>
@@ -13632,7 +13584,7 @@
             </p:txBody>
           </p:sp>
         </mc:Choice>
-        <mc:Fallback>
+        <mc:Fallback xmlns="">
           <p:sp>
             <p:nvSpPr>
               <p:cNvPr id="12" name="Объект 2">
@@ -13687,13 +13639,6 @@
   <p:clrMapOvr>
     <a:masterClrMapping/>
   </p:clrMapOvr>
-  <p:timing>
-    <p:tnLst>
-      <p:par>
-        <p:cTn id="1" dur="indefinite" restart="never" nodeType="tmRoot"/>
-      </p:par>
-    </p:tnLst>
-  </p:timing>
 </p:sld>
 </file>
 
@@ -14226,12 +14171,8 @@
               <a:buNone/>
             </a:pPr>
             <a:r>
-              <a:rPr lang="ru-RU" sz="3200" dirty="0" smtClean="0"/>
-              <a:t>Определения </a:t>
-            </a:r>
-            <a:r>
               <a:rPr lang="ru-RU" sz="3200" dirty="0"/>
-              <a:t>ориентации по Солнцу</a:t>
+              <a:t>Определения ориентации по Солнцу</a:t>
             </a:r>
           </a:p>
           <a:p>
@@ -15264,13 +15205,6 @@
   <p:clrMapOvr>
     <a:masterClrMapping/>
   </p:clrMapOvr>
-  <p:timing>
-    <p:tnLst>
-      <p:par>
-        <p:cTn id="1" dur="indefinite" restart="never" nodeType="tmRoot"/>
-      </p:par>
-    </p:tnLst>
-  </p:timing>
 </p:sld>
 </file>
 
@@ -15419,13 +15353,6 @@
   <p:clrMapOvr>
     <a:masterClrMapping/>
   </p:clrMapOvr>
-  <p:timing>
-    <p:tnLst>
-      <p:par>
-        <p:cTn id="1" dur="indefinite" restart="never" nodeType="tmRoot"/>
-      </p:par>
-    </p:tnLst>
-  </p:timing>
 </p:sld>
 </file>
 
@@ -15661,13 +15588,6 @@
   <p:clrMapOvr>
     <a:masterClrMapping/>
   </p:clrMapOvr>
-  <p:timing>
-    <p:tnLst>
-      <p:par>
-        <p:cTn id="1" dur="indefinite" restart="never" nodeType="tmRoot"/>
-      </p:par>
-    </p:tnLst>
-  </p:timing>
 </p:sld>
 </file>
 

--- a/Pres/Диплом преза.pptx
+++ b/Pres/Диплом преза.pptx
@@ -219,7 +219,7 @@
           <a:p>
             <a:fld id="{D263CB15-747A-4D97-85C0-24CCF4A04F9B}" type="datetimeFigureOut">
               <a:rPr lang="ru-RU" smtClean="0"/>
-              <a:t>15.06.2021</a:t>
+              <a:t>16.06.2021</a:t>
             </a:fld>
             <a:endParaRPr lang="ru-RU"/>
           </a:p>
@@ -655,7 +655,7 @@
           <a:p>
             <a:fld id="{3D489136-C38E-486A-BBBF-AA0AA56810BF}" type="datetime1">
               <a:rPr lang="en-US" smtClean="0"/>
-              <a:t>6/15/2021</a:t>
+              <a:t>6/16/2021</a:t>
             </a:fld>
             <a:endParaRPr lang="en-US" dirty="0"/>
           </a:p>
@@ -981,7 +981,7 @@
           <a:p>
             <a:fld id="{35B3844E-4E0A-4F90-8CEE-BA3EB56E8380}" type="datetime1">
               <a:rPr lang="en-US" smtClean="0"/>
-              <a:t>6/15/2021</a:t>
+              <a:t>6/16/2021</a:t>
             </a:fld>
             <a:endParaRPr lang="en-US" dirty="0"/>
           </a:p>
@@ -1156,7 +1156,7 @@
           <a:p>
             <a:fld id="{AA77E8EF-D946-43D4-BEA5-58109BF33FB9}" type="datetime1">
               <a:rPr lang="en-US" smtClean="0"/>
-              <a:t>6/15/2021</a:t>
+              <a:t>6/16/2021</a:t>
             </a:fld>
             <a:endParaRPr lang="en-US" dirty="0"/>
           </a:p>
@@ -1321,7 +1321,7 @@
           <a:p>
             <a:fld id="{E69AC3C7-6072-4E8A-84C3-7CFCA9A538CC}" type="datetime1">
               <a:rPr lang="en-US" smtClean="0"/>
-              <a:t>6/15/2021</a:t>
+              <a:t>6/16/2021</a:t>
             </a:fld>
             <a:endParaRPr lang="en-US" dirty="0"/>
           </a:p>
@@ -1593,7 +1593,7 @@
           <a:p>
             <a:fld id="{FF927207-F485-44C7-ABC4-6F062EB9A313}" type="datetime1">
               <a:rPr lang="en-US" smtClean="0"/>
-              <a:t>6/15/2021</a:t>
+              <a:t>6/16/2021</a:t>
             </a:fld>
             <a:endParaRPr lang="en-US" dirty="0"/>
           </a:p>
@@ -1983,7 +1983,7 @@
           <a:p>
             <a:fld id="{45977EA2-6485-475C-93E9-C8796BC67A4D}" type="datetime1">
               <a:rPr lang="en-US" smtClean="0"/>
-              <a:t>6/15/2021</a:t>
+              <a:t>6/16/2021</a:t>
             </a:fld>
             <a:endParaRPr lang="en-US" dirty="0"/>
           </a:p>
@@ -2455,7 +2455,7 @@
           <a:p>
             <a:fld id="{69EFA4FB-446C-4008-A706-F04862265C86}" type="datetime1">
               <a:rPr lang="en-US" smtClean="0"/>
-              <a:t>6/15/2021</a:t>
+              <a:t>6/16/2021</a:t>
             </a:fld>
             <a:endParaRPr lang="en-US" dirty="0"/>
           </a:p>
@@ -2568,7 +2568,7 @@
           <a:p>
             <a:fld id="{9FD2B407-3546-4B02-A07F-450F574ABEE3}" type="datetime1">
               <a:rPr lang="en-US" smtClean="0"/>
-              <a:t>6/15/2021</a:t>
+              <a:t>6/16/2021</a:t>
             </a:fld>
             <a:endParaRPr lang="en-US" dirty="0"/>
           </a:p>
@@ -2658,7 +2658,7 @@
           <a:p>
             <a:fld id="{B2074BBA-BA56-436F-836E-BD0889859D5C}" type="datetime1">
               <a:rPr lang="en-US" smtClean="0"/>
-              <a:t>6/15/2021</a:t>
+              <a:t>6/16/2021</a:t>
             </a:fld>
             <a:endParaRPr lang="en-US" dirty="0"/>
           </a:p>
@@ -2999,7 +2999,7 @@
           <a:p>
             <a:fld id="{BFC19435-F282-44C2-A65A-96BED43E98DA}" type="datetime1">
               <a:rPr lang="en-US" smtClean="0"/>
-              <a:t>6/15/2021</a:t>
+              <a:t>6/16/2021</a:t>
             </a:fld>
             <a:endParaRPr lang="en-US" dirty="0"/>
           </a:p>
@@ -3383,7 +3383,7 @@
           <a:p>
             <a:fld id="{3DFD870D-89DE-452B-B436-F1366963F325}" type="datetime1">
               <a:rPr lang="en-US" smtClean="0"/>
-              <a:t>6/15/2021</a:t>
+              <a:t>6/16/2021</a:t>
             </a:fld>
             <a:endParaRPr lang="en-US" dirty="0"/>
           </a:p>
@@ -3657,7 +3657,7 @@
           <a:p>
             <a:fld id="{C63D728C-5BE4-48CD-B3EB-B3F124074489}" type="datetime1">
               <a:rPr lang="en-US" smtClean="0"/>
-              <a:t>6/15/2021</a:t>
+              <a:t>6/16/2021</a:t>
             </a:fld>
             <a:endParaRPr lang="en-US" dirty="0"/>
           </a:p>
@@ -4716,7 +4716,7 @@
         </p:nvGrpSpPr>
         <p:grpSpPr>
           <a:xfrm>
-            <a:off x="3116931" y="1389888"/>
+            <a:off x="1371600" y="1389888"/>
             <a:ext cx="5958138" cy="5063497"/>
             <a:chOff x="1353312" y="1787231"/>
             <a:chExt cx="5558148" cy="4342233"/>
@@ -4870,6 +4870,110 @@
               <a:t>11</a:t>
             </a:fld>
             <a:endParaRPr lang="en-US" sz="1800" dirty="0"/>
+          </a:p>
+        </p:txBody>
+      </p:sp>
+      <p:sp>
+        <p:nvSpPr>
+          <p:cNvPr id="8" name="Заголовок 1">
+            <a:extLst>
+              <a:ext uri="{FF2B5EF4-FFF2-40B4-BE49-F238E27FC236}">
+                <a16:creationId xmlns:a16="http://schemas.microsoft.com/office/drawing/2014/main" id="{98FD7515-DC15-44F9-B4E3-B8A8D1A8FD91}"/>
+              </a:ext>
+            </a:extLst>
+          </p:cNvPr>
+          <p:cNvSpPr txBox="1">
+            <a:spLocks/>
+          </p:cNvSpPr>
+          <p:nvPr/>
+        </p:nvSpPr>
+        <p:spPr>
+          <a:xfrm>
+            <a:off x="7330656" y="1389889"/>
+            <a:ext cx="3738372" cy="2039112"/>
+          </a:xfrm>
+          <a:prstGeom prst="rect">
+            <a:avLst/>
+          </a:prstGeom>
+        </p:spPr>
+        <p:txBody>
+          <a:bodyPr vert="horz" lIns="91440" tIns="45720" rIns="91440" bIns="45720" rtlCol="0" anchor="t">
+            <a:normAutofit/>
+          </a:bodyPr>
+          <a:lstStyle>
+            <a:lvl1pPr algn="l" defTabSz="914400" rtl="0" eaLnBrk="1" latinLnBrk="0" hangingPunct="1">
+              <a:lnSpc>
+                <a:spcPct val="89000"/>
+              </a:lnSpc>
+              <a:spcBef>
+                <a:spcPct val="0"/>
+              </a:spcBef>
+              <a:buNone/>
+              <a:defRPr sz="4400" kern="1200" baseline="0">
+                <a:solidFill>
+                  <a:schemeClr val="tx2"/>
+                </a:solidFill>
+                <a:latin typeface="+mj-lt"/>
+                <a:ea typeface="+mj-ea"/>
+                <a:cs typeface="+mj-cs"/>
+              </a:defRPr>
+            </a:lvl1pPr>
+          </a:lstStyle>
+          <a:p>
+            <a:r>
+              <a:rPr lang="en-US" sz="1600" dirty="0" err="1"/>
+              <a:t>Matlab</a:t>
+            </a:r>
+            <a:r>
+              <a:rPr lang="en-US" sz="1600" dirty="0"/>
+              <a:t>:</a:t>
+            </a:r>
+            <a:endParaRPr lang="ru-RU" sz="1600" dirty="0"/>
+          </a:p>
+          <a:p>
+            <a:endParaRPr lang="en-US" sz="1600" dirty="0"/>
+          </a:p>
+          <a:p>
+            <a:pPr marL="285750" indent="-285750">
+              <a:buFont typeface="Arial" panose="020B0604020202020204" pitchFamily="34" charset="0"/>
+              <a:buChar char="•"/>
+            </a:pPr>
+            <a:r>
+              <a:rPr lang="ru-RU" sz="1600" dirty="0"/>
+              <a:t>большое количество операций копирования из-за отсутствия ссылок</a:t>
+            </a:r>
+            <a:r>
+              <a:rPr lang="en-US" sz="1600" dirty="0"/>
+              <a:t>/</a:t>
+            </a:r>
+            <a:r>
+              <a:rPr lang="ru-RU" sz="1600" dirty="0"/>
+              <a:t>указателей в языке =</a:t>
+            </a:r>
+            <a:r>
+              <a:rPr lang="en-US" sz="1600" dirty="0"/>
+              <a:t>&gt; </a:t>
+            </a:r>
+            <a:r>
+              <a:rPr lang="ru-RU" sz="1600" dirty="0"/>
+              <a:t>медленные реализации очереди</a:t>
+            </a:r>
+            <a:r>
+              <a:rPr lang="en-US" sz="1600" dirty="0"/>
+              <a:t>/</a:t>
+            </a:r>
+            <a:r>
+              <a:rPr lang="ru-RU" sz="1600" dirty="0"/>
+              <a:t>связного списка.</a:t>
+            </a:r>
+            <a:endParaRPr lang="en-US" sz="1600" dirty="0"/>
+          </a:p>
+          <a:p>
+            <a:pPr marL="285750" indent="-285750">
+              <a:buFont typeface="Arial" panose="020B0604020202020204" pitchFamily="34" charset="0"/>
+              <a:buChar char="•"/>
+            </a:pPr>
+            <a:endParaRPr lang="en-US" sz="1600" dirty="0"/>
           </a:p>
         </p:txBody>
       </p:sp>
@@ -7268,140 +7372,6 @@
           </a:p>
         </p:txBody>
       </p:sp>
-      <p:sp>
-        <p:nvSpPr>
-          <p:cNvPr id="8" name="Заголовок 1">
-            <a:extLst>
-              <a:ext uri="{FF2B5EF4-FFF2-40B4-BE49-F238E27FC236}">
-                <a16:creationId xmlns:a16="http://schemas.microsoft.com/office/drawing/2014/main" id="{F5654F39-2E36-469F-8005-E8304451C71E}"/>
-              </a:ext>
-            </a:extLst>
-          </p:cNvPr>
-          <p:cNvSpPr txBox="1">
-            <a:spLocks/>
-          </p:cNvSpPr>
-          <p:nvPr/>
-        </p:nvSpPr>
-        <p:spPr>
-          <a:xfrm>
-            <a:off x="7389876" y="1658047"/>
-            <a:ext cx="3738372" cy="3853519"/>
-          </a:xfrm>
-          <a:prstGeom prst="rect">
-            <a:avLst/>
-          </a:prstGeom>
-        </p:spPr>
-        <p:txBody>
-          <a:bodyPr vert="horz" lIns="91440" tIns="45720" rIns="91440" bIns="45720" rtlCol="0" anchor="t">
-            <a:normAutofit/>
-          </a:bodyPr>
-          <a:lstStyle>
-            <a:lvl1pPr algn="l" defTabSz="914400" rtl="0" eaLnBrk="1" latinLnBrk="0" hangingPunct="1">
-              <a:lnSpc>
-                <a:spcPct val="89000"/>
-              </a:lnSpc>
-              <a:spcBef>
-                <a:spcPct val="0"/>
-              </a:spcBef>
-              <a:buNone/>
-              <a:defRPr sz="4400" kern="1200" baseline="0">
-                <a:solidFill>
-                  <a:schemeClr val="tx2"/>
-                </a:solidFill>
-                <a:latin typeface="+mj-lt"/>
-                <a:ea typeface="+mj-ea"/>
-                <a:cs typeface="+mj-cs"/>
-              </a:defRPr>
-            </a:lvl1pPr>
-          </a:lstStyle>
-          <a:p>
-            <a:r>
-              <a:rPr lang="en-US" sz="1600" dirty="0" err="1"/>
-              <a:t>Matlab</a:t>
-            </a:r>
-            <a:r>
-              <a:rPr lang="en-US" sz="1600" dirty="0"/>
-              <a:t>:</a:t>
-            </a:r>
-            <a:endParaRPr lang="ru-RU" sz="1600" dirty="0"/>
-          </a:p>
-          <a:p>
-            <a:endParaRPr lang="en-US" sz="1600" dirty="0"/>
-          </a:p>
-          <a:p>
-            <a:pPr marL="285750" indent="-285750">
-              <a:buFont typeface="Arial" panose="020B0604020202020204" pitchFamily="34" charset="0"/>
-              <a:buChar char="•"/>
-            </a:pPr>
-            <a:r>
-              <a:rPr lang="ru-RU" sz="1600" dirty="0"/>
-              <a:t>большое количество операций копирования, из-за отсутствия структуры данных </a:t>
-            </a:r>
-            <a:r>
-              <a:rPr lang="en-US" sz="1600" dirty="0"/>
-              <a:t>“</a:t>
-            </a:r>
-            <a:r>
-              <a:rPr lang="ru-RU" sz="1600" dirty="0"/>
-              <a:t>очередь</a:t>
-            </a:r>
-            <a:r>
-              <a:rPr lang="en-US" sz="1600" dirty="0"/>
-              <a:t>”</a:t>
-            </a:r>
-            <a:r>
-              <a:rPr lang="ru-RU" sz="1600" dirty="0"/>
-              <a:t> в языке</a:t>
-            </a:r>
-            <a:r>
-              <a:rPr lang="en-US" sz="1600" dirty="0"/>
-              <a:t>.</a:t>
-            </a:r>
-          </a:p>
-          <a:p>
-            <a:pPr marL="285750" indent="-285750">
-              <a:buFont typeface="Arial" panose="020B0604020202020204" pitchFamily="34" charset="0"/>
-              <a:buChar char="•"/>
-            </a:pPr>
-            <a:endParaRPr lang="en-US" sz="1600" dirty="0"/>
-          </a:p>
-          <a:p>
-            <a:r>
-              <a:rPr lang="en-US" sz="1600" dirty="0"/>
-              <a:t>Python:</a:t>
-            </a:r>
-            <a:endParaRPr lang="ru-RU" sz="1600" dirty="0"/>
-          </a:p>
-          <a:p>
-            <a:endParaRPr lang="en-US" sz="1600" dirty="0"/>
-          </a:p>
-          <a:p>
-            <a:pPr marL="285750" indent="-285750">
-              <a:buFont typeface="Arial" panose="020B0604020202020204" pitchFamily="34" charset="0"/>
-              <a:buChar char="•"/>
-            </a:pPr>
-            <a:r>
-              <a:rPr lang="ru-RU" sz="1600" dirty="0"/>
-              <a:t>в языке есть встроенная реализация структуры данных</a:t>
-            </a:r>
-            <a:r>
-              <a:rPr lang="en-US" sz="1600" dirty="0"/>
-              <a:t> “</a:t>
-            </a:r>
-            <a:r>
-              <a:rPr lang="ru-RU" sz="1600" dirty="0"/>
-              <a:t>Очередь</a:t>
-            </a:r>
-            <a:r>
-              <a:rPr lang="en-US" sz="1600" dirty="0"/>
-              <a:t>”.</a:t>
-            </a:r>
-          </a:p>
-          <a:p>
-            <a:endParaRPr lang="ru-RU" sz="1600" dirty="0"/>
-          </a:p>
-        </p:txBody>
-      </p:sp>
       <p:grpSp>
         <p:nvGrpSpPr>
           <p:cNvPr id="3" name="Группа 2">
@@ -7416,7 +7386,7 @@
         </p:nvGrpSpPr>
         <p:grpSpPr>
           <a:xfrm>
-            <a:off x="1353312" y="1767105"/>
+            <a:off x="3316926" y="1740457"/>
             <a:ext cx="5558148" cy="4362359"/>
             <a:chOff x="1353312" y="1767105"/>
             <a:chExt cx="5558148" cy="4362359"/>
